--- a/HousePricePrediction_Präsentation.pptx
+++ b/HousePricePrediction_Präsentation.pptx
@@ -5,28 +5,34 @@
     <p:sldMasterId id="2147483648" r:id="rId1"/>
   </p:sldMasterIdLst>
   <p:notesMasterIdLst>
-    <p:notesMasterId r:id="rId18"/>
+    <p:notesMasterId r:id="rId24"/>
   </p:notesMasterIdLst>
   <p:handoutMasterIdLst>
-    <p:handoutMasterId r:id="rId19"/>
+    <p:handoutMasterId r:id="rId25"/>
   </p:handoutMasterIdLst>
   <p:sldIdLst>
     <p:sldId id="257" r:id="rId2"/>
     <p:sldId id="266" r:id="rId3"/>
     <p:sldId id="272" r:id="rId4"/>
-    <p:sldId id="301" r:id="rId5"/>
-    <p:sldId id="273" r:id="rId6"/>
-    <p:sldId id="302" r:id="rId7"/>
-    <p:sldId id="293" r:id="rId8"/>
-    <p:sldId id="304" r:id="rId9"/>
-    <p:sldId id="305" r:id="rId10"/>
-    <p:sldId id="306" r:id="rId11"/>
-    <p:sldId id="307" r:id="rId12"/>
-    <p:sldId id="308" r:id="rId13"/>
-    <p:sldId id="309" r:id="rId14"/>
-    <p:sldId id="310" r:id="rId15"/>
-    <p:sldId id="311" r:id="rId16"/>
-    <p:sldId id="312" r:id="rId17"/>
+    <p:sldId id="279" r:id="rId5"/>
+    <p:sldId id="301" r:id="rId6"/>
+    <p:sldId id="273" r:id="rId7"/>
+    <p:sldId id="302" r:id="rId8"/>
+    <p:sldId id="293" r:id="rId9"/>
+    <p:sldId id="304" r:id="rId10"/>
+    <p:sldId id="305" r:id="rId11"/>
+    <p:sldId id="316" r:id="rId12"/>
+    <p:sldId id="317" r:id="rId13"/>
+    <p:sldId id="306" r:id="rId14"/>
+    <p:sldId id="307" r:id="rId15"/>
+    <p:sldId id="308" r:id="rId16"/>
+    <p:sldId id="309" r:id="rId17"/>
+    <p:sldId id="312" r:id="rId18"/>
+    <p:sldId id="310" r:id="rId19"/>
+    <p:sldId id="311" r:id="rId20"/>
+    <p:sldId id="315" r:id="rId21"/>
+    <p:sldId id="314" r:id="rId22"/>
+    <p:sldId id="313" r:id="rId23"/>
   </p:sldIdLst>
   <p:sldSz cx="12192000" cy="6858000"/>
   <p:notesSz cx="6858000" cy="9144000"/>
@@ -128,24 +134,38 @@
   <p:extLst>
     <p:ext uri="{521415D9-36F7-43E2-AB2F-B90AF26B5E84}">
       <p14:sectionLst xmlns:p14="http://schemas.microsoft.com/office/powerpoint/2010/main">
-        <p14:section name="Standardabschnitt" id="{B44C712F-CD12-42CB-87B2-06AC3C5E7A50}">
+        <p14:section name="Felix Part" id="{B44C712F-CD12-42CB-87B2-06AC3C5E7A50}">
           <p14:sldIdLst>
             <p14:sldId id="257"/>
             <p14:sldId id="266"/>
             <p14:sldId id="272"/>
+            <p14:sldId id="279"/>
             <p14:sldId id="301"/>
             <p14:sldId id="273"/>
             <p14:sldId id="302"/>
             <p14:sldId id="293"/>
+          </p14:sldIdLst>
+        </p14:section>
+        <p14:section name="Lennarts Part" id="{6751819A-447C-485E-A7FD-029B871FB200}">
+          <p14:sldIdLst>
             <p14:sldId id="304"/>
             <p14:sldId id="305"/>
+            <p14:sldId id="316"/>
+            <p14:sldId id="317"/>
             <p14:sldId id="306"/>
             <p14:sldId id="307"/>
+          </p14:sldIdLst>
+        </p14:section>
+        <p14:section name="Pascals Part" id="{72E504B2-37DA-44B3-A116-12F51569E51D}">
+          <p14:sldIdLst>
             <p14:sldId id="308"/>
             <p14:sldId id="309"/>
+            <p14:sldId id="312"/>
             <p14:sldId id="310"/>
             <p14:sldId id="311"/>
-            <p14:sldId id="312"/>
+            <p14:sldId id="315"/>
+            <p14:sldId id="314"/>
+            <p14:sldId id="313"/>
           </p14:sldIdLst>
         </p14:section>
       </p14:sectionLst>
@@ -174,9 +194,620 @@
 <file path=ppt/revisionInfo.xml><?xml version="1.0" encoding="utf-8"?>
 <p1510:revInfo xmlns:a="http://schemas.openxmlformats.org/drawingml/2006/main" xmlns:r="http://schemas.openxmlformats.org/officeDocument/2006/relationships" xmlns:p1510="http://schemas.microsoft.com/office/powerpoint/2015/10/main">
   <p1510:revLst>
-    <p1510:client id="{1140315E-58B6-4848-825D-678624FB833D}" v="97" dt="2021-07-09T08:58:45.425"/>
+    <p1510:client id="{DE576C09-2894-4CCE-ACC7-8E23FD19D206}" v="97" dt="2021-07-09T14:31:46.655"/>
   </p1510:revLst>
 </p1510:revInfo>
+</file>
+
+<file path=ppt/changesInfos/changesInfo1.xml><?xml version="1.0" encoding="utf-8"?>
+<pc:chgInfo xmlns:a="http://schemas.openxmlformats.org/drawingml/2006/main" xmlns:r="http://schemas.openxmlformats.org/officeDocument/2006/relationships" xmlns:ac="http://schemas.microsoft.com/office/drawing/2013/main/command" xmlns:pc="http://schemas.microsoft.com/office/powerpoint/2013/main/command">
+  <pc:docChgLst>
+    <pc:chgData name="P. Smith" userId="e168a96639a4093d" providerId="LiveId" clId="{DE576C09-2894-4CCE-ACC7-8E23FD19D206}"/>
+    <pc:docChg chg="undo custSel addSld delSld modSld sldOrd addSection modSection">
+      <pc:chgData name="P. Smith" userId="e168a96639a4093d" providerId="LiveId" clId="{DE576C09-2894-4CCE-ACC7-8E23FD19D206}" dt="2021-07-09T14:31:49.904" v="1273" actId="20577"/>
+      <pc:docMkLst>
+        <pc:docMk/>
+      </pc:docMkLst>
+      <pc:sldChg chg="modSp mod">
+        <pc:chgData name="P. Smith" userId="e168a96639a4093d" providerId="LiveId" clId="{DE576C09-2894-4CCE-ACC7-8E23FD19D206}" dt="2021-07-09T12:50:23.157" v="298" actId="20577"/>
+        <pc:sldMkLst>
+          <pc:docMk/>
+          <pc:sldMk cId="1300311978" sldId="266"/>
+        </pc:sldMkLst>
+        <pc:spChg chg="mod">
+          <ac:chgData name="P. Smith" userId="e168a96639a4093d" providerId="LiveId" clId="{DE576C09-2894-4CCE-ACC7-8E23FD19D206}" dt="2021-07-09T12:50:23.157" v="298" actId="20577"/>
+          <ac:spMkLst>
+            <pc:docMk/>
+            <pc:sldMk cId="1300311978" sldId="266"/>
+            <ac:spMk id="7" creationId="{1D6EB617-E017-4B26-9576-8578E948979A}"/>
+          </ac:spMkLst>
+        </pc:spChg>
+      </pc:sldChg>
+      <pc:sldChg chg="addSp delSp modSp mod">
+        <pc:chgData name="P. Smith" userId="e168a96639a4093d" providerId="LiveId" clId="{DE576C09-2894-4CCE-ACC7-8E23FD19D206}" dt="2021-07-09T14:19:31.414" v="810" actId="20577"/>
+        <pc:sldMkLst>
+          <pc:docMk/>
+          <pc:sldMk cId="3242389936" sldId="273"/>
+        </pc:sldMkLst>
+        <pc:spChg chg="mod">
+          <ac:chgData name="P. Smith" userId="e168a96639a4093d" providerId="LiveId" clId="{DE576C09-2894-4CCE-ACC7-8E23FD19D206}" dt="2021-07-09T14:18:49.672" v="775" actId="20577"/>
+          <ac:spMkLst>
+            <pc:docMk/>
+            <pc:sldMk cId="3242389936" sldId="273"/>
+            <ac:spMk id="6" creationId="{33DA7B46-E592-40C7-91D7-A26B47A30C67}"/>
+          </ac:spMkLst>
+        </pc:spChg>
+        <pc:spChg chg="mod">
+          <ac:chgData name="P. Smith" userId="e168a96639a4093d" providerId="LiveId" clId="{DE576C09-2894-4CCE-ACC7-8E23FD19D206}" dt="2021-07-09T14:19:31.414" v="810" actId="20577"/>
+          <ac:spMkLst>
+            <pc:docMk/>
+            <pc:sldMk cId="3242389936" sldId="273"/>
+            <ac:spMk id="7" creationId="{A7F42263-DE86-44BB-AC19-CD7982D365B2}"/>
+          </ac:spMkLst>
+        </pc:spChg>
+        <pc:picChg chg="add mod">
+          <ac:chgData name="P. Smith" userId="e168a96639a4093d" providerId="LiveId" clId="{DE576C09-2894-4CCE-ACC7-8E23FD19D206}" dt="2021-07-09T14:16:03.571" v="559" actId="1076"/>
+          <ac:picMkLst>
+            <pc:docMk/>
+            <pc:sldMk cId="3242389936" sldId="273"/>
+            <ac:picMk id="3074" creationId="{2632CC4F-8C42-4F6F-AF02-00A121C826C1}"/>
+          </ac:picMkLst>
+        </pc:picChg>
+        <pc:picChg chg="add mod">
+          <ac:chgData name="P. Smith" userId="e168a96639a4093d" providerId="LiveId" clId="{DE576C09-2894-4CCE-ACC7-8E23FD19D206}" dt="2021-07-09T14:16:07.227" v="562" actId="1076"/>
+          <ac:picMkLst>
+            <pc:docMk/>
+            <pc:sldMk cId="3242389936" sldId="273"/>
+            <ac:picMk id="3076" creationId="{96291465-14FE-4430-B3D3-384969873859}"/>
+          </ac:picMkLst>
+        </pc:picChg>
+        <pc:picChg chg="add mod">
+          <ac:chgData name="P. Smith" userId="e168a96639a4093d" providerId="LiveId" clId="{DE576C09-2894-4CCE-ACC7-8E23FD19D206}" dt="2021-07-09T14:16:04.649" v="560" actId="1076"/>
+          <ac:picMkLst>
+            <pc:docMk/>
+            <pc:sldMk cId="3242389936" sldId="273"/>
+            <ac:picMk id="3078" creationId="{F72C68F0-7CA9-46C3-B5D9-A2A6A966E57A}"/>
+          </ac:picMkLst>
+        </pc:picChg>
+        <pc:picChg chg="add del mod">
+          <ac:chgData name="P. Smith" userId="e168a96639a4093d" providerId="LiveId" clId="{DE576C09-2894-4CCE-ACC7-8E23FD19D206}" dt="2021-07-09T14:15:35.893" v="555" actId="478"/>
+          <ac:picMkLst>
+            <pc:docMk/>
+            <pc:sldMk cId="3242389936" sldId="273"/>
+            <ac:picMk id="3080" creationId="{C9C12E16-9727-4603-94B9-B0035AF3A1A9}"/>
+          </ac:picMkLst>
+        </pc:picChg>
+        <pc:picChg chg="add mod">
+          <ac:chgData name="P. Smith" userId="e168a96639a4093d" providerId="LiveId" clId="{DE576C09-2894-4CCE-ACC7-8E23FD19D206}" dt="2021-07-09T14:16:05.887" v="561" actId="1076"/>
+          <ac:picMkLst>
+            <pc:docMk/>
+            <pc:sldMk cId="3242389936" sldId="273"/>
+            <ac:picMk id="3082" creationId="{B31D40A9-E622-4963-AB08-776B55606F00}"/>
+          </ac:picMkLst>
+        </pc:picChg>
+      </pc:sldChg>
+      <pc:sldChg chg="modSp mod ord delDesignElem">
+        <pc:chgData name="P. Smith" userId="e168a96639a4093d" providerId="LiveId" clId="{DE576C09-2894-4CCE-ACC7-8E23FD19D206}" dt="2021-07-09T09:59:57.677" v="122" actId="2710"/>
+        <pc:sldMkLst>
+          <pc:docMk/>
+          <pc:sldMk cId="4160314936" sldId="279"/>
+        </pc:sldMkLst>
+        <pc:spChg chg="mod">
+          <ac:chgData name="P. Smith" userId="e168a96639a4093d" providerId="LiveId" clId="{DE576C09-2894-4CCE-ACC7-8E23FD19D206}" dt="2021-07-09T09:59:57.677" v="122" actId="2710"/>
+          <ac:spMkLst>
+            <pc:docMk/>
+            <pc:sldMk cId="4160314936" sldId="279"/>
+            <ac:spMk id="3" creationId="{03BB9285-D76E-44D1-A0BF-6022648ED2EC}"/>
+          </ac:spMkLst>
+        </pc:spChg>
+        <pc:spChg chg="mod">
+          <ac:chgData name="P. Smith" userId="e168a96639a4093d" providerId="LiveId" clId="{DE576C09-2894-4CCE-ACC7-8E23FD19D206}" dt="2021-07-09T09:58:43.427" v="116" actId="1076"/>
+          <ac:spMkLst>
+            <pc:docMk/>
+            <pc:sldMk cId="4160314936" sldId="279"/>
+            <ac:spMk id="39" creationId="{812679D9-F281-46E9-86B0-A4C5DBF686EA}"/>
+          </ac:spMkLst>
+        </pc:spChg>
+        <pc:spChg chg="mod">
+          <ac:chgData name="P. Smith" userId="e168a96639a4093d" providerId="LiveId" clId="{DE576C09-2894-4CCE-ACC7-8E23FD19D206}" dt="2021-07-09T09:59:42.891" v="121" actId="1076"/>
+          <ac:spMkLst>
+            <pc:docMk/>
+            <pc:sldMk cId="4160314936" sldId="279"/>
+            <ac:spMk id="50" creationId="{6FC8DCF0-3FE0-4034-B0C9-64E853C49AD1}"/>
+          </ac:spMkLst>
+        </pc:spChg>
+      </pc:sldChg>
+      <pc:sldChg chg="modSp mod">
+        <pc:chgData name="P. Smith" userId="e168a96639a4093d" providerId="LiveId" clId="{DE576C09-2894-4CCE-ACC7-8E23FD19D206}" dt="2021-07-09T10:09:03.941" v="263" actId="20577"/>
+        <pc:sldMkLst>
+          <pc:docMk/>
+          <pc:sldMk cId="1163063007" sldId="293"/>
+        </pc:sldMkLst>
+        <pc:spChg chg="mod">
+          <ac:chgData name="P. Smith" userId="e168a96639a4093d" providerId="LiveId" clId="{DE576C09-2894-4CCE-ACC7-8E23FD19D206}" dt="2021-07-09T10:09:03.941" v="263" actId="20577"/>
+          <ac:spMkLst>
+            <pc:docMk/>
+            <pc:sldMk cId="1163063007" sldId="293"/>
+            <ac:spMk id="13" creationId="{6DFAA7E0-5467-48C2-A0A1-08FFCDD0AB29}"/>
+          </ac:spMkLst>
+        </pc:spChg>
+        <pc:spChg chg="mod">
+          <ac:chgData name="P. Smith" userId="e168a96639a4093d" providerId="LiveId" clId="{DE576C09-2894-4CCE-ACC7-8E23FD19D206}" dt="2021-07-09T09:50:39.358" v="74" actId="20577"/>
+          <ac:spMkLst>
+            <pc:docMk/>
+            <pc:sldMk cId="1163063007" sldId="293"/>
+            <ac:spMk id="14" creationId="{26CD0F95-69FE-4CD4-B47D-11711D394220}"/>
+          </ac:spMkLst>
+        </pc:spChg>
+      </pc:sldChg>
+      <pc:sldChg chg="addSp modSp mod">
+        <pc:chgData name="P. Smith" userId="e168a96639a4093d" providerId="LiveId" clId="{DE576C09-2894-4CCE-ACC7-8E23FD19D206}" dt="2021-07-09T10:01:09.649" v="143" actId="20577"/>
+        <pc:sldMkLst>
+          <pc:docMk/>
+          <pc:sldMk cId="3503025107" sldId="301"/>
+        </pc:sldMkLst>
+        <pc:spChg chg="add mod">
+          <ac:chgData name="P. Smith" userId="e168a96639a4093d" providerId="LiveId" clId="{DE576C09-2894-4CCE-ACC7-8E23FD19D206}" dt="2021-07-09T10:01:09.649" v="143" actId="20577"/>
+          <ac:spMkLst>
+            <pc:docMk/>
+            <pc:sldMk cId="3503025107" sldId="301"/>
+            <ac:spMk id="7" creationId="{5542B896-D25D-432E-8730-D9847B3B92C5}"/>
+          </ac:spMkLst>
+        </pc:spChg>
+      </pc:sldChg>
+      <pc:sldChg chg="addSp delSp modSp mod">
+        <pc:chgData name="P. Smith" userId="e168a96639a4093d" providerId="LiveId" clId="{DE576C09-2894-4CCE-ACC7-8E23FD19D206}" dt="2021-07-09T12:54:46.675" v="465"/>
+        <pc:sldMkLst>
+          <pc:docMk/>
+          <pc:sldMk cId="2530214405" sldId="305"/>
+        </pc:sldMkLst>
+        <pc:spChg chg="mod">
+          <ac:chgData name="P. Smith" userId="e168a96639a4093d" providerId="LiveId" clId="{DE576C09-2894-4CCE-ACC7-8E23FD19D206}" dt="2021-07-09T12:53:26.338" v="464" actId="20577"/>
+          <ac:spMkLst>
+            <pc:docMk/>
+            <pc:sldMk cId="2530214405" sldId="305"/>
+            <ac:spMk id="6" creationId="{6414936E-D05E-408E-8928-3A45F6DBD2D1}"/>
+          </ac:spMkLst>
+        </pc:spChg>
+        <pc:spChg chg="del">
+          <ac:chgData name="P. Smith" userId="e168a96639a4093d" providerId="LiveId" clId="{DE576C09-2894-4CCE-ACC7-8E23FD19D206}" dt="2021-07-09T12:54:46.675" v="465"/>
+          <ac:spMkLst>
+            <pc:docMk/>
+            <pc:sldMk cId="2530214405" sldId="305"/>
+            <ac:spMk id="7" creationId="{69E7DF58-16C6-4F69-B877-51B6E7DC95A8}"/>
+          </ac:spMkLst>
+        </pc:spChg>
+        <pc:picChg chg="add mod">
+          <ac:chgData name="P. Smith" userId="e168a96639a4093d" providerId="LiveId" clId="{DE576C09-2894-4CCE-ACC7-8E23FD19D206}" dt="2021-07-09T12:54:46.675" v="465"/>
+          <ac:picMkLst>
+            <pc:docMk/>
+            <pc:sldMk cId="2530214405" sldId="305"/>
+            <ac:picMk id="1026" creationId="{9179843E-C998-4B99-A540-75F33D39C7B4}"/>
+          </ac:picMkLst>
+        </pc:picChg>
+      </pc:sldChg>
+      <pc:sldChg chg="modSp">
+        <pc:chgData name="P. Smith" userId="e168a96639a4093d" providerId="LiveId" clId="{DE576C09-2894-4CCE-ACC7-8E23FD19D206}" dt="2021-07-09T12:52:09.568" v="322" actId="20577"/>
+        <pc:sldMkLst>
+          <pc:docMk/>
+          <pc:sldMk cId="3696375800" sldId="306"/>
+        </pc:sldMkLst>
+        <pc:spChg chg="mod">
+          <ac:chgData name="P. Smith" userId="e168a96639a4093d" providerId="LiveId" clId="{DE576C09-2894-4CCE-ACC7-8E23FD19D206}" dt="2021-07-09T12:52:09.568" v="322" actId="20577"/>
+          <ac:spMkLst>
+            <pc:docMk/>
+            <pc:sldMk cId="3696375800" sldId="306"/>
+            <ac:spMk id="9" creationId="{0BBDD6C2-530F-44B5-B406-9B43C8D01762}"/>
+          </ac:spMkLst>
+        </pc:spChg>
+      </pc:sldChg>
+      <pc:sldChg chg="addSp delSp modSp mod">
+        <pc:chgData name="P. Smith" userId="e168a96639a4093d" providerId="LiveId" clId="{DE576C09-2894-4CCE-ACC7-8E23FD19D206}" dt="2021-07-09T14:27:06.357" v="1251" actId="1076"/>
+        <pc:sldMkLst>
+          <pc:docMk/>
+          <pc:sldMk cId="3322845816" sldId="307"/>
+        </pc:sldMkLst>
+        <pc:spChg chg="mod">
+          <ac:chgData name="P. Smith" userId="e168a96639a4093d" providerId="LiveId" clId="{DE576C09-2894-4CCE-ACC7-8E23FD19D206}" dt="2021-07-09T12:51:56.902" v="306"/>
+          <ac:spMkLst>
+            <pc:docMk/>
+            <pc:sldMk cId="3322845816" sldId="307"/>
+            <ac:spMk id="2" creationId="{7CFB5C08-3F71-404E-8124-239517BF8D83}"/>
+          </ac:spMkLst>
+        </pc:spChg>
+        <pc:spChg chg="del">
+          <ac:chgData name="P. Smith" userId="e168a96639a4093d" providerId="LiveId" clId="{DE576C09-2894-4CCE-ACC7-8E23FD19D206}" dt="2021-07-09T14:26:44.795" v="1231" actId="478"/>
+          <ac:spMkLst>
+            <pc:docMk/>
+            <pc:sldMk cId="3322845816" sldId="307"/>
+            <ac:spMk id="4" creationId="{08432694-FDC1-43C2-A849-260B395AA70F}"/>
+          </ac:spMkLst>
+        </pc:spChg>
+        <pc:spChg chg="add mod">
+          <ac:chgData name="P. Smith" userId="e168a96639a4093d" providerId="LiveId" clId="{DE576C09-2894-4CCE-ACC7-8E23FD19D206}" dt="2021-07-09T14:27:06.357" v="1251" actId="1076"/>
+          <ac:spMkLst>
+            <pc:docMk/>
+            <pc:sldMk cId="3322845816" sldId="307"/>
+            <ac:spMk id="5" creationId="{CBEFB219-EA9C-4F75-B1BF-BD2AC2B42F93}"/>
+          </ac:spMkLst>
+        </pc:spChg>
+      </pc:sldChg>
+      <pc:sldChg chg="modSp mod">
+        <pc:chgData name="P. Smith" userId="e168a96639a4093d" providerId="LiveId" clId="{DE576C09-2894-4CCE-ACC7-8E23FD19D206}" dt="2021-07-09T10:08:06.770" v="259" actId="404"/>
+        <pc:sldMkLst>
+          <pc:docMk/>
+          <pc:sldMk cId="3588362269" sldId="308"/>
+        </pc:sldMkLst>
+        <pc:spChg chg="mod">
+          <ac:chgData name="P. Smith" userId="e168a96639a4093d" providerId="LiveId" clId="{DE576C09-2894-4CCE-ACC7-8E23FD19D206}" dt="2021-07-09T10:08:06.770" v="259" actId="404"/>
+          <ac:spMkLst>
+            <pc:docMk/>
+            <pc:sldMk cId="3588362269" sldId="308"/>
+            <ac:spMk id="9" creationId="{65406D2C-E8D8-48AB-8F17-2D34C264EF96}"/>
+          </ac:spMkLst>
+        </pc:spChg>
+      </pc:sldChg>
+      <pc:sldChg chg="addSp modSp mod">
+        <pc:chgData name="P. Smith" userId="e168a96639a4093d" providerId="LiveId" clId="{DE576C09-2894-4CCE-ACC7-8E23FD19D206}" dt="2021-07-09T12:51:26.403" v="305" actId="1076"/>
+        <pc:sldMkLst>
+          <pc:docMk/>
+          <pc:sldMk cId="3052919427" sldId="309"/>
+        </pc:sldMkLst>
+        <pc:spChg chg="add mod">
+          <ac:chgData name="P. Smith" userId="e168a96639a4093d" providerId="LiveId" clId="{DE576C09-2894-4CCE-ACC7-8E23FD19D206}" dt="2021-07-09T09:54:25.439" v="103" actId="2711"/>
+          <ac:spMkLst>
+            <pc:docMk/>
+            <pc:sldMk cId="3052919427" sldId="309"/>
+            <ac:spMk id="14" creationId="{9CA19B93-E4B2-431D-8855-6E741FD38923}"/>
+          </ac:spMkLst>
+        </pc:spChg>
+        <pc:spChg chg="add mod">
+          <ac:chgData name="P. Smith" userId="e168a96639a4093d" providerId="LiveId" clId="{DE576C09-2894-4CCE-ACC7-8E23FD19D206}" dt="2021-07-09T09:54:42.507" v="107" actId="1076"/>
+          <ac:spMkLst>
+            <pc:docMk/>
+            <pc:sldMk cId="3052919427" sldId="309"/>
+            <ac:spMk id="15" creationId="{62E55A1E-2DD7-4D57-938D-6062DA1B2128}"/>
+          </ac:spMkLst>
+        </pc:spChg>
+        <pc:picChg chg="mod">
+          <ac:chgData name="P. Smith" userId="e168a96639a4093d" providerId="LiveId" clId="{DE576C09-2894-4CCE-ACC7-8E23FD19D206}" dt="2021-07-09T12:51:26.403" v="305" actId="1076"/>
+          <ac:picMkLst>
+            <pc:docMk/>
+            <pc:sldMk cId="3052919427" sldId="309"/>
+            <ac:picMk id="23" creationId="{3AB0162C-D555-4B1A-B071-D48D1F349809}"/>
+          </ac:picMkLst>
+        </pc:picChg>
+      </pc:sldChg>
+      <pc:sldChg chg="addSp modSp mod">
+        <pc:chgData name="P. Smith" userId="e168a96639a4093d" providerId="LiveId" clId="{DE576C09-2894-4CCE-ACC7-8E23FD19D206}" dt="2021-07-09T09:54:56.054" v="108" actId="20577"/>
+        <pc:sldMkLst>
+          <pc:docMk/>
+          <pc:sldMk cId="1793110263" sldId="310"/>
+        </pc:sldMkLst>
+        <pc:spChg chg="add mod">
+          <ac:chgData name="P. Smith" userId="e168a96639a4093d" providerId="LiveId" clId="{DE576C09-2894-4CCE-ACC7-8E23FD19D206}" dt="2021-07-09T09:54:14.548" v="102" actId="2711"/>
+          <ac:spMkLst>
+            <pc:docMk/>
+            <pc:sldMk cId="1793110263" sldId="310"/>
+            <ac:spMk id="16" creationId="{DF882654-B33A-4579-A65B-87632C939422}"/>
+          </ac:spMkLst>
+        </pc:spChg>
+        <pc:spChg chg="add mod">
+          <ac:chgData name="P. Smith" userId="e168a96639a4093d" providerId="LiveId" clId="{DE576C09-2894-4CCE-ACC7-8E23FD19D206}" dt="2021-07-09T09:54:38.012" v="105" actId="1076"/>
+          <ac:spMkLst>
+            <pc:docMk/>
+            <pc:sldMk cId="1793110263" sldId="310"/>
+            <ac:spMk id="17" creationId="{1690125A-811A-489F-81FB-F9034B2C3D61}"/>
+          </ac:spMkLst>
+        </pc:spChg>
+        <pc:spChg chg="mod">
+          <ac:chgData name="P. Smith" userId="e168a96639a4093d" providerId="LiveId" clId="{DE576C09-2894-4CCE-ACC7-8E23FD19D206}" dt="2021-07-09T09:54:56.054" v="108" actId="20577"/>
+          <ac:spMkLst>
+            <pc:docMk/>
+            <pc:sldMk cId="1793110263" sldId="310"/>
+            <ac:spMk id="31" creationId="{90F18B0B-318A-48B4-B9B6-BFE9070585F5}"/>
+          </ac:spMkLst>
+        </pc:spChg>
+      </pc:sldChg>
+      <pc:sldChg chg="addSp modSp mod">
+        <pc:chgData name="P. Smith" userId="e168a96639a4093d" providerId="LiveId" clId="{DE576C09-2894-4CCE-ACC7-8E23FD19D206}" dt="2021-07-09T09:53:54.861" v="99" actId="1076"/>
+        <pc:sldMkLst>
+          <pc:docMk/>
+          <pc:sldMk cId="2145441720" sldId="311"/>
+        </pc:sldMkLst>
+        <pc:spChg chg="add mod">
+          <ac:chgData name="P. Smith" userId="e168a96639a4093d" providerId="LiveId" clId="{DE576C09-2894-4CCE-ACC7-8E23FD19D206}" dt="2021-07-09T09:53:43.547" v="98" actId="2711"/>
+          <ac:spMkLst>
+            <pc:docMk/>
+            <pc:sldMk cId="2145441720" sldId="311"/>
+            <ac:spMk id="18" creationId="{17BACBE9-D011-4238-B8A0-EE0B1023878C}"/>
+          </ac:spMkLst>
+        </pc:spChg>
+        <pc:spChg chg="add mod">
+          <ac:chgData name="P. Smith" userId="e168a96639a4093d" providerId="LiveId" clId="{DE576C09-2894-4CCE-ACC7-8E23FD19D206}" dt="2021-07-09T09:53:54.861" v="99" actId="1076"/>
+          <ac:spMkLst>
+            <pc:docMk/>
+            <pc:sldMk cId="2145441720" sldId="311"/>
+            <ac:spMk id="19" creationId="{AF9A2121-9690-46DD-B48C-D00FF3799AC1}"/>
+          </ac:spMkLst>
+        </pc:spChg>
+      </pc:sldChg>
+      <pc:sldChg chg="modSp mod ord">
+        <pc:chgData name="P. Smith" userId="e168a96639a4093d" providerId="LiveId" clId="{DE576C09-2894-4CCE-ACC7-8E23FD19D206}" dt="2021-07-09T10:07:56.292" v="258" actId="404"/>
+        <pc:sldMkLst>
+          <pc:docMk/>
+          <pc:sldMk cId="4033700046" sldId="312"/>
+        </pc:sldMkLst>
+        <pc:spChg chg="mod">
+          <ac:chgData name="P. Smith" userId="e168a96639a4093d" providerId="LiveId" clId="{DE576C09-2894-4CCE-ACC7-8E23FD19D206}" dt="2021-07-09T10:07:56.292" v="258" actId="404"/>
+          <ac:spMkLst>
+            <pc:docMk/>
+            <pc:sldMk cId="4033700046" sldId="312"/>
+            <ac:spMk id="9" creationId="{DB80BDBA-070C-4A03-B38E-F90D3B38707C}"/>
+          </ac:spMkLst>
+        </pc:spChg>
+      </pc:sldChg>
+      <pc:sldChg chg="addSp modSp add mod ord">
+        <pc:chgData name="P. Smith" userId="e168a96639a4093d" providerId="LiveId" clId="{DE576C09-2894-4CCE-ACC7-8E23FD19D206}" dt="2021-07-09T10:02:27.153" v="189" actId="1076"/>
+        <pc:sldMkLst>
+          <pc:docMk/>
+          <pc:sldMk cId="1183886835" sldId="313"/>
+        </pc:sldMkLst>
+        <pc:spChg chg="add mod">
+          <ac:chgData name="P. Smith" userId="e168a96639a4093d" providerId="LiveId" clId="{DE576C09-2894-4CCE-ACC7-8E23FD19D206}" dt="2021-07-09T10:02:27.153" v="189" actId="1076"/>
+          <ac:spMkLst>
+            <pc:docMk/>
+            <pc:sldMk cId="1183886835" sldId="313"/>
+            <ac:spMk id="2" creationId="{D74B3380-61A7-48C9-BDC7-DA53AACEDFCF}"/>
+          </ac:spMkLst>
+        </pc:spChg>
+        <pc:spChg chg="mod">
+          <ac:chgData name="P. Smith" userId="e168a96639a4093d" providerId="LiveId" clId="{DE576C09-2894-4CCE-ACC7-8E23FD19D206}" dt="2021-07-09T10:02:01.187" v="166" actId="27636"/>
+          <ac:spMkLst>
+            <pc:docMk/>
+            <pc:sldMk cId="1183886835" sldId="313"/>
+            <ac:spMk id="8" creationId="{D2CF5A7C-F746-45E9-9CAC-A6B1FD53239B}"/>
+          </ac:spMkLst>
+        </pc:spChg>
+      </pc:sldChg>
+      <pc:sldChg chg="new del">
+        <pc:chgData name="P. Smith" userId="e168a96639a4093d" providerId="LiveId" clId="{DE576C09-2894-4CCE-ACC7-8E23FD19D206}" dt="2021-07-09T10:01:40.704" v="145" actId="2696"/>
+        <pc:sldMkLst>
+          <pc:docMk/>
+          <pc:sldMk cId="4284841646" sldId="313"/>
+        </pc:sldMkLst>
+      </pc:sldChg>
+      <pc:sldChg chg="addSp delSp modSp add mod ord">
+        <pc:chgData name="P. Smith" userId="e168a96639a4093d" providerId="LiveId" clId="{DE576C09-2894-4CCE-ACC7-8E23FD19D206}" dt="2021-07-09T14:25:14.443" v="1228" actId="1076"/>
+        <pc:sldMkLst>
+          <pc:docMk/>
+          <pc:sldMk cId="124692133" sldId="314"/>
+        </pc:sldMkLst>
+        <pc:spChg chg="mod">
+          <ac:chgData name="P. Smith" userId="e168a96639a4093d" providerId="LiveId" clId="{DE576C09-2894-4CCE-ACC7-8E23FD19D206}" dt="2021-07-09T10:03:14.466" v="213" actId="20577"/>
+          <ac:spMkLst>
+            <pc:docMk/>
+            <pc:sldMk cId="124692133" sldId="314"/>
+            <ac:spMk id="2" creationId="{7CFB5C08-3F71-404E-8124-239517BF8D83}"/>
+          </ac:spMkLst>
+        </pc:spChg>
+        <pc:spChg chg="del">
+          <ac:chgData name="P. Smith" userId="e168a96639a4093d" providerId="LiveId" clId="{DE576C09-2894-4CCE-ACC7-8E23FD19D206}" dt="2021-07-09T14:20:11.582" v="811" actId="478"/>
+          <ac:spMkLst>
+            <pc:docMk/>
+            <pc:sldMk cId="124692133" sldId="314"/>
+            <ac:spMk id="4" creationId="{08432694-FDC1-43C2-A849-260B395AA70F}"/>
+          </ac:spMkLst>
+        </pc:spChg>
+        <pc:spChg chg="add mod">
+          <ac:chgData name="P. Smith" userId="e168a96639a4093d" providerId="LiveId" clId="{DE576C09-2894-4CCE-ACC7-8E23FD19D206}" dt="2021-07-09T14:25:14.443" v="1228" actId="1076"/>
+          <ac:spMkLst>
+            <pc:docMk/>
+            <pc:sldMk cId="124692133" sldId="314"/>
+            <ac:spMk id="7" creationId="{8D50876B-4043-43E6-B1C3-DC5987EF93D7}"/>
+          </ac:spMkLst>
+        </pc:spChg>
+        <pc:spChg chg="add ord">
+          <ac:chgData name="P. Smith" userId="e168a96639a4093d" providerId="LiveId" clId="{DE576C09-2894-4CCE-ACC7-8E23FD19D206}" dt="2021-07-09T14:24:05.380" v="1203" actId="171"/>
+          <ac:spMkLst>
+            <pc:docMk/>
+            <pc:sldMk cId="124692133" sldId="314"/>
+            <ac:spMk id="8" creationId="{A4557EA3-6C82-49DE-B893-0184777EF13C}"/>
+          </ac:spMkLst>
+        </pc:spChg>
+        <pc:picChg chg="add mod">
+          <ac:chgData name="P. Smith" userId="e168a96639a4093d" providerId="LiveId" clId="{DE576C09-2894-4CCE-ACC7-8E23FD19D206}" dt="2021-07-09T14:20:41.398" v="813" actId="1076"/>
+          <ac:picMkLst>
+            <pc:docMk/>
+            <pc:sldMk cId="124692133" sldId="314"/>
+            <ac:picMk id="6" creationId="{8F26CFBB-220C-4973-BD6E-7C5A8EB059B5}"/>
+          </ac:picMkLst>
+        </pc:picChg>
+      </pc:sldChg>
+      <pc:sldChg chg="addSp delSp modSp add mod ord modAnim">
+        <pc:chgData name="P. Smith" userId="e168a96639a4093d" providerId="LiveId" clId="{DE576C09-2894-4CCE-ACC7-8E23FD19D206}" dt="2021-07-09T14:25:46.775" v="1230" actId="20577"/>
+        <pc:sldMkLst>
+          <pc:docMk/>
+          <pc:sldMk cId="2591354906" sldId="315"/>
+        </pc:sldMkLst>
+        <pc:spChg chg="mod">
+          <ac:chgData name="P. Smith" userId="e168a96639a4093d" providerId="LiveId" clId="{DE576C09-2894-4CCE-ACC7-8E23FD19D206}" dt="2021-07-09T10:07:34.371" v="254" actId="20577"/>
+          <ac:spMkLst>
+            <pc:docMk/>
+            <pc:sldMk cId="2591354906" sldId="315"/>
+            <ac:spMk id="2" creationId="{7CFB5C08-3F71-404E-8124-239517BF8D83}"/>
+          </ac:spMkLst>
+        </pc:spChg>
+        <pc:spChg chg="del">
+          <ac:chgData name="P. Smith" userId="e168a96639a4093d" providerId="LiveId" clId="{DE576C09-2894-4CCE-ACC7-8E23FD19D206}" dt="2021-07-09T10:04:42.313" v="244" actId="478"/>
+          <ac:spMkLst>
+            <pc:docMk/>
+            <pc:sldMk cId="2591354906" sldId="315"/>
+            <ac:spMk id="4" creationId="{08432694-FDC1-43C2-A849-260B395AA70F}"/>
+          </ac:spMkLst>
+        </pc:spChg>
+        <pc:spChg chg="add mod">
+          <ac:chgData name="P. Smith" userId="e168a96639a4093d" providerId="LiveId" clId="{DE576C09-2894-4CCE-ACC7-8E23FD19D206}" dt="2021-07-09T14:25:46.775" v="1230" actId="20577"/>
+          <ac:spMkLst>
+            <pc:docMk/>
+            <pc:sldMk cId="2591354906" sldId="315"/>
+            <ac:spMk id="5" creationId="{5F17A756-CCF4-406F-89DF-4EB6982FF807}"/>
+          </ac:spMkLst>
+        </pc:spChg>
+        <pc:picChg chg="add mod">
+          <ac:chgData name="P. Smith" userId="e168a96639a4093d" providerId="LiveId" clId="{DE576C09-2894-4CCE-ACC7-8E23FD19D206}" dt="2021-07-09T10:05:15.083" v="251" actId="1076"/>
+          <ac:picMkLst>
+            <pc:docMk/>
+            <pc:sldMk cId="2591354906" sldId="315"/>
+            <ac:picMk id="6" creationId="{F43D9722-A369-462B-9DE4-74C803C965AD}"/>
+          </ac:picMkLst>
+        </pc:picChg>
+      </pc:sldChg>
+      <pc:sldChg chg="addSp delSp modSp add mod ord modAnim">
+        <pc:chgData name="P. Smith" userId="e168a96639a4093d" providerId="LiveId" clId="{DE576C09-2894-4CCE-ACC7-8E23FD19D206}" dt="2021-07-09T14:12:37.347" v="537" actId="14100"/>
+        <pc:sldMkLst>
+          <pc:docMk/>
+          <pc:sldMk cId="2829610116" sldId="316"/>
+        </pc:sldMkLst>
+        <pc:spChg chg="mod">
+          <ac:chgData name="P. Smith" userId="e168a96639a4093d" providerId="LiveId" clId="{DE576C09-2894-4CCE-ACC7-8E23FD19D206}" dt="2021-07-09T12:55:32.760" v="469"/>
+          <ac:spMkLst>
+            <pc:docMk/>
+            <pc:sldMk cId="2829610116" sldId="316"/>
+            <ac:spMk id="2" creationId="{7CFB5C08-3F71-404E-8124-239517BF8D83}"/>
+          </ac:spMkLst>
+        </pc:spChg>
+        <pc:spChg chg="del mod">
+          <ac:chgData name="P. Smith" userId="e168a96639a4093d" providerId="LiveId" clId="{DE576C09-2894-4CCE-ACC7-8E23FD19D206}" dt="2021-07-09T12:55:40.516" v="471" actId="478"/>
+          <ac:spMkLst>
+            <pc:docMk/>
+            <pc:sldMk cId="2829610116" sldId="316"/>
+            <ac:spMk id="4" creationId="{08432694-FDC1-43C2-A849-260B395AA70F}"/>
+          </ac:spMkLst>
+        </pc:spChg>
+        <pc:spChg chg="add del mod">
+          <ac:chgData name="P. Smith" userId="e168a96639a4093d" providerId="LiveId" clId="{DE576C09-2894-4CCE-ACC7-8E23FD19D206}" dt="2021-07-09T12:56:24.015" v="473"/>
+          <ac:spMkLst>
+            <pc:docMk/>
+            <pc:sldMk cId="2829610116" sldId="316"/>
+            <ac:spMk id="5" creationId="{7B6F843A-57F8-4043-B6E5-0116278E6C31}"/>
+          </ac:spMkLst>
+        </pc:spChg>
+        <pc:spChg chg="add mod">
+          <ac:chgData name="P. Smith" userId="e168a96639a4093d" providerId="LiveId" clId="{DE576C09-2894-4CCE-ACC7-8E23FD19D206}" dt="2021-07-09T14:11:10.218" v="514" actId="14100"/>
+          <ac:spMkLst>
+            <pc:docMk/>
+            <pc:sldMk cId="2829610116" sldId="316"/>
+            <ac:spMk id="8" creationId="{76840978-FA85-4FB8-9098-F645D4B88002}"/>
+          </ac:spMkLst>
+        </pc:spChg>
+        <pc:spChg chg="add mod ord">
+          <ac:chgData name="P. Smith" userId="e168a96639a4093d" providerId="LiveId" clId="{DE576C09-2894-4CCE-ACC7-8E23FD19D206}" dt="2021-07-09T14:12:37.347" v="537" actId="14100"/>
+          <ac:spMkLst>
+            <pc:docMk/>
+            <pc:sldMk cId="2829610116" sldId="316"/>
+            <ac:spMk id="12" creationId="{83CF859B-6F53-46FB-ABF6-25AFCE936A5A}"/>
+          </ac:spMkLst>
+        </pc:spChg>
+        <pc:spChg chg="add mod">
+          <ac:chgData name="P. Smith" userId="e168a96639a4093d" providerId="LiveId" clId="{DE576C09-2894-4CCE-ACC7-8E23FD19D206}" dt="2021-07-09T14:12:20.754" v="534" actId="1076"/>
+          <ac:spMkLst>
+            <pc:docMk/>
+            <pc:sldMk cId="2829610116" sldId="316"/>
+            <ac:spMk id="13" creationId="{655FE4A4-7EB9-400E-9588-E2C1BD0A95E4}"/>
+          </ac:spMkLst>
+        </pc:spChg>
+        <pc:picChg chg="add del mod">
+          <ac:chgData name="P. Smith" userId="e168a96639a4093d" providerId="LiveId" clId="{DE576C09-2894-4CCE-ACC7-8E23FD19D206}" dt="2021-07-09T12:56:24.015" v="473"/>
+          <ac:picMkLst>
+            <pc:docMk/>
+            <pc:sldMk cId="2829610116" sldId="316"/>
+            <ac:picMk id="6" creationId="{AFE2DD17-F6B7-44C7-8D33-E3750E092F85}"/>
+          </ac:picMkLst>
+        </pc:picChg>
+        <pc:picChg chg="add del mod">
+          <ac:chgData name="P. Smith" userId="e168a96639a4093d" providerId="LiveId" clId="{DE576C09-2894-4CCE-ACC7-8E23FD19D206}" dt="2021-07-09T12:56:24.015" v="473"/>
+          <ac:picMkLst>
+            <pc:docMk/>
+            <pc:sldMk cId="2829610116" sldId="316"/>
+            <ac:picMk id="7" creationId="{4D39F77B-60C8-4D3B-BDA1-959DCA5C23C4}"/>
+          </ac:picMkLst>
+        </pc:picChg>
+        <pc:picChg chg="add mod modCrop">
+          <ac:chgData name="P. Smith" userId="e168a96639a4093d" providerId="LiveId" clId="{DE576C09-2894-4CCE-ACC7-8E23FD19D206}" dt="2021-07-09T12:57:11.163" v="479" actId="1076"/>
+          <ac:picMkLst>
+            <pc:docMk/>
+            <pc:sldMk cId="2829610116" sldId="316"/>
+            <ac:picMk id="9" creationId="{8C72FE66-89FB-424E-956C-3415A0E2A37C}"/>
+          </ac:picMkLst>
+        </pc:picChg>
+        <pc:picChg chg="add mod">
+          <ac:chgData name="P. Smith" userId="e168a96639a4093d" providerId="LiveId" clId="{DE576C09-2894-4CCE-ACC7-8E23FD19D206}" dt="2021-07-09T14:11:06.707" v="513" actId="14100"/>
+          <ac:picMkLst>
+            <pc:docMk/>
+            <pc:sldMk cId="2829610116" sldId="316"/>
+            <ac:picMk id="10" creationId="{73A95E63-644D-409E-A5D4-744FBF72543A}"/>
+          </ac:picMkLst>
+        </pc:picChg>
+        <pc:picChg chg="add mod ord">
+          <ac:chgData name="P. Smith" userId="e168a96639a4093d" providerId="LiveId" clId="{DE576C09-2894-4CCE-ACC7-8E23FD19D206}" dt="2021-07-09T14:12:20.754" v="534" actId="1076"/>
+          <ac:picMkLst>
+            <pc:docMk/>
+            <pc:sldMk cId="2829610116" sldId="316"/>
+            <ac:picMk id="11" creationId="{54BBACEF-81CC-4736-B874-FCDE247BBDF7}"/>
+          </ac:picMkLst>
+        </pc:picChg>
+        <pc:picChg chg="add del mod">
+          <ac:chgData name="P. Smith" userId="e168a96639a4093d" providerId="LiveId" clId="{DE576C09-2894-4CCE-ACC7-8E23FD19D206}" dt="2021-07-09T14:09:48.147" v="492" actId="478"/>
+          <ac:picMkLst>
+            <pc:docMk/>
+            <pc:sldMk cId="2829610116" sldId="316"/>
+            <ac:picMk id="2050" creationId="{332FEC3E-2ED4-4637-8384-EED2E2ACD704}"/>
+          </ac:picMkLst>
+        </pc:picChg>
+        <pc:picChg chg="add mod">
+          <ac:chgData name="P. Smith" userId="e168a96639a4093d" providerId="LiveId" clId="{DE576C09-2894-4CCE-ACC7-8E23FD19D206}" dt="2021-07-09T14:12:20.754" v="534" actId="1076"/>
+          <ac:picMkLst>
+            <pc:docMk/>
+            <pc:sldMk cId="2829610116" sldId="316"/>
+            <ac:picMk id="2052" creationId="{604FE4E4-7715-490F-BD74-3AAA1496151E}"/>
+          </ac:picMkLst>
+        </pc:picChg>
+      </pc:sldChg>
+      <pc:sldChg chg="addSp delSp modSp new mod">
+        <pc:chgData name="P. Smith" userId="e168a96639a4093d" providerId="LiveId" clId="{DE576C09-2894-4CCE-ACC7-8E23FD19D206}" dt="2021-07-09T14:31:49.904" v="1273" actId="20577"/>
+        <pc:sldMkLst>
+          <pc:docMk/>
+          <pc:sldMk cId="1057246284" sldId="317"/>
+        </pc:sldMkLst>
+        <pc:spChg chg="mod">
+          <ac:chgData name="P. Smith" userId="e168a96639a4093d" providerId="LiveId" clId="{DE576C09-2894-4CCE-ACC7-8E23FD19D206}" dt="2021-07-09T14:31:42.244" v="1258"/>
+          <ac:spMkLst>
+            <pc:docMk/>
+            <pc:sldMk cId="1057246284" sldId="317"/>
+            <ac:spMk id="2" creationId="{85898A87-E346-4744-8111-09C1AF8804AE}"/>
+          </ac:spMkLst>
+        </pc:spChg>
+        <pc:spChg chg="del">
+          <ac:chgData name="P. Smith" userId="e168a96639a4093d" providerId="LiveId" clId="{DE576C09-2894-4CCE-ACC7-8E23FD19D206}" dt="2021-07-09T14:31:44.936" v="1259" actId="478"/>
+          <ac:spMkLst>
+            <pc:docMk/>
+            <pc:sldMk cId="1057246284" sldId="317"/>
+            <ac:spMk id="4" creationId="{F176F204-35A1-4E17-BEB7-81F0974AACD6}"/>
+          </ac:spMkLst>
+        </pc:spChg>
+        <pc:spChg chg="add mod">
+          <ac:chgData name="P. Smith" userId="e168a96639a4093d" providerId="LiveId" clId="{DE576C09-2894-4CCE-ACC7-8E23FD19D206}" dt="2021-07-09T14:31:49.904" v="1273" actId="20577"/>
+          <ac:spMkLst>
+            <pc:docMk/>
+            <pc:sldMk cId="1057246284" sldId="317"/>
+            <ac:spMk id="5" creationId="{4E8B687B-2D80-44F1-83BE-53469FE4DD77}"/>
+          </ac:spMkLst>
+        </pc:spChg>
+      </pc:sldChg>
+    </pc:docChg>
+  </pc:docChgLst>
+</pc:chgInfo>
 </file>
 
 <file path=ppt/handoutMasters/handoutMaster1.xml><?xml version="1.0" encoding="utf-8"?>
@@ -1049,7 +1680,7 @@
             <a:pPr rtl="0"/>
             <a:fld id="{6DC51814-3B91-4036-94D2-3977634EE214}" type="slidenum">
               <a:rPr lang="de-DE" smtClean="0"/>
-              <a:t>4</a:t>
+              <a:t>5</a:t>
             </a:fld>
             <a:endParaRPr lang="de-DE"/>
           </a:p>
@@ -1134,7 +1765,7 @@
             <a:pPr rtl="0"/>
             <a:fld id="{6DC51814-3B91-4036-94D2-3977634EE214}" type="slidenum">
               <a:rPr lang="de-DE" smtClean="0"/>
-              <a:t>5</a:t>
+              <a:t>6</a:t>
             </a:fld>
             <a:endParaRPr lang="de-DE"/>
           </a:p>
@@ -1219,7 +1850,7 @@
             <a:pPr rtl="0"/>
             <a:fld id="{6DC51814-3B91-4036-94D2-3977634EE214}" type="slidenum">
               <a:rPr lang="de-DE" smtClean="0"/>
-              <a:t>7</a:t>
+              <a:t>8</a:t>
             </a:fld>
             <a:endParaRPr lang="de-DE"/>
           </a:p>
@@ -27821,6 +28452,943 @@
       </p:grpSpPr>
       <p:sp>
         <p:nvSpPr>
+          <p:cNvPr id="5" name="Titel 4">
+            <a:extLst>
+              <a:ext uri="{FF2B5EF4-FFF2-40B4-BE49-F238E27FC236}">
+                <a16:creationId xmlns:a16="http://schemas.microsoft.com/office/drawing/2014/main" id="{74F3800F-1F53-4686-ACA8-D5906A1D35E6}"/>
+              </a:ext>
+            </a:extLst>
+          </p:cNvPr>
+          <p:cNvSpPr>
+            <a:spLocks noGrp="1"/>
+          </p:cNvSpPr>
+          <p:nvPr>
+            <p:ph type="title"/>
+          </p:nvPr>
+        </p:nvSpPr>
+        <p:spPr/>
+        <p:txBody>
+          <a:bodyPr/>
+          <a:lstStyle/>
+          <a:p>
+            <a:r>
+              <a:rPr lang="de-DE" dirty="0" err="1"/>
+              <a:t>Exploratory</a:t>
+            </a:r>
+            <a:r>
+              <a:rPr lang="de-DE" dirty="0"/>
+              <a:t> Analysis</a:t>
+            </a:r>
+          </a:p>
+        </p:txBody>
+      </p:sp>
+      <p:sp>
+        <p:nvSpPr>
+          <p:cNvPr id="6" name="Inhaltsplatzhalter 5">
+            <a:extLst>
+              <a:ext uri="{FF2B5EF4-FFF2-40B4-BE49-F238E27FC236}">
+                <a16:creationId xmlns:a16="http://schemas.microsoft.com/office/drawing/2014/main" id="{6414936E-D05E-408E-8928-3A45F6DBD2D1}"/>
+              </a:ext>
+            </a:extLst>
+          </p:cNvPr>
+          <p:cNvSpPr>
+            <a:spLocks noGrp="1"/>
+          </p:cNvSpPr>
+          <p:nvPr>
+            <p:ph idx="1"/>
+          </p:nvPr>
+        </p:nvSpPr>
+        <p:spPr/>
+        <p:txBody>
+          <a:bodyPr/>
+          <a:lstStyle/>
+          <a:p>
+            <a:r>
+              <a:rPr lang="de-DE" dirty="0"/>
+              <a:t>Genereller Datenüberblick</a:t>
+            </a:r>
+          </a:p>
+          <a:p>
+            <a:r>
+              <a:rPr lang="de-DE" dirty="0" err="1"/>
+              <a:t>Statisticher</a:t>
+            </a:r>
+            <a:r>
+              <a:rPr lang="de-DE" dirty="0"/>
+              <a:t> Datenüberblick</a:t>
+            </a:r>
+          </a:p>
+          <a:p>
+            <a:r>
+              <a:rPr lang="de-DE" dirty="0"/>
+              <a:t>Histogramme</a:t>
+            </a:r>
+          </a:p>
+          <a:p>
+            <a:r>
+              <a:rPr lang="de-DE" dirty="0"/>
+              <a:t>Korrelationen</a:t>
+            </a:r>
+          </a:p>
+          <a:p>
+            <a:r>
+              <a:rPr lang="de-DE" dirty="0"/>
+              <a:t>Geografische Lage</a:t>
+            </a:r>
+          </a:p>
+        </p:txBody>
+      </p:sp>
+      <p:sp>
+        <p:nvSpPr>
+          <p:cNvPr id="4" name="Foliennummernplatzhalter 3">
+            <a:extLst>
+              <a:ext uri="{FF2B5EF4-FFF2-40B4-BE49-F238E27FC236}">
+                <a16:creationId xmlns:a16="http://schemas.microsoft.com/office/drawing/2014/main" id="{8CE8C702-039D-489D-A468-91C6734D2F8B}"/>
+              </a:ext>
+            </a:extLst>
+          </p:cNvPr>
+          <p:cNvSpPr>
+            <a:spLocks noGrp="1"/>
+          </p:cNvSpPr>
+          <p:nvPr>
+            <p:ph type="sldNum" sz="quarter" idx="12"/>
+          </p:nvPr>
+        </p:nvSpPr>
+        <p:spPr/>
+        <p:txBody>
+          <a:bodyPr/>
+          <a:lstStyle/>
+          <a:p>
+            <a:pPr rtl="0"/>
+            <a:fld id="{03DC2DEF-D2FE-4B45-ABA4-9F153FD1C98A}" type="slidenum">
+              <a:rPr lang="de-DE" noProof="0" smtClean="0"/>
+              <a:t>10</a:t>
+            </a:fld>
+            <a:endParaRPr lang="de-DE" noProof="0"/>
+          </a:p>
+        </p:txBody>
+      </p:sp>
+      <p:pic>
+        <p:nvPicPr>
+          <p:cNvPr id="1026" name="Picture 2">
+            <a:extLst>
+              <a:ext uri="{FF2B5EF4-FFF2-40B4-BE49-F238E27FC236}">
+                <a16:creationId xmlns:a16="http://schemas.microsoft.com/office/drawing/2014/main" id="{9179843E-C998-4B99-A540-75F33D39C7B4}"/>
+              </a:ext>
+            </a:extLst>
+          </p:cNvPr>
+          <p:cNvPicPr>
+            <a:picLocks noGrp="1" noChangeAspect="1" noChangeArrowheads="1"/>
+          </p:cNvPicPr>
+          <p:nvPr>
+            <p:ph type="pic" sz="quarter" idx="13"/>
+          </p:nvPr>
+        </p:nvPicPr>
+        <p:blipFill>
+          <a:blip r:embed="rId2">
+            <a:extLst>
+              <a:ext uri="{28A0092B-C50C-407E-A947-70E740481C1C}">
+                <a14:useLocalDpi xmlns:a14="http://schemas.microsoft.com/office/drawing/2010/main" val="0"/>
+              </a:ext>
+            </a:extLst>
+          </a:blip>
+          <a:srcRect l="12138" r="12138"/>
+          <a:stretch>
+            <a:fillRect/>
+          </a:stretch>
+        </p:blipFill>
+        <p:spPr bwMode="auto">
+          <a:prstGeom prst="rect">
+            <a:avLst/>
+          </a:prstGeom>
+          <a:noFill/>
+          <a:extLst>
+            <a:ext uri="{909E8E84-426E-40DD-AFC4-6F175D3DCCD1}">
+              <a14:hiddenFill xmlns:a14="http://schemas.microsoft.com/office/drawing/2010/main">
+                <a:solidFill>
+                  <a:srgbClr val="FFFFFF"/>
+                </a:solidFill>
+              </a14:hiddenFill>
+            </a:ext>
+          </a:extLst>
+        </p:spPr>
+      </p:pic>
+    </p:spTree>
+    <p:extLst>
+      <p:ext uri="{BB962C8B-B14F-4D97-AF65-F5344CB8AC3E}">
+        <p14:creationId xmlns:p14="http://schemas.microsoft.com/office/powerpoint/2010/main" val="2530214405"/>
+      </p:ext>
+    </p:extLst>
+  </p:cSld>
+  <p:clrMapOvr>
+    <a:masterClrMapping/>
+  </p:clrMapOvr>
+</p:sld>
+</file>
+
+<file path=ppt/slides/slide11.xml><?xml version="1.0" encoding="utf-8"?>
+<p:sld xmlns:a="http://schemas.openxmlformats.org/drawingml/2006/main" xmlns:r="http://schemas.openxmlformats.org/officeDocument/2006/relationships" xmlns:p="http://schemas.openxmlformats.org/presentationml/2006/main">
+  <p:cSld>
+    <p:spTree>
+      <p:nvGrpSpPr>
+        <p:cNvPr id="1" name=""/>
+        <p:cNvGrpSpPr/>
+        <p:nvPr/>
+      </p:nvGrpSpPr>
+      <p:grpSpPr>
+        <a:xfrm>
+          <a:off x="0" y="0"/>
+          <a:ext cx="0" cy="0"/>
+          <a:chOff x="0" y="0"/>
+          <a:chExt cx="0" cy="0"/>
+        </a:xfrm>
+      </p:grpSpPr>
+      <p:sp>
+        <p:nvSpPr>
+          <p:cNvPr id="2" name="Titel 1">
+            <a:extLst>
+              <a:ext uri="{FF2B5EF4-FFF2-40B4-BE49-F238E27FC236}">
+                <a16:creationId xmlns:a16="http://schemas.microsoft.com/office/drawing/2014/main" id="{7CFB5C08-3F71-404E-8124-239517BF8D83}"/>
+              </a:ext>
+            </a:extLst>
+          </p:cNvPr>
+          <p:cNvSpPr>
+            <a:spLocks noGrp="1"/>
+          </p:cNvSpPr>
+          <p:nvPr>
+            <p:ph type="title"/>
+          </p:nvPr>
+        </p:nvSpPr>
+        <p:spPr/>
+        <p:txBody>
+          <a:bodyPr/>
+          <a:lstStyle/>
+          <a:p>
+            <a:r>
+              <a:rPr lang="de-DE" dirty="0" err="1"/>
+              <a:t>Exploratory</a:t>
+            </a:r>
+            <a:r>
+              <a:rPr lang="de-DE" dirty="0"/>
+              <a:t> Analysis</a:t>
+            </a:r>
+          </a:p>
+        </p:txBody>
+      </p:sp>
+      <p:sp>
+        <p:nvSpPr>
+          <p:cNvPr id="3" name="Foliennummernplatzhalter 2">
+            <a:extLst>
+              <a:ext uri="{FF2B5EF4-FFF2-40B4-BE49-F238E27FC236}">
+                <a16:creationId xmlns:a16="http://schemas.microsoft.com/office/drawing/2014/main" id="{9F0B12CC-3FF1-467E-8878-7AB3F99E5183}"/>
+              </a:ext>
+            </a:extLst>
+          </p:cNvPr>
+          <p:cNvSpPr>
+            <a:spLocks noGrp="1"/>
+          </p:cNvSpPr>
+          <p:nvPr>
+            <p:ph type="sldNum" sz="quarter" idx="12"/>
+          </p:nvPr>
+        </p:nvSpPr>
+        <p:spPr/>
+        <p:txBody>
+          <a:bodyPr/>
+          <a:lstStyle/>
+          <a:p>
+            <a:pPr rtl="0"/>
+            <a:fld id="{03DC2DEF-D2FE-4B45-ABA4-9F153FD1C98A}" type="slidenum">
+              <a:rPr lang="de-DE" noProof="0" smtClean="0"/>
+              <a:t>11</a:t>
+            </a:fld>
+            <a:endParaRPr lang="de-DE" noProof="0"/>
+          </a:p>
+        </p:txBody>
+      </p:sp>
+      <p:sp>
+        <p:nvSpPr>
+          <p:cNvPr id="8" name="Rechteck: eine Ecke abgeschnitten 7">
+            <a:extLst>
+              <a:ext uri="{FF2B5EF4-FFF2-40B4-BE49-F238E27FC236}">
+                <a16:creationId xmlns:a16="http://schemas.microsoft.com/office/drawing/2014/main" id="{76840978-FA85-4FB8-9098-F645D4B88002}"/>
+              </a:ext>
+            </a:extLst>
+          </p:cNvPr>
+          <p:cNvSpPr/>
+          <p:nvPr/>
+        </p:nvSpPr>
+        <p:spPr>
+          <a:xfrm>
+            <a:off x="371476" y="1603631"/>
+            <a:ext cx="5916114" cy="4044950"/>
+          </a:xfrm>
+          <a:prstGeom prst="snip1Rect">
+            <a:avLst/>
+          </a:prstGeom>
+          <a:solidFill>
+            <a:srgbClr val="2C85AE"/>
+          </a:solidFill>
+          <a:ln w="15875" cap="flat" cmpd="sng" algn="ctr">
+            <a:noFill/>
+            <a:prstDash val="solid"/>
+          </a:ln>
+          <a:effectLst/>
+        </p:spPr>
+        <p:txBody>
+          <a:bodyPr rtlCol="0" anchor="ctr"/>
+          <a:lstStyle/>
+          <a:p>
+            <a:pPr marL="0" marR="0" lvl="0" indent="0" algn="ctr" defTabSz="457200" eaLnBrk="1" fontAlgn="auto" latinLnBrk="0" hangingPunct="1">
+              <a:lnSpc>
+                <a:spcPct val="100000"/>
+              </a:lnSpc>
+              <a:spcBef>
+                <a:spcPts val="0"/>
+              </a:spcBef>
+              <a:spcAft>
+                <a:spcPts val="0"/>
+              </a:spcAft>
+              <a:buClrTx/>
+              <a:buSzTx/>
+              <a:buFontTx/>
+              <a:buNone/>
+              <a:tabLst/>
+              <a:defRPr/>
+            </a:pPr>
+            <a:endParaRPr kumimoji="0" lang="de-DE" sz="1800" b="0" i="0" u="none" strike="noStrike" kern="0" cap="none" spc="0" normalizeH="0" baseline="0" noProof="0" dirty="0">
+              <a:ln>
+                <a:noFill/>
+              </a:ln>
+              <a:solidFill>
+                <a:prstClr val="white"/>
+              </a:solidFill>
+              <a:effectLst/>
+              <a:uLnTx/>
+              <a:uFillTx/>
+              <a:latin typeface="Tw Cen MT" panose="020B0602020104020603"/>
+              <a:ea typeface="+mn-ea"/>
+              <a:cs typeface="+mn-cs"/>
+            </a:endParaRPr>
+          </a:p>
+        </p:txBody>
+      </p:sp>
+      <p:pic>
+        <p:nvPicPr>
+          <p:cNvPr id="9" name="Grafik 8">
+            <a:extLst>
+              <a:ext uri="{FF2B5EF4-FFF2-40B4-BE49-F238E27FC236}">
+                <a16:creationId xmlns:a16="http://schemas.microsoft.com/office/drawing/2014/main" id="{8C72FE66-89FB-424E-956C-3415A0E2A37C}"/>
+              </a:ext>
+            </a:extLst>
+          </p:cNvPr>
+          <p:cNvPicPr>
+            <a:picLocks noChangeAspect="1"/>
+          </p:cNvPicPr>
+          <p:nvPr/>
+        </p:nvPicPr>
+        <p:blipFill rotWithShape="1">
+          <a:blip r:embed="rId2"/>
+          <a:srcRect r="12777"/>
+          <a:stretch/>
+        </p:blipFill>
+        <p:spPr>
+          <a:xfrm>
+            <a:off x="605180" y="1748464"/>
+            <a:ext cx="2778439" cy="3606719"/>
+          </a:xfrm>
+          <a:prstGeom prst="rect">
+            <a:avLst/>
+          </a:prstGeom>
+        </p:spPr>
+      </p:pic>
+      <p:pic>
+        <p:nvPicPr>
+          <p:cNvPr id="10" name="Grafik 9">
+            <a:extLst>
+              <a:ext uri="{FF2B5EF4-FFF2-40B4-BE49-F238E27FC236}">
+                <a16:creationId xmlns:a16="http://schemas.microsoft.com/office/drawing/2014/main" id="{73A95E63-644D-409E-A5D4-744FBF72543A}"/>
+              </a:ext>
+            </a:extLst>
+          </p:cNvPr>
+          <p:cNvPicPr>
+            <a:picLocks noChangeAspect="1"/>
+          </p:cNvPicPr>
+          <p:nvPr/>
+        </p:nvPicPr>
+        <p:blipFill>
+          <a:blip r:embed="rId3"/>
+          <a:stretch>
+            <a:fillRect/>
+          </a:stretch>
+        </p:blipFill>
+        <p:spPr>
+          <a:xfrm>
+            <a:off x="3461654" y="2156050"/>
+            <a:ext cx="2587074" cy="2581413"/>
+          </a:xfrm>
+          <a:prstGeom prst="rect">
+            <a:avLst/>
+          </a:prstGeom>
+        </p:spPr>
+      </p:pic>
+      <p:sp>
+        <p:nvSpPr>
+          <p:cNvPr id="12" name="Rechteck 11">
+            <a:extLst>
+              <a:ext uri="{FF2B5EF4-FFF2-40B4-BE49-F238E27FC236}">
+                <a16:creationId xmlns:a16="http://schemas.microsoft.com/office/drawing/2014/main" id="{83CF859B-6F53-46FB-ABF6-25AFCE936A5A}"/>
+              </a:ext>
+            </a:extLst>
+          </p:cNvPr>
+          <p:cNvSpPr/>
+          <p:nvPr/>
+        </p:nvSpPr>
+        <p:spPr>
+          <a:xfrm>
+            <a:off x="7080069" y="904785"/>
+            <a:ext cx="4544938" cy="5388229"/>
+          </a:xfrm>
+          <a:prstGeom prst="rect">
+            <a:avLst/>
+          </a:prstGeom>
+        </p:spPr>
+        <p:style>
+          <a:lnRef idx="2">
+            <a:schemeClr val="accent1">
+              <a:shade val="50000"/>
+            </a:schemeClr>
+          </a:lnRef>
+          <a:fillRef idx="1">
+            <a:schemeClr val="accent1"/>
+          </a:fillRef>
+          <a:effectRef idx="0">
+            <a:schemeClr val="accent1"/>
+          </a:effectRef>
+          <a:fontRef idx="minor">
+            <a:schemeClr val="lt1"/>
+          </a:fontRef>
+        </p:style>
+        <p:txBody>
+          <a:bodyPr rtlCol="0" anchor="ctr"/>
+          <a:lstStyle/>
+          <a:p>
+            <a:pPr algn="ctr"/>
+            <a:endParaRPr lang="de-DE" dirty="0"/>
+          </a:p>
+        </p:txBody>
+      </p:sp>
+      <p:pic>
+        <p:nvPicPr>
+          <p:cNvPr id="11" name="Grafik 10">
+            <a:extLst>
+              <a:ext uri="{FF2B5EF4-FFF2-40B4-BE49-F238E27FC236}">
+                <a16:creationId xmlns:a16="http://schemas.microsoft.com/office/drawing/2014/main" id="{54BBACEF-81CC-4736-B874-FCDE247BBDF7}"/>
+              </a:ext>
+            </a:extLst>
+          </p:cNvPr>
+          <p:cNvPicPr>
+            <a:picLocks noChangeAspect="1"/>
+          </p:cNvPicPr>
+          <p:nvPr/>
+        </p:nvPicPr>
+        <p:blipFill>
+          <a:blip r:embed="rId4"/>
+          <a:stretch>
+            <a:fillRect/>
+          </a:stretch>
+        </p:blipFill>
+        <p:spPr>
+          <a:xfrm>
+            <a:off x="7592344" y="1021096"/>
+            <a:ext cx="3630621" cy="2453938"/>
+          </a:xfrm>
+          <a:prstGeom prst="rect">
+            <a:avLst/>
+          </a:prstGeom>
+        </p:spPr>
+      </p:pic>
+      <p:sp>
+        <p:nvSpPr>
+          <p:cNvPr id="13" name="Rechteck 12">
+            <a:extLst>
+              <a:ext uri="{FF2B5EF4-FFF2-40B4-BE49-F238E27FC236}">
+                <a16:creationId xmlns:a16="http://schemas.microsoft.com/office/drawing/2014/main" id="{655FE4A4-7EB9-400E-9588-E2C1BD0A95E4}"/>
+              </a:ext>
+            </a:extLst>
+          </p:cNvPr>
+          <p:cNvSpPr/>
+          <p:nvPr/>
+        </p:nvSpPr>
+        <p:spPr>
+          <a:xfrm>
+            <a:off x="7592344" y="3637822"/>
+            <a:ext cx="3630620" cy="2361795"/>
+          </a:xfrm>
+          <a:prstGeom prst="rect">
+            <a:avLst/>
+          </a:prstGeom>
+          <a:solidFill>
+            <a:schemeClr val="bg1"/>
+          </a:solidFill>
+        </p:spPr>
+        <p:style>
+          <a:lnRef idx="2">
+            <a:schemeClr val="accent1">
+              <a:shade val="50000"/>
+            </a:schemeClr>
+          </a:lnRef>
+          <a:fillRef idx="1">
+            <a:schemeClr val="accent1"/>
+          </a:fillRef>
+          <a:effectRef idx="0">
+            <a:schemeClr val="accent1"/>
+          </a:effectRef>
+          <a:fontRef idx="minor">
+            <a:schemeClr val="lt1"/>
+          </a:fontRef>
+        </p:style>
+        <p:txBody>
+          <a:bodyPr rtlCol="0" anchor="ctr"/>
+          <a:lstStyle/>
+          <a:p>
+            <a:pPr algn="ctr"/>
+            <a:endParaRPr lang="de-DE"/>
+          </a:p>
+        </p:txBody>
+      </p:sp>
+      <p:pic>
+        <p:nvPicPr>
+          <p:cNvPr id="2052" name="Picture 4">
+            <a:extLst>
+              <a:ext uri="{FF2B5EF4-FFF2-40B4-BE49-F238E27FC236}">
+                <a16:creationId xmlns:a16="http://schemas.microsoft.com/office/drawing/2014/main" id="{604FE4E4-7715-490F-BD74-3AAA1496151E}"/>
+              </a:ext>
+            </a:extLst>
+          </p:cNvPr>
+          <p:cNvPicPr>
+            <a:picLocks noChangeAspect="1" noChangeArrowheads="1"/>
+          </p:cNvPicPr>
+          <p:nvPr/>
+        </p:nvPicPr>
+        <p:blipFill>
+          <a:blip r:embed="rId5">
+            <a:extLst>
+              <a:ext uri="{28A0092B-C50C-407E-A947-70E740481C1C}">
+                <a14:useLocalDpi xmlns:a14="http://schemas.microsoft.com/office/drawing/2010/main" val="0"/>
+              </a:ext>
+            </a:extLst>
+          </a:blip>
+          <a:srcRect/>
+          <a:stretch>
+            <a:fillRect/>
+          </a:stretch>
+        </p:blipFill>
+        <p:spPr bwMode="auto">
+          <a:xfrm>
+            <a:off x="8271721" y="3720916"/>
+            <a:ext cx="2271866" cy="2326216"/>
+          </a:xfrm>
+          <a:prstGeom prst="rect">
+            <a:avLst/>
+          </a:prstGeom>
+          <a:noFill/>
+          <a:extLst>
+            <a:ext uri="{909E8E84-426E-40DD-AFC4-6F175D3DCCD1}">
+              <a14:hiddenFill xmlns:a14="http://schemas.microsoft.com/office/drawing/2010/main">
+                <a:solidFill>
+                  <a:srgbClr val="FFFFFF"/>
+                </a:solidFill>
+              </a14:hiddenFill>
+            </a:ext>
+          </a:extLst>
+        </p:spPr>
+      </p:pic>
+    </p:spTree>
+    <p:extLst>
+      <p:ext uri="{BB962C8B-B14F-4D97-AF65-F5344CB8AC3E}">
+        <p14:creationId xmlns:p14="http://schemas.microsoft.com/office/powerpoint/2010/main" val="2829610116"/>
+      </p:ext>
+    </p:extLst>
+  </p:cSld>
+  <p:clrMapOvr>
+    <a:masterClrMapping/>
+  </p:clrMapOvr>
+  <p:timing>
+    <p:tnLst>
+      <p:par>
+        <p:cTn id="1" dur="indefinite" restart="never" nodeType="tmRoot">
+          <p:childTnLst>
+            <p:seq concurrent="1" nextAc="seek">
+              <p:cTn id="2" dur="indefinite" nodeType="mainSeq">
+                <p:childTnLst>
+                  <p:par>
+                    <p:cTn id="3" fill="hold">
+                      <p:stCondLst>
+                        <p:cond delay="indefinite"/>
+                      </p:stCondLst>
+                      <p:childTnLst>
+                        <p:par>
+                          <p:cTn id="4" fill="hold">
+                            <p:stCondLst>
+                              <p:cond delay="0"/>
+                            </p:stCondLst>
+                            <p:childTnLst>
+                              <p:par>
+                                <p:cTn id="5" presetID="10" presetClass="entr" presetSubtype="0" fill="hold" grpId="0" nodeType="clickEffect">
+                                  <p:stCondLst>
+                                    <p:cond delay="0"/>
+                                  </p:stCondLst>
+                                  <p:childTnLst>
+                                    <p:set>
+                                      <p:cBhvr>
+                                        <p:cTn id="6" dur="1" fill="hold">
+                                          <p:stCondLst>
+                                            <p:cond delay="0"/>
+                                          </p:stCondLst>
+                                        </p:cTn>
+                                        <p:tgtEl>
+                                          <p:spTgt spid="8"/>
+                                        </p:tgtEl>
+                                        <p:attrNameLst>
+                                          <p:attrName>style.visibility</p:attrName>
+                                        </p:attrNameLst>
+                                      </p:cBhvr>
+                                      <p:to>
+                                        <p:strVal val="visible"/>
+                                      </p:to>
+                                    </p:set>
+                                    <p:animEffect transition="in" filter="fade">
+                                      <p:cBhvr>
+                                        <p:cTn id="7" dur="500"/>
+                                        <p:tgtEl>
+                                          <p:spTgt spid="8"/>
+                                        </p:tgtEl>
+                                      </p:cBhvr>
+                                    </p:animEffect>
+                                  </p:childTnLst>
+                                </p:cTn>
+                              </p:par>
+                              <p:par>
+                                <p:cTn id="8" presetID="10" presetClass="entr" presetSubtype="0" fill="hold" nodeType="withEffect">
+                                  <p:stCondLst>
+                                    <p:cond delay="0"/>
+                                  </p:stCondLst>
+                                  <p:childTnLst>
+                                    <p:set>
+                                      <p:cBhvr>
+                                        <p:cTn id="9" dur="1" fill="hold">
+                                          <p:stCondLst>
+                                            <p:cond delay="0"/>
+                                          </p:stCondLst>
+                                        </p:cTn>
+                                        <p:tgtEl>
+                                          <p:spTgt spid="9"/>
+                                        </p:tgtEl>
+                                        <p:attrNameLst>
+                                          <p:attrName>style.visibility</p:attrName>
+                                        </p:attrNameLst>
+                                      </p:cBhvr>
+                                      <p:to>
+                                        <p:strVal val="visible"/>
+                                      </p:to>
+                                    </p:set>
+                                    <p:animEffect transition="in" filter="fade">
+                                      <p:cBhvr>
+                                        <p:cTn id="10" dur="500"/>
+                                        <p:tgtEl>
+                                          <p:spTgt spid="9"/>
+                                        </p:tgtEl>
+                                      </p:cBhvr>
+                                    </p:animEffect>
+                                  </p:childTnLst>
+                                </p:cTn>
+                              </p:par>
+                            </p:childTnLst>
+                          </p:cTn>
+                        </p:par>
+                      </p:childTnLst>
+                    </p:cTn>
+                  </p:par>
+                  <p:par>
+                    <p:cTn id="11" fill="hold">
+                      <p:stCondLst>
+                        <p:cond delay="indefinite"/>
+                      </p:stCondLst>
+                      <p:childTnLst>
+                        <p:par>
+                          <p:cTn id="12" fill="hold">
+                            <p:stCondLst>
+                              <p:cond delay="0"/>
+                            </p:stCondLst>
+                            <p:childTnLst>
+                              <p:par>
+                                <p:cTn id="13" presetID="10" presetClass="entr" presetSubtype="0" fill="hold" nodeType="clickEffect">
+                                  <p:stCondLst>
+                                    <p:cond delay="0"/>
+                                  </p:stCondLst>
+                                  <p:childTnLst>
+                                    <p:set>
+                                      <p:cBhvr>
+                                        <p:cTn id="14" dur="1" fill="hold">
+                                          <p:stCondLst>
+                                            <p:cond delay="0"/>
+                                          </p:stCondLst>
+                                        </p:cTn>
+                                        <p:tgtEl>
+                                          <p:spTgt spid="10"/>
+                                        </p:tgtEl>
+                                        <p:attrNameLst>
+                                          <p:attrName>style.visibility</p:attrName>
+                                        </p:attrNameLst>
+                                      </p:cBhvr>
+                                      <p:to>
+                                        <p:strVal val="visible"/>
+                                      </p:to>
+                                    </p:set>
+                                    <p:animEffect transition="in" filter="fade">
+                                      <p:cBhvr>
+                                        <p:cTn id="15" dur="500"/>
+                                        <p:tgtEl>
+                                          <p:spTgt spid="10"/>
+                                        </p:tgtEl>
+                                      </p:cBhvr>
+                                    </p:animEffect>
+                                  </p:childTnLst>
+                                </p:cTn>
+                              </p:par>
+                            </p:childTnLst>
+                          </p:cTn>
+                        </p:par>
+                      </p:childTnLst>
+                    </p:cTn>
+                  </p:par>
+                  <p:par>
+                    <p:cTn id="16" fill="hold">
+                      <p:stCondLst>
+                        <p:cond delay="indefinite"/>
+                      </p:stCondLst>
+                      <p:childTnLst>
+                        <p:par>
+                          <p:cTn id="17" fill="hold">
+                            <p:stCondLst>
+                              <p:cond delay="0"/>
+                            </p:stCondLst>
+                            <p:childTnLst>
+                              <p:par>
+                                <p:cTn id="18" presetID="10" presetClass="entr" presetSubtype="0" fill="hold" nodeType="clickEffect">
+                                  <p:stCondLst>
+                                    <p:cond delay="0"/>
+                                  </p:stCondLst>
+                                  <p:childTnLst>
+                                    <p:set>
+                                      <p:cBhvr>
+                                        <p:cTn id="19" dur="1" fill="hold">
+                                          <p:stCondLst>
+                                            <p:cond delay="0"/>
+                                          </p:stCondLst>
+                                        </p:cTn>
+                                        <p:tgtEl>
+                                          <p:spTgt spid="11"/>
+                                        </p:tgtEl>
+                                        <p:attrNameLst>
+                                          <p:attrName>style.visibility</p:attrName>
+                                        </p:attrNameLst>
+                                      </p:cBhvr>
+                                      <p:to>
+                                        <p:strVal val="visible"/>
+                                      </p:to>
+                                    </p:set>
+                                    <p:animEffect transition="in" filter="fade">
+                                      <p:cBhvr>
+                                        <p:cTn id="20" dur="500"/>
+                                        <p:tgtEl>
+                                          <p:spTgt spid="11"/>
+                                        </p:tgtEl>
+                                      </p:cBhvr>
+                                    </p:animEffect>
+                                  </p:childTnLst>
+                                </p:cTn>
+                              </p:par>
+                            </p:childTnLst>
+                          </p:cTn>
+                        </p:par>
+                      </p:childTnLst>
+                    </p:cTn>
+                  </p:par>
+                </p:childTnLst>
+              </p:cTn>
+              <p:prevCondLst>
+                <p:cond evt="onPrev" delay="0">
+                  <p:tgtEl>
+                    <p:sldTgt/>
+                  </p:tgtEl>
+                </p:cond>
+              </p:prevCondLst>
+              <p:nextCondLst>
+                <p:cond evt="onNext" delay="0">
+                  <p:tgtEl>
+                    <p:sldTgt/>
+                  </p:tgtEl>
+                </p:cond>
+              </p:nextCondLst>
+            </p:seq>
+          </p:childTnLst>
+        </p:cTn>
+      </p:par>
+    </p:tnLst>
+    <p:bldLst>
+      <p:bldP spid="8" grpId="0" animBg="1"/>
+    </p:bldLst>
+  </p:timing>
+</p:sld>
+</file>
+
+<file path=ppt/slides/slide12.xml><?xml version="1.0" encoding="utf-8"?>
+<p:sld xmlns:a="http://schemas.openxmlformats.org/drawingml/2006/main" xmlns:r="http://schemas.openxmlformats.org/officeDocument/2006/relationships" xmlns:p="http://schemas.openxmlformats.org/presentationml/2006/main">
+  <p:cSld>
+    <p:spTree>
+      <p:nvGrpSpPr>
+        <p:cNvPr id="1" name=""/>
+        <p:cNvGrpSpPr/>
+        <p:nvPr/>
+      </p:nvGrpSpPr>
+      <p:grpSpPr>
+        <a:xfrm>
+          <a:off x="0" y="0"/>
+          <a:ext cx="0" cy="0"/>
+          <a:chOff x="0" y="0"/>
+          <a:chExt cx="0" cy="0"/>
+        </a:xfrm>
+      </p:grpSpPr>
+      <p:sp>
+        <p:nvSpPr>
+          <p:cNvPr id="2" name="Titel 1">
+            <a:extLst>
+              <a:ext uri="{FF2B5EF4-FFF2-40B4-BE49-F238E27FC236}">
+                <a16:creationId xmlns:a16="http://schemas.microsoft.com/office/drawing/2014/main" id="{85898A87-E346-4744-8111-09C1AF8804AE}"/>
+              </a:ext>
+            </a:extLst>
+          </p:cNvPr>
+          <p:cNvSpPr>
+            <a:spLocks noGrp="1"/>
+          </p:cNvSpPr>
+          <p:nvPr>
+            <p:ph type="title"/>
+          </p:nvPr>
+        </p:nvSpPr>
+        <p:spPr/>
+        <p:txBody>
+          <a:bodyPr/>
+          <a:lstStyle/>
+          <a:p>
+            <a:r>
+              <a:rPr lang="de-DE" dirty="0" err="1"/>
+              <a:t>Exploratory</a:t>
+            </a:r>
+            <a:r>
+              <a:rPr lang="de-DE" dirty="0"/>
+              <a:t> Analysis</a:t>
+            </a:r>
+          </a:p>
+        </p:txBody>
+      </p:sp>
+      <p:sp>
+        <p:nvSpPr>
+          <p:cNvPr id="3" name="Foliennummernplatzhalter 2">
+            <a:extLst>
+              <a:ext uri="{FF2B5EF4-FFF2-40B4-BE49-F238E27FC236}">
+                <a16:creationId xmlns:a16="http://schemas.microsoft.com/office/drawing/2014/main" id="{69265176-8A4F-4B0A-9CA1-1B011932D4CE}"/>
+              </a:ext>
+            </a:extLst>
+          </p:cNvPr>
+          <p:cNvSpPr>
+            <a:spLocks noGrp="1"/>
+          </p:cNvSpPr>
+          <p:nvPr>
+            <p:ph type="sldNum" sz="quarter" idx="12"/>
+          </p:nvPr>
+        </p:nvSpPr>
+        <p:spPr/>
+        <p:txBody>
+          <a:bodyPr/>
+          <a:lstStyle/>
+          <a:p>
+            <a:pPr rtl="0"/>
+            <a:fld id="{03DC2DEF-D2FE-4B45-ABA4-9F153FD1C98A}" type="slidenum">
+              <a:rPr lang="de-DE" noProof="0" smtClean="0"/>
+              <a:t>12</a:t>
+            </a:fld>
+            <a:endParaRPr lang="de-DE" noProof="0"/>
+          </a:p>
+        </p:txBody>
+      </p:sp>
+      <p:sp>
+        <p:nvSpPr>
+          <p:cNvPr id="5" name="Textfeld 4">
+            <a:extLst>
+              <a:ext uri="{FF2B5EF4-FFF2-40B4-BE49-F238E27FC236}">
+                <a16:creationId xmlns:a16="http://schemas.microsoft.com/office/drawing/2014/main" id="{4E8B687B-2D80-44F1-83BE-53469FE4DD77}"/>
+              </a:ext>
+            </a:extLst>
+          </p:cNvPr>
+          <p:cNvSpPr txBox="1"/>
+          <p:nvPr/>
+        </p:nvSpPr>
+        <p:spPr>
+          <a:xfrm>
+            <a:off x="4450080" y="3135086"/>
+            <a:ext cx="1703351" cy="369332"/>
+          </a:xfrm>
+          <a:prstGeom prst="rect">
+            <a:avLst/>
+          </a:prstGeom>
+          <a:noFill/>
+        </p:spPr>
+        <p:txBody>
+          <a:bodyPr wrap="none" rtlCol="0">
+            <a:spAutoFit/>
+          </a:bodyPr>
+          <a:lstStyle/>
+          <a:p>
+            <a:r>
+              <a:rPr lang="de-DE" dirty="0"/>
+              <a:t>LENNART TO DO</a:t>
+            </a:r>
+          </a:p>
+        </p:txBody>
+      </p:sp>
+    </p:spTree>
+    <p:extLst>
+      <p:ext uri="{BB962C8B-B14F-4D97-AF65-F5344CB8AC3E}">
+        <p14:creationId xmlns:p14="http://schemas.microsoft.com/office/powerpoint/2010/main" val="1057246284"/>
+      </p:ext>
+    </p:extLst>
+  </p:cSld>
+  <p:clrMapOvr>
+    <a:masterClrMapping/>
+  </p:clrMapOvr>
+</p:sld>
+</file>
+
+<file path=ppt/slides/slide13.xml><?xml version="1.0" encoding="utf-8"?>
+<p:sld xmlns:a="http://schemas.openxmlformats.org/drawingml/2006/main" xmlns:r="http://schemas.openxmlformats.org/officeDocument/2006/relationships" xmlns:p="http://schemas.openxmlformats.org/presentationml/2006/main">
+  <p:cSld>
+    <p:spTree>
+      <p:nvGrpSpPr>
+        <p:cNvPr id="1" name=""/>
+        <p:cNvGrpSpPr/>
+        <p:nvPr/>
+      </p:nvGrpSpPr>
+      <p:grpSpPr>
+        <a:xfrm>
+          <a:off x="0" y="0"/>
+          <a:ext cx="0" cy="0"/>
+          <a:chOff x="0" y="0"/>
+          <a:chExt cx="0" cy="0"/>
+        </a:xfrm>
+      </p:grpSpPr>
+      <p:sp>
+        <p:nvSpPr>
           <p:cNvPr id="10" name="Rechteck 9">
             <a:extLst>
               <a:ext uri="{FF2B5EF4-FFF2-40B4-BE49-F238E27FC236}">
@@ -27915,7 +29483,7 @@
             <a:pPr rtl="0"/>
             <a:fld id="{03DC2DEF-D2FE-4B45-ABA4-9F153FD1C98A}" type="slidenum">
               <a:rPr lang="de-DE" noProof="0" smtClean="0"/>
-              <a:t>10</a:t>
+              <a:t>13</a:t>
             </a:fld>
             <a:endParaRPr lang="de-DE" noProof="0"/>
           </a:p>
@@ -28161,7 +29729,7 @@
                 <a:ea typeface="Lufthansa Head Global Light" pitchFamily="2" charset="-128"/>
                 <a:cs typeface="Lufthansa Head Global Light" pitchFamily="2" charset="-128"/>
               </a:rPr>
-              <a:t>Aktuelles Vorgehen: </a:t>
+              <a:t>Train-Test-Split: </a:t>
             </a:r>
             <a:br>
               <a:rPr lang="de-DE" dirty="0">
@@ -28716,7 +30284,7 @@
 </p:sld>
 </file>
 
-<file path=ppt/slides/slide11.xml><?xml version="1.0" encoding="utf-8"?>
+<file path=ppt/slides/slide14.xml><?xml version="1.0" encoding="utf-8"?>
 <p:sld xmlns:a="http://schemas.openxmlformats.org/drawingml/2006/main" xmlns:r="http://schemas.openxmlformats.org/officeDocument/2006/relationships" xmlns:p="http://schemas.openxmlformats.org/presentationml/2006/main">
   <p:cSld>
     <p:spTree>
@@ -28755,12 +30323,8 @@
           <a:lstStyle/>
           <a:p>
             <a:r>
-              <a:rPr lang="de-DE" dirty="0" err="1"/>
-              <a:t>Machine</a:t>
-            </a:r>
-            <a:r>
               <a:rPr lang="de-DE" dirty="0"/>
-              <a:t> Learning</a:t>
+              <a:t>Vorverarbeitung</a:t>
             </a:r>
           </a:p>
         </p:txBody>
@@ -28789,7 +30353,7 @@
             <a:pPr rtl="0"/>
             <a:fld id="{03DC2DEF-D2FE-4B45-ABA4-9F153FD1C98A}" type="slidenum">
               <a:rPr lang="de-DE" noProof="0" smtClean="0"/>
-              <a:t>11</a:t>
+              <a:t>14</a:t>
             </a:fld>
             <a:endParaRPr lang="de-DE" noProof="0"/>
           </a:p>
@@ -28797,21 +30361,38 @@
       </p:sp>
       <p:sp>
         <p:nvSpPr>
-          <p:cNvPr id="4" name="Diagrammplatzhalter 3">
-            <a:extLst>
-              <a:ext uri="{FF2B5EF4-FFF2-40B4-BE49-F238E27FC236}">
-                <a16:creationId xmlns:a16="http://schemas.microsoft.com/office/drawing/2014/main" id="{08432694-FDC1-43C2-A849-260B395AA70F}"/>
-              </a:ext>
-            </a:extLst>
-          </p:cNvPr>
-          <p:cNvSpPr>
-            <a:spLocks noGrp="1"/>
-          </p:cNvSpPr>
-          <p:nvPr>
-            <p:ph type="chart" sz="quarter" idx="13"/>
-          </p:nvPr>
-        </p:nvSpPr>
-        <p:spPr/>
+          <p:cNvPr id="5" name="Textfeld 4">
+            <a:extLst>
+              <a:ext uri="{FF2B5EF4-FFF2-40B4-BE49-F238E27FC236}">
+                <a16:creationId xmlns:a16="http://schemas.microsoft.com/office/drawing/2014/main" id="{CBEFB219-EA9C-4F75-B1BF-BD2AC2B42F93}"/>
+              </a:ext>
+            </a:extLst>
+          </p:cNvPr>
+          <p:cNvSpPr txBox="1"/>
+          <p:nvPr/>
+        </p:nvSpPr>
+        <p:spPr>
+          <a:xfrm>
+            <a:off x="4859383" y="3431244"/>
+            <a:ext cx="2320507" cy="369332"/>
+          </a:xfrm>
+          <a:prstGeom prst="rect">
+            <a:avLst/>
+          </a:prstGeom>
+          <a:noFill/>
+        </p:spPr>
+        <p:txBody>
+          <a:bodyPr wrap="none" rtlCol="0">
+            <a:spAutoFit/>
+          </a:bodyPr>
+          <a:lstStyle/>
+          <a:p>
+            <a:r>
+              <a:rPr lang="de-DE" dirty="0"/>
+              <a:t>LENNART NOCH TO DO</a:t>
+            </a:r>
+          </a:p>
+        </p:txBody>
       </p:sp>
     </p:spTree>
     <p:extLst>
@@ -28826,7 +30407,7 @@
 </p:sld>
 </file>
 
-<file path=ppt/slides/slide12.xml><?xml version="1.0" encoding="utf-8"?>
+<file path=ppt/slides/slide15.xml><?xml version="1.0" encoding="utf-8"?>
 <p:sld xmlns:a="http://schemas.openxmlformats.org/drawingml/2006/main" xmlns:r="http://schemas.openxmlformats.org/officeDocument/2006/relationships" xmlns:p="http://schemas.openxmlformats.org/presentationml/2006/main">
   <p:cSld>
     <p:spTree>
@@ -28873,14 +30454,18 @@
           <a:p>
             <a:pPr algn="l"/>
             <a:r>
-              <a:rPr lang="de-DE" sz="4000" dirty="0"/>
-              <a:t>Evaluation</a:t>
-            </a:r>
-          </a:p>
-        </p:txBody>
-      </p:sp>
-      <mc:AlternateContent xmlns:mc="http://schemas.openxmlformats.org/markup-compatibility/2006">
-        <mc:Choice xmlns:a14="http://schemas.microsoft.com/office/drawing/2010/main" Requires="a14">
+              <a:rPr lang="de-DE" sz="3600" dirty="0" err="1"/>
+              <a:t>Gütemaß</a:t>
+            </a:r>
+            <a:r>
+              <a:rPr lang="de-DE" sz="3600" dirty="0"/>
+              <a:t> RMSE</a:t>
+            </a:r>
+          </a:p>
+        </p:txBody>
+      </p:sp>
+      <mc:AlternateContent xmlns:mc="http://schemas.openxmlformats.org/markup-compatibility/2006" xmlns:a14="http://schemas.microsoft.com/office/drawing/2010/main">
+        <mc:Choice Requires="a14">
           <p:sp>
             <p:nvSpPr>
               <p:cNvPr id="10" name="Inhaltsplatzhalter 9">
@@ -28958,7 +30543,7 @@
                             <a:solidFill>
                               <a:schemeClr val="bg1"/>
                             </a:solidFill>
-                            <a:latin typeface="+mj-lt"/>
+                            <a:latin typeface="Cambria Math" panose="02040503050406030204" pitchFamily="18" charset="0"/>
                           </a:rPr>
                         </m:ctrlPr>
                       </m:radPr>
@@ -28971,7 +30556,7 @@
                                 <a:solidFill>
                                   <a:schemeClr val="bg1"/>
                                 </a:solidFill>
-                                <a:latin typeface="+mj-lt"/>
+                                <a:latin typeface="Cambria Math" panose="02040503050406030204" pitchFamily="18" charset="0"/>
                               </a:rPr>
                             </m:ctrlPr>
                           </m:sSupPr>
@@ -28983,7 +30568,7 @@
                                     <a:solidFill>
                                       <a:schemeClr val="bg1"/>
                                     </a:solidFill>
-                                    <a:latin typeface="+mj-lt"/>
+                                    <a:latin typeface="Cambria Math" panose="02040503050406030204" pitchFamily="18" charset="0"/>
                                   </a:rPr>
                                 </m:ctrlPr>
                               </m:dPr>
@@ -28993,7 +30578,7 @@
                                     <a:solidFill>
                                       <a:schemeClr val="bg1"/>
                                     </a:solidFill>
-                                    <a:latin typeface="+mj-lt"/>
+                                    <a:latin typeface="Cambria Math" panose="02040503050406030204" pitchFamily="18" charset="0"/>
                                   </a:rPr>
                                   <m:t>𝑓</m:t>
                                 </m:r>
@@ -29002,7 +30587,7 @@
                                     <a:solidFill>
                                       <a:schemeClr val="bg1"/>
                                     </a:solidFill>
-                                    <a:latin typeface="+mj-lt"/>
+                                    <a:latin typeface="Cambria Math" panose="02040503050406030204" pitchFamily="18" charset="0"/>
                                   </a:rPr>
                                   <m:t>−</m:t>
                                 </m:r>
@@ -29011,7 +30596,7 @@
                                     <a:solidFill>
                                       <a:schemeClr val="bg1"/>
                                     </a:solidFill>
-                                    <a:latin typeface="+mj-lt"/>
+                                    <a:latin typeface="Cambria Math" panose="02040503050406030204" pitchFamily="18" charset="0"/>
                                   </a:rPr>
                                   <m:t>𝑜</m:t>
                                 </m:r>
@@ -29024,7 +30609,7 @@
                                 <a:solidFill>
                                   <a:schemeClr val="bg1"/>
                                 </a:solidFill>
-                                <a:latin typeface="+mj-lt"/>
+                                <a:latin typeface="Cambria Math" panose="02040503050406030204" pitchFamily="18" charset="0"/>
                               </a:rPr>
                               <m:t>2</m:t>
                             </m:r>
@@ -29091,7 +30676,7 @@
             </p:txBody>
           </p:sp>
         </mc:Choice>
-        <mc:Fallback>
+        <mc:Fallback xmlns="">
           <p:sp>
             <p:nvSpPr>
               <p:cNvPr id="10" name="Inhaltsplatzhalter 9">
@@ -29159,7 +30744,7 @@
             <a:pPr rtl="0"/>
             <a:fld id="{03DC2DEF-D2FE-4B45-ABA4-9F153FD1C98A}" type="slidenum">
               <a:rPr lang="de-DE" noProof="0" smtClean="0"/>
-              <a:t>12</a:t>
+              <a:t>15</a:t>
             </a:fld>
             <a:endParaRPr lang="de-DE" noProof="0"/>
           </a:p>
@@ -29502,7 +31087,7 @@
 </p:sld>
 </file>
 
-<file path=ppt/slides/slide13.xml><?xml version="1.0" encoding="utf-8"?>
+<file path=ppt/slides/slide16.xml><?xml version="1.0" encoding="utf-8"?>
 <p:sld xmlns:a="http://schemas.openxmlformats.org/drawingml/2006/main" xmlns:r="http://schemas.openxmlformats.org/officeDocument/2006/relationships" xmlns:p="http://schemas.openxmlformats.org/presentationml/2006/main">
   <p:cSld>
     <p:spTree>
@@ -29571,7 +31156,7 @@
             <a:pPr rtl="0"/>
             <a:fld id="{03DC2DEF-D2FE-4B45-ABA4-9F153FD1C98A}" type="slidenum">
               <a:rPr lang="de-DE" noProof="0" smtClean="0"/>
-              <a:t>13</a:t>
+              <a:t>16</a:t>
             </a:fld>
             <a:endParaRPr lang="de-DE" noProof="0"/>
           </a:p>
@@ -29680,13 +31265,22 @@
         </p:blipFill>
         <p:spPr>
           <a:xfrm>
-            <a:off x="7583489" y="1585747"/>
-            <a:ext cx="3000007" cy="4188156"/>
+            <a:off x="7524984" y="1531789"/>
+            <a:ext cx="2895366" cy="4042072"/>
           </a:xfrm>
           <a:prstGeom prst="rect">
             <a:avLst/>
           </a:prstGeom>
-          <a:effectLst/>
+          <a:ln>
+            <a:noFill/>
+          </a:ln>
+          <a:effectLst>
+            <a:outerShdw blurRad="292100" dist="139700" dir="2700000" algn="tl" rotWithShape="0">
+              <a:srgbClr val="333333">
+                <a:alpha val="65000"/>
+              </a:srgbClr>
+            </a:outerShdw>
+          </a:effectLst>
         </p:spPr>
       </p:pic>
       <p:graphicFrame>
@@ -30317,6 +31911,134 @@
           </a:p>
         </p:txBody>
       </p:sp>
+      <p:sp>
+        <p:nvSpPr>
+          <p:cNvPr id="14" name="Textfeld 13">
+            <a:extLst>
+              <a:ext uri="{FF2B5EF4-FFF2-40B4-BE49-F238E27FC236}">
+                <a16:creationId xmlns:a16="http://schemas.microsoft.com/office/drawing/2014/main" id="{9CA19B93-E4B2-431D-8855-6E741FD38923}"/>
+              </a:ext>
+            </a:extLst>
+          </p:cNvPr>
+          <p:cNvSpPr txBox="1"/>
+          <p:nvPr/>
+        </p:nvSpPr>
+        <p:spPr>
+          <a:xfrm>
+            <a:off x="673100" y="3841782"/>
+            <a:ext cx="3428637" cy="369332"/>
+          </a:xfrm>
+          <a:prstGeom prst="rect">
+            <a:avLst/>
+          </a:prstGeom>
+          <a:noFill/>
+        </p:spPr>
+        <p:txBody>
+          <a:bodyPr wrap="square">
+            <a:spAutoFit/>
+          </a:bodyPr>
+          <a:lstStyle/>
+          <a:p>
+            <a:pPr marL="0" marR="0" lvl="0" indent="0" algn="l" defTabSz="457200" rtl="0" eaLnBrk="1" fontAlgn="auto" latinLnBrk="0" hangingPunct="1">
+              <a:lnSpc>
+                <a:spcPct val="100000"/>
+              </a:lnSpc>
+              <a:spcBef>
+                <a:spcPts val="0"/>
+              </a:spcBef>
+              <a:spcAft>
+                <a:spcPts val="0"/>
+              </a:spcAft>
+              <a:buClrTx/>
+              <a:buSzTx/>
+              <a:buFontTx/>
+              <a:buNone/>
+              <a:tabLst/>
+              <a:defRPr/>
+            </a:pPr>
+            <a:r>
+              <a:rPr kumimoji="0" lang="de-DE" sz="1800" b="0" i="0" u="none" strike="noStrike" kern="1200" cap="none" spc="0" normalizeH="0" baseline="0" noProof="0" dirty="0">
+                <a:ln>
+                  <a:noFill/>
+                </a:ln>
+                <a:solidFill>
+                  <a:prstClr val="white"/>
+                </a:solidFill>
+                <a:effectLst/>
+                <a:uLnTx/>
+                <a:uFillTx/>
+                <a:ea typeface="Lufthansa Head Global Light" pitchFamily="2" charset="-128"/>
+                <a:cs typeface="Lufthansa Head Global Light" pitchFamily="2" charset="-128"/>
+              </a:rPr>
+              <a:t>R2-Wert auf Testdaten: 0,71</a:t>
+            </a:r>
+          </a:p>
+        </p:txBody>
+      </p:sp>
+      <p:sp>
+        <p:nvSpPr>
+          <p:cNvPr id="15" name="Textfeld 14">
+            <a:extLst>
+              <a:ext uri="{FF2B5EF4-FFF2-40B4-BE49-F238E27FC236}">
+                <a16:creationId xmlns:a16="http://schemas.microsoft.com/office/drawing/2014/main" id="{62E55A1E-2DD7-4D57-938D-6062DA1B2128}"/>
+              </a:ext>
+            </a:extLst>
+          </p:cNvPr>
+          <p:cNvSpPr txBox="1"/>
+          <p:nvPr/>
+        </p:nvSpPr>
+        <p:spPr>
+          <a:xfrm>
+            <a:off x="2083685" y="2285610"/>
+            <a:ext cx="984068" cy="369332"/>
+          </a:xfrm>
+          <a:prstGeom prst="rect">
+            <a:avLst/>
+          </a:prstGeom>
+          <a:noFill/>
+        </p:spPr>
+        <p:txBody>
+          <a:bodyPr wrap="square">
+            <a:spAutoFit/>
+          </a:bodyPr>
+          <a:lstStyle/>
+          <a:p>
+            <a:pPr marL="0" marR="0" lvl="0" indent="0" algn="l" defTabSz="457200" rtl="0" eaLnBrk="1" fontAlgn="auto" latinLnBrk="0" hangingPunct="1">
+              <a:lnSpc>
+                <a:spcPct val="100000"/>
+              </a:lnSpc>
+              <a:spcBef>
+                <a:spcPts val="0"/>
+              </a:spcBef>
+              <a:spcAft>
+                <a:spcPts val="0"/>
+              </a:spcAft>
+              <a:buClrTx/>
+              <a:buSzTx/>
+              <a:buFontTx/>
+              <a:buNone/>
+              <a:tabLst/>
+              <a:defRPr/>
+            </a:pPr>
+            <a:r>
+              <a:rPr kumimoji="0" lang="de-DE" sz="1800" b="0" i="0" u="none" strike="noStrike" kern="1200" cap="none" spc="0" normalizeH="0" baseline="0" noProof="0" dirty="0">
+                <a:ln>
+                  <a:noFill/>
+                </a:ln>
+                <a:solidFill>
+                  <a:prstClr val="white"/>
+                </a:solidFill>
+                <a:effectLst/>
+                <a:uLnTx/>
+                <a:uFillTx/>
+                <a:ea typeface="Lufthansa Head Global Light" pitchFamily="2" charset="-128"/>
+                <a:cs typeface="Lufthansa Head Global Light" pitchFamily="2" charset="-128"/>
+              </a:rPr>
+              <a:t>RMSE:</a:t>
+            </a:r>
+          </a:p>
+        </p:txBody>
+      </p:sp>
     </p:spTree>
     <p:extLst>
       <p:ext uri="{BB962C8B-B14F-4D97-AF65-F5344CB8AC3E}">
@@ -30330,7 +32052,7 @@
 </p:sld>
 </file>
 
-<file path=ppt/slides/slide14.xml><?xml version="1.0" encoding="utf-8"?>
+<file path=ppt/slides/slide17.xml><?xml version="1.0" encoding="utf-8"?>
 <p:sld xmlns:a="http://schemas.openxmlformats.org/drawingml/2006/main" xmlns:r="http://schemas.openxmlformats.org/officeDocument/2006/relationships" xmlns:p="http://schemas.openxmlformats.org/presentationml/2006/main">
   <p:cSld>
     <p:spTree>
@@ -30349,6 +32071,390 @@
       </p:grpSpPr>
       <p:sp>
         <p:nvSpPr>
+          <p:cNvPr id="9" name="Textplatzhalter 8">
+            <a:extLst>
+              <a:ext uri="{FF2B5EF4-FFF2-40B4-BE49-F238E27FC236}">
+                <a16:creationId xmlns:a16="http://schemas.microsoft.com/office/drawing/2014/main" id="{DB80BDBA-070C-4A03-B38E-F90D3B38707C}"/>
+              </a:ext>
+            </a:extLst>
+          </p:cNvPr>
+          <p:cNvSpPr>
+            <a:spLocks noGrp="1"/>
+          </p:cNvSpPr>
+          <p:nvPr>
+            <p:ph type="body" sz="quarter" idx="16"/>
+          </p:nvPr>
+        </p:nvSpPr>
+        <p:spPr>
+          <a:xfrm>
+            <a:off x="285750" y="279400"/>
+            <a:ext cx="5372096" cy="711200"/>
+          </a:xfrm>
+        </p:spPr>
+        <p:txBody>
+          <a:bodyPr/>
+          <a:lstStyle/>
+          <a:p>
+            <a:pPr algn="l"/>
+            <a:r>
+              <a:rPr lang="de-DE" sz="3600" dirty="0"/>
+              <a:t>Ensemble Methoden</a:t>
+            </a:r>
+          </a:p>
+        </p:txBody>
+      </p:sp>
+      <p:sp>
+        <p:nvSpPr>
+          <p:cNvPr id="3" name="Foliennummernplatzhalter 2">
+            <a:extLst>
+              <a:ext uri="{FF2B5EF4-FFF2-40B4-BE49-F238E27FC236}">
+                <a16:creationId xmlns:a16="http://schemas.microsoft.com/office/drawing/2014/main" id="{F064888F-C26A-45A5-B741-06E5CD868E29}"/>
+              </a:ext>
+            </a:extLst>
+          </p:cNvPr>
+          <p:cNvSpPr>
+            <a:spLocks noGrp="1"/>
+          </p:cNvSpPr>
+          <p:nvPr>
+            <p:ph type="sldNum" sz="quarter" idx="4294967295"/>
+          </p:nvPr>
+        </p:nvSpPr>
+        <p:spPr>
+          <a:xfrm>
+            <a:off x="11818938" y="6581775"/>
+            <a:ext cx="373062" cy="206375"/>
+          </a:xfrm>
+        </p:spPr>
+        <p:txBody>
+          <a:bodyPr/>
+          <a:lstStyle/>
+          <a:p>
+            <a:pPr rtl="0"/>
+            <a:fld id="{03DC2DEF-D2FE-4B45-ABA4-9F153FD1C98A}" type="slidenum">
+              <a:rPr lang="de-DE" noProof="0" smtClean="0"/>
+              <a:t>17</a:t>
+            </a:fld>
+            <a:endParaRPr lang="de-DE" noProof="0"/>
+          </a:p>
+        </p:txBody>
+      </p:sp>
+      <p:pic>
+        <p:nvPicPr>
+          <p:cNvPr id="10" name="Bildplatzhalter 9">
+            <a:extLst>
+              <a:ext uri="{FF2B5EF4-FFF2-40B4-BE49-F238E27FC236}">
+                <a16:creationId xmlns:a16="http://schemas.microsoft.com/office/drawing/2014/main" id="{DDF8CD0A-08AE-42AE-B919-672D161D892E}"/>
+              </a:ext>
+            </a:extLst>
+          </p:cNvPr>
+          <p:cNvPicPr>
+            <a:picLocks noGrp="1" noChangeAspect="1"/>
+          </p:cNvPicPr>
+          <p:nvPr>
+            <p:ph type="pic" sz="quarter" idx="13"/>
+          </p:nvPr>
+        </p:nvPicPr>
+        <p:blipFill>
+          <a:blip r:embed="rId2"/>
+          <a:srcRect l="4316" r="4316"/>
+          <a:stretch>
+            <a:fillRect/>
+          </a:stretch>
+        </p:blipFill>
+        <p:spPr>
+          <a:xfrm>
+            <a:off x="647700" y="1471613"/>
+            <a:ext cx="5372100" cy="3838575"/>
+          </a:xfrm>
+          <a:prstGeom prst="rect">
+            <a:avLst/>
+          </a:prstGeom>
+          <a:ln w="38100" cap="sq">
+            <a:noFill/>
+            <a:prstDash val="solid"/>
+            <a:miter lim="800000"/>
+          </a:ln>
+          <a:effectLst>
+            <a:outerShdw blurRad="50800" dist="38100" dir="2700000" algn="tl" rotWithShape="0">
+              <a:srgbClr val="000000">
+                <a:alpha val="43000"/>
+              </a:srgbClr>
+            </a:outerShdw>
+          </a:effectLst>
+        </p:spPr>
+      </p:pic>
+      <p:pic>
+        <p:nvPicPr>
+          <p:cNvPr id="14" name="Grafik 13">
+            <a:extLst>
+              <a:ext uri="{FF2B5EF4-FFF2-40B4-BE49-F238E27FC236}">
+                <a16:creationId xmlns:a16="http://schemas.microsoft.com/office/drawing/2014/main" id="{4FB2E1DC-7C76-417F-8657-432A1CEB6E4E}"/>
+              </a:ext>
+            </a:extLst>
+          </p:cNvPr>
+          <p:cNvPicPr>
+            <a:picLocks noChangeAspect="1"/>
+          </p:cNvPicPr>
+          <p:nvPr/>
+        </p:nvPicPr>
+        <p:blipFill>
+          <a:blip r:embed="rId3"/>
+          <a:stretch>
+            <a:fillRect/>
+          </a:stretch>
+        </p:blipFill>
+        <p:spPr>
+          <a:xfrm>
+            <a:off x="6565985" y="2271713"/>
+            <a:ext cx="5103727" cy="1968580"/>
+          </a:xfrm>
+          <a:prstGeom prst="rect">
+            <a:avLst/>
+          </a:prstGeom>
+        </p:spPr>
+      </p:pic>
+      <p:sp>
+        <p:nvSpPr>
+          <p:cNvPr id="15" name="Rechteck 14">
+            <a:extLst>
+              <a:ext uri="{FF2B5EF4-FFF2-40B4-BE49-F238E27FC236}">
+                <a16:creationId xmlns:a16="http://schemas.microsoft.com/office/drawing/2014/main" id="{7A762794-17AF-402D-8D25-C8785F96A660}"/>
+              </a:ext>
+            </a:extLst>
+          </p:cNvPr>
+          <p:cNvSpPr/>
+          <p:nvPr/>
+        </p:nvSpPr>
+        <p:spPr>
+          <a:xfrm>
+            <a:off x="6467475" y="1471612"/>
+            <a:ext cx="5372100" cy="3838575"/>
+          </a:xfrm>
+          <a:prstGeom prst="rect">
+            <a:avLst/>
+          </a:prstGeom>
+          <a:solidFill>
+            <a:schemeClr val="bg1"/>
+          </a:solidFill>
+          <a:ln>
+            <a:noFill/>
+          </a:ln>
+          <a:effectLst>
+            <a:outerShdw blurRad="50800" dist="38100" dir="2700000" algn="tl" rotWithShape="0">
+              <a:prstClr val="black">
+                <a:alpha val="40000"/>
+              </a:prstClr>
+            </a:outerShdw>
+          </a:effectLst>
+        </p:spPr>
+        <p:style>
+          <a:lnRef idx="2">
+            <a:schemeClr val="accent1">
+              <a:shade val="50000"/>
+            </a:schemeClr>
+          </a:lnRef>
+          <a:fillRef idx="1">
+            <a:schemeClr val="accent1"/>
+          </a:fillRef>
+          <a:effectRef idx="0">
+            <a:schemeClr val="accent1"/>
+          </a:effectRef>
+          <a:fontRef idx="minor">
+            <a:schemeClr val="lt1"/>
+          </a:fontRef>
+        </p:style>
+        <p:txBody>
+          <a:bodyPr rtlCol="0" anchor="ctr"/>
+          <a:lstStyle/>
+          <a:p>
+            <a:pPr algn="ctr"/>
+            <a:endParaRPr lang="de-DE"/>
+          </a:p>
+        </p:txBody>
+      </p:sp>
+      <p:pic>
+        <p:nvPicPr>
+          <p:cNvPr id="16" name="Grafik 15">
+            <a:extLst>
+              <a:ext uri="{FF2B5EF4-FFF2-40B4-BE49-F238E27FC236}">
+                <a16:creationId xmlns:a16="http://schemas.microsoft.com/office/drawing/2014/main" id="{78D68C04-8AF9-416D-984D-6A4E50B3CE82}"/>
+              </a:ext>
+            </a:extLst>
+          </p:cNvPr>
+          <p:cNvPicPr>
+            <a:picLocks noChangeAspect="1"/>
+          </p:cNvPicPr>
+          <p:nvPr/>
+        </p:nvPicPr>
+        <p:blipFill>
+          <a:blip r:embed="rId3"/>
+          <a:stretch>
+            <a:fillRect/>
+          </a:stretch>
+        </p:blipFill>
+        <p:spPr>
+          <a:xfrm>
+            <a:off x="6601661" y="2406609"/>
+            <a:ext cx="5103727" cy="1968580"/>
+          </a:xfrm>
+          <a:prstGeom prst="rect">
+            <a:avLst/>
+          </a:prstGeom>
+          <a:ln>
+            <a:noFill/>
+          </a:ln>
+        </p:spPr>
+      </p:pic>
+      <p:sp>
+        <p:nvSpPr>
+          <p:cNvPr id="18" name="Textfeld 17">
+            <a:extLst>
+              <a:ext uri="{FF2B5EF4-FFF2-40B4-BE49-F238E27FC236}">
+                <a16:creationId xmlns:a16="http://schemas.microsoft.com/office/drawing/2014/main" id="{60C48849-359A-416E-815F-2C6BF58D09FA}"/>
+              </a:ext>
+            </a:extLst>
+          </p:cNvPr>
+          <p:cNvSpPr txBox="1"/>
+          <p:nvPr/>
+        </p:nvSpPr>
+        <p:spPr>
+          <a:xfrm>
+            <a:off x="6973298" y="5889148"/>
+            <a:ext cx="5161552" cy="738664"/>
+          </a:xfrm>
+          <a:prstGeom prst="rect">
+            <a:avLst/>
+          </a:prstGeom>
+          <a:noFill/>
+        </p:spPr>
+        <p:txBody>
+          <a:bodyPr wrap="square" rtlCol="0">
+            <a:spAutoFit/>
+          </a:bodyPr>
+          <a:lstStyle/>
+          <a:p>
+            <a:r>
+              <a:rPr lang="de-DE" sz="1200" dirty="0"/>
+              <a:t>Quelle: ML Review. Gradient </a:t>
+            </a:r>
+            <a:r>
+              <a:rPr lang="de-DE" sz="1200" dirty="0" err="1"/>
+              <a:t>Boosting</a:t>
+            </a:r>
+            <a:r>
+              <a:rPr lang="de-DE" sz="1200" dirty="0"/>
+              <a:t> </a:t>
+            </a:r>
+            <a:r>
+              <a:rPr lang="de-DE" sz="1200" dirty="0" err="1"/>
+              <a:t>from</a:t>
+            </a:r>
+            <a:r>
+              <a:rPr lang="de-DE" sz="1200" dirty="0"/>
+              <a:t> </a:t>
+            </a:r>
+            <a:r>
+              <a:rPr lang="de-DE" sz="1200" dirty="0" err="1"/>
+              <a:t>scratch</a:t>
+            </a:r>
+            <a:r>
+              <a:rPr lang="de-DE" sz="1200" dirty="0"/>
+              <a:t>. Abrufbar unter </a:t>
+            </a:r>
+            <a:r>
+              <a:rPr lang="de-DE" sz="1200" dirty="0">
+                <a:hlinkClick r:id="rId4"/>
+              </a:rPr>
+              <a:t>https://blog.mlreview.com/gradient-boosting-from-scratch-1e317ae4587d</a:t>
+            </a:r>
+            <a:endParaRPr lang="de-DE" sz="1200" dirty="0"/>
+          </a:p>
+          <a:p>
+            <a:endParaRPr lang="de-DE" dirty="0"/>
+          </a:p>
+        </p:txBody>
+      </p:sp>
+      <p:sp>
+        <p:nvSpPr>
+          <p:cNvPr id="19" name="Rechteck 18">
+            <a:extLst>
+              <a:ext uri="{FF2B5EF4-FFF2-40B4-BE49-F238E27FC236}">
+                <a16:creationId xmlns:a16="http://schemas.microsoft.com/office/drawing/2014/main" id="{12D3B8A0-67DE-4348-B00E-0B7A4DC71157}"/>
+              </a:ext>
+            </a:extLst>
+          </p:cNvPr>
+          <p:cNvSpPr/>
+          <p:nvPr/>
+        </p:nvSpPr>
+        <p:spPr>
+          <a:xfrm>
+            <a:off x="0" y="260351"/>
+            <a:ext cx="285750" cy="749299"/>
+          </a:xfrm>
+          <a:prstGeom prst="rect">
+            <a:avLst/>
+          </a:prstGeom>
+          <a:ln>
+            <a:noFill/>
+          </a:ln>
+        </p:spPr>
+        <p:style>
+          <a:lnRef idx="2">
+            <a:schemeClr val="accent1">
+              <a:shade val="50000"/>
+            </a:schemeClr>
+          </a:lnRef>
+          <a:fillRef idx="1">
+            <a:schemeClr val="accent1"/>
+          </a:fillRef>
+          <a:effectRef idx="0">
+            <a:schemeClr val="accent1"/>
+          </a:effectRef>
+          <a:fontRef idx="minor">
+            <a:schemeClr val="lt1"/>
+          </a:fontRef>
+        </p:style>
+        <p:txBody>
+          <a:bodyPr rtlCol="0" anchor="ctr"/>
+          <a:lstStyle/>
+          <a:p>
+            <a:pPr algn="ctr"/>
+            <a:endParaRPr lang="de-DE"/>
+          </a:p>
+        </p:txBody>
+      </p:sp>
+    </p:spTree>
+    <p:extLst>
+      <p:ext uri="{BB962C8B-B14F-4D97-AF65-F5344CB8AC3E}">
+        <p14:creationId xmlns:p14="http://schemas.microsoft.com/office/powerpoint/2010/main" val="4033700046"/>
+      </p:ext>
+    </p:extLst>
+  </p:cSld>
+  <p:clrMapOvr>
+    <a:masterClrMapping/>
+  </p:clrMapOvr>
+</p:sld>
+</file>
+
+<file path=ppt/slides/slide18.xml><?xml version="1.0" encoding="utf-8"?>
+<p:sld xmlns:a="http://schemas.openxmlformats.org/drawingml/2006/main" xmlns:r="http://schemas.openxmlformats.org/officeDocument/2006/relationships" xmlns:p="http://schemas.openxmlformats.org/presentationml/2006/main">
+  <p:cSld>
+    <p:spTree>
+      <p:nvGrpSpPr>
+        <p:cNvPr id="1" name=""/>
+        <p:cNvGrpSpPr/>
+        <p:nvPr/>
+      </p:nvGrpSpPr>
+      <p:grpSpPr>
+        <a:xfrm>
+          <a:off x="0" y="0"/>
+          <a:ext cx="0" cy="0"/>
+          <a:chOff x="0" y="0"/>
+          <a:chExt cx="0" cy="0"/>
+        </a:xfrm>
+      </p:grpSpPr>
+      <p:sp>
+        <p:nvSpPr>
           <p:cNvPr id="11" name="Titel 10">
             <a:extLst>
               <a:ext uri="{FF2B5EF4-FFF2-40B4-BE49-F238E27FC236}">
@@ -30399,7 +32505,7 @@
             <a:pPr rtl="0"/>
             <a:fld id="{03DC2DEF-D2FE-4B45-ABA4-9F153FD1C98A}" type="slidenum">
               <a:rPr lang="de-DE" noProof="0" smtClean="0"/>
-              <a:t>14</a:t>
+              <a:t>18</a:t>
             </a:fld>
             <a:endParaRPr lang="de-DE" noProof="0"/>
           </a:p>
@@ -31058,17 +33164,14 @@
               </a:rPr>
               <a:t>Overfitting</a:t>
             </a:r>
-            <a:r>
-              <a:rPr lang="de-DE" sz="2000" dirty="0">
-                <a:solidFill>
-                  <a:schemeClr val="bg1"/>
-                </a:solidFill>
-                <a:latin typeface="+mj-lt"/>
-                <a:ea typeface="Lufthansa Head Global Light" pitchFamily="2" charset="-128"/>
-                <a:cs typeface="Lufthansa Head Global Light" pitchFamily="2" charset="-128"/>
-              </a:rPr>
-              <a:t>, Modell zu komplex</a:t>
-            </a:r>
+            <a:endParaRPr lang="de-DE" sz="2000" dirty="0">
+              <a:solidFill>
+                <a:schemeClr val="bg1"/>
+              </a:solidFill>
+              <a:latin typeface="+mj-lt"/>
+              <a:ea typeface="Lufthansa Head Global Light" pitchFamily="2" charset="-128"/>
+              <a:cs typeface="Lufthansa Head Global Light" pitchFamily="2" charset="-128"/>
+            </a:endParaRPr>
           </a:p>
         </p:txBody>
       </p:sp>
@@ -31208,6 +33311,134 @@
           </a:p>
           <a:p>
             <a:endParaRPr lang="de-DE" sz="1400" dirty="0"/>
+          </a:p>
+        </p:txBody>
+      </p:sp>
+      <p:sp>
+        <p:nvSpPr>
+          <p:cNvPr id="16" name="Textfeld 15">
+            <a:extLst>
+              <a:ext uri="{FF2B5EF4-FFF2-40B4-BE49-F238E27FC236}">
+                <a16:creationId xmlns:a16="http://schemas.microsoft.com/office/drawing/2014/main" id="{DF882654-B33A-4579-A65B-87632C939422}"/>
+              </a:ext>
+            </a:extLst>
+          </p:cNvPr>
+          <p:cNvSpPr txBox="1"/>
+          <p:nvPr/>
+        </p:nvSpPr>
+        <p:spPr>
+          <a:xfrm>
+            <a:off x="673100" y="3841782"/>
+            <a:ext cx="3428637" cy="369332"/>
+          </a:xfrm>
+          <a:prstGeom prst="rect">
+            <a:avLst/>
+          </a:prstGeom>
+          <a:noFill/>
+        </p:spPr>
+        <p:txBody>
+          <a:bodyPr wrap="square">
+            <a:spAutoFit/>
+          </a:bodyPr>
+          <a:lstStyle/>
+          <a:p>
+            <a:pPr marL="0" marR="0" lvl="0" indent="0" algn="l" defTabSz="457200" rtl="0" eaLnBrk="1" fontAlgn="auto" latinLnBrk="0" hangingPunct="1">
+              <a:lnSpc>
+                <a:spcPct val="100000"/>
+              </a:lnSpc>
+              <a:spcBef>
+                <a:spcPts val="0"/>
+              </a:spcBef>
+              <a:spcAft>
+                <a:spcPts val="0"/>
+              </a:spcAft>
+              <a:buClrTx/>
+              <a:buSzTx/>
+              <a:buFontTx/>
+              <a:buNone/>
+              <a:tabLst/>
+              <a:defRPr/>
+            </a:pPr>
+            <a:r>
+              <a:rPr kumimoji="0" lang="de-DE" sz="1800" b="0" i="0" u="none" strike="noStrike" kern="1200" cap="none" spc="0" normalizeH="0" baseline="0" noProof="0" dirty="0">
+                <a:ln>
+                  <a:noFill/>
+                </a:ln>
+                <a:solidFill>
+                  <a:prstClr val="white"/>
+                </a:solidFill>
+                <a:effectLst/>
+                <a:uLnTx/>
+                <a:uFillTx/>
+                <a:ea typeface="Lufthansa Head Global Light" pitchFamily="2" charset="-128"/>
+                <a:cs typeface="Lufthansa Head Global Light" pitchFamily="2" charset="-128"/>
+              </a:rPr>
+              <a:t>R2-Wert auf Testdaten: 0,88</a:t>
+            </a:r>
+          </a:p>
+        </p:txBody>
+      </p:sp>
+      <p:sp>
+        <p:nvSpPr>
+          <p:cNvPr id="17" name="Textfeld 16">
+            <a:extLst>
+              <a:ext uri="{FF2B5EF4-FFF2-40B4-BE49-F238E27FC236}">
+                <a16:creationId xmlns:a16="http://schemas.microsoft.com/office/drawing/2014/main" id="{1690125A-811A-489F-81FB-F9034B2C3D61}"/>
+              </a:ext>
+            </a:extLst>
+          </p:cNvPr>
+          <p:cNvSpPr txBox="1"/>
+          <p:nvPr/>
+        </p:nvSpPr>
+        <p:spPr>
+          <a:xfrm>
+            <a:off x="2142537" y="2318629"/>
+            <a:ext cx="984068" cy="369332"/>
+          </a:xfrm>
+          <a:prstGeom prst="rect">
+            <a:avLst/>
+          </a:prstGeom>
+          <a:noFill/>
+        </p:spPr>
+        <p:txBody>
+          <a:bodyPr wrap="square">
+            <a:spAutoFit/>
+          </a:bodyPr>
+          <a:lstStyle/>
+          <a:p>
+            <a:pPr marL="0" marR="0" lvl="0" indent="0" algn="l" defTabSz="457200" rtl="0" eaLnBrk="1" fontAlgn="auto" latinLnBrk="0" hangingPunct="1">
+              <a:lnSpc>
+                <a:spcPct val="100000"/>
+              </a:lnSpc>
+              <a:spcBef>
+                <a:spcPts val="0"/>
+              </a:spcBef>
+              <a:spcAft>
+                <a:spcPts val="0"/>
+              </a:spcAft>
+              <a:buClrTx/>
+              <a:buSzTx/>
+              <a:buFontTx/>
+              <a:buNone/>
+              <a:tabLst/>
+              <a:defRPr/>
+            </a:pPr>
+            <a:r>
+              <a:rPr kumimoji="0" lang="de-DE" sz="1800" b="0" i="0" u="none" strike="noStrike" kern="1200" cap="none" spc="0" normalizeH="0" baseline="0" noProof="0" dirty="0">
+                <a:ln>
+                  <a:noFill/>
+                </a:ln>
+                <a:solidFill>
+                  <a:prstClr val="white"/>
+                </a:solidFill>
+                <a:effectLst/>
+                <a:uLnTx/>
+                <a:uFillTx/>
+                <a:ea typeface="Lufthansa Head Global Light" pitchFamily="2" charset="-128"/>
+                <a:cs typeface="Lufthansa Head Global Light" pitchFamily="2" charset="-128"/>
+              </a:rPr>
+              <a:t>RMSE:</a:t>
+            </a:r>
           </a:p>
         </p:txBody>
       </p:sp>
@@ -31224,7 +33455,7 @@
 </p:sld>
 </file>
 
-<file path=ppt/slides/slide15.xml><?xml version="1.0" encoding="utf-8"?>
+<file path=ppt/slides/slide19.xml><?xml version="1.0" encoding="utf-8"?>
 <p:sld xmlns:a="http://schemas.openxmlformats.org/drawingml/2006/main" xmlns:r="http://schemas.openxmlformats.org/officeDocument/2006/relationships" xmlns:p="http://schemas.openxmlformats.org/presentationml/2006/main">
   <p:cSld>
     <p:spTree>
@@ -31293,7 +33524,7 @@
             <a:pPr rtl="0"/>
             <a:fld id="{03DC2DEF-D2FE-4B45-ABA4-9F153FD1C98A}" type="slidenum">
               <a:rPr lang="de-DE" noProof="0" smtClean="0"/>
-              <a:t>15</a:t>
+              <a:t>19</a:t>
             </a:fld>
             <a:endParaRPr lang="de-DE" noProof="0"/>
           </a:p>
@@ -32157,394 +34388,138 @@
           </a:prstGeom>
         </p:spPr>
       </p:pic>
+      <p:sp>
+        <p:nvSpPr>
+          <p:cNvPr id="18" name="Textfeld 17">
+            <a:extLst>
+              <a:ext uri="{FF2B5EF4-FFF2-40B4-BE49-F238E27FC236}">
+                <a16:creationId xmlns:a16="http://schemas.microsoft.com/office/drawing/2014/main" id="{17BACBE9-D011-4238-B8A0-EE0B1023878C}"/>
+              </a:ext>
+            </a:extLst>
+          </p:cNvPr>
+          <p:cNvSpPr txBox="1"/>
+          <p:nvPr/>
+        </p:nvSpPr>
+        <p:spPr>
+          <a:xfrm>
+            <a:off x="673100" y="3841782"/>
+            <a:ext cx="3428637" cy="369332"/>
+          </a:xfrm>
+          <a:prstGeom prst="rect">
+            <a:avLst/>
+          </a:prstGeom>
+          <a:noFill/>
+        </p:spPr>
+        <p:txBody>
+          <a:bodyPr wrap="square">
+            <a:spAutoFit/>
+          </a:bodyPr>
+          <a:lstStyle/>
+          <a:p>
+            <a:pPr marL="0" marR="0" lvl="0" indent="0" algn="l" defTabSz="457200" rtl="0" eaLnBrk="1" fontAlgn="auto" latinLnBrk="0" hangingPunct="1">
+              <a:lnSpc>
+                <a:spcPct val="100000"/>
+              </a:lnSpc>
+              <a:spcBef>
+                <a:spcPts val="0"/>
+              </a:spcBef>
+              <a:spcAft>
+                <a:spcPts val="0"/>
+              </a:spcAft>
+              <a:buClrTx/>
+              <a:buSzTx/>
+              <a:buFontTx/>
+              <a:buNone/>
+              <a:tabLst/>
+              <a:defRPr/>
+            </a:pPr>
+            <a:r>
+              <a:rPr kumimoji="0" lang="de-DE" sz="1800" b="0" i="0" u="none" strike="noStrike" kern="1200" cap="none" spc="0" normalizeH="0" baseline="0" noProof="0" dirty="0">
+                <a:ln>
+                  <a:noFill/>
+                </a:ln>
+                <a:solidFill>
+                  <a:prstClr val="white"/>
+                </a:solidFill>
+                <a:effectLst/>
+                <a:uLnTx/>
+                <a:uFillTx/>
+                <a:ea typeface="Lufthansa Head Global Light" pitchFamily="2" charset="-128"/>
+                <a:cs typeface="Lufthansa Head Global Light" pitchFamily="2" charset="-128"/>
+              </a:rPr>
+              <a:t>R2-Wert auf Testdaten: 0,87</a:t>
+            </a:r>
+          </a:p>
+        </p:txBody>
+      </p:sp>
+      <p:sp>
+        <p:nvSpPr>
+          <p:cNvPr id="19" name="Textfeld 18">
+            <a:extLst>
+              <a:ext uri="{FF2B5EF4-FFF2-40B4-BE49-F238E27FC236}">
+                <a16:creationId xmlns:a16="http://schemas.microsoft.com/office/drawing/2014/main" id="{AF9A2121-9690-46DD-B48C-D00FF3799AC1}"/>
+              </a:ext>
+            </a:extLst>
+          </p:cNvPr>
+          <p:cNvSpPr txBox="1"/>
+          <p:nvPr/>
+        </p:nvSpPr>
+        <p:spPr>
+          <a:xfrm>
+            <a:off x="2116412" y="2382262"/>
+            <a:ext cx="984068" cy="369332"/>
+          </a:xfrm>
+          <a:prstGeom prst="rect">
+            <a:avLst/>
+          </a:prstGeom>
+          <a:noFill/>
+        </p:spPr>
+        <p:txBody>
+          <a:bodyPr wrap="square">
+            <a:spAutoFit/>
+          </a:bodyPr>
+          <a:lstStyle/>
+          <a:p>
+            <a:pPr marL="0" marR="0" lvl="0" indent="0" algn="l" defTabSz="457200" rtl="0" eaLnBrk="1" fontAlgn="auto" latinLnBrk="0" hangingPunct="1">
+              <a:lnSpc>
+                <a:spcPct val="100000"/>
+              </a:lnSpc>
+              <a:spcBef>
+                <a:spcPts val="0"/>
+              </a:spcBef>
+              <a:spcAft>
+                <a:spcPts val="0"/>
+              </a:spcAft>
+              <a:buClrTx/>
+              <a:buSzTx/>
+              <a:buFontTx/>
+              <a:buNone/>
+              <a:tabLst/>
+              <a:defRPr/>
+            </a:pPr>
+            <a:r>
+              <a:rPr kumimoji="0" lang="de-DE" sz="1800" b="0" i="0" u="none" strike="noStrike" kern="1200" cap="none" spc="0" normalizeH="0" baseline="0" noProof="0" dirty="0">
+                <a:ln>
+                  <a:noFill/>
+                </a:ln>
+                <a:solidFill>
+                  <a:prstClr val="white"/>
+                </a:solidFill>
+                <a:effectLst/>
+                <a:uLnTx/>
+                <a:uFillTx/>
+                <a:ea typeface="Lufthansa Head Global Light" pitchFamily="2" charset="-128"/>
+                <a:cs typeface="Lufthansa Head Global Light" pitchFamily="2" charset="-128"/>
+              </a:rPr>
+              <a:t>RMSE:</a:t>
+            </a:r>
+          </a:p>
+        </p:txBody>
+      </p:sp>
     </p:spTree>
     <p:extLst>
       <p:ext uri="{BB962C8B-B14F-4D97-AF65-F5344CB8AC3E}">
         <p14:creationId xmlns:p14="http://schemas.microsoft.com/office/powerpoint/2010/main" val="2145441720"/>
-      </p:ext>
-    </p:extLst>
-  </p:cSld>
-  <p:clrMapOvr>
-    <a:masterClrMapping/>
-  </p:clrMapOvr>
-</p:sld>
-</file>
-
-<file path=ppt/slides/slide16.xml><?xml version="1.0" encoding="utf-8"?>
-<p:sld xmlns:a="http://schemas.openxmlformats.org/drawingml/2006/main" xmlns:r="http://schemas.openxmlformats.org/officeDocument/2006/relationships" xmlns:p="http://schemas.openxmlformats.org/presentationml/2006/main">
-  <p:cSld>
-    <p:spTree>
-      <p:nvGrpSpPr>
-        <p:cNvPr id="1" name=""/>
-        <p:cNvGrpSpPr/>
-        <p:nvPr/>
-      </p:nvGrpSpPr>
-      <p:grpSpPr>
-        <a:xfrm>
-          <a:off x="0" y="0"/>
-          <a:ext cx="0" cy="0"/>
-          <a:chOff x="0" y="0"/>
-          <a:chExt cx="0" cy="0"/>
-        </a:xfrm>
-      </p:grpSpPr>
-      <p:sp>
-        <p:nvSpPr>
-          <p:cNvPr id="9" name="Textplatzhalter 8">
-            <a:extLst>
-              <a:ext uri="{FF2B5EF4-FFF2-40B4-BE49-F238E27FC236}">
-                <a16:creationId xmlns:a16="http://schemas.microsoft.com/office/drawing/2014/main" id="{DB80BDBA-070C-4A03-B38E-F90D3B38707C}"/>
-              </a:ext>
-            </a:extLst>
-          </p:cNvPr>
-          <p:cNvSpPr>
-            <a:spLocks noGrp="1"/>
-          </p:cNvSpPr>
-          <p:nvPr>
-            <p:ph type="body" sz="quarter" idx="16"/>
-          </p:nvPr>
-        </p:nvSpPr>
-        <p:spPr>
-          <a:xfrm>
-            <a:off x="285750" y="279400"/>
-            <a:ext cx="5372096" cy="711200"/>
-          </a:xfrm>
-        </p:spPr>
-        <p:txBody>
-          <a:bodyPr/>
-          <a:lstStyle/>
-          <a:p>
-            <a:pPr algn="l"/>
-            <a:r>
-              <a:rPr lang="de-DE" sz="2800" dirty="0"/>
-              <a:t>Ensemble Methoden</a:t>
-            </a:r>
-          </a:p>
-        </p:txBody>
-      </p:sp>
-      <p:sp>
-        <p:nvSpPr>
-          <p:cNvPr id="3" name="Foliennummernplatzhalter 2">
-            <a:extLst>
-              <a:ext uri="{FF2B5EF4-FFF2-40B4-BE49-F238E27FC236}">
-                <a16:creationId xmlns:a16="http://schemas.microsoft.com/office/drawing/2014/main" id="{F064888F-C26A-45A5-B741-06E5CD868E29}"/>
-              </a:ext>
-            </a:extLst>
-          </p:cNvPr>
-          <p:cNvSpPr>
-            <a:spLocks noGrp="1"/>
-          </p:cNvSpPr>
-          <p:nvPr>
-            <p:ph type="sldNum" sz="quarter" idx="4294967295"/>
-          </p:nvPr>
-        </p:nvSpPr>
-        <p:spPr>
-          <a:xfrm>
-            <a:off x="11818938" y="6581775"/>
-            <a:ext cx="373062" cy="206375"/>
-          </a:xfrm>
-        </p:spPr>
-        <p:txBody>
-          <a:bodyPr/>
-          <a:lstStyle/>
-          <a:p>
-            <a:pPr rtl="0"/>
-            <a:fld id="{03DC2DEF-D2FE-4B45-ABA4-9F153FD1C98A}" type="slidenum">
-              <a:rPr lang="de-DE" noProof="0" smtClean="0"/>
-              <a:t>16</a:t>
-            </a:fld>
-            <a:endParaRPr lang="de-DE" noProof="0"/>
-          </a:p>
-        </p:txBody>
-      </p:sp>
-      <p:pic>
-        <p:nvPicPr>
-          <p:cNvPr id="10" name="Bildplatzhalter 9">
-            <a:extLst>
-              <a:ext uri="{FF2B5EF4-FFF2-40B4-BE49-F238E27FC236}">
-                <a16:creationId xmlns:a16="http://schemas.microsoft.com/office/drawing/2014/main" id="{DDF8CD0A-08AE-42AE-B919-672D161D892E}"/>
-              </a:ext>
-            </a:extLst>
-          </p:cNvPr>
-          <p:cNvPicPr>
-            <a:picLocks noGrp="1" noChangeAspect="1"/>
-          </p:cNvPicPr>
-          <p:nvPr>
-            <p:ph type="pic" sz="quarter" idx="13"/>
-          </p:nvPr>
-        </p:nvPicPr>
-        <p:blipFill>
-          <a:blip r:embed="rId2"/>
-          <a:srcRect l="4316" r="4316"/>
-          <a:stretch>
-            <a:fillRect/>
-          </a:stretch>
-        </p:blipFill>
-        <p:spPr>
-          <a:xfrm>
-            <a:off x="647700" y="1471613"/>
-            <a:ext cx="5372100" cy="3838575"/>
-          </a:xfrm>
-          <a:prstGeom prst="rect">
-            <a:avLst/>
-          </a:prstGeom>
-          <a:ln w="38100" cap="sq">
-            <a:noFill/>
-            <a:prstDash val="solid"/>
-            <a:miter lim="800000"/>
-          </a:ln>
-          <a:effectLst>
-            <a:outerShdw blurRad="50800" dist="38100" dir="2700000" algn="tl" rotWithShape="0">
-              <a:srgbClr val="000000">
-                <a:alpha val="43000"/>
-              </a:srgbClr>
-            </a:outerShdw>
-          </a:effectLst>
-        </p:spPr>
-      </p:pic>
-      <p:pic>
-        <p:nvPicPr>
-          <p:cNvPr id="14" name="Grafik 13">
-            <a:extLst>
-              <a:ext uri="{FF2B5EF4-FFF2-40B4-BE49-F238E27FC236}">
-                <a16:creationId xmlns:a16="http://schemas.microsoft.com/office/drawing/2014/main" id="{4FB2E1DC-7C76-417F-8657-432A1CEB6E4E}"/>
-              </a:ext>
-            </a:extLst>
-          </p:cNvPr>
-          <p:cNvPicPr>
-            <a:picLocks noChangeAspect="1"/>
-          </p:cNvPicPr>
-          <p:nvPr/>
-        </p:nvPicPr>
-        <p:blipFill>
-          <a:blip r:embed="rId3"/>
-          <a:stretch>
-            <a:fillRect/>
-          </a:stretch>
-        </p:blipFill>
-        <p:spPr>
-          <a:xfrm>
-            <a:off x="6565985" y="2271713"/>
-            <a:ext cx="5103727" cy="1968580"/>
-          </a:xfrm>
-          <a:prstGeom prst="rect">
-            <a:avLst/>
-          </a:prstGeom>
-        </p:spPr>
-      </p:pic>
-      <p:sp>
-        <p:nvSpPr>
-          <p:cNvPr id="15" name="Rechteck 14">
-            <a:extLst>
-              <a:ext uri="{FF2B5EF4-FFF2-40B4-BE49-F238E27FC236}">
-                <a16:creationId xmlns:a16="http://schemas.microsoft.com/office/drawing/2014/main" id="{7A762794-17AF-402D-8D25-C8785F96A660}"/>
-              </a:ext>
-            </a:extLst>
-          </p:cNvPr>
-          <p:cNvSpPr/>
-          <p:nvPr/>
-        </p:nvSpPr>
-        <p:spPr>
-          <a:xfrm>
-            <a:off x="6467475" y="1471612"/>
-            <a:ext cx="5372100" cy="3838575"/>
-          </a:xfrm>
-          <a:prstGeom prst="rect">
-            <a:avLst/>
-          </a:prstGeom>
-          <a:solidFill>
-            <a:schemeClr val="bg1"/>
-          </a:solidFill>
-          <a:ln>
-            <a:noFill/>
-          </a:ln>
-          <a:effectLst>
-            <a:outerShdw blurRad="50800" dist="38100" dir="2700000" algn="tl" rotWithShape="0">
-              <a:prstClr val="black">
-                <a:alpha val="40000"/>
-              </a:prstClr>
-            </a:outerShdw>
-          </a:effectLst>
-        </p:spPr>
-        <p:style>
-          <a:lnRef idx="2">
-            <a:schemeClr val="accent1">
-              <a:shade val="50000"/>
-            </a:schemeClr>
-          </a:lnRef>
-          <a:fillRef idx="1">
-            <a:schemeClr val="accent1"/>
-          </a:fillRef>
-          <a:effectRef idx="0">
-            <a:schemeClr val="accent1"/>
-          </a:effectRef>
-          <a:fontRef idx="minor">
-            <a:schemeClr val="lt1"/>
-          </a:fontRef>
-        </p:style>
-        <p:txBody>
-          <a:bodyPr rtlCol="0" anchor="ctr"/>
-          <a:lstStyle/>
-          <a:p>
-            <a:pPr algn="ctr"/>
-            <a:endParaRPr lang="de-DE"/>
-          </a:p>
-        </p:txBody>
-      </p:sp>
-      <p:pic>
-        <p:nvPicPr>
-          <p:cNvPr id="16" name="Grafik 15">
-            <a:extLst>
-              <a:ext uri="{FF2B5EF4-FFF2-40B4-BE49-F238E27FC236}">
-                <a16:creationId xmlns:a16="http://schemas.microsoft.com/office/drawing/2014/main" id="{78D68C04-8AF9-416D-984D-6A4E50B3CE82}"/>
-              </a:ext>
-            </a:extLst>
-          </p:cNvPr>
-          <p:cNvPicPr>
-            <a:picLocks noChangeAspect="1"/>
-          </p:cNvPicPr>
-          <p:nvPr/>
-        </p:nvPicPr>
-        <p:blipFill>
-          <a:blip r:embed="rId3"/>
-          <a:stretch>
-            <a:fillRect/>
-          </a:stretch>
-        </p:blipFill>
-        <p:spPr>
-          <a:xfrm>
-            <a:off x="6601661" y="2406609"/>
-            <a:ext cx="5103727" cy="1968580"/>
-          </a:xfrm>
-          <a:prstGeom prst="rect">
-            <a:avLst/>
-          </a:prstGeom>
-          <a:ln>
-            <a:noFill/>
-          </a:ln>
-        </p:spPr>
-      </p:pic>
-      <p:sp>
-        <p:nvSpPr>
-          <p:cNvPr id="18" name="Textfeld 17">
-            <a:extLst>
-              <a:ext uri="{FF2B5EF4-FFF2-40B4-BE49-F238E27FC236}">
-                <a16:creationId xmlns:a16="http://schemas.microsoft.com/office/drawing/2014/main" id="{60C48849-359A-416E-815F-2C6BF58D09FA}"/>
-              </a:ext>
-            </a:extLst>
-          </p:cNvPr>
-          <p:cNvSpPr txBox="1"/>
-          <p:nvPr/>
-        </p:nvSpPr>
-        <p:spPr>
-          <a:xfrm>
-            <a:off x="6973298" y="5889148"/>
-            <a:ext cx="5161552" cy="738664"/>
-          </a:xfrm>
-          <a:prstGeom prst="rect">
-            <a:avLst/>
-          </a:prstGeom>
-          <a:noFill/>
-        </p:spPr>
-        <p:txBody>
-          <a:bodyPr wrap="square" rtlCol="0">
-            <a:spAutoFit/>
-          </a:bodyPr>
-          <a:lstStyle/>
-          <a:p>
-            <a:r>
-              <a:rPr lang="de-DE" sz="1200" dirty="0"/>
-              <a:t>Quelle: ML Review. Gradient </a:t>
-            </a:r>
-            <a:r>
-              <a:rPr lang="de-DE" sz="1200" dirty="0" err="1"/>
-              <a:t>Boosting</a:t>
-            </a:r>
-            <a:r>
-              <a:rPr lang="de-DE" sz="1200" dirty="0"/>
-              <a:t> </a:t>
-            </a:r>
-            <a:r>
-              <a:rPr lang="de-DE" sz="1200" dirty="0" err="1"/>
-              <a:t>from</a:t>
-            </a:r>
-            <a:r>
-              <a:rPr lang="de-DE" sz="1200" dirty="0"/>
-              <a:t> </a:t>
-            </a:r>
-            <a:r>
-              <a:rPr lang="de-DE" sz="1200" dirty="0" err="1"/>
-              <a:t>scratch</a:t>
-            </a:r>
-            <a:r>
-              <a:rPr lang="de-DE" sz="1200" dirty="0"/>
-              <a:t>. Abrufbar unter </a:t>
-            </a:r>
-            <a:r>
-              <a:rPr lang="de-DE" sz="1200" dirty="0">
-                <a:hlinkClick r:id="rId4"/>
-              </a:rPr>
-              <a:t>https://blog.mlreview.com/gradient-boosting-from-scratch-1e317ae4587d</a:t>
-            </a:r>
-            <a:endParaRPr lang="de-DE" sz="1200" dirty="0"/>
-          </a:p>
-          <a:p>
-            <a:endParaRPr lang="de-DE" dirty="0"/>
-          </a:p>
-        </p:txBody>
-      </p:sp>
-      <p:sp>
-        <p:nvSpPr>
-          <p:cNvPr id="19" name="Rechteck 18">
-            <a:extLst>
-              <a:ext uri="{FF2B5EF4-FFF2-40B4-BE49-F238E27FC236}">
-                <a16:creationId xmlns:a16="http://schemas.microsoft.com/office/drawing/2014/main" id="{12D3B8A0-67DE-4348-B00E-0B7A4DC71157}"/>
-              </a:ext>
-            </a:extLst>
-          </p:cNvPr>
-          <p:cNvSpPr/>
-          <p:nvPr/>
-        </p:nvSpPr>
-        <p:spPr>
-          <a:xfrm>
-            <a:off x="0" y="260351"/>
-            <a:ext cx="285750" cy="749299"/>
-          </a:xfrm>
-          <a:prstGeom prst="rect">
-            <a:avLst/>
-          </a:prstGeom>
-          <a:ln>
-            <a:noFill/>
-          </a:ln>
-        </p:spPr>
-        <p:style>
-          <a:lnRef idx="2">
-            <a:schemeClr val="accent1">
-              <a:shade val="50000"/>
-            </a:schemeClr>
-          </a:lnRef>
-          <a:fillRef idx="1">
-            <a:schemeClr val="accent1"/>
-          </a:fillRef>
-          <a:effectRef idx="0">
-            <a:schemeClr val="accent1"/>
-          </a:effectRef>
-          <a:fontRef idx="minor">
-            <a:schemeClr val="lt1"/>
-          </a:fontRef>
-        </p:style>
-        <p:txBody>
-          <a:bodyPr rtlCol="0" anchor="ctr"/>
-          <a:lstStyle/>
-          <a:p>
-            <a:pPr algn="ctr"/>
-            <a:endParaRPr lang="de-DE"/>
-          </a:p>
-        </p:txBody>
-      </p:sp>
-    </p:spTree>
-    <p:extLst>
-      <p:ext uri="{BB962C8B-B14F-4D97-AF65-F5344CB8AC3E}">
-        <p14:creationId xmlns:p14="http://schemas.microsoft.com/office/powerpoint/2010/main" val="4033700046"/>
       </p:ext>
     </p:extLst>
   </p:cSld>
@@ -32741,21 +34716,11 @@
             </a:pPr>
             <a:r>
               <a:rPr lang="de-DE" sz="2000" dirty="0" err="1"/>
-              <a:t>Machine</a:t>
+              <a:t>Gütemaß</a:t>
             </a:r>
             <a:r>
               <a:rPr lang="de-DE" sz="2000" dirty="0"/>
-              <a:t> Learning</a:t>
-            </a:r>
-          </a:p>
-          <a:p>
-            <a:pPr lvl="1">
-              <a:buFont typeface="Calibri Light" panose="020F0302020204030204" pitchFamily="34" charset="0"/>
-              <a:buChar char="›"/>
-            </a:pPr>
-            <a:r>
-              <a:rPr lang="de-DE" sz="2000" dirty="0"/>
-              <a:t>Evaluation</a:t>
+              <a:t> RMSE</a:t>
             </a:r>
           </a:p>
           <a:p>
@@ -32863,6 +34828,1033 @@
     <p:extLst>
       <p:ext uri="{BB962C8B-B14F-4D97-AF65-F5344CB8AC3E}">
         <p14:creationId xmlns:p14="http://schemas.microsoft.com/office/powerpoint/2010/main" val="1300311978"/>
+      </p:ext>
+    </p:extLst>
+  </p:cSld>
+  <p:clrMapOvr>
+    <a:masterClrMapping/>
+  </p:clrMapOvr>
+</p:sld>
+</file>
+
+<file path=ppt/slides/slide20.xml><?xml version="1.0" encoding="utf-8"?>
+<p:sld xmlns:a="http://schemas.openxmlformats.org/drawingml/2006/main" xmlns:r="http://schemas.openxmlformats.org/officeDocument/2006/relationships" xmlns:p="http://schemas.openxmlformats.org/presentationml/2006/main">
+  <p:cSld>
+    <p:spTree>
+      <p:nvGrpSpPr>
+        <p:cNvPr id="1" name=""/>
+        <p:cNvGrpSpPr/>
+        <p:nvPr/>
+      </p:nvGrpSpPr>
+      <p:grpSpPr>
+        <a:xfrm>
+          <a:off x="0" y="0"/>
+          <a:ext cx="0" cy="0"/>
+          <a:chOff x="0" y="0"/>
+          <a:chExt cx="0" cy="0"/>
+        </a:xfrm>
+      </p:grpSpPr>
+      <p:sp>
+        <p:nvSpPr>
+          <p:cNvPr id="2" name="Titel 1">
+            <a:extLst>
+              <a:ext uri="{FF2B5EF4-FFF2-40B4-BE49-F238E27FC236}">
+                <a16:creationId xmlns:a16="http://schemas.microsoft.com/office/drawing/2014/main" id="{7CFB5C08-3F71-404E-8124-239517BF8D83}"/>
+              </a:ext>
+            </a:extLst>
+          </p:cNvPr>
+          <p:cNvSpPr>
+            <a:spLocks noGrp="1"/>
+          </p:cNvSpPr>
+          <p:nvPr>
+            <p:ph type="title"/>
+          </p:nvPr>
+        </p:nvSpPr>
+        <p:spPr/>
+        <p:txBody>
+          <a:bodyPr/>
+          <a:lstStyle/>
+          <a:p>
+            <a:r>
+              <a:rPr lang="de-DE" dirty="0"/>
+              <a:t>Vorstellung unserer Ergebnisse: Vergleich der Modelle</a:t>
+            </a:r>
+          </a:p>
+        </p:txBody>
+      </p:sp>
+      <p:sp>
+        <p:nvSpPr>
+          <p:cNvPr id="3" name="Foliennummernplatzhalter 2">
+            <a:extLst>
+              <a:ext uri="{FF2B5EF4-FFF2-40B4-BE49-F238E27FC236}">
+                <a16:creationId xmlns:a16="http://schemas.microsoft.com/office/drawing/2014/main" id="{9F0B12CC-3FF1-467E-8878-7AB3F99E5183}"/>
+              </a:ext>
+            </a:extLst>
+          </p:cNvPr>
+          <p:cNvSpPr>
+            <a:spLocks noGrp="1"/>
+          </p:cNvSpPr>
+          <p:nvPr>
+            <p:ph type="sldNum" sz="quarter" idx="12"/>
+          </p:nvPr>
+        </p:nvSpPr>
+        <p:spPr/>
+        <p:txBody>
+          <a:bodyPr/>
+          <a:lstStyle/>
+          <a:p>
+            <a:pPr rtl="0"/>
+            <a:fld id="{03DC2DEF-D2FE-4B45-ABA4-9F153FD1C98A}" type="slidenum">
+              <a:rPr lang="de-DE" noProof="0" smtClean="0"/>
+              <a:t>20</a:t>
+            </a:fld>
+            <a:endParaRPr lang="de-DE" noProof="0"/>
+          </a:p>
+        </p:txBody>
+      </p:sp>
+      <p:sp>
+        <p:nvSpPr>
+          <p:cNvPr id="5" name="Inhaltsplatzhalter 2">
+            <a:extLst>
+              <a:ext uri="{FF2B5EF4-FFF2-40B4-BE49-F238E27FC236}">
+                <a16:creationId xmlns:a16="http://schemas.microsoft.com/office/drawing/2014/main" id="{5F17A756-CCF4-406F-89DF-4EB6982FF807}"/>
+              </a:ext>
+            </a:extLst>
+          </p:cNvPr>
+          <p:cNvSpPr txBox="1">
+            <a:spLocks/>
+          </p:cNvSpPr>
+          <p:nvPr/>
+        </p:nvSpPr>
+        <p:spPr>
+          <a:xfrm>
+            <a:off x="673100" y="2134757"/>
+            <a:ext cx="6056313" cy="4183062"/>
+          </a:xfrm>
+          <a:prstGeom prst="rect">
+            <a:avLst/>
+          </a:prstGeom>
+        </p:spPr>
+        <p:txBody>
+          <a:bodyPr vert="horz" lIns="91440" tIns="45720" rIns="91440" bIns="45720" rtlCol="0">
+            <a:normAutofit/>
+          </a:bodyPr>
+          <a:lstStyle>
+            <a:lvl1pPr marL="228600" indent="-228600" algn="l" defTabSz="914400" rtl="0" eaLnBrk="1" latinLnBrk="0" hangingPunct="1">
+              <a:lnSpc>
+                <a:spcPct val="120000"/>
+              </a:lnSpc>
+              <a:spcBef>
+                <a:spcPts val="1000"/>
+              </a:spcBef>
+              <a:buSzPct val="125000"/>
+              <a:buFont typeface="Arial" panose="020B0604020202020204" pitchFamily="34" charset="0"/>
+              <a:buChar char="•"/>
+              <a:defRPr sz="2400" kern="1200">
+                <a:solidFill>
+                  <a:schemeClr val="tx1"/>
+                </a:solidFill>
+                <a:latin typeface="+mn-lt"/>
+                <a:ea typeface="+mn-ea"/>
+                <a:cs typeface="+mn-cs"/>
+              </a:defRPr>
+            </a:lvl1pPr>
+            <a:lvl2pPr marL="685800" indent="-228600" algn="l" defTabSz="914400" rtl="0" eaLnBrk="1" latinLnBrk="0" hangingPunct="1">
+              <a:lnSpc>
+                <a:spcPct val="120000"/>
+              </a:lnSpc>
+              <a:spcBef>
+                <a:spcPts val="500"/>
+              </a:spcBef>
+              <a:buSzPct val="125000"/>
+              <a:buFont typeface="Arial" panose="020B0604020202020204" pitchFamily="34" charset="0"/>
+              <a:buChar char="•"/>
+              <a:defRPr sz="2000" kern="1200">
+                <a:solidFill>
+                  <a:schemeClr val="tx1"/>
+                </a:solidFill>
+                <a:latin typeface="+mn-lt"/>
+                <a:ea typeface="+mn-ea"/>
+                <a:cs typeface="+mn-cs"/>
+              </a:defRPr>
+            </a:lvl2pPr>
+            <a:lvl3pPr marL="1143000" indent="-228600" algn="l" defTabSz="914400" rtl="0" eaLnBrk="1" latinLnBrk="0" hangingPunct="1">
+              <a:lnSpc>
+                <a:spcPct val="120000"/>
+              </a:lnSpc>
+              <a:spcBef>
+                <a:spcPts val="500"/>
+              </a:spcBef>
+              <a:buSzPct val="125000"/>
+              <a:buFont typeface="Arial" panose="020B0604020202020204" pitchFamily="34" charset="0"/>
+              <a:buChar char="•"/>
+              <a:defRPr sz="1800" kern="1200">
+                <a:solidFill>
+                  <a:schemeClr val="tx1"/>
+                </a:solidFill>
+                <a:latin typeface="+mn-lt"/>
+                <a:ea typeface="+mn-ea"/>
+                <a:cs typeface="+mn-cs"/>
+              </a:defRPr>
+            </a:lvl3pPr>
+            <a:lvl4pPr marL="1600200" indent="-228600" algn="l" defTabSz="914400" rtl="0" eaLnBrk="1" latinLnBrk="0" hangingPunct="1">
+              <a:lnSpc>
+                <a:spcPct val="120000"/>
+              </a:lnSpc>
+              <a:spcBef>
+                <a:spcPts val="500"/>
+              </a:spcBef>
+              <a:buSzPct val="125000"/>
+              <a:buFont typeface="Arial" panose="020B0604020202020204" pitchFamily="34" charset="0"/>
+              <a:buChar char="•"/>
+              <a:defRPr sz="1600" kern="1200">
+                <a:solidFill>
+                  <a:schemeClr val="tx1"/>
+                </a:solidFill>
+                <a:latin typeface="+mn-lt"/>
+                <a:ea typeface="+mn-ea"/>
+                <a:cs typeface="+mn-cs"/>
+              </a:defRPr>
+            </a:lvl4pPr>
+            <a:lvl5pPr marL="2057400" indent="-228600" algn="l" defTabSz="914400" rtl="0" eaLnBrk="1" latinLnBrk="0" hangingPunct="1">
+              <a:lnSpc>
+                <a:spcPct val="120000"/>
+              </a:lnSpc>
+              <a:spcBef>
+                <a:spcPts val="500"/>
+              </a:spcBef>
+              <a:buSzPct val="125000"/>
+              <a:buFont typeface="Arial" panose="020B0604020202020204" pitchFamily="34" charset="0"/>
+              <a:buChar char="•"/>
+              <a:defRPr sz="1600" kern="1200">
+                <a:solidFill>
+                  <a:schemeClr val="tx1"/>
+                </a:solidFill>
+                <a:latin typeface="+mn-lt"/>
+                <a:ea typeface="+mn-ea"/>
+                <a:cs typeface="+mn-cs"/>
+              </a:defRPr>
+            </a:lvl5pPr>
+            <a:lvl6pPr marL="2514600" indent="-228600" algn="l" defTabSz="914400" rtl="0" eaLnBrk="1" latinLnBrk="0" hangingPunct="1">
+              <a:lnSpc>
+                <a:spcPct val="120000"/>
+              </a:lnSpc>
+              <a:spcBef>
+                <a:spcPts val="500"/>
+              </a:spcBef>
+              <a:buSzPct val="125000"/>
+              <a:buFont typeface="Arial" panose="020B0604020202020204" pitchFamily="34" charset="0"/>
+              <a:buChar char="•"/>
+              <a:defRPr sz="1400" kern="1200">
+                <a:solidFill>
+                  <a:schemeClr val="tx1"/>
+                </a:solidFill>
+                <a:latin typeface="+mn-lt"/>
+                <a:ea typeface="+mn-ea"/>
+                <a:cs typeface="+mn-cs"/>
+              </a:defRPr>
+            </a:lvl6pPr>
+            <a:lvl7pPr marL="2971800" indent="-228600" algn="l" defTabSz="914400" rtl="0" eaLnBrk="1" latinLnBrk="0" hangingPunct="1">
+              <a:lnSpc>
+                <a:spcPct val="120000"/>
+              </a:lnSpc>
+              <a:spcBef>
+                <a:spcPts val="500"/>
+              </a:spcBef>
+              <a:buSzPct val="125000"/>
+              <a:buFont typeface="Arial" panose="020B0604020202020204" pitchFamily="34" charset="0"/>
+              <a:buChar char="•"/>
+              <a:defRPr sz="1400" kern="1200">
+                <a:solidFill>
+                  <a:schemeClr val="tx1"/>
+                </a:solidFill>
+                <a:latin typeface="+mn-lt"/>
+                <a:ea typeface="+mn-ea"/>
+                <a:cs typeface="+mn-cs"/>
+              </a:defRPr>
+            </a:lvl7pPr>
+            <a:lvl8pPr marL="3429000" indent="-228600" algn="l" defTabSz="914400" rtl="0" eaLnBrk="1" latinLnBrk="0" hangingPunct="1">
+              <a:lnSpc>
+                <a:spcPct val="120000"/>
+              </a:lnSpc>
+              <a:spcBef>
+                <a:spcPts val="500"/>
+              </a:spcBef>
+              <a:buSzPct val="125000"/>
+              <a:buFont typeface="Arial" panose="020B0604020202020204" pitchFamily="34" charset="0"/>
+              <a:buChar char="•"/>
+              <a:defRPr sz="1400" kern="1200">
+                <a:solidFill>
+                  <a:schemeClr val="tx1"/>
+                </a:solidFill>
+                <a:latin typeface="+mn-lt"/>
+                <a:ea typeface="+mn-ea"/>
+                <a:cs typeface="+mn-cs"/>
+              </a:defRPr>
+            </a:lvl8pPr>
+            <a:lvl9pPr marL="3886200" indent="-228600" algn="l" defTabSz="914400" rtl="0" eaLnBrk="1" latinLnBrk="0" hangingPunct="1">
+              <a:lnSpc>
+                <a:spcPct val="120000"/>
+              </a:lnSpc>
+              <a:spcBef>
+                <a:spcPts val="500"/>
+              </a:spcBef>
+              <a:buSzPct val="125000"/>
+              <a:buFont typeface="Arial" panose="020B0604020202020204" pitchFamily="34" charset="0"/>
+              <a:buChar char="•"/>
+              <a:defRPr sz="1400" kern="1200">
+                <a:solidFill>
+                  <a:schemeClr val="tx1"/>
+                </a:solidFill>
+                <a:latin typeface="+mn-lt"/>
+                <a:ea typeface="+mn-ea"/>
+                <a:cs typeface="+mn-cs"/>
+              </a:defRPr>
+            </a:lvl9pPr>
+          </a:lstStyle>
+          <a:p>
+            <a:pPr>
+              <a:buFont typeface="Wingdings" panose="05000000000000000000" pitchFamily="2" charset="2"/>
+              <a:buChar char="§"/>
+            </a:pPr>
+            <a:r>
+              <a:rPr lang="de-DE" sz="2000" dirty="0">
+                <a:latin typeface="Lufthansa Head Global Light" pitchFamily="2" charset="-128"/>
+                <a:ea typeface="Lufthansa Head Global Light" pitchFamily="2" charset="-128"/>
+                <a:cs typeface="Lufthansa Head Global Light" pitchFamily="2" charset="-128"/>
+              </a:rPr>
+              <a:t>Random Forest Regressor mit der höchsten Performance</a:t>
+            </a:r>
+          </a:p>
+          <a:p>
+            <a:pPr>
+              <a:buFont typeface="Wingdings" panose="05000000000000000000" pitchFamily="2" charset="2"/>
+              <a:buChar char="§"/>
+            </a:pPr>
+            <a:endParaRPr lang="de-DE" sz="2000" dirty="0">
+              <a:latin typeface="Lufthansa Head Global Light" pitchFamily="2" charset="-128"/>
+              <a:ea typeface="Lufthansa Head Global Light" pitchFamily="2" charset="-128"/>
+              <a:cs typeface="Lufthansa Head Global Light" pitchFamily="2" charset="-128"/>
+            </a:endParaRPr>
+          </a:p>
+          <a:p>
+            <a:pPr>
+              <a:buFont typeface="Wingdings" panose="05000000000000000000" pitchFamily="2" charset="2"/>
+              <a:buChar char="§"/>
+            </a:pPr>
+            <a:r>
+              <a:rPr lang="de-DE" sz="2000" dirty="0">
+                <a:latin typeface="Lufthansa Head Global Light" pitchFamily="2" charset="-128"/>
+                <a:ea typeface="Lufthansa Head Global Light" pitchFamily="2" charset="-128"/>
+                <a:cs typeface="Lufthansa Head Global Light" pitchFamily="2" charset="-128"/>
+              </a:rPr>
+              <a:t>Gradient </a:t>
+            </a:r>
+            <a:r>
+              <a:rPr lang="de-DE" sz="2000" dirty="0" err="1">
+                <a:latin typeface="Lufthansa Head Global Light" pitchFamily="2" charset="-128"/>
+                <a:ea typeface="Lufthansa Head Global Light" pitchFamily="2" charset="-128"/>
+                <a:cs typeface="Lufthansa Head Global Light" pitchFamily="2" charset="-128"/>
+              </a:rPr>
+              <a:t>Boosting</a:t>
+            </a:r>
+            <a:r>
+              <a:rPr lang="de-DE" sz="2000" dirty="0">
+                <a:latin typeface="Lufthansa Head Global Light" pitchFamily="2" charset="-128"/>
+                <a:ea typeface="Lufthansa Head Global Light" pitchFamily="2" charset="-128"/>
+                <a:cs typeface="Lufthansa Head Global Light" pitchFamily="2" charset="-128"/>
+              </a:rPr>
+              <a:t> ähnlich passend und zudem mit weniger </a:t>
+            </a:r>
+            <a:r>
+              <a:rPr lang="de-DE" sz="2000" dirty="0" err="1">
+                <a:latin typeface="Lufthansa Head Global Light" pitchFamily="2" charset="-128"/>
+                <a:ea typeface="Lufthansa Head Global Light" pitchFamily="2" charset="-128"/>
+                <a:cs typeface="Lufthansa Head Global Light" pitchFamily="2" charset="-128"/>
+              </a:rPr>
+              <a:t>Overfitting</a:t>
+            </a:r>
+            <a:r>
+              <a:rPr lang="de-DE" sz="2000" dirty="0">
+                <a:latin typeface="Lufthansa Head Global Light" pitchFamily="2" charset="-128"/>
+                <a:ea typeface="Lufthansa Head Global Light" pitchFamily="2" charset="-128"/>
+                <a:cs typeface="Lufthansa Head Global Light" pitchFamily="2" charset="-128"/>
+              </a:rPr>
+              <a:t> als der Random Forest</a:t>
+            </a:r>
+          </a:p>
+          <a:p>
+            <a:pPr>
+              <a:buFont typeface="Wingdings" panose="05000000000000000000" pitchFamily="2" charset="2"/>
+              <a:buChar char="§"/>
+            </a:pPr>
+            <a:endParaRPr lang="de-DE" sz="2000" dirty="0">
+              <a:latin typeface="Lufthansa Head Global Light" pitchFamily="2" charset="-128"/>
+              <a:ea typeface="Lufthansa Head Global Light" pitchFamily="2" charset="-128"/>
+              <a:cs typeface="Lufthansa Head Global Light" pitchFamily="2" charset="-128"/>
+            </a:endParaRPr>
+          </a:p>
+          <a:p>
+            <a:pPr>
+              <a:buFont typeface="Wingdings" panose="05000000000000000000" pitchFamily="2" charset="2"/>
+              <a:buChar char="§"/>
+            </a:pPr>
+            <a:endParaRPr lang="de-DE" sz="2000" dirty="0">
+              <a:latin typeface="Lufthansa Head Global Light" pitchFamily="2" charset="-128"/>
+              <a:ea typeface="Lufthansa Head Global Light" pitchFamily="2" charset="-128"/>
+              <a:cs typeface="Lufthansa Head Global Light" pitchFamily="2" charset="-128"/>
+            </a:endParaRPr>
+          </a:p>
+        </p:txBody>
+      </p:sp>
+      <p:pic>
+        <p:nvPicPr>
+          <p:cNvPr id="6" name="Grafik 5">
+            <a:extLst>
+              <a:ext uri="{FF2B5EF4-FFF2-40B4-BE49-F238E27FC236}">
+                <a16:creationId xmlns:a16="http://schemas.microsoft.com/office/drawing/2014/main" id="{F43D9722-A369-462B-9DE4-74C803C965AD}"/>
+              </a:ext>
+            </a:extLst>
+          </p:cNvPr>
+          <p:cNvPicPr>
+            <a:picLocks noChangeAspect="1"/>
+          </p:cNvPicPr>
+          <p:nvPr/>
+        </p:nvPicPr>
+        <p:blipFill>
+          <a:blip r:embed="rId2"/>
+          <a:stretch>
+            <a:fillRect/>
+          </a:stretch>
+        </p:blipFill>
+        <p:spPr>
+          <a:xfrm>
+            <a:off x="6955525" y="1870030"/>
+            <a:ext cx="4563375" cy="3394075"/>
+          </a:xfrm>
+          <a:prstGeom prst="rect">
+            <a:avLst/>
+          </a:prstGeom>
+          <a:ln>
+            <a:noFill/>
+          </a:ln>
+          <a:effectLst>
+            <a:outerShdw blurRad="292100" dist="139700" dir="2700000" algn="tl" rotWithShape="0">
+              <a:srgbClr val="333333">
+                <a:alpha val="65000"/>
+              </a:srgbClr>
+            </a:outerShdw>
+          </a:effectLst>
+        </p:spPr>
+      </p:pic>
+    </p:spTree>
+    <p:extLst>
+      <p:ext uri="{BB962C8B-B14F-4D97-AF65-F5344CB8AC3E}">
+        <p14:creationId xmlns:p14="http://schemas.microsoft.com/office/powerpoint/2010/main" val="2591354906"/>
+      </p:ext>
+    </p:extLst>
+  </p:cSld>
+  <p:clrMapOvr>
+    <a:masterClrMapping/>
+  </p:clrMapOvr>
+  <p:timing>
+    <p:tnLst>
+      <p:par>
+        <p:cTn id="1" dur="indefinite" restart="never" nodeType="tmRoot">
+          <p:childTnLst>
+            <p:seq concurrent="1" nextAc="seek">
+              <p:cTn id="2" dur="indefinite" nodeType="mainSeq">
+                <p:childTnLst>
+                  <p:par>
+                    <p:cTn id="3" fill="hold">
+                      <p:stCondLst>
+                        <p:cond delay="indefinite"/>
+                      </p:stCondLst>
+                      <p:childTnLst>
+                        <p:par>
+                          <p:cTn id="4" fill="hold">
+                            <p:stCondLst>
+                              <p:cond delay="0"/>
+                            </p:stCondLst>
+                            <p:childTnLst>
+                              <p:par>
+                                <p:cTn id="5" presetID="10" presetClass="entr" presetSubtype="0" fill="hold" nodeType="clickEffect">
+                                  <p:stCondLst>
+                                    <p:cond delay="0"/>
+                                  </p:stCondLst>
+                                  <p:childTnLst>
+                                    <p:set>
+                                      <p:cBhvr>
+                                        <p:cTn id="6" dur="1" fill="hold">
+                                          <p:stCondLst>
+                                            <p:cond delay="0"/>
+                                          </p:stCondLst>
+                                        </p:cTn>
+                                        <p:tgtEl>
+                                          <p:spTgt spid="5">
+                                            <p:txEl>
+                                              <p:pRg st="0" end="0"/>
+                                            </p:txEl>
+                                          </p:spTgt>
+                                        </p:tgtEl>
+                                        <p:attrNameLst>
+                                          <p:attrName>style.visibility</p:attrName>
+                                        </p:attrNameLst>
+                                      </p:cBhvr>
+                                      <p:to>
+                                        <p:strVal val="visible"/>
+                                      </p:to>
+                                    </p:set>
+                                    <p:animEffect transition="in" filter="fade">
+                                      <p:cBhvr>
+                                        <p:cTn id="7" dur="500"/>
+                                        <p:tgtEl>
+                                          <p:spTgt spid="5">
+                                            <p:txEl>
+                                              <p:pRg st="0" end="0"/>
+                                            </p:txEl>
+                                          </p:spTgt>
+                                        </p:tgtEl>
+                                      </p:cBhvr>
+                                    </p:animEffect>
+                                  </p:childTnLst>
+                                </p:cTn>
+                              </p:par>
+                            </p:childTnLst>
+                          </p:cTn>
+                        </p:par>
+                      </p:childTnLst>
+                    </p:cTn>
+                  </p:par>
+                  <p:par>
+                    <p:cTn id="8" fill="hold">
+                      <p:stCondLst>
+                        <p:cond delay="indefinite"/>
+                      </p:stCondLst>
+                      <p:childTnLst>
+                        <p:par>
+                          <p:cTn id="9" fill="hold">
+                            <p:stCondLst>
+                              <p:cond delay="0"/>
+                            </p:stCondLst>
+                            <p:childTnLst>
+                              <p:par>
+                                <p:cTn id="10" presetID="10" presetClass="entr" presetSubtype="0" fill="hold" nodeType="clickEffect">
+                                  <p:stCondLst>
+                                    <p:cond delay="0"/>
+                                  </p:stCondLst>
+                                  <p:childTnLst>
+                                    <p:set>
+                                      <p:cBhvr>
+                                        <p:cTn id="11" dur="1" fill="hold">
+                                          <p:stCondLst>
+                                            <p:cond delay="0"/>
+                                          </p:stCondLst>
+                                        </p:cTn>
+                                        <p:tgtEl>
+                                          <p:spTgt spid="5">
+                                            <p:txEl>
+                                              <p:pRg st="2" end="2"/>
+                                            </p:txEl>
+                                          </p:spTgt>
+                                        </p:tgtEl>
+                                        <p:attrNameLst>
+                                          <p:attrName>style.visibility</p:attrName>
+                                        </p:attrNameLst>
+                                      </p:cBhvr>
+                                      <p:to>
+                                        <p:strVal val="visible"/>
+                                      </p:to>
+                                    </p:set>
+                                    <p:animEffect transition="in" filter="fade">
+                                      <p:cBhvr>
+                                        <p:cTn id="12" dur="500"/>
+                                        <p:tgtEl>
+                                          <p:spTgt spid="5">
+                                            <p:txEl>
+                                              <p:pRg st="2" end="2"/>
+                                            </p:txEl>
+                                          </p:spTgt>
+                                        </p:tgtEl>
+                                      </p:cBhvr>
+                                    </p:animEffect>
+                                  </p:childTnLst>
+                                </p:cTn>
+                              </p:par>
+                            </p:childTnLst>
+                          </p:cTn>
+                        </p:par>
+                      </p:childTnLst>
+                    </p:cTn>
+                  </p:par>
+                </p:childTnLst>
+              </p:cTn>
+              <p:prevCondLst>
+                <p:cond evt="onPrev" delay="0">
+                  <p:tgtEl>
+                    <p:sldTgt/>
+                  </p:tgtEl>
+                </p:cond>
+              </p:prevCondLst>
+              <p:nextCondLst>
+                <p:cond evt="onNext" delay="0">
+                  <p:tgtEl>
+                    <p:sldTgt/>
+                  </p:tgtEl>
+                </p:cond>
+              </p:nextCondLst>
+            </p:seq>
+          </p:childTnLst>
+        </p:cTn>
+      </p:par>
+    </p:tnLst>
+  </p:timing>
+</p:sld>
+</file>
+
+<file path=ppt/slides/slide21.xml><?xml version="1.0" encoding="utf-8"?>
+<p:sld xmlns:a="http://schemas.openxmlformats.org/drawingml/2006/main" xmlns:r="http://schemas.openxmlformats.org/officeDocument/2006/relationships" xmlns:p="http://schemas.openxmlformats.org/presentationml/2006/main">
+  <p:cSld>
+    <p:spTree>
+      <p:nvGrpSpPr>
+        <p:cNvPr id="1" name=""/>
+        <p:cNvGrpSpPr/>
+        <p:nvPr/>
+      </p:nvGrpSpPr>
+      <p:grpSpPr>
+        <a:xfrm>
+          <a:off x="0" y="0"/>
+          <a:ext cx="0" cy="0"/>
+          <a:chOff x="0" y="0"/>
+          <a:chExt cx="0" cy="0"/>
+        </a:xfrm>
+      </p:grpSpPr>
+      <p:sp>
+        <p:nvSpPr>
+          <p:cNvPr id="2" name="Titel 1">
+            <a:extLst>
+              <a:ext uri="{FF2B5EF4-FFF2-40B4-BE49-F238E27FC236}">
+                <a16:creationId xmlns:a16="http://schemas.microsoft.com/office/drawing/2014/main" id="{7CFB5C08-3F71-404E-8124-239517BF8D83}"/>
+              </a:ext>
+            </a:extLst>
+          </p:cNvPr>
+          <p:cNvSpPr>
+            <a:spLocks noGrp="1"/>
+          </p:cNvSpPr>
+          <p:nvPr>
+            <p:ph type="title"/>
+          </p:nvPr>
+        </p:nvSpPr>
+        <p:spPr/>
+        <p:txBody>
+          <a:bodyPr/>
+          <a:lstStyle/>
+          <a:p>
+            <a:r>
+              <a:rPr lang="de-DE" dirty="0"/>
+              <a:t>Kritische Reflexion</a:t>
+            </a:r>
+          </a:p>
+        </p:txBody>
+      </p:sp>
+      <p:sp>
+        <p:nvSpPr>
+          <p:cNvPr id="3" name="Foliennummernplatzhalter 2">
+            <a:extLst>
+              <a:ext uri="{FF2B5EF4-FFF2-40B4-BE49-F238E27FC236}">
+                <a16:creationId xmlns:a16="http://schemas.microsoft.com/office/drawing/2014/main" id="{9F0B12CC-3FF1-467E-8878-7AB3F99E5183}"/>
+              </a:ext>
+            </a:extLst>
+          </p:cNvPr>
+          <p:cNvSpPr>
+            <a:spLocks noGrp="1"/>
+          </p:cNvSpPr>
+          <p:nvPr>
+            <p:ph type="sldNum" sz="quarter" idx="12"/>
+          </p:nvPr>
+        </p:nvSpPr>
+        <p:spPr/>
+        <p:txBody>
+          <a:bodyPr/>
+          <a:lstStyle/>
+          <a:p>
+            <a:pPr rtl="0"/>
+            <a:fld id="{03DC2DEF-D2FE-4B45-ABA4-9F153FD1C98A}" type="slidenum">
+              <a:rPr lang="de-DE" noProof="0" smtClean="0"/>
+              <a:t>21</a:t>
+            </a:fld>
+            <a:endParaRPr lang="de-DE" noProof="0"/>
+          </a:p>
+        </p:txBody>
+      </p:sp>
+      <p:sp>
+        <p:nvSpPr>
+          <p:cNvPr id="8" name="Rechteck 7">
+            <a:extLst>
+              <a:ext uri="{FF2B5EF4-FFF2-40B4-BE49-F238E27FC236}">
+                <a16:creationId xmlns:a16="http://schemas.microsoft.com/office/drawing/2014/main" id="{A4557EA3-6C82-49DE-B893-0184777EF13C}"/>
+              </a:ext>
+            </a:extLst>
+          </p:cNvPr>
+          <p:cNvSpPr/>
+          <p:nvPr/>
+        </p:nvSpPr>
+        <p:spPr>
+          <a:xfrm>
+            <a:off x="6096000" y="1358537"/>
+            <a:ext cx="5251269" cy="4380412"/>
+          </a:xfrm>
+          <a:prstGeom prst="rect">
+            <a:avLst/>
+          </a:prstGeom>
+        </p:spPr>
+        <p:style>
+          <a:lnRef idx="2">
+            <a:schemeClr val="accent1">
+              <a:shade val="50000"/>
+            </a:schemeClr>
+          </a:lnRef>
+          <a:fillRef idx="1">
+            <a:schemeClr val="accent1"/>
+          </a:fillRef>
+          <a:effectRef idx="0">
+            <a:schemeClr val="accent1"/>
+          </a:effectRef>
+          <a:fontRef idx="minor">
+            <a:schemeClr val="lt1"/>
+          </a:fontRef>
+        </p:style>
+        <p:txBody>
+          <a:bodyPr rtlCol="0" anchor="ctr"/>
+          <a:lstStyle/>
+          <a:p>
+            <a:pPr algn="ctr"/>
+            <a:endParaRPr lang="de-DE" dirty="0"/>
+          </a:p>
+        </p:txBody>
+      </p:sp>
+      <p:pic>
+        <p:nvPicPr>
+          <p:cNvPr id="6" name="Grafik 5">
+            <a:extLst>
+              <a:ext uri="{FF2B5EF4-FFF2-40B4-BE49-F238E27FC236}">
+                <a16:creationId xmlns:a16="http://schemas.microsoft.com/office/drawing/2014/main" id="{8F26CFBB-220C-4973-BD6E-7C5A8EB059B5}"/>
+              </a:ext>
+            </a:extLst>
+          </p:cNvPr>
+          <p:cNvPicPr>
+            <a:picLocks noChangeAspect="1"/>
+          </p:cNvPicPr>
+          <p:nvPr/>
+        </p:nvPicPr>
+        <p:blipFill>
+          <a:blip r:embed="rId2"/>
+          <a:stretch>
+            <a:fillRect/>
+          </a:stretch>
+        </p:blipFill>
+        <p:spPr>
+          <a:xfrm>
+            <a:off x="371475" y="2316776"/>
+            <a:ext cx="4573849" cy="2572790"/>
+          </a:xfrm>
+          <a:prstGeom prst="rect">
+            <a:avLst/>
+          </a:prstGeom>
+        </p:spPr>
+      </p:pic>
+      <p:sp>
+        <p:nvSpPr>
+          <p:cNvPr id="7" name="Textfeld 6">
+            <a:extLst>
+              <a:ext uri="{FF2B5EF4-FFF2-40B4-BE49-F238E27FC236}">
+                <a16:creationId xmlns:a16="http://schemas.microsoft.com/office/drawing/2014/main" id="{8D50876B-4043-43E6-B1C3-DC5987EF93D7}"/>
+              </a:ext>
+            </a:extLst>
+          </p:cNvPr>
+          <p:cNvSpPr txBox="1"/>
+          <p:nvPr/>
+        </p:nvSpPr>
+        <p:spPr>
+          <a:xfrm>
+            <a:off x="6434709" y="1831159"/>
+            <a:ext cx="4573850" cy="3785652"/>
+          </a:xfrm>
+          <a:prstGeom prst="rect">
+            <a:avLst/>
+          </a:prstGeom>
+          <a:noFill/>
+        </p:spPr>
+        <p:txBody>
+          <a:bodyPr wrap="square" rtlCol="0">
+            <a:spAutoFit/>
+          </a:bodyPr>
+          <a:lstStyle/>
+          <a:p>
+            <a:r>
+              <a:rPr lang="de-DE" sz="2400" b="1" dirty="0" err="1">
+                <a:solidFill>
+                  <a:schemeClr val="bg1"/>
+                </a:solidFill>
+              </a:rPr>
+              <a:t>Lessons</a:t>
+            </a:r>
+            <a:r>
+              <a:rPr lang="de-DE" sz="2400" b="1" dirty="0">
+                <a:solidFill>
+                  <a:schemeClr val="bg1"/>
+                </a:solidFill>
+              </a:rPr>
+              <a:t> </a:t>
+            </a:r>
+            <a:r>
+              <a:rPr lang="de-DE" sz="2400" b="1" dirty="0" err="1">
+                <a:solidFill>
+                  <a:schemeClr val="bg1"/>
+                </a:solidFill>
+              </a:rPr>
+              <a:t>Learned</a:t>
+            </a:r>
+            <a:r>
+              <a:rPr lang="de-DE" sz="2400" b="1" dirty="0">
+                <a:solidFill>
+                  <a:schemeClr val="bg1"/>
+                </a:solidFill>
+              </a:rPr>
+              <a:t>:</a:t>
+            </a:r>
+          </a:p>
+          <a:p>
+            <a:pPr marL="285750" indent="-285750">
+              <a:buFont typeface="Wingdings" panose="05000000000000000000" pitchFamily="2" charset="2"/>
+              <a:buChar char="§"/>
+            </a:pPr>
+            <a:r>
+              <a:rPr lang="de-DE" sz="2000" dirty="0">
+                <a:solidFill>
+                  <a:schemeClr val="bg1"/>
+                </a:solidFill>
+              </a:rPr>
+              <a:t>Erlernte Theorie konnte erfolgreich in Praxis umgesetzt werden</a:t>
+            </a:r>
+          </a:p>
+          <a:p>
+            <a:pPr marL="285750" indent="-285750">
+              <a:buFont typeface="Wingdings" panose="05000000000000000000" pitchFamily="2" charset="2"/>
+              <a:buChar char="§"/>
+            </a:pPr>
+            <a:r>
+              <a:rPr lang="de-DE" sz="2000" dirty="0">
+                <a:solidFill>
+                  <a:schemeClr val="bg1"/>
+                </a:solidFill>
+              </a:rPr>
+              <a:t>Modell-Performance noch nicht optimal</a:t>
+            </a:r>
+          </a:p>
+          <a:p>
+            <a:pPr marL="285750" indent="-285750">
+              <a:buFont typeface="Wingdings" panose="05000000000000000000" pitchFamily="2" charset="2"/>
+              <a:buChar char="§"/>
+            </a:pPr>
+            <a:r>
+              <a:rPr lang="de-DE" sz="2000" dirty="0">
+                <a:solidFill>
+                  <a:schemeClr val="bg1"/>
+                </a:solidFill>
+              </a:rPr>
+              <a:t>Zeitlicher Aspekt wird nicht berücksichtigt</a:t>
+            </a:r>
+          </a:p>
+          <a:p>
+            <a:pPr marL="285750" indent="-285750">
+              <a:buFont typeface="Wingdings" panose="05000000000000000000" pitchFamily="2" charset="2"/>
+              <a:buChar char="§"/>
+            </a:pPr>
+            <a:endParaRPr lang="de-DE" sz="2000" dirty="0">
+              <a:solidFill>
+                <a:schemeClr val="bg1"/>
+              </a:solidFill>
+            </a:endParaRPr>
+          </a:p>
+          <a:p>
+            <a:r>
+              <a:rPr lang="de-DE" sz="2000" dirty="0">
+                <a:solidFill>
+                  <a:schemeClr val="bg1"/>
+                </a:solidFill>
+                <a:sym typeface="Wingdings" panose="05000000000000000000" pitchFamily="2" charset="2"/>
+              </a:rPr>
+              <a:t>Dataset könnte noch größer sein</a:t>
+            </a:r>
+          </a:p>
+          <a:p>
+            <a:r>
+              <a:rPr lang="de-DE" sz="2000" dirty="0">
+                <a:solidFill>
+                  <a:schemeClr val="bg1"/>
+                </a:solidFill>
+                <a:sym typeface="Wingdings" panose="05000000000000000000" pitchFamily="2" charset="2"/>
+              </a:rPr>
+              <a:t>Dataset sollte Kaufpreise mehrerer Jahre beinhalten</a:t>
+            </a:r>
+            <a:endParaRPr lang="de-DE" sz="2000" dirty="0">
+              <a:solidFill>
+                <a:schemeClr val="bg1"/>
+              </a:solidFill>
+            </a:endParaRPr>
+          </a:p>
+          <a:p>
+            <a:pPr marL="285750" indent="-285750">
+              <a:buFont typeface="Wingdings" panose="05000000000000000000" pitchFamily="2" charset="2"/>
+              <a:buChar char="§"/>
+            </a:pPr>
+            <a:endParaRPr lang="de-DE" dirty="0"/>
+          </a:p>
+          <a:p>
+            <a:endParaRPr lang="de-DE" dirty="0"/>
+          </a:p>
+        </p:txBody>
+      </p:sp>
+    </p:spTree>
+    <p:extLst>
+      <p:ext uri="{BB962C8B-B14F-4D97-AF65-F5344CB8AC3E}">
+        <p14:creationId xmlns:p14="http://schemas.microsoft.com/office/powerpoint/2010/main" val="124692133"/>
+      </p:ext>
+    </p:extLst>
+  </p:cSld>
+  <p:clrMapOvr>
+    <a:masterClrMapping/>
+  </p:clrMapOvr>
+</p:sld>
+</file>
+
+<file path=ppt/slides/slide22.xml><?xml version="1.0" encoding="utf-8"?>
+<p:sld xmlns:a="http://schemas.openxmlformats.org/drawingml/2006/main" xmlns:r="http://schemas.openxmlformats.org/officeDocument/2006/relationships" xmlns:p="http://schemas.openxmlformats.org/presentationml/2006/main">
+  <p:cSld>
+    <p:spTree>
+      <p:nvGrpSpPr>
+        <p:cNvPr id="1" name=""/>
+        <p:cNvGrpSpPr/>
+        <p:nvPr/>
+      </p:nvGrpSpPr>
+      <p:grpSpPr>
+        <a:xfrm>
+          <a:off x="0" y="0"/>
+          <a:ext cx="0" cy="0"/>
+          <a:chOff x="0" y="0"/>
+          <a:chExt cx="0" cy="0"/>
+        </a:xfrm>
+      </p:grpSpPr>
+      <p:sp>
+        <p:nvSpPr>
+          <p:cNvPr id="8" name="Titel 7">
+            <a:extLst>
+              <a:ext uri="{FF2B5EF4-FFF2-40B4-BE49-F238E27FC236}">
+                <a16:creationId xmlns:a16="http://schemas.microsoft.com/office/drawing/2014/main" id="{D2CF5A7C-F746-45E9-9CAC-A6B1FD53239B}"/>
+              </a:ext>
+            </a:extLst>
+          </p:cNvPr>
+          <p:cNvSpPr>
+            <a:spLocks noGrp="1"/>
+          </p:cNvSpPr>
+          <p:nvPr>
+            <p:ph type="title"/>
+          </p:nvPr>
+        </p:nvSpPr>
+        <p:spPr>
+          <a:xfrm>
+            <a:off x="838200" y="2678906"/>
+            <a:ext cx="10515600" cy="1500187"/>
+          </a:xfrm>
+        </p:spPr>
+        <p:txBody>
+          <a:bodyPr>
+            <a:normAutofit/>
+          </a:bodyPr>
+          <a:lstStyle/>
+          <a:p>
+            <a:pPr algn="ctr"/>
+            <a:r>
+              <a:rPr lang="de-DE" dirty="0"/>
+              <a:t>Vielen Dank!</a:t>
+            </a:r>
+          </a:p>
+        </p:txBody>
+      </p:sp>
+      <p:sp>
+        <p:nvSpPr>
+          <p:cNvPr id="3" name="Foliennummernplatzhalter 2">
+            <a:extLst>
+              <a:ext uri="{FF2B5EF4-FFF2-40B4-BE49-F238E27FC236}">
+                <a16:creationId xmlns:a16="http://schemas.microsoft.com/office/drawing/2014/main" id="{737855D7-7299-4158-BDD0-DA27D237BDBC}"/>
+              </a:ext>
+            </a:extLst>
+          </p:cNvPr>
+          <p:cNvSpPr>
+            <a:spLocks noGrp="1"/>
+          </p:cNvSpPr>
+          <p:nvPr>
+            <p:ph type="sldNum" sz="quarter" idx="12"/>
+          </p:nvPr>
+        </p:nvSpPr>
+        <p:spPr/>
+        <p:txBody>
+          <a:bodyPr/>
+          <a:lstStyle/>
+          <a:p>
+            <a:pPr rtl="0"/>
+            <a:fld id="{03DC2DEF-D2FE-4B45-ABA4-9F153FD1C98A}" type="slidenum">
+              <a:rPr lang="de-DE" noProof="0" smtClean="0"/>
+              <a:t>22</a:t>
+            </a:fld>
+            <a:endParaRPr lang="de-DE" noProof="0"/>
+          </a:p>
+        </p:txBody>
+      </p:sp>
+      <p:sp>
+        <p:nvSpPr>
+          <p:cNvPr id="2" name="Textfeld 1">
+            <a:extLst>
+              <a:ext uri="{FF2B5EF4-FFF2-40B4-BE49-F238E27FC236}">
+                <a16:creationId xmlns:a16="http://schemas.microsoft.com/office/drawing/2014/main" id="{D74B3380-61A7-48C9-BDC7-DA53AACEDFCF}"/>
+              </a:ext>
+            </a:extLst>
+          </p:cNvPr>
+          <p:cNvSpPr txBox="1"/>
+          <p:nvPr/>
+        </p:nvSpPr>
+        <p:spPr>
+          <a:xfrm>
+            <a:off x="5094515" y="3948260"/>
+            <a:ext cx="2182905" cy="461665"/>
+          </a:xfrm>
+          <a:prstGeom prst="rect">
+            <a:avLst/>
+          </a:prstGeom>
+          <a:noFill/>
+        </p:spPr>
+        <p:txBody>
+          <a:bodyPr wrap="none" rtlCol="0">
+            <a:spAutoFit/>
+          </a:bodyPr>
+          <a:lstStyle/>
+          <a:p>
+            <a:r>
+              <a:rPr lang="de-DE" sz="2400" b="1" dirty="0">
+                <a:solidFill>
+                  <a:schemeClr val="bg1"/>
+                </a:solidFill>
+              </a:rPr>
+              <a:t>Insight Explorers</a:t>
+            </a:r>
+          </a:p>
+        </p:txBody>
+      </p:sp>
+    </p:spTree>
+    <p:extLst>
+      <p:ext uri="{BB962C8B-B14F-4D97-AF65-F5344CB8AC3E}">
+        <p14:creationId xmlns:p14="http://schemas.microsoft.com/office/powerpoint/2010/main" val="1183886835"/>
       </p:ext>
     </p:extLst>
   </p:cSld>
@@ -33169,6 +36161,1374 @@
       </p:grpSpPr>
       <p:sp>
         <p:nvSpPr>
+          <p:cNvPr id="2" name="Titel 1">
+            <a:extLst>
+              <a:ext uri="{FF2B5EF4-FFF2-40B4-BE49-F238E27FC236}">
+                <a16:creationId xmlns:a16="http://schemas.microsoft.com/office/drawing/2014/main" id="{C0ED4D4E-0532-4AD6-8D92-F5840CA791CB}"/>
+              </a:ext>
+            </a:extLst>
+          </p:cNvPr>
+          <p:cNvSpPr>
+            <a:spLocks noGrp="1"/>
+          </p:cNvSpPr>
+          <p:nvPr>
+            <p:ph type="title"/>
+          </p:nvPr>
+        </p:nvSpPr>
+        <p:spPr>
+          <a:xfrm>
+            <a:off x="1141413" y="618518"/>
+            <a:ext cx="9905998" cy="1478570"/>
+          </a:xfrm>
+        </p:spPr>
+        <p:txBody>
+          <a:bodyPr>
+            <a:normAutofit/>
+          </a:bodyPr>
+          <a:lstStyle/>
+          <a:p>
+            <a:r>
+              <a:rPr lang="de-DE" dirty="0" err="1">
+                <a:latin typeface="Lufthansa Head Global Bold" pitchFamily="2" charset="-128"/>
+                <a:ea typeface="Lufthansa Head Global Bold" pitchFamily="2" charset="-128"/>
+                <a:cs typeface="Lufthansa Head Global Bold" pitchFamily="2" charset="-128"/>
+              </a:rPr>
+              <a:t>Introduction</a:t>
+            </a:r>
+            <a:endParaRPr lang="de-DE" dirty="0">
+              <a:latin typeface="Lufthansa Head Global Bold" pitchFamily="2" charset="-128"/>
+              <a:ea typeface="Lufthansa Head Global Bold" pitchFamily="2" charset="-128"/>
+              <a:cs typeface="Lufthansa Head Global Bold" pitchFamily="2" charset="-128"/>
+            </a:endParaRPr>
+          </a:p>
+        </p:txBody>
+      </p:sp>
+      <p:sp>
+        <p:nvSpPr>
+          <p:cNvPr id="3" name="Inhaltsplatzhalter 2">
+            <a:extLst>
+              <a:ext uri="{FF2B5EF4-FFF2-40B4-BE49-F238E27FC236}">
+                <a16:creationId xmlns:a16="http://schemas.microsoft.com/office/drawing/2014/main" id="{03BB9285-D76E-44D1-A0BF-6022648ED2EC}"/>
+              </a:ext>
+            </a:extLst>
+          </p:cNvPr>
+          <p:cNvSpPr>
+            <a:spLocks noGrp="1"/>
+          </p:cNvSpPr>
+          <p:nvPr>
+            <p:ph idx="1"/>
+          </p:nvPr>
+        </p:nvSpPr>
+        <p:spPr>
+          <a:xfrm>
+            <a:off x="1530838" y="2679493"/>
+            <a:ext cx="3359765" cy="3541714"/>
+          </a:xfrm>
+        </p:spPr>
+        <p:txBody>
+          <a:bodyPr>
+            <a:normAutofit/>
+          </a:bodyPr>
+          <a:lstStyle/>
+          <a:p>
+            <a:pPr marL="0" indent="0">
+              <a:lnSpc>
+                <a:spcPct val="100000"/>
+              </a:lnSpc>
+              <a:buNone/>
+            </a:pPr>
+            <a:r>
+              <a:rPr lang="de-DE" u="sng" dirty="0">
+                <a:latin typeface="+mj-lt"/>
+                <a:ea typeface="Lufthansa Head Global Light" pitchFamily="2" charset="-128"/>
+                <a:cs typeface="Lufthansa Head Global Light" pitchFamily="2" charset="-128"/>
+              </a:rPr>
+              <a:t>Haus 1</a:t>
+            </a:r>
+          </a:p>
+          <a:p>
+            <a:pPr marL="0" indent="0">
+              <a:lnSpc>
+                <a:spcPct val="100000"/>
+              </a:lnSpc>
+              <a:buNone/>
+            </a:pPr>
+            <a:r>
+              <a:rPr lang="de-DE" dirty="0">
+                <a:latin typeface="+mj-lt"/>
+                <a:ea typeface="Lufthansa Head Global Light" pitchFamily="2" charset="-128"/>
+                <a:cs typeface="Lufthansa Head Global Light" pitchFamily="2" charset="-128"/>
+              </a:rPr>
+              <a:t>Wohnfläche: 109m²</a:t>
+            </a:r>
+          </a:p>
+          <a:p>
+            <a:pPr marL="0" indent="0">
+              <a:lnSpc>
+                <a:spcPct val="100000"/>
+              </a:lnSpc>
+              <a:buNone/>
+            </a:pPr>
+            <a:r>
+              <a:rPr lang="de-DE" dirty="0">
+                <a:latin typeface="+mj-lt"/>
+                <a:ea typeface="Lufthansa Head Global Light" pitchFamily="2" charset="-128"/>
+                <a:cs typeface="Lufthansa Head Global Light" pitchFamily="2" charset="-128"/>
+              </a:rPr>
+              <a:t>Bäder: 1</a:t>
+            </a:r>
+          </a:p>
+          <a:p>
+            <a:pPr marL="0" indent="0">
+              <a:lnSpc>
+                <a:spcPct val="100000"/>
+              </a:lnSpc>
+              <a:buNone/>
+            </a:pPr>
+            <a:r>
+              <a:rPr lang="de-DE" dirty="0">
+                <a:latin typeface="+mj-lt"/>
+                <a:ea typeface="Lufthansa Head Global Light" pitchFamily="2" charset="-128"/>
+                <a:cs typeface="Lufthansa Head Global Light" pitchFamily="2" charset="-128"/>
+              </a:rPr>
+              <a:t>Stockwerke: 1</a:t>
+            </a:r>
+          </a:p>
+          <a:p>
+            <a:pPr marL="0" indent="0">
+              <a:lnSpc>
+                <a:spcPct val="100000"/>
+              </a:lnSpc>
+              <a:buNone/>
+            </a:pPr>
+            <a:r>
+              <a:rPr lang="de-DE" dirty="0">
+                <a:latin typeface="+mj-lt"/>
+                <a:ea typeface="Lufthansa Head Global Light" pitchFamily="2" charset="-128"/>
+                <a:cs typeface="Lufthansa Head Global Light" pitchFamily="2" charset="-128"/>
+              </a:rPr>
+              <a:t>Baujahr: 1955</a:t>
+            </a:r>
+          </a:p>
+          <a:p>
+            <a:pPr marL="0" indent="0">
+              <a:lnSpc>
+                <a:spcPct val="100000"/>
+              </a:lnSpc>
+              <a:buNone/>
+            </a:pPr>
+            <a:r>
+              <a:rPr lang="de-DE" b="1" dirty="0">
+                <a:latin typeface="+mj-lt"/>
+                <a:ea typeface="Lufthansa Head Global Light" pitchFamily="2" charset="-128"/>
+                <a:cs typeface="Lufthansa Head Global Light" pitchFamily="2" charset="-128"/>
+              </a:rPr>
+              <a:t>Preis: 221.900$</a:t>
+            </a:r>
+          </a:p>
+          <a:p>
+            <a:pPr marL="0" indent="0">
+              <a:buNone/>
+            </a:pPr>
+            <a:endParaRPr lang="de-DE" dirty="0">
+              <a:latin typeface="Lufthansa Head Global Light" pitchFamily="2" charset="-128"/>
+              <a:ea typeface="Lufthansa Head Global Light" pitchFamily="2" charset="-128"/>
+              <a:cs typeface="Lufthansa Head Global Light" pitchFamily="2" charset="-128"/>
+            </a:endParaRPr>
+          </a:p>
+        </p:txBody>
+      </p:sp>
+      <p:sp>
+        <p:nvSpPr>
+          <p:cNvPr id="7" name="Rechteck 6">
+            <a:extLst>
+              <a:ext uri="{FF2B5EF4-FFF2-40B4-BE49-F238E27FC236}">
+                <a16:creationId xmlns:a16="http://schemas.microsoft.com/office/drawing/2014/main" id="{6FA577BD-3196-4260-999C-AD991D0F00B9}"/>
+              </a:ext>
+            </a:extLst>
+          </p:cNvPr>
+          <p:cNvSpPr/>
+          <p:nvPr/>
+        </p:nvSpPr>
+        <p:spPr>
+          <a:xfrm>
+            <a:off x="1206500" y="1635125"/>
+            <a:ext cx="6905113" cy="45719"/>
+          </a:xfrm>
+          <a:prstGeom prst="rect">
+            <a:avLst/>
+          </a:prstGeom>
+          <a:solidFill>
+            <a:schemeClr val="tx1"/>
+          </a:solidFill>
+          <a:ln>
+            <a:noFill/>
+          </a:ln>
+        </p:spPr>
+        <p:style>
+          <a:lnRef idx="2">
+            <a:schemeClr val="accent1">
+              <a:shade val="50000"/>
+            </a:schemeClr>
+          </a:lnRef>
+          <a:fillRef idx="1">
+            <a:schemeClr val="accent1"/>
+          </a:fillRef>
+          <a:effectRef idx="0">
+            <a:schemeClr val="accent1"/>
+          </a:effectRef>
+          <a:fontRef idx="minor">
+            <a:schemeClr val="lt1"/>
+          </a:fontRef>
+        </p:style>
+        <p:txBody>
+          <a:bodyPr rtlCol="0" anchor="ctr"/>
+          <a:lstStyle/>
+          <a:p>
+            <a:pPr algn="ctr"/>
+            <a:endParaRPr lang="de-DE"/>
+          </a:p>
+        </p:txBody>
+      </p:sp>
+      <p:sp>
+        <p:nvSpPr>
+          <p:cNvPr id="50" name="Inhaltsplatzhalter 2">
+            <a:extLst>
+              <a:ext uri="{FF2B5EF4-FFF2-40B4-BE49-F238E27FC236}">
+                <a16:creationId xmlns:a16="http://schemas.microsoft.com/office/drawing/2014/main" id="{6FC8DCF0-3FE0-4034-B0C9-64E853C49AD1}"/>
+              </a:ext>
+            </a:extLst>
+          </p:cNvPr>
+          <p:cNvSpPr txBox="1">
+            <a:spLocks/>
+          </p:cNvSpPr>
+          <p:nvPr/>
+        </p:nvSpPr>
+        <p:spPr>
+          <a:xfrm>
+            <a:off x="7301397" y="2679493"/>
+            <a:ext cx="3359765" cy="3541714"/>
+          </a:xfrm>
+          <a:prstGeom prst="rect">
+            <a:avLst/>
+          </a:prstGeom>
+        </p:spPr>
+        <p:txBody>
+          <a:bodyPr vert="horz" lIns="91440" tIns="45720" rIns="91440" bIns="45720" rtlCol="0">
+            <a:normAutofit fontScale="92500" lnSpcReduction="20000"/>
+          </a:bodyPr>
+          <a:lstStyle>
+            <a:lvl1pPr marL="228600" indent="-228600" algn="l" defTabSz="914400" rtl="0" eaLnBrk="1" latinLnBrk="0" hangingPunct="1">
+              <a:lnSpc>
+                <a:spcPct val="120000"/>
+              </a:lnSpc>
+              <a:spcBef>
+                <a:spcPts val="1000"/>
+              </a:spcBef>
+              <a:buSzPct val="125000"/>
+              <a:buFont typeface="Arial" panose="020B0604020202020204" pitchFamily="34" charset="0"/>
+              <a:buChar char="•"/>
+              <a:defRPr sz="2400" kern="1200">
+                <a:solidFill>
+                  <a:schemeClr val="tx1"/>
+                </a:solidFill>
+                <a:latin typeface="+mn-lt"/>
+                <a:ea typeface="+mn-ea"/>
+                <a:cs typeface="+mn-cs"/>
+              </a:defRPr>
+            </a:lvl1pPr>
+            <a:lvl2pPr marL="685800" indent="-228600" algn="l" defTabSz="914400" rtl="0" eaLnBrk="1" latinLnBrk="0" hangingPunct="1">
+              <a:lnSpc>
+                <a:spcPct val="120000"/>
+              </a:lnSpc>
+              <a:spcBef>
+                <a:spcPts val="500"/>
+              </a:spcBef>
+              <a:buSzPct val="125000"/>
+              <a:buFont typeface="Arial" panose="020B0604020202020204" pitchFamily="34" charset="0"/>
+              <a:buChar char="•"/>
+              <a:defRPr sz="2000" kern="1200">
+                <a:solidFill>
+                  <a:schemeClr val="tx1"/>
+                </a:solidFill>
+                <a:latin typeface="+mn-lt"/>
+                <a:ea typeface="+mn-ea"/>
+                <a:cs typeface="+mn-cs"/>
+              </a:defRPr>
+            </a:lvl2pPr>
+            <a:lvl3pPr marL="1143000" indent="-228600" algn="l" defTabSz="914400" rtl="0" eaLnBrk="1" latinLnBrk="0" hangingPunct="1">
+              <a:lnSpc>
+                <a:spcPct val="120000"/>
+              </a:lnSpc>
+              <a:spcBef>
+                <a:spcPts val="500"/>
+              </a:spcBef>
+              <a:buSzPct val="125000"/>
+              <a:buFont typeface="Arial" panose="020B0604020202020204" pitchFamily="34" charset="0"/>
+              <a:buChar char="•"/>
+              <a:defRPr sz="1800" kern="1200">
+                <a:solidFill>
+                  <a:schemeClr val="tx1"/>
+                </a:solidFill>
+                <a:latin typeface="+mn-lt"/>
+                <a:ea typeface="+mn-ea"/>
+                <a:cs typeface="+mn-cs"/>
+              </a:defRPr>
+            </a:lvl3pPr>
+            <a:lvl4pPr marL="1600200" indent="-228600" algn="l" defTabSz="914400" rtl="0" eaLnBrk="1" latinLnBrk="0" hangingPunct="1">
+              <a:lnSpc>
+                <a:spcPct val="120000"/>
+              </a:lnSpc>
+              <a:spcBef>
+                <a:spcPts val="500"/>
+              </a:spcBef>
+              <a:buSzPct val="125000"/>
+              <a:buFont typeface="Arial" panose="020B0604020202020204" pitchFamily="34" charset="0"/>
+              <a:buChar char="•"/>
+              <a:defRPr sz="1600" kern="1200">
+                <a:solidFill>
+                  <a:schemeClr val="tx1"/>
+                </a:solidFill>
+                <a:latin typeface="+mn-lt"/>
+                <a:ea typeface="+mn-ea"/>
+                <a:cs typeface="+mn-cs"/>
+              </a:defRPr>
+            </a:lvl4pPr>
+            <a:lvl5pPr marL="2057400" indent="-228600" algn="l" defTabSz="914400" rtl="0" eaLnBrk="1" latinLnBrk="0" hangingPunct="1">
+              <a:lnSpc>
+                <a:spcPct val="120000"/>
+              </a:lnSpc>
+              <a:spcBef>
+                <a:spcPts val="500"/>
+              </a:spcBef>
+              <a:buSzPct val="125000"/>
+              <a:buFont typeface="Arial" panose="020B0604020202020204" pitchFamily="34" charset="0"/>
+              <a:buChar char="•"/>
+              <a:defRPr sz="1600" kern="1200">
+                <a:solidFill>
+                  <a:schemeClr val="tx1"/>
+                </a:solidFill>
+                <a:latin typeface="+mn-lt"/>
+                <a:ea typeface="+mn-ea"/>
+                <a:cs typeface="+mn-cs"/>
+              </a:defRPr>
+            </a:lvl5pPr>
+            <a:lvl6pPr marL="2514600" indent="-228600" algn="l" defTabSz="914400" rtl="0" eaLnBrk="1" latinLnBrk="0" hangingPunct="1">
+              <a:lnSpc>
+                <a:spcPct val="120000"/>
+              </a:lnSpc>
+              <a:spcBef>
+                <a:spcPts val="500"/>
+              </a:spcBef>
+              <a:buSzPct val="125000"/>
+              <a:buFont typeface="Arial" panose="020B0604020202020204" pitchFamily="34" charset="0"/>
+              <a:buChar char="•"/>
+              <a:defRPr sz="1400" kern="1200">
+                <a:solidFill>
+                  <a:schemeClr val="tx1"/>
+                </a:solidFill>
+                <a:latin typeface="+mn-lt"/>
+                <a:ea typeface="+mn-ea"/>
+                <a:cs typeface="+mn-cs"/>
+              </a:defRPr>
+            </a:lvl6pPr>
+            <a:lvl7pPr marL="2971800" indent="-228600" algn="l" defTabSz="914400" rtl="0" eaLnBrk="1" latinLnBrk="0" hangingPunct="1">
+              <a:lnSpc>
+                <a:spcPct val="120000"/>
+              </a:lnSpc>
+              <a:spcBef>
+                <a:spcPts val="500"/>
+              </a:spcBef>
+              <a:buSzPct val="125000"/>
+              <a:buFont typeface="Arial" panose="020B0604020202020204" pitchFamily="34" charset="0"/>
+              <a:buChar char="•"/>
+              <a:defRPr sz="1400" kern="1200">
+                <a:solidFill>
+                  <a:schemeClr val="tx1"/>
+                </a:solidFill>
+                <a:latin typeface="+mn-lt"/>
+                <a:ea typeface="+mn-ea"/>
+                <a:cs typeface="+mn-cs"/>
+              </a:defRPr>
+            </a:lvl7pPr>
+            <a:lvl8pPr marL="3429000" indent="-228600" algn="l" defTabSz="914400" rtl="0" eaLnBrk="1" latinLnBrk="0" hangingPunct="1">
+              <a:lnSpc>
+                <a:spcPct val="120000"/>
+              </a:lnSpc>
+              <a:spcBef>
+                <a:spcPts val="500"/>
+              </a:spcBef>
+              <a:buSzPct val="125000"/>
+              <a:buFont typeface="Arial" panose="020B0604020202020204" pitchFamily="34" charset="0"/>
+              <a:buChar char="•"/>
+              <a:defRPr sz="1400" kern="1200">
+                <a:solidFill>
+                  <a:schemeClr val="tx1"/>
+                </a:solidFill>
+                <a:latin typeface="+mn-lt"/>
+                <a:ea typeface="+mn-ea"/>
+                <a:cs typeface="+mn-cs"/>
+              </a:defRPr>
+            </a:lvl8pPr>
+            <a:lvl9pPr marL="3886200" indent="-228600" algn="l" defTabSz="914400" rtl="0" eaLnBrk="1" latinLnBrk="0" hangingPunct="1">
+              <a:lnSpc>
+                <a:spcPct val="120000"/>
+              </a:lnSpc>
+              <a:spcBef>
+                <a:spcPts val="500"/>
+              </a:spcBef>
+              <a:buSzPct val="125000"/>
+              <a:buFont typeface="Arial" panose="020B0604020202020204" pitchFamily="34" charset="0"/>
+              <a:buChar char="•"/>
+              <a:defRPr sz="1400" kern="1200">
+                <a:solidFill>
+                  <a:schemeClr val="tx1"/>
+                </a:solidFill>
+                <a:latin typeface="+mn-lt"/>
+                <a:ea typeface="+mn-ea"/>
+                <a:cs typeface="+mn-cs"/>
+              </a:defRPr>
+            </a:lvl9pPr>
+          </a:lstStyle>
+          <a:p>
+            <a:pPr marL="0" indent="0">
+              <a:buFont typeface="Arial" panose="020B0604020202020204" pitchFamily="34" charset="0"/>
+              <a:buNone/>
+            </a:pPr>
+            <a:r>
+              <a:rPr lang="de-DE" sz="3000" u="sng" dirty="0">
+                <a:latin typeface="+mj-lt"/>
+                <a:ea typeface="Lufthansa Head Global Light" pitchFamily="2" charset="-128"/>
+                <a:cs typeface="Lufthansa Head Global Light" pitchFamily="2" charset="-128"/>
+              </a:rPr>
+              <a:t>Haus 2</a:t>
+            </a:r>
+          </a:p>
+          <a:p>
+            <a:pPr marL="0" indent="0">
+              <a:buFont typeface="Arial" panose="020B0604020202020204" pitchFamily="34" charset="0"/>
+              <a:buNone/>
+            </a:pPr>
+            <a:r>
+              <a:rPr lang="de-DE" sz="3000" dirty="0">
+                <a:latin typeface="+mj-lt"/>
+                <a:ea typeface="Lufthansa Head Global Light" pitchFamily="2" charset="-128"/>
+                <a:cs typeface="Lufthansa Head Global Light" pitchFamily="2" charset="-128"/>
+              </a:rPr>
+              <a:t>Wohnfläche: 156m²</a:t>
+            </a:r>
+          </a:p>
+          <a:p>
+            <a:pPr marL="0" indent="0">
+              <a:buFont typeface="Arial" panose="020B0604020202020204" pitchFamily="34" charset="0"/>
+              <a:buNone/>
+            </a:pPr>
+            <a:r>
+              <a:rPr lang="de-DE" sz="3000" dirty="0">
+                <a:latin typeface="+mj-lt"/>
+                <a:ea typeface="Lufthansa Head Global Light" pitchFamily="2" charset="-128"/>
+                <a:cs typeface="Lufthansa Head Global Light" pitchFamily="2" charset="-128"/>
+              </a:rPr>
+              <a:t>Bäder: 2</a:t>
+            </a:r>
+          </a:p>
+          <a:p>
+            <a:pPr marL="0" indent="0">
+              <a:buFont typeface="Arial" panose="020B0604020202020204" pitchFamily="34" charset="0"/>
+              <a:buNone/>
+            </a:pPr>
+            <a:r>
+              <a:rPr lang="de-DE" sz="3000" dirty="0">
+                <a:latin typeface="+mj-lt"/>
+                <a:ea typeface="Lufthansa Head Global Light" pitchFamily="2" charset="-128"/>
+                <a:cs typeface="Lufthansa Head Global Light" pitchFamily="2" charset="-128"/>
+              </a:rPr>
+              <a:t>Stockwerke: 1</a:t>
+            </a:r>
+          </a:p>
+          <a:p>
+            <a:pPr marL="0" indent="0">
+              <a:buFont typeface="Arial" panose="020B0604020202020204" pitchFamily="34" charset="0"/>
+              <a:buNone/>
+            </a:pPr>
+            <a:r>
+              <a:rPr lang="de-DE" sz="3000" dirty="0">
+                <a:latin typeface="+mj-lt"/>
+                <a:ea typeface="Lufthansa Head Global Light" pitchFamily="2" charset="-128"/>
+                <a:cs typeface="Lufthansa Head Global Light" pitchFamily="2" charset="-128"/>
+              </a:rPr>
+              <a:t>Baujahr: 1987</a:t>
+            </a:r>
+          </a:p>
+          <a:p>
+            <a:pPr marL="0" indent="0">
+              <a:buFont typeface="Arial" panose="020B0604020202020204" pitchFamily="34" charset="0"/>
+              <a:buNone/>
+            </a:pPr>
+            <a:r>
+              <a:rPr lang="de-DE" sz="3000" b="1" dirty="0">
+                <a:latin typeface="+mj-lt"/>
+                <a:ea typeface="Lufthansa Head Global Light" pitchFamily="2" charset="-128"/>
+                <a:cs typeface="Lufthansa Head Global Light" pitchFamily="2" charset="-128"/>
+              </a:rPr>
+              <a:t>Preis: 510.000$</a:t>
+            </a:r>
+          </a:p>
+          <a:p>
+            <a:pPr marL="0" indent="0">
+              <a:buFont typeface="Arial" panose="020B0604020202020204" pitchFamily="34" charset="0"/>
+              <a:buNone/>
+            </a:pPr>
+            <a:endParaRPr lang="de-DE" dirty="0">
+              <a:latin typeface="Lufthansa Head Global Light" pitchFamily="2" charset="-128"/>
+              <a:ea typeface="Lufthansa Head Global Light" pitchFamily="2" charset="-128"/>
+              <a:cs typeface="Lufthansa Head Global Light" pitchFamily="2" charset="-128"/>
+            </a:endParaRPr>
+          </a:p>
+        </p:txBody>
+      </p:sp>
+      <p:sp>
+        <p:nvSpPr>
+          <p:cNvPr id="39" name="Pfeil: nach links und rechts 38">
+            <a:extLst>
+              <a:ext uri="{FF2B5EF4-FFF2-40B4-BE49-F238E27FC236}">
+                <a16:creationId xmlns:a16="http://schemas.microsoft.com/office/drawing/2014/main" id="{812679D9-F281-46E9-86B0-A4C5DBF686EA}"/>
+              </a:ext>
+            </a:extLst>
+          </p:cNvPr>
+          <p:cNvSpPr/>
+          <p:nvPr/>
+        </p:nvSpPr>
+        <p:spPr>
+          <a:xfrm>
+            <a:off x="5187724" y="3966514"/>
+            <a:ext cx="1512059" cy="529295"/>
+          </a:xfrm>
+          <a:prstGeom prst="leftRightArrow">
+            <a:avLst/>
+          </a:prstGeom>
+        </p:spPr>
+        <p:style>
+          <a:lnRef idx="3">
+            <a:schemeClr val="lt1"/>
+          </a:lnRef>
+          <a:fillRef idx="1">
+            <a:schemeClr val="accent3"/>
+          </a:fillRef>
+          <a:effectRef idx="1">
+            <a:schemeClr val="accent3"/>
+          </a:effectRef>
+          <a:fontRef idx="minor">
+            <a:schemeClr val="lt1"/>
+          </a:fontRef>
+        </p:style>
+        <p:txBody>
+          <a:bodyPr rtlCol="0" anchor="ctr"/>
+          <a:lstStyle/>
+          <a:p>
+            <a:pPr algn="ctr"/>
+            <a:endParaRPr lang="de-DE"/>
+          </a:p>
+        </p:txBody>
+      </p:sp>
+    </p:spTree>
+    <p:extLst>
+      <p:ext uri="{BB962C8B-B14F-4D97-AF65-F5344CB8AC3E}">
+        <p14:creationId xmlns:p14="http://schemas.microsoft.com/office/powerpoint/2010/main" val="4160314936"/>
+      </p:ext>
+    </p:extLst>
+  </p:cSld>
+  <p:clrMapOvr>
+    <a:masterClrMapping/>
+  </p:clrMapOvr>
+  <p:timing>
+    <p:tnLst>
+      <p:par>
+        <p:cTn id="1" dur="indefinite" restart="never" nodeType="tmRoot">
+          <p:childTnLst>
+            <p:seq concurrent="1" nextAc="seek">
+              <p:cTn id="2" dur="indefinite" nodeType="mainSeq">
+                <p:childTnLst>
+                  <p:par>
+                    <p:cTn id="3" fill="hold">
+                      <p:stCondLst>
+                        <p:cond delay="indefinite"/>
+                      </p:stCondLst>
+                      <p:childTnLst>
+                        <p:par>
+                          <p:cTn id="4" fill="hold">
+                            <p:stCondLst>
+                              <p:cond delay="0"/>
+                            </p:stCondLst>
+                            <p:childTnLst>
+                              <p:par>
+                                <p:cTn id="5" presetID="10" presetClass="entr" presetSubtype="0" fill="hold" grpId="0" nodeType="clickEffect">
+                                  <p:stCondLst>
+                                    <p:cond delay="0"/>
+                                  </p:stCondLst>
+                                  <p:childTnLst>
+                                    <p:set>
+                                      <p:cBhvr>
+                                        <p:cTn id="6" dur="1" fill="hold">
+                                          <p:stCondLst>
+                                            <p:cond delay="0"/>
+                                          </p:stCondLst>
+                                        </p:cTn>
+                                        <p:tgtEl>
+                                          <p:spTgt spid="3">
+                                            <p:txEl>
+                                              <p:pRg st="0" end="0"/>
+                                            </p:txEl>
+                                          </p:spTgt>
+                                        </p:tgtEl>
+                                        <p:attrNameLst>
+                                          <p:attrName>style.visibility</p:attrName>
+                                        </p:attrNameLst>
+                                      </p:cBhvr>
+                                      <p:to>
+                                        <p:strVal val="visible"/>
+                                      </p:to>
+                                    </p:set>
+                                    <p:animEffect transition="in" filter="fade">
+                                      <p:cBhvr>
+                                        <p:cTn id="7" dur="500"/>
+                                        <p:tgtEl>
+                                          <p:spTgt spid="3">
+                                            <p:txEl>
+                                              <p:pRg st="0" end="0"/>
+                                            </p:txEl>
+                                          </p:spTgt>
+                                        </p:tgtEl>
+                                      </p:cBhvr>
+                                    </p:animEffect>
+                                  </p:childTnLst>
+                                </p:cTn>
+                              </p:par>
+                            </p:childTnLst>
+                          </p:cTn>
+                        </p:par>
+                      </p:childTnLst>
+                    </p:cTn>
+                  </p:par>
+                  <p:par>
+                    <p:cTn id="8" fill="hold">
+                      <p:stCondLst>
+                        <p:cond delay="indefinite"/>
+                      </p:stCondLst>
+                      <p:childTnLst>
+                        <p:par>
+                          <p:cTn id="9" fill="hold">
+                            <p:stCondLst>
+                              <p:cond delay="0"/>
+                            </p:stCondLst>
+                            <p:childTnLst>
+                              <p:par>
+                                <p:cTn id="10" presetID="10" presetClass="entr" presetSubtype="0" fill="hold" grpId="0" nodeType="clickEffect">
+                                  <p:stCondLst>
+                                    <p:cond delay="0"/>
+                                  </p:stCondLst>
+                                  <p:childTnLst>
+                                    <p:set>
+                                      <p:cBhvr>
+                                        <p:cTn id="11" dur="1" fill="hold">
+                                          <p:stCondLst>
+                                            <p:cond delay="0"/>
+                                          </p:stCondLst>
+                                        </p:cTn>
+                                        <p:tgtEl>
+                                          <p:spTgt spid="3">
+                                            <p:txEl>
+                                              <p:pRg st="1" end="1"/>
+                                            </p:txEl>
+                                          </p:spTgt>
+                                        </p:tgtEl>
+                                        <p:attrNameLst>
+                                          <p:attrName>style.visibility</p:attrName>
+                                        </p:attrNameLst>
+                                      </p:cBhvr>
+                                      <p:to>
+                                        <p:strVal val="visible"/>
+                                      </p:to>
+                                    </p:set>
+                                    <p:animEffect transition="in" filter="fade">
+                                      <p:cBhvr>
+                                        <p:cTn id="12" dur="500"/>
+                                        <p:tgtEl>
+                                          <p:spTgt spid="3">
+                                            <p:txEl>
+                                              <p:pRg st="1" end="1"/>
+                                            </p:txEl>
+                                          </p:spTgt>
+                                        </p:tgtEl>
+                                      </p:cBhvr>
+                                    </p:animEffect>
+                                  </p:childTnLst>
+                                </p:cTn>
+                              </p:par>
+                            </p:childTnLst>
+                          </p:cTn>
+                        </p:par>
+                      </p:childTnLst>
+                    </p:cTn>
+                  </p:par>
+                  <p:par>
+                    <p:cTn id="13" fill="hold">
+                      <p:stCondLst>
+                        <p:cond delay="indefinite"/>
+                      </p:stCondLst>
+                      <p:childTnLst>
+                        <p:par>
+                          <p:cTn id="14" fill="hold">
+                            <p:stCondLst>
+                              <p:cond delay="0"/>
+                            </p:stCondLst>
+                            <p:childTnLst>
+                              <p:par>
+                                <p:cTn id="15" presetID="10" presetClass="entr" presetSubtype="0" fill="hold" grpId="0" nodeType="clickEffect">
+                                  <p:stCondLst>
+                                    <p:cond delay="0"/>
+                                  </p:stCondLst>
+                                  <p:childTnLst>
+                                    <p:set>
+                                      <p:cBhvr>
+                                        <p:cTn id="16" dur="1" fill="hold">
+                                          <p:stCondLst>
+                                            <p:cond delay="0"/>
+                                          </p:stCondLst>
+                                        </p:cTn>
+                                        <p:tgtEl>
+                                          <p:spTgt spid="3">
+                                            <p:txEl>
+                                              <p:pRg st="2" end="2"/>
+                                            </p:txEl>
+                                          </p:spTgt>
+                                        </p:tgtEl>
+                                        <p:attrNameLst>
+                                          <p:attrName>style.visibility</p:attrName>
+                                        </p:attrNameLst>
+                                      </p:cBhvr>
+                                      <p:to>
+                                        <p:strVal val="visible"/>
+                                      </p:to>
+                                    </p:set>
+                                    <p:animEffect transition="in" filter="fade">
+                                      <p:cBhvr>
+                                        <p:cTn id="17" dur="500"/>
+                                        <p:tgtEl>
+                                          <p:spTgt spid="3">
+                                            <p:txEl>
+                                              <p:pRg st="2" end="2"/>
+                                            </p:txEl>
+                                          </p:spTgt>
+                                        </p:tgtEl>
+                                      </p:cBhvr>
+                                    </p:animEffect>
+                                  </p:childTnLst>
+                                </p:cTn>
+                              </p:par>
+                            </p:childTnLst>
+                          </p:cTn>
+                        </p:par>
+                      </p:childTnLst>
+                    </p:cTn>
+                  </p:par>
+                  <p:par>
+                    <p:cTn id="18" fill="hold">
+                      <p:stCondLst>
+                        <p:cond delay="indefinite"/>
+                      </p:stCondLst>
+                      <p:childTnLst>
+                        <p:par>
+                          <p:cTn id="19" fill="hold">
+                            <p:stCondLst>
+                              <p:cond delay="0"/>
+                            </p:stCondLst>
+                            <p:childTnLst>
+                              <p:par>
+                                <p:cTn id="20" presetID="10" presetClass="entr" presetSubtype="0" fill="hold" grpId="0" nodeType="clickEffect">
+                                  <p:stCondLst>
+                                    <p:cond delay="0"/>
+                                  </p:stCondLst>
+                                  <p:childTnLst>
+                                    <p:set>
+                                      <p:cBhvr>
+                                        <p:cTn id="21" dur="1" fill="hold">
+                                          <p:stCondLst>
+                                            <p:cond delay="0"/>
+                                          </p:stCondLst>
+                                        </p:cTn>
+                                        <p:tgtEl>
+                                          <p:spTgt spid="3">
+                                            <p:txEl>
+                                              <p:pRg st="3" end="3"/>
+                                            </p:txEl>
+                                          </p:spTgt>
+                                        </p:tgtEl>
+                                        <p:attrNameLst>
+                                          <p:attrName>style.visibility</p:attrName>
+                                        </p:attrNameLst>
+                                      </p:cBhvr>
+                                      <p:to>
+                                        <p:strVal val="visible"/>
+                                      </p:to>
+                                    </p:set>
+                                    <p:animEffect transition="in" filter="fade">
+                                      <p:cBhvr>
+                                        <p:cTn id="22" dur="500"/>
+                                        <p:tgtEl>
+                                          <p:spTgt spid="3">
+                                            <p:txEl>
+                                              <p:pRg st="3" end="3"/>
+                                            </p:txEl>
+                                          </p:spTgt>
+                                        </p:tgtEl>
+                                      </p:cBhvr>
+                                    </p:animEffect>
+                                  </p:childTnLst>
+                                </p:cTn>
+                              </p:par>
+                            </p:childTnLst>
+                          </p:cTn>
+                        </p:par>
+                      </p:childTnLst>
+                    </p:cTn>
+                  </p:par>
+                  <p:par>
+                    <p:cTn id="23" fill="hold">
+                      <p:stCondLst>
+                        <p:cond delay="indefinite"/>
+                      </p:stCondLst>
+                      <p:childTnLst>
+                        <p:par>
+                          <p:cTn id="24" fill="hold">
+                            <p:stCondLst>
+                              <p:cond delay="0"/>
+                            </p:stCondLst>
+                            <p:childTnLst>
+                              <p:par>
+                                <p:cTn id="25" presetID="10" presetClass="entr" presetSubtype="0" fill="hold" grpId="0" nodeType="clickEffect">
+                                  <p:stCondLst>
+                                    <p:cond delay="0"/>
+                                  </p:stCondLst>
+                                  <p:childTnLst>
+                                    <p:set>
+                                      <p:cBhvr>
+                                        <p:cTn id="26" dur="1" fill="hold">
+                                          <p:stCondLst>
+                                            <p:cond delay="0"/>
+                                          </p:stCondLst>
+                                        </p:cTn>
+                                        <p:tgtEl>
+                                          <p:spTgt spid="3">
+                                            <p:txEl>
+                                              <p:pRg st="4" end="4"/>
+                                            </p:txEl>
+                                          </p:spTgt>
+                                        </p:tgtEl>
+                                        <p:attrNameLst>
+                                          <p:attrName>style.visibility</p:attrName>
+                                        </p:attrNameLst>
+                                      </p:cBhvr>
+                                      <p:to>
+                                        <p:strVal val="visible"/>
+                                      </p:to>
+                                    </p:set>
+                                    <p:animEffect transition="in" filter="fade">
+                                      <p:cBhvr>
+                                        <p:cTn id="27" dur="500"/>
+                                        <p:tgtEl>
+                                          <p:spTgt spid="3">
+                                            <p:txEl>
+                                              <p:pRg st="4" end="4"/>
+                                            </p:txEl>
+                                          </p:spTgt>
+                                        </p:tgtEl>
+                                      </p:cBhvr>
+                                    </p:animEffect>
+                                  </p:childTnLst>
+                                </p:cTn>
+                              </p:par>
+                            </p:childTnLst>
+                          </p:cTn>
+                        </p:par>
+                      </p:childTnLst>
+                    </p:cTn>
+                  </p:par>
+                  <p:par>
+                    <p:cTn id="28" fill="hold">
+                      <p:stCondLst>
+                        <p:cond delay="indefinite"/>
+                      </p:stCondLst>
+                      <p:childTnLst>
+                        <p:par>
+                          <p:cTn id="29" fill="hold">
+                            <p:stCondLst>
+                              <p:cond delay="0"/>
+                            </p:stCondLst>
+                            <p:childTnLst>
+                              <p:par>
+                                <p:cTn id="30" presetID="10" presetClass="entr" presetSubtype="0" fill="hold" grpId="0" nodeType="clickEffect">
+                                  <p:stCondLst>
+                                    <p:cond delay="0"/>
+                                  </p:stCondLst>
+                                  <p:childTnLst>
+                                    <p:set>
+                                      <p:cBhvr>
+                                        <p:cTn id="31" dur="1" fill="hold">
+                                          <p:stCondLst>
+                                            <p:cond delay="0"/>
+                                          </p:stCondLst>
+                                        </p:cTn>
+                                        <p:tgtEl>
+                                          <p:spTgt spid="3">
+                                            <p:txEl>
+                                              <p:pRg st="5" end="5"/>
+                                            </p:txEl>
+                                          </p:spTgt>
+                                        </p:tgtEl>
+                                        <p:attrNameLst>
+                                          <p:attrName>style.visibility</p:attrName>
+                                        </p:attrNameLst>
+                                      </p:cBhvr>
+                                      <p:to>
+                                        <p:strVal val="visible"/>
+                                      </p:to>
+                                    </p:set>
+                                    <p:animEffect transition="in" filter="fade">
+                                      <p:cBhvr>
+                                        <p:cTn id="32" dur="500"/>
+                                        <p:tgtEl>
+                                          <p:spTgt spid="3">
+                                            <p:txEl>
+                                              <p:pRg st="5" end="5"/>
+                                            </p:txEl>
+                                          </p:spTgt>
+                                        </p:tgtEl>
+                                      </p:cBhvr>
+                                    </p:animEffect>
+                                  </p:childTnLst>
+                                </p:cTn>
+                              </p:par>
+                            </p:childTnLst>
+                          </p:cTn>
+                        </p:par>
+                      </p:childTnLst>
+                    </p:cTn>
+                  </p:par>
+                  <p:par>
+                    <p:cTn id="33" fill="hold">
+                      <p:stCondLst>
+                        <p:cond delay="indefinite"/>
+                      </p:stCondLst>
+                      <p:childTnLst>
+                        <p:par>
+                          <p:cTn id="34" fill="hold">
+                            <p:stCondLst>
+                              <p:cond delay="0"/>
+                            </p:stCondLst>
+                            <p:childTnLst>
+                              <p:par>
+                                <p:cTn id="35" presetID="10" presetClass="entr" presetSubtype="0" fill="hold" grpId="0" nodeType="clickEffect">
+                                  <p:stCondLst>
+                                    <p:cond delay="0"/>
+                                  </p:stCondLst>
+                                  <p:childTnLst>
+                                    <p:set>
+                                      <p:cBhvr>
+                                        <p:cTn id="36" dur="1" fill="hold">
+                                          <p:stCondLst>
+                                            <p:cond delay="0"/>
+                                          </p:stCondLst>
+                                        </p:cTn>
+                                        <p:tgtEl>
+                                          <p:spTgt spid="50">
+                                            <p:txEl>
+                                              <p:pRg st="0" end="0"/>
+                                            </p:txEl>
+                                          </p:spTgt>
+                                        </p:tgtEl>
+                                        <p:attrNameLst>
+                                          <p:attrName>style.visibility</p:attrName>
+                                        </p:attrNameLst>
+                                      </p:cBhvr>
+                                      <p:to>
+                                        <p:strVal val="visible"/>
+                                      </p:to>
+                                    </p:set>
+                                    <p:animEffect transition="in" filter="fade">
+                                      <p:cBhvr>
+                                        <p:cTn id="37" dur="500"/>
+                                        <p:tgtEl>
+                                          <p:spTgt spid="50">
+                                            <p:txEl>
+                                              <p:pRg st="0" end="0"/>
+                                            </p:txEl>
+                                          </p:spTgt>
+                                        </p:tgtEl>
+                                      </p:cBhvr>
+                                    </p:animEffect>
+                                  </p:childTnLst>
+                                </p:cTn>
+                              </p:par>
+                            </p:childTnLst>
+                          </p:cTn>
+                        </p:par>
+                      </p:childTnLst>
+                    </p:cTn>
+                  </p:par>
+                  <p:par>
+                    <p:cTn id="38" fill="hold">
+                      <p:stCondLst>
+                        <p:cond delay="indefinite"/>
+                      </p:stCondLst>
+                      <p:childTnLst>
+                        <p:par>
+                          <p:cTn id="39" fill="hold">
+                            <p:stCondLst>
+                              <p:cond delay="0"/>
+                            </p:stCondLst>
+                            <p:childTnLst>
+                              <p:par>
+                                <p:cTn id="40" presetID="10" presetClass="entr" presetSubtype="0" fill="hold" grpId="0" nodeType="clickEffect">
+                                  <p:stCondLst>
+                                    <p:cond delay="0"/>
+                                  </p:stCondLst>
+                                  <p:childTnLst>
+                                    <p:set>
+                                      <p:cBhvr>
+                                        <p:cTn id="41" dur="1" fill="hold">
+                                          <p:stCondLst>
+                                            <p:cond delay="0"/>
+                                          </p:stCondLst>
+                                        </p:cTn>
+                                        <p:tgtEl>
+                                          <p:spTgt spid="50">
+                                            <p:txEl>
+                                              <p:pRg st="1" end="1"/>
+                                            </p:txEl>
+                                          </p:spTgt>
+                                        </p:tgtEl>
+                                        <p:attrNameLst>
+                                          <p:attrName>style.visibility</p:attrName>
+                                        </p:attrNameLst>
+                                      </p:cBhvr>
+                                      <p:to>
+                                        <p:strVal val="visible"/>
+                                      </p:to>
+                                    </p:set>
+                                    <p:animEffect transition="in" filter="fade">
+                                      <p:cBhvr>
+                                        <p:cTn id="42" dur="500"/>
+                                        <p:tgtEl>
+                                          <p:spTgt spid="50">
+                                            <p:txEl>
+                                              <p:pRg st="1" end="1"/>
+                                            </p:txEl>
+                                          </p:spTgt>
+                                        </p:tgtEl>
+                                      </p:cBhvr>
+                                    </p:animEffect>
+                                  </p:childTnLst>
+                                </p:cTn>
+                              </p:par>
+                            </p:childTnLst>
+                          </p:cTn>
+                        </p:par>
+                      </p:childTnLst>
+                    </p:cTn>
+                  </p:par>
+                  <p:par>
+                    <p:cTn id="43" fill="hold">
+                      <p:stCondLst>
+                        <p:cond delay="indefinite"/>
+                      </p:stCondLst>
+                      <p:childTnLst>
+                        <p:par>
+                          <p:cTn id="44" fill="hold">
+                            <p:stCondLst>
+                              <p:cond delay="0"/>
+                            </p:stCondLst>
+                            <p:childTnLst>
+                              <p:par>
+                                <p:cTn id="45" presetID="10" presetClass="entr" presetSubtype="0" fill="hold" grpId="0" nodeType="clickEffect">
+                                  <p:stCondLst>
+                                    <p:cond delay="0"/>
+                                  </p:stCondLst>
+                                  <p:childTnLst>
+                                    <p:set>
+                                      <p:cBhvr>
+                                        <p:cTn id="46" dur="1" fill="hold">
+                                          <p:stCondLst>
+                                            <p:cond delay="0"/>
+                                          </p:stCondLst>
+                                        </p:cTn>
+                                        <p:tgtEl>
+                                          <p:spTgt spid="50">
+                                            <p:txEl>
+                                              <p:pRg st="2" end="2"/>
+                                            </p:txEl>
+                                          </p:spTgt>
+                                        </p:tgtEl>
+                                        <p:attrNameLst>
+                                          <p:attrName>style.visibility</p:attrName>
+                                        </p:attrNameLst>
+                                      </p:cBhvr>
+                                      <p:to>
+                                        <p:strVal val="visible"/>
+                                      </p:to>
+                                    </p:set>
+                                    <p:animEffect transition="in" filter="fade">
+                                      <p:cBhvr>
+                                        <p:cTn id="47" dur="500"/>
+                                        <p:tgtEl>
+                                          <p:spTgt spid="50">
+                                            <p:txEl>
+                                              <p:pRg st="2" end="2"/>
+                                            </p:txEl>
+                                          </p:spTgt>
+                                        </p:tgtEl>
+                                      </p:cBhvr>
+                                    </p:animEffect>
+                                  </p:childTnLst>
+                                </p:cTn>
+                              </p:par>
+                            </p:childTnLst>
+                          </p:cTn>
+                        </p:par>
+                      </p:childTnLst>
+                    </p:cTn>
+                  </p:par>
+                  <p:par>
+                    <p:cTn id="48" fill="hold">
+                      <p:stCondLst>
+                        <p:cond delay="indefinite"/>
+                      </p:stCondLst>
+                      <p:childTnLst>
+                        <p:par>
+                          <p:cTn id="49" fill="hold">
+                            <p:stCondLst>
+                              <p:cond delay="0"/>
+                            </p:stCondLst>
+                            <p:childTnLst>
+                              <p:par>
+                                <p:cTn id="50" presetID="10" presetClass="entr" presetSubtype="0" fill="hold" grpId="0" nodeType="clickEffect">
+                                  <p:stCondLst>
+                                    <p:cond delay="0"/>
+                                  </p:stCondLst>
+                                  <p:childTnLst>
+                                    <p:set>
+                                      <p:cBhvr>
+                                        <p:cTn id="51" dur="1" fill="hold">
+                                          <p:stCondLst>
+                                            <p:cond delay="0"/>
+                                          </p:stCondLst>
+                                        </p:cTn>
+                                        <p:tgtEl>
+                                          <p:spTgt spid="50">
+                                            <p:txEl>
+                                              <p:pRg st="3" end="3"/>
+                                            </p:txEl>
+                                          </p:spTgt>
+                                        </p:tgtEl>
+                                        <p:attrNameLst>
+                                          <p:attrName>style.visibility</p:attrName>
+                                        </p:attrNameLst>
+                                      </p:cBhvr>
+                                      <p:to>
+                                        <p:strVal val="visible"/>
+                                      </p:to>
+                                    </p:set>
+                                    <p:animEffect transition="in" filter="fade">
+                                      <p:cBhvr>
+                                        <p:cTn id="52" dur="500"/>
+                                        <p:tgtEl>
+                                          <p:spTgt spid="50">
+                                            <p:txEl>
+                                              <p:pRg st="3" end="3"/>
+                                            </p:txEl>
+                                          </p:spTgt>
+                                        </p:tgtEl>
+                                      </p:cBhvr>
+                                    </p:animEffect>
+                                  </p:childTnLst>
+                                </p:cTn>
+                              </p:par>
+                            </p:childTnLst>
+                          </p:cTn>
+                        </p:par>
+                      </p:childTnLst>
+                    </p:cTn>
+                  </p:par>
+                  <p:par>
+                    <p:cTn id="53" fill="hold">
+                      <p:stCondLst>
+                        <p:cond delay="indefinite"/>
+                      </p:stCondLst>
+                      <p:childTnLst>
+                        <p:par>
+                          <p:cTn id="54" fill="hold">
+                            <p:stCondLst>
+                              <p:cond delay="0"/>
+                            </p:stCondLst>
+                            <p:childTnLst>
+                              <p:par>
+                                <p:cTn id="55" presetID="10" presetClass="entr" presetSubtype="0" fill="hold" grpId="0" nodeType="clickEffect">
+                                  <p:stCondLst>
+                                    <p:cond delay="0"/>
+                                  </p:stCondLst>
+                                  <p:childTnLst>
+                                    <p:set>
+                                      <p:cBhvr>
+                                        <p:cTn id="56" dur="1" fill="hold">
+                                          <p:stCondLst>
+                                            <p:cond delay="0"/>
+                                          </p:stCondLst>
+                                        </p:cTn>
+                                        <p:tgtEl>
+                                          <p:spTgt spid="50">
+                                            <p:txEl>
+                                              <p:pRg st="4" end="4"/>
+                                            </p:txEl>
+                                          </p:spTgt>
+                                        </p:tgtEl>
+                                        <p:attrNameLst>
+                                          <p:attrName>style.visibility</p:attrName>
+                                        </p:attrNameLst>
+                                      </p:cBhvr>
+                                      <p:to>
+                                        <p:strVal val="visible"/>
+                                      </p:to>
+                                    </p:set>
+                                    <p:animEffect transition="in" filter="fade">
+                                      <p:cBhvr>
+                                        <p:cTn id="57" dur="500"/>
+                                        <p:tgtEl>
+                                          <p:spTgt spid="50">
+                                            <p:txEl>
+                                              <p:pRg st="4" end="4"/>
+                                            </p:txEl>
+                                          </p:spTgt>
+                                        </p:tgtEl>
+                                      </p:cBhvr>
+                                    </p:animEffect>
+                                  </p:childTnLst>
+                                </p:cTn>
+                              </p:par>
+                            </p:childTnLst>
+                          </p:cTn>
+                        </p:par>
+                      </p:childTnLst>
+                    </p:cTn>
+                  </p:par>
+                  <p:par>
+                    <p:cTn id="58" fill="hold">
+                      <p:stCondLst>
+                        <p:cond delay="indefinite"/>
+                      </p:stCondLst>
+                      <p:childTnLst>
+                        <p:par>
+                          <p:cTn id="59" fill="hold">
+                            <p:stCondLst>
+                              <p:cond delay="0"/>
+                            </p:stCondLst>
+                            <p:childTnLst>
+                              <p:par>
+                                <p:cTn id="60" presetID="10" presetClass="entr" presetSubtype="0" fill="hold" grpId="0" nodeType="clickEffect">
+                                  <p:stCondLst>
+                                    <p:cond delay="0"/>
+                                  </p:stCondLst>
+                                  <p:childTnLst>
+                                    <p:set>
+                                      <p:cBhvr>
+                                        <p:cTn id="61" dur="1" fill="hold">
+                                          <p:stCondLst>
+                                            <p:cond delay="0"/>
+                                          </p:stCondLst>
+                                        </p:cTn>
+                                        <p:tgtEl>
+                                          <p:spTgt spid="50">
+                                            <p:txEl>
+                                              <p:pRg st="5" end="5"/>
+                                            </p:txEl>
+                                          </p:spTgt>
+                                        </p:tgtEl>
+                                        <p:attrNameLst>
+                                          <p:attrName>style.visibility</p:attrName>
+                                        </p:attrNameLst>
+                                      </p:cBhvr>
+                                      <p:to>
+                                        <p:strVal val="visible"/>
+                                      </p:to>
+                                    </p:set>
+                                    <p:animEffect transition="in" filter="fade">
+                                      <p:cBhvr>
+                                        <p:cTn id="62" dur="500"/>
+                                        <p:tgtEl>
+                                          <p:spTgt spid="50">
+                                            <p:txEl>
+                                              <p:pRg st="5" end="5"/>
+                                            </p:txEl>
+                                          </p:spTgt>
+                                        </p:tgtEl>
+                                      </p:cBhvr>
+                                    </p:animEffect>
+                                  </p:childTnLst>
+                                </p:cTn>
+                              </p:par>
+                            </p:childTnLst>
+                          </p:cTn>
+                        </p:par>
+                      </p:childTnLst>
+                    </p:cTn>
+                  </p:par>
+                </p:childTnLst>
+              </p:cTn>
+              <p:prevCondLst>
+                <p:cond evt="onPrev" delay="0">
+                  <p:tgtEl>
+                    <p:sldTgt/>
+                  </p:tgtEl>
+                </p:cond>
+              </p:prevCondLst>
+              <p:nextCondLst>
+                <p:cond evt="onNext" delay="0">
+                  <p:tgtEl>
+                    <p:sldTgt/>
+                  </p:tgtEl>
+                </p:cond>
+              </p:nextCondLst>
+            </p:seq>
+          </p:childTnLst>
+        </p:cTn>
+      </p:par>
+    </p:tnLst>
+    <p:bldLst>
+      <p:bldP spid="3" grpId="0" uiExpand="1" build="p"/>
+      <p:bldP spid="50" grpId="0" uiExpand="1" build="p"/>
+    </p:bldLst>
+  </p:timing>
+</p:sld>
+</file>
+
+<file path=ppt/slides/slide5.xml><?xml version="1.0" encoding="utf-8"?>
+<p:sld xmlns:a="http://schemas.openxmlformats.org/drawingml/2006/main" xmlns:r="http://schemas.openxmlformats.org/officeDocument/2006/relationships" xmlns:p="http://schemas.openxmlformats.org/presentationml/2006/main">
+  <p:cSld>
+    <p:spTree>
+      <p:nvGrpSpPr>
+        <p:cNvPr id="1" name=""/>
+        <p:cNvGrpSpPr/>
+        <p:nvPr/>
+      </p:nvGrpSpPr>
+      <p:grpSpPr>
+        <a:xfrm>
+          <a:off x="0" y="0"/>
+          <a:ext cx="0" cy="0"/>
+          <a:chOff x="0" y="0"/>
+          <a:chExt cx="0" cy="0"/>
+        </a:xfrm>
+      </p:grpSpPr>
+      <p:sp>
+        <p:nvSpPr>
           <p:cNvPr id="4" name="Rechteck 3">
             <a:extLst>
               <a:ext uri="{FF2B5EF4-FFF2-40B4-BE49-F238E27FC236}">
@@ -33276,7 +37636,7 @@
             <a:pPr rtl="0"/>
             <a:fld id="{03DC2DEF-D2FE-4B45-ABA4-9F153FD1C98A}" type="slidenum">
               <a:rPr lang="de-DE" smtClean="0"/>
-              <a:t>4</a:t>
+              <a:t>5</a:t>
             </a:fld>
             <a:endParaRPr lang="de-DE"/>
           </a:p>
@@ -34316,6 +38676,59 @@
               <a:ea typeface="Lufthansa Head Global Light" pitchFamily="2" charset="-128"/>
               <a:cs typeface="Lufthansa Head Global Light" pitchFamily="2" charset="-128"/>
             </a:endParaRPr>
+          </a:p>
+        </p:txBody>
+      </p:sp>
+      <p:sp>
+        <p:nvSpPr>
+          <p:cNvPr id="7" name="Textfeld 6">
+            <a:extLst>
+              <a:ext uri="{FF2B5EF4-FFF2-40B4-BE49-F238E27FC236}">
+                <a16:creationId xmlns:a16="http://schemas.microsoft.com/office/drawing/2014/main" id="{5542B896-D25D-432E-8730-D9847B3B92C5}"/>
+              </a:ext>
+            </a:extLst>
+          </p:cNvPr>
+          <p:cNvSpPr txBox="1"/>
+          <p:nvPr/>
+        </p:nvSpPr>
+        <p:spPr>
+          <a:xfrm>
+            <a:off x="2901202" y="6442055"/>
+            <a:ext cx="6984028" cy="646331"/>
+          </a:xfrm>
+          <a:prstGeom prst="rect">
+            <a:avLst/>
+          </a:prstGeom>
+          <a:noFill/>
+        </p:spPr>
+        <p:txBody>
+          <a:bodyPr wrap="none" rtlCol="0">
+            <a:spAutoFit/>
+          </a:bodyPr>
+          <a:lstStyle/>
+          <a:p>
+            <a:r>
+              <a:rPr lang="de-DE" dirty="0"/>
+              <a:t>Source: </a:t>
+            </a:r>
+            <a:r>
+              <a:rPr lang="de-DE" dirty="0" err="1"/>
+              <a:t>Kaggle</a:t>
+            </a:r>
+            <a:r>
+              <a:rPr lang="de-DE" dirty="0"/>
+              <a:t>: </a:t>
+            </a:r>
+            <a:r>
+              <a:rPr lang="de-DE" dirty="0">
+                <a:hlinkClick r:id="rId3"/>
+              </a:rPr>
+              <a:t>https://www.kaggle.com/harlfoxem/housesalesprediction</a:t>
+            </a:r>
+            <a:endParaRPr lang="de-DE" dirty="0"/>
+          </a:p>
+          <a:p>
+            <a:endParaRPr lang="de-DE" dirty="0"/>
           </a:p>
         </p:txBody>
       </p:sp>
@@ -34490,147 +38903,6 @@
 </p:sld>
 </file>
 
-<file path=ppt/slides/slide5.xml><?xml version="1.0" encoding="utf-8"?>
-<p:sld xmlns:a="http://schemas.openxmlformats.org/drawingml/2006/main" xmlns:r="http://schemas.openxmlformats.org/officeDocument/2006/relationships" xmlns:p="http://schemas.openxmlformats.org/presentationml/2006/main">
-  <p:cSld>
-    <p:spTree>
-      <p:nvGrpSpPr>
-        <p:cNvPr id="1" name=""/>
-        <p:cNvGrpSpPr/>
-        <p:nvPr/>
-      </p:nvGrpSpPr>
-      <p:grpSpPr>
-        <a:xfrm>
-          <a:off x="0" y="0"/>
-          <a:ext cx="0" cy="0"/>
-          <a:chOff x="0" y="0"/>
-          <a:chExt cx="0" cy="0"/>
-        </a:xfrm>
-      </p:grpSpPr>
-      <p:sp>
-        <p:nvSpPr>
-          <p:cNvPr id="5" name="Titel 4">
-            <a:extLst>
-              <a:ext uri="{FF2B5EF4-FFF2-40B4-BE49-F238E27FC236}">
-                <a16:creationId xmlns:a16="http://schemas.microsoft.com/office/drawing/2014/main" id="{9151932C-7145-4FBD-B81D-9ADC42401B87}"/>
-              </a:ext>
-            </a:extLst>
-          </p:cNvPr>
-          <p:cNvSpPr>
-            <a:spLocks noGrp="1"/>
-          </p:cNvSpPr>
-          <p:nvPr>
-            <p:ph type="title"/>
-          </p:nvPr>
-        </p:nvSpPr>
-        <p:spPr/>
-        <p:txBody>
-          <a:bodyPr rtlCol="0"/>
-          <a:lstStyle/>
-          <a:p>
-            <a:pPr rtl="0"/>
-            <a:r>
-              <a:rPr lang="de-DE" dirty="0"/>
-              <a:t>Technologien und Bibliotheken</a:t>
-            </a:r>
-          </a:p>
-        </p:txBody>
-      </p:sp>
-      <p:sp>
-        <p:nvSpPr>
-          <p:cNvPr id="6" name="Inhaltsplatzhalter 5">
-            <a:extLst>
-              <a:ext uri="{FF2B5EF4-FFF2-40B4-BE49-F238E27FC236}">
-                <a16:creationId xmlns:a16="http://schemas.microsoft.com/office/drawing/2014/main" id="{33DA7B46-E592-40C7-91D7-A26B47A30C67}"/>
-              </a:ext>
-            </a:extLst>
-          </p:cNvPr>
-          <p:cNvSpPr>
-            <a:spLocks noGrp="1"/>
-          </p:cNvSpPr>
-          <p:nvPr>
-            <p:ph sz="half" idx="1"/>
-          </p:nvPr>
-        </p:nvSpPr>
-        <p:spPr/>
-        <p:txBody>
-          <a:bodyPr rtlCol="0"/>
-          <a:lstStyle/>
-          <a:p>
-            <a:pPr rtl="0"/>
-            <a:endParaRPr lang="de-DE" dirty="0"/>
-          </a:p>
-        </p:txBody>
-      </p:sp>
-      <p:sp>
-        <p:nvSpPr>
-          <p:cNvPr id="7" name="Inhaltsplatzhalter 6">
-            <a:extLst>
-              <a:ext uri="{FF2B5EF4-FFF2-40B4-BE49-F238E27FC236}">
-                <a16:creationId xmlns:a16="http://schemas.microsoft.com/office/drawing/2014/main" id="{A7F42263-DE86-44BB-AC19-CD7982D365B2}"/>
-              </a:ext>
-            </a:extLst>
-          </p:cNvPr>
-          <p:cNvSpPr>
-            <a:spLocks noGrp="1"/>
-          </p:cNvSpPr>
-          <p:nvPr>
-            <p:ph sz="half" idx="2"/>
-          </p:nvPr>
-        </p:nvSpPr>
-        <p:spPr/>
-        <p:txBody>
-          <a:bodyPr rtlCol="0"/>
-          <a:lstStyle/>
-          <a:p>
-            <a:pPr rtl="0"/>
-            <a:endParaRPr lang="de-DE" dirty="0"/>
-          </a:p>
-        </p:txBody>
-      </p:sp>
-      <p:sp>
-        <p:nvSpPr>
-          <p:cNvPr id="3" name="Foliennummernplatzhalter 2">
-            <a:extLst>
-              <a:ext uri="{FF2B5EF4-FFF2-40B4-BE49-F238E27FC236}">
-                <a16:creationId xmlns:a16="http://schemas.microsoft.com/office/drawing/2014/main" id="{774AF259-0EA0-486A-A345-68549DF558C8}"/>
-              </a:ext>
-            </a:extLst>
-          </p:cNvPr>
-          <p:cNvSpPr>
-            <a:spLocks noGrp="1"/>
-          </p:cNvSpPr>
-          <p:nvPr>
-            <p:ph type="sldNum" sz="quarter" idx="12"/>
-          </p:nvPr>
-        </p:nvSpPr>
-        <p:spPr/>
-        <p:txBody>
-          <a:bodyPr rtlCol="0"/>
-          <a:lstStyle/>
-          <a:p>
-            <a:pPr rtl="0"/>
-            <a:fld id="{03DC2DEF-D2FE-4B45-ABA4-9F153FD1C98A}" type="slidenum">
-              <a:rPr lang="de-DE" smtClean="0"/>
-              <a:t>5</a:t>
-            </a:fld>
-            <a:endParaRPr lang="de-DE"/>
-          </a:p>
-        </p:txBody>
-      </p:sp>
-    </p:spTree>
-    <p:extLst>
-      <p:ext uri="{BB962C8B-B14F-4D97-AF65-F5344CB8AC3E}">
-        <p14:creationId xmlns:p14="http://schemas.microsoft.com/office/powerpoint/2010/main" val="3242389936"/>
-      </p:ext>
-    </p:extLst>
-  </p:cSld>
-  <p:clrMapOvr>
-    <a:masterClrMapping/>
-  </p:clrMapOvr>
-</p:sld>
-</file>
-
 <file path=ppt/slides/slide6.xml><?xml version="1.0" encoding="utf-8"?>
 <p:sld xmlns:a="http://schemas.openxmlformats.org/drawingml/2006/main" xmlns:r="http://schemas.openxmlformats.org/officeDocument/2006/relationships" xmlns:p="http://schemas.openxmlformats.org/presentationml/2006/main">
   <p:cSld>
@@ -34650,10 +38922,10 @@
       </p:grpSpPr>
       <p:sp>
         <p:nvSpPr>
-          <p:cNvPr id="2" name="Titel 1">
-            <a:extLst>
-              <a:ext uri="{FF2B5EF4-FFF2-40B4-BE49-F238E27FC236}">
-                <a16:creationId xmlns:a16="http://schemas.microsoft.com/office/drawing/2014/main" id="{7301BB18-0CDD-4DA5-BA9E-9183FF6E976D}"/>
+          <p:cNvPr id="5" name="Titel 4">
+            <a:extLst>
+              <a:ext uri="{FF2B5EF4-FFF2-40B4-BE49-F238E27FC236}">
+                <a16:creationId xmlns:a16="http://schemas.microsoft.com/office/drawing/2014/main" id="{9151932C-7145-4FBD-B81D-9ADC42401B87}"/>
               </a:ext>
             </a:extLst>
           </p:cNvPr>
@@ -34661,32 +38933,28 @@
             <a:spLocks noGrp="1"/>
           </p:cNvSpPr>
           <p:nvPr>
-            <p:ph type="title" idx="4294967295"/>
+            <p:ph type="title"/>
           </p:nvPr>
         </p:nvSpPr>
-        <p:spPr>
-          <a:xfrm>
-            <a:off x="1042979" y="401813"/>
-            <a:ext cx="11520487" cy="758825"/>
-          </a:xfrm>
-        </p:spPr>
-        <p:txBody>
-          <a:bodyPr/>
+        <p:spPr/>
+        <p:txBody>
+          <a:bodyPr rtlCol="0"/>
           <a:lstStyle/>
           <a:p>
+            <a:pPr rtl="0"/>
             <a:r>
               <a:rPr lang="de-DE" dirty="0"/>
-              <a:t>Generelles Vorgehen</a:t>
-            </a:r>
-          </a:p>
-        </p:txBody>
-      </p:sp>
-      <p:sp>
-        <p:nvSpPr>
-          <p:cNvPr id="3" name="Foliennummernplatzhalter 2">
-            <a:extLst>
-              <a:ext uri="{FF2B5EF4-FFF2-40B4-BE49-F238E27FC236}">
-                <a16:creationId xmlns:a16="http://schemas.microsoft.com/office/drawing/2014/main" id="{E2D6AE94-CD3D-4A8C-9CBD-FC1E3E7E136B}"/>
+              <a:t>Technologien und Bibliotheken</a:t>
+            </a:r>
+          </a:p>
+        </p:txBody>
+      </p:sp>
+      <p:sp>
+        <p:nvSpPr>
+          <p:cNvPr id="6" name="Inhaltsplatzhalter 5">
+            <a:extLst>
+              <a:ext uri="{FF2B5EF4-FFF2-40B4-BE49-F238E27FC236}">
+                <a16:creationId xmlns:a16="http://schemas.microsoft.com/office/drawing/2014/main" id="{33DA7B46-E592-40C7-91D7-A26B47A30C67}"/>
               </a:ext>
             </a:extLst>
           </p:cNvPr>
@@ -34694,496 +38962,404 @@
             <a:spLocks noGrp="1"/>
           </p:cNvSpPr>
           <p:nvPr>
-            <p:ph type="sldNum" sz="quarter" idx="4294967295"/>
+            <p:ph sz="half" idx="1"/>
           </p:nvPr>
         </p:nvSpPr>
-        <p:spPr>
-          <a:xfrm>
-            <a:off x="11818938" y="6581775"/>
-            <a:ext cx="373062" cy="206375"/>
-          </a:xfrm>
-        </p:spPr>
-        <p:txBody>
-          <a:bodyPr/>
+        <p:spPr/>
+        <p:txBody>
+          <a:bodyPr rtlCol="0"/>
+          <a:lstStyle/>
+          <a:p>
+            <a:pPr marL="0" indent="0" rtl="0">
+              <a:buNone/>
+            </a:pPr>
+            <a:r>
+              <a:rPr lang="de-DE" sz="2400" b="1" dirty="0"/>
+              <a:t>Entwicklungsumgebung:</a:t>
+            </a:r>
+          </a:p>
+          <a:p>
+            <a:pPr marL="0" indent="0" rtl="0">
+              <a:buNone/>
+            </a:pPr>
+            <a:r>
+              <a:rPr lang="de-DE" sz="2000" b="1" dirty="0"/>
+              <a:t>Google </a:t>
+            </a:r>
+            <a:r>
+              <a:rPr lang="de-DE" sz="2000" b="1" dirty="0" err="1"/>
+              <a:t>Collab</a:t>
+            </a:r>
+            <a:endParaRPr lang="de-DE" sz="2000" b="1" dirty="0"/>
+          </a:p>
+          <a:p>
+            <a:pPr marL="0" indent="0" rtl="0">
+              <a:buNone/>
+            </a:pPr>
+            <a:endParaRPr lang="de-DE" sz="2000" b="1" dirty="0"/>
+          </a:p>
+          <a:p>
+            <a:pPr rtl="0">
+              <a:buFont typeface="Wingdings" panose="05000000000000000000" pitchFamily="2" charset="2"/>
+              <a:buChar char="à"/>
+            </a:pPr>
+            <a:r>
+              <a:rPr lang="de-DE" dirty="0">
+                <a:sym typeface="Wingdings" panose="05000000000000000000" pitchFamily="2" charset="2"/>
+              </a:rPr>
+              <a:t>Notebooks</a:t>
+            </a:r>
+          </a:p>
+          <a:p>
+            <a:pPr rtl="0">
+              <a:buFont typeface="Wingdings" panose="05000000000000000000" pitchFamily="2" charset="2"/>
+              <a:buChar char="à"/>
+            </a:pPr>
+            <a:r>
+              <a:rPr lang="de-DE" dirty="0">
+                <a:sym typeface="Wingdings" panose="05000000000000000000" pitchFamily="2" charset="2"/>
+              </a:rPr>
+              <a:t>Gehostete Laufzeit</a:t>
+            </a:r>
+          </a:p>
+          <a:p>
+            <a:pPr rtl="0">
+              <a:buFont typeface="Wingdings" panose="05000000000000000000" pitchFamily="2" charset="2"/>
+              <a:buChar char="à"/>
+            </a:pPr>
+            <a:r>
+              <a:rPr lang="de-DE" dirty="0">
+                <a:sym typeface="Wingdings" panose="05000000000000000000" pitchFamily="2" charset="2"/>
+              </a:rPr>
+              <a:t>Gemeinsames Coden</a:t>
+            </a:r>
+          </a:p>
+          <a:p>
+            <a:pPr rtl="0">
+              <a:buFont typeface="Wingdings" panose="05000000000000000000" pitchFamily="2" charset="2"/>
+              <a:buChar char="à"/>
+            </a:pPr>
+            <a:r>
+              <a:rPr lang="de-DE" dirty="0">
+                <a:sym typeface="Wingdings" panose="05000000000000000000" pitchFamily="2" charset="2"/>
+              </a:rPr>
+              <a:t>Einfaches Sharing</a:t>
+            </a:r>
+            <a:endParaRPr lang="de-DE" dirty="0"/>
+          </a:p>
+        </p:txBody>
+      </p:sp>
+      <p:sp>
+        <p:nvSpPr>
+          <p:cNvPr id="7" name="Inhaltsplatzhalter 6">
+            <a:extLst>
+              <a:ext uri="{FF2B5EF4-FFF2-40B4-BE49-F238E27FC236}">
+                <a16:creationId xmlns:a16="http://schemas.microsoft.com/office/drawing/2014/main" id="{A7F42263-DE86-44BB-AC19-CD7982D365B2}"/>
+              </a:ext>
+            </a:extLst>
+          </p:cNvPr>
+          <p:cNvSpPr>
+            <a:spLocks noGrp="1"/>
+          </p:cNvSpPr>
+          <p:nvPr>
+            <p:ph sz="half" idx="2"/>
+          </p:nvPr>
+        </p:nvSpPr>
+        <p:spPr/>
+        <p:txBody>
+          <a:bodyPr rtlCol="0"/>
+          <a:lstStyle/>
+          <a:p>
+            <a:pPr marL="0" indent="0" rtl="0">
+              <a:buNone/>
+            </a:pPr>
+            <a:r>
+              <a:rPr lang="de-DE" sz="2400" b="1" dirty="0"/>
+              <a:t>Bibliotheken:</a:t>
+            </a:r>
+          </a:p>
+          <a:p>
+            <a:pPr marL="0" indent="0" rtl="0">
+              <a:buNone/>
+            </a:pPr>
+            <a:r>
+              <a:rPr lang="de-DE" sz="2000" b="1" dirty="0"/>
+              <a:t>Bekannte Python-Module</a:t>
+            </a:r>
+          </a:p>
+          <a:p>
+            <a:pPr marL="0" indent="0" rtl="0">
+              <a:buNone/>
+            </a:pPr>
+            <a:endParaRPr lang="de-DE" sz="2000" b="1" dirty="0"/>
+          </a:p>
+          <a:p>
+            <a:pPr rtl="0">
+              <a:buFont typeface="Wingdings" panose="05000000000000000000" pitchFamily="2" charset="2"/>
+              <a:buChar char="§"/>
+            </a:pPr>
+            <a:r>
+              <a:rPr lang="de-DE" dirty="0" err="1"/>
+              <a:t>NumPy</a:t>
+            </a:r>
+            <a:endParaRPr lang="de-DE" dirty="0"/>
+          </a:p>
+          <a:p>
+            <a:pPr rtl="0">
+              <a:buFont typeface="Wingdings" panose="05000000000000000000" pitchFamily="2" charset="2"/>
+              <a:buChar char="§"/>
+            </a:pPr>
+            <a:r>
+              <a:rPr lang="de-DE" dirty="0"/>
+              <a:t>Pandas</a:t>
+            </a:r>
+          </a:p>
+          <a:p>
+            <a:pPr rtl="0">
+              <a:buFont typeface="Wingdings" panose="05000000000000000000" pitchFamily="2" charset="2"/>
+              <a:buChar char="§"/>
+            </a:pPr>
+            <a:r>
+              <a:rPr lang="de-DE" dirty="0" err="1"/>
+              <a:t>Scikit-learn</a:t>
+            </a:r>
+            <a:endParaRPr lang="de-DE" dirty="0"/>
+          </a:p>
+          <a:p>
+            <a:pPr rtl="0">
+              <a:buFont typeface="Wingdings" panose="05000000000000000000" pitchFamily="2" charset="2"/>
+              <a:buChar char="§"/>
+            </a:pPr>
+            <a:r>
+              <a:rPr lang="de-DE" dirty="0" err="1"/>
+              <a:t>Matplotlib</a:t>
+            </a:r>
+            <a:endParaRPr lang="de-DE" dirty="0"/>
+          </a:p>
+        </p:txBody>
+      </p:sp>
+      <p:sp>
+        <p:nvSpPr>
+          <p:cNvPr id="3" name="Foliennummernplatzhalter 2">
+            <a:extLst>
+              <a:ext uri="{FF2B5EF4-FFF2-40B4-BE49-F238E27FC236}">
+                <a16:creationId xmlns:a16="http://schemas.microsoft.com/office/drawing/2014/main" id="{774AF259-0EA0-486A-A345-68549DF558C8}"/>
+              </a:ext>
+            </a:extLst>
+          </p:cNvPr>
+          <p:cNvSpPr>
+            <a:spLocks noGrp="1"/>
+          </p:cNvSpPr>
+          <p:nvPr>
+            <p:ph type="sldNum" sz="quarter" idx="12"/>
+          </p:nvPr>
+        </p:nvSpPr>
+        <p:spPr/>
+        <p:txBody>
+          <a:bodyPr rtlCol="0"/>
           <a:lstStyle/>
           <a:p>
             <a:pPr rtl="0"/>
             <a:fld id="{03DC2DEF-D2FE-4B45-ABA4-9F153FD1C98A}" type="slidenum">
-              <a:rPr lang="de-DE" noProof="0" smtClean="0"/>
+              <a:rPr lang="de-DE" smtClean="0"/>
               <a:t>6</a:t>
             </a:fld>
-            <a:endParaRPr lang="de-DE" noProof="0"/>
-          </a:p>
-        </p:txBody>
-      </p:sp>
-      <p:sp>
-        <p:nvSpPr>
-          <p:cNvPr id="7" name="Rechteck 6">
-            <a:extLst>
-              <a:ext uri="{FF2B5EF4-FFF2-40B4-BE49-F238E27FC236}">
-                <a16:creationId xmlns:a16="http://schemas.microsoft.com/office/drawing/2014/main" id="{DC0AABDF-E4F9-45DA-818A-11843829DD6D}"/>
-              </a:ext>
-            </a:extLst>
-          </p:cNvPr>
-          <p:cNvSpPr/>
+            <a:endParaRPr lang="de-DE"/>
+          </a:p>
+        </p:txBody>
+      </p:sp>
+      <p:pic>
+        <p:nvPicPr>
+          <p:cNvPr id="3074" name="Picture 2" descr="Scikit-learn – Wikipedia">
+            <a:extLst>
+              <a:ext uri="{FF2B5EF4-FFF2-40B4-BE49-F238E27FC236}">
+                <a16:creationId xmlns:a16="http://schemas.microsoft.com/office/drawing/2014/main" id="{2632CC4F-8C42-4F6F-AF02-00A121C826C1}"/>
+              </a:ext>
+            </a:extLst>
+          </p:cNvPr>
+          <p:cNvPicPr>
+            <a:picLocks noChangeAspect="1" noChangeArrowheads="1"/>
+          </p:cNvPicPr>
           <p:nvPr/>
-        </p:nvSpPr>
-        <p:spPr>
-          <a:xfrm>
-            <a:off x="2054772" y="1437605"/>
-            <a:ext cx="8082455" cy="598789"/>
+        </p:nvPicPr>
+        <p:blipFill>
+          <a:blip r:embed="rId3">
+            <a:extLst>
+              <a:ext uri="{28A0092B-C50C-407E-A947-70E740481C1C}">
+                <a14:useLocalDpi xmlns:a14="http://schemas.microsoft.com/office/drawing/2010/main" val="0"/>
+              </a:ext>
+            </a:extLst>
+          </a:blip>
+          <a:srcRect/>
+          <a:stretch>
+            <a:fillRect/>
+          </a:stretch>
+        </p:blipFill>
+        <p:spPr bwMode="auto">
+          <a:xfrm>
+            <a:off x="4505539" y="1591100"/>
+            <a:ext cx="2123531" cy="1145041"/>
           </a:xfrm>
           <a:prstGeom prst="rect">
             <a:avLst/>
           </a:prstGeom>
-        </p:spPr>
-        <p:style>
-          <a:lnRef idx="2">
-            <a:schemeClr val="accent1">
-              <a:shade val="50000"/>
-            </a:schemeClr>
-          </a:lnRef>
-          <a:fillRef idx="1">
-            <a:schemeClr val="accent1"/>
-          </a:fillRef>
-          <a:effectRef idx="0">
-            <a:schemeClr val="accent1"/>
-          </a:effectRef>
-          <a:fontRef idx="minor">
-            <a:schemeClr val="lt1"/>
-          </a:fontRef>
-        </p:style>
-        <p:txBody>
-          <a:bodyPr rtlCol="0" anchor="ctr"/>
-          <a:lstStyle/>
-          <a:p>
-            <a:pPr algn="ctr"/>
-            <a:r>
-              <a:rPr lang="de-DE" dirty="0">
-                <a:latin typeface="+mj-lt"/>
-              </a:rPr>
-              <a:t>Überblick über den Datensatz verschaffen</a:t>
-            </a:r>
-          </a:p>
-        </p:txBody>
-      </p:sp>
-      <p:sp>
-        <p:nvSpPr>
-          <p:cNvPr id="8" name="Rechteck 7">
-            <a:extLst>
-              <a:ext uri="{FF2B5EF4-FFF2-40B4-BE49-F238E27FC236}">
-                <a16:creationId xmlns:a16="http://schemas.microsoft.com/office/drawing/2014/main" id="{B8A89C29-064C-4A04-971B-B9287E4AAC55}"/>
-              </a:ext>
-            </a:extLst>
-          </p:cNvPr>
-          <p:cNvSpPr/>
+          <a:noFill/>
+          <a:extLst>
+            <a:ext uri="{909E8E84-426E-40DD-AFC4-6F175D3DCCD1}">
+              <a14:hiddenFill xmlns:a14="http://schemas.microsoft.com/office/drawing/2010/main">
+                <a:solidFill>
+                  <a:srgbClr val="FFFFFF"/>
+                </a:solidFill>
+              </a14:hiddenFill>
+            </a:ext>
+          </a:extLst>
+        </p:spPr>
+      </p:pic>
+      <p:pic>
+        <p:nvPicPr>
+          <p:cNvPr id="3076" name="Picture 4" descr="Google Colaboratory">
+            <a:extLst>
+              <a:ext uri="{FF2B5EF4-FFF2-40B4-BE49-F238E27FC236}">
+                <a16:creationId xmlns:a16="http://schemas.microsoft.com/office/drawing/2014/main" id="{96291465-14FE-4430-B3D3-384969873859}"/>
+              </a:ext>
+            </a:extLst>
+          </p:cNvPr>
+          <p:cNvPicPr>
+            <a:picLocks noChangeAspect="1" noChangeArrowheads="1"/>
+          </p:cNvPicPr>
           <p:nvPr/>
-        </p:nvSpPr>
-        <p:spPr>
-          <a:xfrm>
-            <a:off x="2054773" y="2447700"/>
-            <a:ext cx="8082455" cy="598789"/>
+        </p:nvPicPr>
+        <p:blipFill>
+          <a:blip r:embed="rId4">
+            <a:extLst>
+              <a:ext uri="{28A0092B-C50C-407E-A947-70E740481C1C}">
+                <a14:useLocalDpi xmlns:a14="http://schemas.microsoft.com/office/drawing/2010/main" val="0"/>
+              </a:ext>
+            </a:extLst>
+          </a:blip>
+          <a:srcRect/>
+          <a:stretch>
+            <a:fillRect/>
+          </a:stretch>
+        </p:blipFill>
+        <p:spPr bwMode="auto">
+          <a:xfrm>
+            <a:off x="6141446" y="4727113"/>
+            <a:ext cx="1325880" cy="1325880"/>
           </a:xfrm>
           <a:prstGeom prst="rect">
             <a:avLst/>
           </a:prstGeom>
-        </p:spPr>
-        <p:style>
-          <a:lnRef idx="2">
-            <a:schemeClr val="accent1">
-              <a:shade val="50000"/>
-            </a:schemeClr>
-          </a:lnRef>
-          <a:fillRef idx="1">
-            <a:schemeClr val="accent1"/>
-          </a:fillRef>
-          <a:effectRef idx="0">
-            <a:schemeClr val="accent1"/>
-          </a:effectRef>
-          <a:fontRef idx="minor">
-            <a:schemeClr val="lt1"/>
-          </a:fontRef>
-        </p:style>
-        <p:txBody>
-          <a:bodyPr rtlCol="0" anchor="ctr"/>
-          <a:lstStyle/>
-          <a:p>
-            <a:pPr algn="ctr"/>
-            <a:r>
-              <a:rPr lang="de-DE" dirty="0">
-                <a:latin typeface="+mj-lt"/>
-              </a:rPr>
-              <a:t>Vorverarbeitung: Train/Test Split, Data </a:t>
-            </a:r>
-            <a:r>
-              <a:rPr lang="de-DE" dirty="0" err="1">
-                <a:latin typeface="+mj-lt"/>
-              </a:rPr>
-              <a:t>Cleaning</a:t>
-            </a:r>
-            <a:endParaRPr lang="de-DE" dirty="0">
-              <a:latin typeface="+mj-lt"/>
-            </a:endParaRPr>
-          </a:p>
-        </p:txBody>
-      </p:sp>
-      <p:sp>
-        <p:nvSpPr>
-          <p:cNvPr id="9" name="Rechteck 8">
-            <a:extLst>
-              <a:ext uri="{FF2B5EF4-FFF2-40B4-BE49-F238E27FC236}">
-                <a16:creationId xmlns:a16="http://schemas.microsoft.com/office/drawing/2014/main" id="{52F16B33-55F1-4091-B99E-2A2ECDB6FAA4}"/>
-              </a:ext>
-            </a:extLst>
-          </p:cNvPr>
-          <p:cNvSpPr/>
+          <a:noFill/>
+          <a:extLst>
+            <a:ext uri="{909E8E84-426E-40DD-AFC4-6F175D3DCCD1}">
+              <a14:hiddenFill xmlns:a14="http://schemas.microsoft.com/office/drawing/2010/main">
+                <a:solidFill>
+                  <a:srgbClr val="FFFFFF"/>
+                </a:solidFill>
+              </a14:hiddenFill>
+            </a:ext>
+          </a:extLst>
+        </p:spPr>
+      </p:pic>
+      <p:pic>
+        <p:nvPicPr>
+          <p:cNvPr id="3078" name="Picture 6" descr="NumPy – Wikipedia">
+            <a:extLst>
+              <a:ext uri="{FF2B5EF4-FFF2-40B4-BE49-F238E27FC236}">
+                <a16:creationId xmlns:a16="http://schemas.microsoft.com/office/drawing/2014/main" id="{F72C68F0-7CA9-46C3-B5D9-A2A6A966E57A}"/>
+              </a:ext>
+            </a:extLst>
+          </p:cNvPr>
+          <p:cNvPicPr>
+            <a:picLocks noChangeAspect="1" noChangeArrowheads="1"/>
+          </p:cNvPicPr>
           <p:nvPr/>
-        </p:nvSpPr>
-        <p:spPr>
-          <a:xfrm>
-            <a:off x="2054773" y="3457795"/>
-            <a:ext cx="8082455" cy="598789"/>
+        </p:nvPicPr>
+        <p:blipFill>
+          <a:blip r:embed="rId5">
+            <a:extLst>
+              <a:ext uri="{28A0092B-C50C-407E-A947-70E740481C1C}">
+                <a14:useLocalDpi xmlns:a14="http://schemas.microsoft.com/office/drawing/2010/main" val="0"/>
+              </a:ext>
+            </a:extLst>
+          </a:blip>
+          <a:srcRect/>
+          <a:stretch>
+            <a:fillRect/>
+          </a:stretch>
+        </p:blipFill>
+        <p:spPr bwMode="auto">
+          <a:xfrm>
+            <a:off x="5837873" y="2976860"/>
+            <a:ext cx="2022158" cy="905444"/>
           </a:xfrm>
           <a:prstGeom prst="rect">
             <a:avLst/>
           </a:prstGeom>
-        </p:spPr>
-        <p:style>
-          <a:lnRef idx="2">
-            <a:schemeClr val="accent1">
-              <a:shade val="50000"/>
-            </a:schemeClr>
-          </a:lnRef>
-          <a:fillRef idx="1">
-            <a:schemeClr val="accent1"/>
-          </a:fillRef>
-          <a:effectRef idx="0">
-            <a:schemeClr val="accent1"/>
-          </a:effectRef>
-          <a:fontRef idx="minor">
-            <a:schemeClr val="lt1"/>
-          </a:fontRef>
-        </p:style>
-        <p:txBody>
-          <a:bodyPr rtlCol="0" anchor="ctr"/>
-          <a:lstStyle/>
-          <a:p>
-            <a:pPr algn="ctr"/>
-            <a:r>
-              <a:rPr lang="de-DE" dirty="0">
-                <a:latin typeface="+mj-lt"/>
-              </a:rPr>
-              <a:t>Auswahl von ML-Modellen</a:t>
-            </a:r>
-          </a:p>
-        </p:txBody>
-      </p:sp>
-      <p:sp>
-        <p:nvSpPr>
-          <p:cNvPr id="10" name="Rechteck 9">
-            <a:extLst>
-              <a:ext uri="{FF2B5EF4-FFF2-40B4-BE49-F238E27FC236}">
-                <a16:creationId xmlns:a16="http://schemas.microsoft.com/office/drawing/2014/main" id="{363FB536-A692-4CEB-BCA4-5FF2467DF323}"/>
-              </a:ext>
-            </a:extLst>
-          </p:cNvPr>
-          <p:cNvSpPr/>
+          <a:noFill/>
+          <a:extLst>
+            <a:ext uri="{909E8E84-426E-40DD-AFC4-6F175D3DCCD1}">
+              <a14:hiddenFill xmlns:a14="http://schemas.microsoft.com/office/drawing/2010/main">
+                <a:solidFill>
+                  <a:srgbClr val="FFFFFF"/>
+                </a:solidFill>
+              </a14:hiddenFill>
+            </a:ext>
+          </a:extLst>
+        </p:spPr>
+      </p:pic>
+      <p:pic>
+        <p:nvPicPr>
+          <p:cNvPr id="3082" name="Picture 10" descr="What is Pandas? — Geo-Python 2017 Autumn documentation">
+            <a:extLst>
+              <a:ext uri="{FF2B5EF4-FFF2-40B4-BE49-F238E27FC236}">
+                <a16:creationId xmlns:a16="http://schemas.microsoft.com/office/drawing/2014/main" id="{B31D40A9-E622-4963-AB08-776B55606F00}"/>
+              </a:ext>
+            </a:extLst>
+          </p:cNvPr>
+          <p:cNvPicPr>
+            <a:picLocks noChangeAspect="1" noChangeArrowheads="1"/>
+          </p:cNvPicPr>
           <p:nvPr/>
-        </p:nvSpPr>
-        <p:spPr>
-          <a:xfrm>
-            <a:off x="2054773" y="4467890"/>
-            <a:ext cx="8082455" cy="598789"/>
+        </p:nvPicPr>
+        <p:blipFill>
+          <a:blip r:embed="rId6">
+            <a:extLst>
+              <a:ext uri="{28A0092B-C50C-407E-A947-70E740481C1C}">
+                <a14:useLocalDpi xmlns:a14="http://schemas.microsoft.com/office/drawing/2010/main" val="0"/>
+              </a:ext>
+            </a:extLst>
+          </a:blip>
+          <a:srcRect/>
+          <a:stretch>
+            <a:fillRect/>
+          </a:stretch>
+        </p:blipFill>
+        <p:spPr bwMode="auto">
+          <a:xfrm>
+            <a:off x="4451873" y="3882304"/>
+            <a:ext cx="1582239" cy="937422"/>
           </a:xfrm>
           <a:prstGeom prst="rect">
             <a:avLst/>
           </a:prstGeom>
-        </p:spPr>
-        <p:style>
-          <a:lnRef idx="2">
-            <a:schemeClr val="accent1">
-              <a:shade val="50000"/>
-            </a:schemeClr>
-          </a:lnRef>
-          <a:fillRef idx="1">
-            <a:schemeClr val="accent1"/>
-          </a:fillRef>
-          <a:effectRef idx="0">
-            <a:schemeClr val="accent1"/>
-          </a:effectRef>
-          <a:fontRef idx="minor">
-            <a:schemeClr val="lt1"/>
-          </a:fontRef>
-        </p:style>
-        <p:txBody>
-          <a:bodyPr rtlCol="0" anchor="ctr"/>
-          <a:lstStyle/>
-          <a:p>
-            <a:pPr algn="ctr"/>
-            <a:r>
-              <a:rPr lang="de-DE" dirty="0">
-                <a:latin typeface="+mj-lt"/>
-              </a:rPr>
-              <a:t>Trainieren von ML-Modellen</a:t>
-            </a:r>
-          </a:p>
-        </p:txBody>
-      </p:sp>
-      <p:sp>
-        <p:nvSpPr>
-          <p:cNvPr id="11" name="Rechteck 10">
-            <a:extLst>
-              <a:ext uri="{FF2B5EF4-FFF2-40B4-BE49-F238E27FC236}">
-                <a16:creationId xmlns:a16="http://schemas.microsoft.com/office/drawing/2014/main" id="{D6985964-F237-4B5A-BD96-AD214F20966A}"/>
-              </a:ext>
-            </a:extLst>
-          </p:cNvPr>
-          <p:cNvSpPr/>
-          <p:nvPr/>
-        </p:nvSpPr>
-        <p:spPr>
-          <a:xfrm>
-            <a:off x="2054772" y="5477985"/>
-            <a:ext cx="8082455" cy="598789"/>
-          </a:xfrm>
-          <a:prstGeom prst="rect">
-            <a:avLst/>
-          </a:prstGeom>
-        </p:spPr>
-        <p:style>
-          <a:lnRef idx="2">
-            <a:schemeClr val="accent1">
-              <a:shade val="50000"/>
-            </a:schemeClr>
-          </a:lnRef>
-          <a:fillRef idx="1">
-            <a:schemeClr val="accent1"/>
-          </a:fillRef>
-          <a:effectRef idx="0">
-            <a:schemeClr val="accent1"/>
-          </a:effectRef>
-          <a:fontRef idx="minor">
-            <a:schemeClr val="lt1"/>
-          </a:fontRef>
-        </p:style>
-        <p:txBody>
-          <a:bodyPr rtlCol="0" anchor="ctr"/>
-          <a:lstStyle/>
-          <a:p>
-            <a:pPr algn="ctr"/>
-            <a:r>
-              <a:rPr lang="de-DE" dirty="0">
-                <a:latin typeface="+mj-lt"/>
-              </a:rPr>
-              <a:t>Evaluierung, mögliche Anpassung/Optimierung</a:t>
-            </a:r>
-          </a:p>
-        </p:txBody>
-      </p:sp>
-      <p:sp>
-        <p:nvSpPr>
-          <p:cNvPr id="14" name="Pfeil: Chevron 13">
-            <a:extLst>
-              <a:ext uri="{FF2B5EF4-FFF2-40B4-BE49-F238E27FC236}">
-                <a16:creationId xmlns:a16="http://schemas.microsoft.com/office/drawing/2014/main" id="{55CA0673-403A-4766-A9D3-5740E96EFE0B}"/>
-              </a:ext>
-            </a:extLst>
-          </p:cNvPr>
-          <p:cNvSpPr/>
-          <p:nvPr/>
-        </p:nvSpPr>
-        <p:spPr>
-          <a:xfrm rot="5400000">
-            <a:off x="6026330" y="2124891"/>
-            <a:ext cx="139337" cy="217715"/>
-          </a:xfrm>
-          <a:prstGeom prst="chevron">
-            <a:avLst/>
-          </a:prstGeom>
-        </p:spPr>
-        <p:style>
-          <a:lnRef idx="2">
-            <a:schemeClr val="dk1">
-              <a:shade val="50000"/>
-            </a:schemeClr>
-          </a:lnRef>
-          <a:fillRef idx="1">
-            <a:schemeClr val="dk1"/>
-          </a:fillRef>
-          <a:effectRef idx="0">
-            <a:schemeClr val="dk1"/>
-          </a:effectRef>
-          <a:fontRef idx="minor">
-            <a:schemeClr val="lt1"/>
-          </a:fontRef>
-        </p:style>
-        <p:txBody>
-          <a:bodyPr rtlCol="0" anchor="ctr"/>
-          <a:lstStyle/>
-          <a:p>
-            <a:pPr algn="ctr"/>
-            <a:endParaRPr lang="de-DE">
-              <a:solidFill>
-                <a:schemeClr val="tx1"/>
-              </a:solidFill>
-            </a:endParaRPr>
-          </a:p>
-        </p:txBody>
-      </p:sp>
-      <p:sp>
-        <p:nvSpPr>
-          <p:cNvPr id="15" name="Pfeil: Chevron 14">
-            <a:extLst>
-              <a:ext uri="{FF2B5EF4-FFF2-40B4-BE49-F238E27FC236}">
-                <a16:creationId xmlns:a16="http://schemas.microsoft.com/office/drawing/2014/main" id="{A6924248-5E3D-4FC4-8722-2D5AD81DDCAD}"/>
-              </a:ext>
-            </a:extLst>
-          </p:cNvPr>
-          <p:cNvSpPr/>
-          <p:nvPr/>
-        </p:nvSpPr>
-        <p:spPr>
-          <a:xfrm rot="5400000">
-            <a:off x="6026330" y="3143284"/>
-            <a:ext cx="139337" cy="217715"/>
-          </a:xfrm>
-          <a:prstGeom prst="chevron">
-            <a:avLst/>
-          </a:prstGeom>
-        </p:spPr>
-        <p:style>
-          <a:lnRef idx="2">
-            <a:schemeClr val="dk1">
-              <a:shade val="50000"/>
-            </a:schemeClr>
-          </a:lnRef>
-          <a:fillRef idx="1">
-            <a:schemeClr val="dk1"/>
-          </a:fillRef>
-          <a:effectRef idx="0">
-            <a:schemeClr val="dk1"/>
-          </a:effectRef>
-          <a:fontRef idx="minor">
-            <a:schemeClr val="lt1"/>
-          </a:fontRef>
-        </p:style>
-        <p:txBody>
-          <a:bodyPr rtlCol="0" anchor="ctr"/>
-          <a:lstStyle/>
-          <a:p>
-            <a:pPr algn="ctr"/>
-            <a:endParaRPr lang="de-DE">
-              <a:solidFill>
-                <a:schemeClr val="tx1"/>
-              </a:solidFill>
-            </a:endParaRPr>
-          </a:p>
-        </p:txBody>
-      </p:sp>
-      <p:sp>
-        <p:nvSpPr>
-          <p:cNvPr id="16" name="Pfeil: Chevron 15">
-            <a:extLst>
-              <a:ext uri="{FF2B5EF4-FFF2-40B4-BE49-F238E27FC236}">
-                <a16:creationId xmlns:a16="http://schemas.microsoft.com/office/drawing/2014/main" id="{533B48CF-184B-4ACD-9FBE-FDEC4ECFDDBC}"/>
-              </a:ext>
-            </a:extLst>
-          </p:cNvPr>
-          <p:cNvSpPr/>
-          <p:nvPr/>
-        </p:nvSpPr>
-        <p:spPr>
-          <a:xfrm rot="5400000">
-            <a:off x="6026330" y="4153379"/>
-            <a:ext cx="139337" cy="217715"/>
-          </a:xfrm>
-          <a:prstGeom prst="chevron">
-            <a:avLst/>
-          </a:prstGeom>
-        </p:spPr>
-        <p:style>
-          <a:lnRef idx="2">
-            <a:schemeClr val="dk1">
-              <a:shade val="50000"/>
-            </a:schemeClr>
-          </a:lnRef>
-          <a:fillRef idx="1">
-            <a:schemeClr val="dk1"/>
-          </a:fillRef>
-          <a:effectRef idx="0">
-            <a:schemeClr val="dk1"/>
-          </a:effectRef>
-          <a:fontRef idx="minor">
-            <a:schemeClr val="lt1"/>
-          </a:fontRef>
-        </p:style>
-        <p:txBody>
-          <a:bodyPr rtlCol="0" anchor="ctr"/>
-          <a:lstStyle/>
-          <a:p>
-            <a:pPr algn="ctr"/>
-            <a:endParaRPr lang="de-DE">
-              <a:solidFill>
-                <a:schemeClr val="tx1"/>
-              </a:solidFill>
-            </a:endParaRPr>
-          </a:p>
-        </p:txBody>
-      </p:sp>
-      <p:sp>
-        <p:nvSpPr>
-          <p:cNvPr id="17" name="Pfeil: Chevron 16">
-            <a:extLst>
-              <a:ext uri="{FF2B5EF4-FFF2-40B4-BE49-F238E27FC236}">
-                <a16:creationId xmlns:a16="http://schemas.microsoft.com/office/drawing/2014/main" id="{87F43D16-CCA5-449C-8E80-5BAD55E4104D}"/>
-              </a:ext>
-            </a:extLst>
-          </p:cNvPr>
-          <p:cNvSpPr/>
-          <p:nvPr/>
-        </p:nvSpPr>
-        <p:spPr>
-          <a:xfrm rot="5400000">
-            <a:off x="6026329" y="5163474"/>
-            <a:ext cx="139337" cy="217715"/>
-          </a:xfrm>
-          <a:prstGeom prst="chevron">
-            <a:avLst/>
-          </a:prstGeom>
-        </p:spPr>
-        <p:style>
-          <a:lnRef idx="2">
-            <a:schemeClr val="dk1">
-              <a:shade val="50000"/>
-            </a:schemeClr>
-          </a:lnRef>
-          <a:fillRef idx="1">
-            <a:schemeClr val="dk1"/>
-          </a:fillRef>
-          <a:effectRef idx="0">
-            <a:schemeClr val="dk1"/>
-          </a:effectRef>
-          <a:fontRef idx="minor">
-            <a:schemeClr val="lt1"/>
-          </a:fontRef>
-        </p:style>
-        <p:txBody>
-          <a:bodyPr rtlCol="0" anchor="ctr"/>
-          <a:lstStyle/>
-          <a:p>
-            <a:pPr algn="ctr"/>
-            <a:endParaRPr lang="de-DE">
-              <a:solidFill>
-                <a:schemeClr val="tx1"/>
-              </a:solidFill>
-            </a:endParaRPr>
-          </a:p>
-        </p:txBody>
-      </p:sp>
+          <a:noFill/>
+          <a:extLst>
+            <a:ext uri="{909E8E84-426E-40DD-AFC4-6F175D3DCCD1}">
+              <a14:hiddenFill xmlns:a14="http://schemas.microsoft.com/office/drawing/2010/main">
+                <a:solidFill>
+                  <a:srgbClr val="FFFFFF"/>
+                </a:solidFill>
+              </a14:hiddenFill>
+            </a:ext>
+          </a:extLst>
+        </p:spPr>
+      </p:pic>
     </p:spTree>
     <p:extLst>
       <p:ext uri="{BB962C8B-B14F-4D97-AF65-F5344CB8AC3E}">
-        <p14:creationId xmlns:p14="http://schemas.microsoft.com/office/powerpoint/2010/main" val="1206945594"/>
+        <p14:creationId xmlns:p14="http://schemas.microsoft.com/office/powerpoint/2010/main" val="3242389936"/>
       </p:ext>
     </p:extLst>
   </p:cSld>
@@ -35212,10 +39388,10 @@
       </p:grpSpPr>
       <p:sp>
         <p:nvSpPr>
-          <p:cNvPr id="6" name="Titel 5">
-            <a:extLst>
-              <a:ext uri="{FF2B5EF4-FFF2-40B4-BE49-F238E27FC236}">
-                <a16:creationId xmlns:a16="http://schemas.microsoft.com/office/drawing/2014/main" id="{E1768246-2496-4F97-8FCA-02252116FF87}"/>
+          <p:cNvPr id="2" name="Titel 1">
+            <a:extLst>
+              <a:ext uri="{FF2B5EF4-FFF2-40B4-BE49-F238E27FC236}">
+                <a16:creationId xmlns:a16="http://schemas.microsoft.com/office/drawing/2014/main" id="{7301BB18-0CDD-4DA5-BA9E-9183FF6E976D}"/>
               </a:ext>
             </a:extLst>
           </p:cNvPr>
@@ -35223,76 +39399,32 @@
             <a:spLocks noGrp="1"/>
           </p:cNvSpPr>
           <p:nvPr>
-            <p:ph type="title"/>
+            <p:ph type="title" idx="4294967295"/>
           </p:nvPr>
         </p:nvSpPr>
-        <p:spPr/>
-        <p:txBody>
-          <a:bodyPr rtlCol="0"/>
+        <p:spPr>
+          <a:xfrm>
+            <a:off x="1042979" y="401813"/>
+            <a:ext cx="11520487" cy="758825"/>
+          </a:xfrm>
+        </p:spPr>
+        <p:txBody>
+          <a:bodyPr/>
           <a:lstStyle/>
           <a:p>
-            <a:pPr rtl="0"/>
             <a:r>
               <a:rPr lang="de-DE" dirty="0"/>
-              <a:t>Wie setzen wir </a:t>
-            </a:r>
-            <a:r>
-              <a:rPr lang="de-DE" dirty="0" err="1"/>
-              <a:t>Machine</a:t>
-            </a:r>
-            <a:r>
-              <a:rPr lang="de-DE" dirty="0"/>
-              <a:t> Learning ein?</a:t>
-            </a:r>
-          </a:p>
-        </p:txBody>
-      </p:sp>
-      <p:pic>
-        <p:nvPicPr>
-          <p:cNvPr id="28" name="Bildplatzhalter 27">
-            <a:extLst>
-              <a:ext uri="{FF2B5EF4-FFF2-40B4-BE49-F238E27FC236}">
-                <a16:creationId xmlns:a16="http://schemas.microsoft.com/office/drawing/2014/main" id="{43BC7054-E269-4210-98F5-65D485066725}"/>
-              </a:ext>
-              <a:ext uri="{C183D7F6-B498-43B3-948B-1728B52AA6E4}">
-                <adec:decorative xmlns:adec="http://schemas.microsoft.com/office/drawing/2017/decorative" val="1"/>
-              </a:ext>
-            </a:extLst>
-          </p:cNvPr>
-          <p:cNvPicPr>
-            <a:picLocks noGrp="1" noChangeAspect="1"/>
-          </p:cNvPicPr>
-          <p:nvPr>
-            <p:ph type="pic" sz="quarter" idx="17"/>
-          </p:nvPr>
-        </p:nvPicPr>
-        <p:blipFill rotWithShape="1">
-          <a:blip r:embed="rId3">
-            <a:extLst>
-              <a:ext uri="{28A0092B-C50C-407E-A947-70E740481C1C}">
-                <a14:useLocalDpi xmlns:a14="http://schemas.microsoft.com/office/drawing/2010/main" val="0"/>
-              </a:ext>
-              <a:ext uri="{96DAC541-7B7A-43D3-8B79-37D633B846F1}">
-                <asvg:svgBlip xmlns:asvg="http://schemas.microsoft.com/office/drawing/2016/SVG/main" r:embed="rId4"/>
-              </a:ext>
-            </a:extLst>
-          </a:blip>
-          <a:srcRect l="-18293" t="-6483" r="-18293" b="-6483"/>
-          <a:stretch/>
-        </p:blipFill>
-        <p:spPr>
-          <a:xfrm>
-            <a:off x="9776930" y="4245125"/>
-            <a:ext cx="1689100" cy="1397000"/>
-          </a:xfrm>
-        </p:spPr>
-      </p:pic>
-      <p:sp>
-        <p:nvSpPr>
-          <p:cNvPr id="11" name="Textplatzhalter 10">
-            <a:extLst>
-              <a:ext uri="{FF2B5EF4-FFF2-40B4-BE49-F238E27FC236}">
-                <a16:creationId xmlns:a16="http://schemas.microsoft.com/office/drawing/2014/main" id="{901B6E4D-6942-45C5-99A9-6B769E8902BD}"/>
+              <a:t>Generelles Vorgehen</a:t>
+            </a:r>
+          </a:p>
+        </p:txBody>
+      </p:sp>
+      <p:sp>
+        <p:nvSpPr>
+          <p:cNvPr id="3" name="Foliennummernplatzhalter 2">
+            <a:extLst>
+              <a:ext uri="{FF2B5EF4-FFF2-40B4-BE49-F238E27FC236}">
+                <a16:creationId xmlns:a16="http://schemas.microsoft.com/office/drawing/2014/main" id="{E2D6AE94-CD3D-4A8C-9CBD-FC1E3E7E136B}"/>
               </a:ext>
             </a:extLst>
           </p:cNvPr>
@@ -35300,215 +39432,34 @@
             <a:spLocks noGrp="1"/>
           </p:cNvSpPr>
           <p:nvPr>
-            <p:ph type="body" sz="quarter" idx="18"/>
+            <p:ph type="sldNum" sz="quarter" idx="4294967295"/>
           </p:nvPr>
         </p:nvSpPr>
-        <p:spPr/>
-        <p:txBody>
-          <a:bodyPr rtlCol="0" anchor="ctr"/>
-          <a:lstStyle/>
-          <a:p>
-            <a:pPr rtl="0"/>
-            <a:r>
-              <a:rPr lang="de-DE" sz="2400" dirty="0">
-                <a:latin typeface="+mj-lt"/>
-              </a:rPr>
-              <a:t>Überwachtes Lernen</a:t>
-            </a:r>
-          </a:p>
-        </p:txBody>
-      </p:sp>
-      <p:sp>
-        <p:nvSpPr>
-          <p:cNvPr id="12" name="Textplatzhalter 11">
-            <a:extLst>
-              <a:ext uri="{FF2B5EF4-FFF2-40B4-BE49-F238E27FC236}">
-                <a16:creationId xmlns:a16="http://schemas.microsoft.com/office/drawing/2014/main" id="{7D269992-EA9D-41F6-85C3-B78921847100}"/>
-              </a:ext>
-            </a:extLst>
-          </p:cNvPr>
-          <p:cNvSpPr>
-            <a:spLocks noGrp="1"/>
-          </p:cNvSpPr>
-          <p:nvPr>
-            <p:ph type="body" sz="quarter" idx="19"/>
-          </p:nvPr>
-        </p:nvSpPr>
-        <p:spPr/>
-        <p:txBody>
-          <a:bodyPr rtlCol="0" anchor="ctr"/>
-          <a:lstStyle/>
-          <a:p>
-            <a:pPr rtl="0"/>
-            <a:r>
-              <a:rPr lang="de-DE" sz="2400" dirty="0">
-                <a:latin typeface="+mj-lt"/>
-              </a:rPr>
-              <a:t>Multiple Regression</a:t>
-            </a:r>
-          </a:p>
-        </p:txBody>
-      </p:sp>
-      <p:sp>
-        <p:nvSpPr>
-          <p:cNvPr id="13" name="Textplatzhalter 12">
-            <a:extLst>
-              <a:ext uri="{FF2B5EF4-FFF2-40B4-BE49-F238E27FC236}">
-                <a16:creationId xmlns:a16="http://schemas.microsoft.com/office/drawing/2014/main" id="{6DFAA7E0-5467-48C2-A0A1-08FFCDD0AB29}"/>
-              </a:ext>
-            </a:extLst>
-          </p:cNvPr>
-          <p:cNvSpPr>
-            <a:spLocks noGrp="1"/>
-          </p:cNvSpPr>
-          <p:nvPr>
-            <p:ph type="body" sz="quarter" idx="20"/>
-          </p:nvPr>
-        </p:nvSpPr>
-        <p:spPr/>
-        <p:txBody>
-          <a:bodyPr rtlCol="0" anchor="ctr"/>
-          <a:lstStyle/>
-          <a:p>
-            <a:pPr rtl="0"/>
-            <a:r>
-              <a:rPr lang="de-DE" sz="2400" dirty="0">
-                <a:latin typeface="+mj-lt"/>
-              </a:rPr>
-              <a:t>Batch Learning</a:t>
-            </a:r>
-          </a:p>
-        </p:txBody>
-      </p:sp>
-      <p:sp>
-        <p:nvSpPr>
-          <p:cNvPr id="14" name="Textplatzhalter 13">
-            <a:extLst>
-              <a:ext uri="{FF2B5EF4-FFF2-40B4-BE49-F238E27FC236}">
-                <a16:creationId xmlns:a16="http://schemas.microsoft.com/office/drawing/2014/main" id="{26CD0F95-69FE-4CD4-B47D-11711D394220}"/>
-              </a:ext>
-            </a:extLst>
-          </p:cNvPr>
-          <p:cNvSpPr>
-            <a:spLocks noGrp="1"/>
-          </p:cNvSpPr>
-          <p:nvPr>
-            <p:ph type="body" sz="quarter" idx="21"/>
-          </p:nvPr>
-        </p:nvSpPr>
-        <p:spPr/>
-        <p:txBody>
-          <a:bodyPr rtlCol="0" anchor="ctr"/>
-          <a:lstStyle/>
-          <a:p>
-            <a:pPr rtl="0"/>
-            <a:r>
-              <a:rPr lang="de-DE" sz="2400" dirty="0">
-                <a:latin typeface="+mj-lt"/>
-              </a:rPr>
-              <a:t>Evaluierung</a:t>
-            </a:r>
-          </a:p>
-        </p:txBody>
-      </p:sp>
-      <p:sp>
-        <p:nvSpPr>
-          <p:cNvPr id="2" name="Foliennummernplatzhalter 1">
-            <a:extLst>
-              <a:ext uri="{FF2B5EF4-FFF2-40B4-BE49-F238E27FC236}">
-                <a16:creationId xmlns:a16="http://schemas.microsoft.com/office/drawing/2014/main" id="{7EAB17F8-59B5-4C93-9884-D30446299CA5}"/>
-              </a:ext>
-            </a:extLst>
-          </p:cNvPr>
-          <p:cNvSpPr>
-            <a:spLocks noGrp="1"/>
-          </p:cNvSpPr>
-          <p:nvPr>
-            <p:ph type="sldNum" sz="quarter" idx="12"/>
-          </p:nvPr>
-        </p:nvSpPr>
-        <p:spPr/>
-        <p:txBody>
-          <a:bodyPr rtlCol="0"/>
+        <p:spPr>
+          <a:xfrm>
+            <a:off x="11818938" y="6581775"/>
+            <a:ext cx="373062" cy="206375"/>
+          </a:xfrm>
+        </p:spPr>
+        <p:txBody>
+          <a:bodyPr/>
           <a:lstStyle/>
           <a:p>
             <a:pPr rtl="0"/>
             <a:fld id="{03DC2DEF-D2FE-4B45-ABA4-9F153FD1C98A}" type="slidenum">
-              <a:rPr lang="de-DE" smtClean="0"/>
+              <a:rPr lang="de-DE" noProof="0" smtClean="0"/>
               <a:t>7</a:t>
             </a:fld>
-            <a:endParaRPr lang="de-DE"/>
-          </a:p>
-        </p:txBody>
-      </p:sp>
-      <p:pic>
-        <p:nvPicPr>
-          <p:cNvPr id="19" name="Bildplatzhalter 18" descr="Überwachungskamera mit einfarbiger Füllung">
-            <a:extLst>
-              <a:ext uri="{FF2B5EF4-FFF2-40B4-BE49-F238E27FC236}">
-                <a16:creationId xmlns:a16="http://schemas.microsoft.com/office/drawing/2014/main" id="{BC834D93-9D38-4AB6-A56A-3D6CCB2485E6}"/>
-              </a:ext>
-            </a:extLst>
-          </p:cNvPr>
-          <p:cNvPicPr>
-            <a:picLocks noGrp="1" noChangeAspect="1"/>
-          </p:cNvPicPr>
-          <p:nvPr>
-            <p:ph type="pic" sz="quarter" idx="13"/>
-          </p:nvPr>
-        </p:nvPicPr>
-        <p:blipFill>
-          <a:blip r:embed="rId5">
-            <a:extLst>
-              <a:ext uri="{96DAC541-7B7A-43D3-8B79-37D633B846F1}">
-                <asvg:svgBlip xmlns:asvg="http://schemas.microsoft.com/office/drawing/2016/SVG/main" r:embed="rId6"/>
-              </a:ext>
-            </a:extLst>
-          </a:blip>
-          <a:srcRect t="8647" b="8647"/>
-          <a:stretch>
-            <a:fillRect/>
-          </a:stretch>
-        </p:blipFill>
-        <p:spPr/>
-      </p:pic>
-      <p:pic>
-        <p:nvPicPr>
-          <p:cNvPr id="25" name="Bildplatzhalter 24" descr="Pfeil Kreis mit einfarbiger Füllung">
-            <a:extLst>
-              <a:ext uri="{FF2B5EF4-FFF2-40B4-BE49-F238E27FC236}">
-                <a16:creationId xmlns:a16="http://schemas.microsoft.com/office/drawing/2014/main" id="{3E46FDDC-4D2C-4011-80AA-D1D9A9F457B2}"/>
-              </a:ext>
-            </a:extLst>
-          </p:cNvPr>
-          <p:cNvPicPr>
-            <a:picLocks noGrp="1" noChangeAspect="1"/>
-          </p:cNvPicPr>
-          <p:nvPr>
-            <p:ph type="pic" sz="quarter" idx="14"/>
-          </p:nvPr>
-        </p:nvPicPr>
-        <p:blipFill>
-          <a:blip r:embed="rId7">
-            <a:extLst>
-              <a:ext uri="{96DAC541-7B7A-43D3-8B79-37D633B846F1}">
-                <asvg:svgBlip xmlns:asvg="http://schemas.microsoft.com/office/drawing/2016/SVG/main" r:embed="rId8"/>
-              </a:ext>
-            </a:extLst>
-          </a:blip>
-          <a:srcRect t="8647" b="8647"/>
-          <a:stretch>
-            <a:fillRect/>
-          </a:stretch>
-        </p:blipFill>
-        <p:spPr/>
-      </p:pic>
-      <p:sp>
-        <p:nvSpPr>
-          <p:cNvPr id="30" name="Rechteck 29">
-            <a:extLst>
-              <a:ext uri="{FF2B5EF4-FFF2-40B4-BE49-F238E27FC236}">
-                <a16:creationId xmlns:a16="http://schemas.microsoft.com/office/drawing/2014/main" id="{5925FA70-C669-42B1-AA89-89DA3C1FF8E5}"/>
+            <a:endParaRPr lang="de-DE" noProof="0"/>
+          </a:p>
+        </p:txBody>
+      </p:sp>
+      <p:sp>
+        <p:nvSpPr>
+          <p:cNvPr id="7" name="Rechteck 6">
+            <a:extLst>
+              <a:ext uri="{FF2B5EF4-FFF2-40B4-BE49-F238E27FC236}">
+                <a16:creationId xmlns:a16="http://schemas.microsoft.com/office/drawing/2014/main" id="{DC0AABDF-E4F9-45DA-818A-11843829DD6D}"/>
               </a:ext>
             </a:extLst>
           </p:cNvPr>
@@ -35517,18 +39468,12 @@
         </p:nvSpPr>
         <p:spPr>
           <a:xfrm>
-            <a:off x="6696891" y="1924594"/>
-            <a:ext cx="513806" cy="487680"/>
+            <a:off x="2054772" y="1437605"/>
+            <a:ext cx="8082455" cy="598789"/>
           </a:xfrm>
           <a:prstGeom prst="rect">
             <a:avLst/>
           </a:prstGeom>
-          <a:solidFill>
-            <a:schemeClr val="bg1"/>
-          </a:solidFill>
-          <a:ln>
-            <a:noFill/>
-          </a:ln>
         </p:spPr>
         <p:style>
           <a:lnRef idx="2">
@@ -35551,16 +39496,21 @@
           <a:lstStyle/>
           <a:p>
             <a:pPr algn="ctr"/>
-            <a:endParaRPr lang="de-DE"/>
-          </a:p>
-        </p:txBody>
-      </p:sp>
-      <p:sp>
-        <p:nvSpPr>
-          <p:cNvPr id="31" name="Rechteck 30">
-            <a:extLst>
-              <a:ext uri="{FF2B5EF4-FFF2-40B4-BE49-F238E27FC236}">
-                <a16:creationId xmlns:a16="http://schemas.microsoft.com/office/drawing/2014/main" id="{4D518DB9-29B8-41D6-9530-D3EB3097E08A}"/>
+            <a:r>
+              <a:rPr lang="de-DE" dirty="0">
+                <a:latin typeface="+mj-lt"/>
+              </a:rPr>
+              <a:t>Überblick über den Datensatz verschaffen</a:t>
+            </a:r>
+          </a:p>
+        </p:txBody>
+      </p:sp>
+      <p:sp>
+        <p:nvSpPr>
+          <p:cNvPr id="8" name="Rechteck 7">
+            <a:extLst>
+              <a:ext uri="{FF2B5EF4-FFF2-40B4-BE49-F238E27FC236}">
+                <a16:creationId xmlns:a16="http://schemas.microsoft.com/office/drawing/2014/main" id="{B8A89C29-064C-4A04-971B-B9287E4AAC55}"/>
               </a:ext>
             </a:extLst>
           </p:cNvPr>
@@ -35569,18 +39519,12 @@
         </p:nvSpPr>
         <p:spPr>
           <a:xfrm>
-            <a:off x="7332171" y="1924594"/>
-            <a:ext cx="513806" cy="487680"/>
+            <a:off x="2054773" y="2447700"/>
+            <a:ext cx="8082455" cy="598789"/>
           </a:xfrm>
           <a:prstGeom prst="rect">
             <a:avLst/>
           </a:prstGeom>
-          <a:solidFill>
-            <a:schemeClr val="bg1"/>
-          </a:solidFill>
-          <a:ln>
-            <a:noFill/>
-          </a:ln>
         </p:spPr>
         <p:style>
           <a:lnRef idx="2">
@@ -35603,16 +39547,30 @@
           <a:lstStyle/>
           <a:p>
             <a:pPr algn="ctr"/>
-            <a:endParaRPr lang="de-DE"/>
-          </a:p>
-        </p:txBody>
-      </p:sp>
-      <p:sp>
-        <p:nvSpPr>
-          <p:cNvPr id="32" name="Rechteck 31">
-            <a:extLst>
-              <a:ext uri="{FF2B5EF4-FFF2-40B4-BE49-F238E27FC236}">
-                <a16:creationId xmlns:a16="http://schemas.microsoft.com/office/drawing/2014/main" id="{50E421BB-7F53-4C63-82D4-A7AC9B68477A}"/>
+            <a:r>
+              <a:rPr lang="de-DE" dirty="0">
+                <a:latin typeface="+mj-lt"/>
+              </a:rPr>
+              <a:t>Vorverarbeitung: Train/Test Split, Data </a:t>
+            </a:r>
+            <a:r>
+              <a:rPr lang="de-DE" dirty="0" err="1">
+                <a:latin typeface="+mj-lt"/>
+              </a:rPr>
+              <a:t>Cleaning</a:t>
+            </a:r>
+            <a:endParaRPr lang="de-DE" dirty="0">
+              <a:latin typeface="+mj-lt"/>
+            </a:endParaRPr>
+          </a:p>
+        </p:txBody>
+      </p:sp>
+      <p:sp>
+        <p:nvSpPr>
+          <p:cNvPr id="9" name="Rechteck 8">
+            <a:extLst>
+              <a:ext uri="{FF2B5EF4-FFF2-40B4-BE49-F238E27FC236}">
+                <a16:creationId xmlns:a16="http://schemas.microsoft.com/office/drawing/2014/main" id="{52F16B33-55F1-4091-B99E-2A2ECDB6FAA4}"/>
               </a:ext>
             </a:extLst>
           </p:cNvPr>
@@ -35621,18 +39579,12 @@
         </p:nvSpPr>
         <p:spPr>
           <a:xfrm>
-            <a:off x="7967451" y="1924594"/>
-            <a:ext cx="513806" cy="487680"/>
+            <a:off x="2054773" y="3457795"/>
+            <a:ext cx="8082455" cy="598789"/>
           </a:xfrm>
           <a:prstGeom prst="rect">
             <a:avLst/>
           </a:prstGeom>
-          <a:solidFill>
-            <a:schemeClr val="bg1"/>
-          </a:solidFill>
-          <a:ln>
-            <a:noFill/>
-          </a:ln>
         </p:spPr>
         <p:style>
           <a:lnRef idx="2">
@@ -35655,16 +39607,21 @@
           <a:lstStyle/>
           <a:p>
             <a:pPr algn="ctr"/>
-            <a:endParaRPr lang="de-DE"/>
-          </a:p>
-        </p:txBody>
-      </p:sp>
-      <p:sp>
-        <p:nvSpPr>
-          <p:cNvPr id="33" name="Rechteck 32">
-            <a:extLst>
-              <a:ext uri="{FF2B5EF4-FFF2-40B4-BE49-F238E27FC236}">
-                <a16:creationId xmlns:a16="http://schemas.microsoft.com/office/drawing/2014/main" id="{8330FD11-4C50-4BA5-A5AB-3576E88890AC}"/>
+            <a:r>
+              <a:rPr lang="de-DE" dirty="0">
+                <a:latin typeface="+mj-lt"/>
+              </a:rPr>
+              <a:t>Auswahl von ML-Modellen</a:t>
+            </a:r>
+          </a:p>
+        </p:txBody>
+      </p:sp>
+      <p:sp>
+        <p:nvSpPr>
+          <p:cNvPr id="10" name="Rechteck 9">
+            <a:extLst>
+              <a:ext uri="{FF2B5EF4-FFF2-40B4-BE49-F238E27FC236}">
+                <a16:creationId xmlns:a16="http://schemas.microsoft.com/office/drawing/2014/main" id="{363FB536-A692-4CEB-BCA4-5FF2467DF323}"/>
               </a:ext>
             </a:extLst>
           </p:cNvPr>
@@ -35673,18 +39630,12 @@
         </p:nvSpPr>
         <p:spPr>
           <a:xfrm>
-            <a:off x="6696891" y="2590754"/>
-            <a:ext cx="513806" cy="487680"/>
+            <a:off x="2054773" y="4467890"/>
+            <a:ext cx="8082455" cy="598789"/>
           </a:xfrm>
           <a:prstGeom prst="rect">
             <a:avLst/>
           </a:prstGeom>
-          <a:solidFill>
-            <a:schemeClr val="bg1"/>
-          </a:solidFill>
-          <a:ln>
-            <a:noFill/>
-          </a:ln>
         </p:spPr>
         <p:style>
           <a:lnRef idx="2">
@@ -35707,16 +39658,21 @@
           <a:lstStyle/>
           <a:p>
             <a:pPr algn="ctr"/>
-            <a:endParaRPr lang="de-DE"/>
-          </a:p>
-        </p:txBody>
-      </p:sp>
-      <p:sp>
-        <p:nvSpPr>
-          <p:cNvPr id="34" name="Rechteck 33">
-            <a:extLst>
-              <a:ext uri="{FF2B5EF4-FFF2-40B4-BE49-F238E27FC236}">
-                <a16:creationId xmlns:a16="http://schemas.microsoft.com/office/drawing/2014/main" id="{9A9DD6A0-090A-497A-9852-C14AD231BB3C}"/>
+            <a:r>
+              <a:rPr lang="de-DE" dirty="0">
+                <a:latin typeface="+mj-lt"/>
+              </a:rPr>
+              <a:t>Trainieren von ML-Modellen</a:t>
+            </a:r>
+          </a:p>
+        </p:txBody>
+      </p:sp>
+      <p:sp>
+        <p:nvSpPr>
+          <p:cNvPr id="11" name="Rechteck 10">
+            <a:extLst>
+              <a:ext uri="{FF2B5EF4-FFF2-40B4-BE49-F238E27FC236}">
+                <a16:creationId xmlns:a16="http://schemas.microsoft.com/office/drawing/2014/main" id="{D6985964-F237-4B5A-BD96-AD214F20966A}"/>
               </a:ext>
             </a:extLst>
           </p:cNvPr>
@@ -35725,18 +39681,12 @@
         </p:nvSpPr>
         <p:spPr>
           <a:xfrm>
-            <a:off x="7332171" y="2590754"/>
-            <a:ext cx="513806" cy="487680"/>
+            <a:off x="2054772" y="5477985"/>
+            <a:ext cx="8082455" cy="598789"/>
           </a:xfrm>
           <a:prstGeom prst="rect">
             <a:avLst/>
           </a:prstGeom>
-          <a:solidFill>
-            <a:schemeClr val="bg1"/>
-          </a:solidFill>
-          <a:ln>
-            <a:noFill/>
-          </a:ln>
         </p:spPr>
         <p:style>
           <a:lnRef idx="2">
@@ -35759,16 +39709,21 @@
           <a:lstStyle/>
           <a:p>
             <a:pPr algn="ctr"/>
-            <a:endParaRPr lang="de-DE"/>
-          </a:p>
-        </p:txBody>
-      </p:sp>
-      <p:sp>
-        <p:nvSpPr>
-          <p:cNvPr id="36" name="Rechteck 35">
-            <a:extLst>
-              <a:ext uri="{FF2B5EF4-FFF2-40B4-BE49-F238E27FC236}">
-                <a16:creationId xmlns:a16="http://schemas.microsoft.com/office/drawing/2014/main" id="{56D90FAE-52CA-4A3F-BDDD-F87C2DB32789}"/>
+            <a:r>
+              <a:rPr lang="de-DE" dirty="0">
+                <a:latin typeface="+mj-lt"/>
+              </a:rPr>
+              <a:t>Evaluierung, mögliche Anpassung/Optimierung</a:t>
+            </a:r>
+          </a:p>
+        </p:txBody>
+      </p:sp>
+      <p:sp>
+        <p:nvSpPr>
+          <p:cNvPr id="14" name="Pfeil: Chevron 13">
+            <a:extLst>
+              <a:ext uri="{FF2B5EF4-FFF2-40B4-BE49-F238E27FC236}">
+                <a16:creationId xmlns:a16="http://schemas.microsoft.com/office/drawing/2014/main" id="{55CA0673-403A-4766-A9D3-5740E96EFE0B}"/>
               </a:ext>
             </a:extLst>
           </p:cNvPr>
@@ -35776,31 +39731,25 @@
           <p:nvPr/>
         </p:nvSpPr>
         <p:spPr>
-          <a:xfrm>
-            <a:off x="7967572" y="2587035"/>
-            <a:ext cx="513806" cy="487680"/>
-          </a:xfrm>
-          <a:prstGeom prst="rect">
+          <a:xfrm rot="5400000">
+            <a:off x="6026330" y="2124891"/>
+            <a:ext cx="139337" cy="217715"/>
+          </a:xfrm>
+          <a:prstGeom prst="chevron">
             <a:avLst/>
           </a:prstGeom>
-          <a:solidFill>
-            <a:schemeClr val="bg1"/>
-          </a:solidFill>
-          <a:ln>
-            <a:noFill/>
-          </a:ln>
         </p:spPr>
         <p:style>
           <a:lnRef idx="2">
-            <a:schemeClr val="accent1">
+            <a:schemeClr val="dk1">
               <a:shade val="50000"/>
             </a:schemeClr>
           </a:lnRef>
           <a:fillRef idx="1">
-            <a:schemeClr val="accent1"/>
+            <a:schemeClr val="dk1"/>
           </a:fillRef>
           <a:effectRef idx="0">
-            <a:schemeClr val="accent1"/>
+            <a:schemeClr val="dk1"/>
           </a:effectRef>
           <a:fontRef idx="minor">
             <a:schemeClr val="lt1"/>
@@ -35811,16 +39760,20 @@
           <a:lstStyle/>
           <a:p>
             <a:pPr algn="ctr"/>
-            <a:endParaRPr lang="de-DE"/>
-          </a:p>
-        </p:txBody>
-      </p:sp>
-      <p:sp>
-        <p:nvSpPr>
-          <p:cNvPr id="37" name="Rechteck 36">
-            <a:extLst>
-              <a:ext uri="{FF2B5EF4-FFF2-40B4-BE49-F238E27FC236}">
-                <a16:creationId xmlns:a16="http://schemas.microsoft.com/office/drawing/2014/main" id="{BB6777DA-08D2-4BAE-8E25-A2E92046D774}"/>
+            <a:endParaRPr lang="de-DE">
+              <a:solidFill>
+                <a:schemeClr val="tx1"/>
+              </a:solidFill>
+            </a:endParaRPr>
+          </a:p>
+        </p:txBody>
+      </p:sp>
+      <p:sp>
+        <p:nvSpPr>
+          <p:cNvPr id="15" name="Pfeil: Chevron 14">
+            <a:extLst>
+              <a:ext uri="{FF2B5EF4-FFF2-40B4-BE49-F238E27FC236}">
+                <a16:creationId xmlns:a16="http://schemas.microsoft.com/office/drawing/2014/main" id="{A6924248-5E3D-4FC4-8722-2D5AD81DDCAD}"/>
               </a:ext>
             </a:extLst>
           </p:cNvPr>
@@ -35828,31 +39781,25 @@
           <p:nvPr/>
         </p:nvSpPr>
         <p:spPr>
-          <a:xfrm>
-            <a:off x="8013319" y="2630570"/>
-            <a:ext cx="422070" cy="400609"/>
-          </a:xfrm>
-          <a:prstGeom prst="rect">
+          <a:xfrm rot="5400000">
+            <a:off x="6026330" y="3143284"/>
+            <a:ext cx="139337" cy="217715"/>
+          </a:xfrm>
+          <a:prstGeom prst="chevron">
             <a:avLst/>
           </a:prstGeom>
-          <a:solidFill>
-            <a:srgbClr val="4276AA"/>
-          </a:solidFill>
-          <a:ln>
-            <a:noFill/>
-          </a:ln>
         </p:spPr>
         <p:style>
           <a:lnRef idx="2">
-            <a:schemeClr val="accent1">
+            <a:schemeClr val="dk1">
               <a:shade val="50000"/>
             </a:schemeClr>
           </a:lnRef>
           <a:fillRef idx="1">
-            <a:schemeClr val="accent1"/>
+            <a:schemeClr val="dk1"/>
           </a:fillRef>
           <a:effectRef idx="0">
-            <a:schemeClr val="accent1"/>
+            <a:schemeClr val="dk1"/>
           </a:effectRef>
           <a:fontRef idx="minor">
             <a:schemeClr val="lt1"/>
@@ -35863,14 +39810,118 @@
           <a:lstStyle/>
           <a:p>
             <a:pPr algn="ctr"/>
-            <a:endParaRPr lang="de-DE"/>
+            <a:endParaRPr lang="de-DE">
+              <a:solidFill>
+                <a:schemeClr val="tx1"/>
+              </a:solidFill>
+            </a:endParaRPr>
+          </a:p>
+        </p:txBody>
+      </p:sp>
+      <p:sp>
+        <p:nvSpPr>
+          <p:cNvPr id="16" name="Pfeil: Chevron 15">
+            <a:extLst>
+              <a:ext uri="{FF2B5EF4-FFF2-40B4-BE49-F238E27FC236}">
+                <a16:creationId xmlns:a16="http://schemas.microsoft.com/office/drawing/2014/main" id="{533B48CF-184B-4ACD-9FBE-FDEC4ECFDDBC}"/>
+              </a:ext>
+            </a:extLst>
+          </p:cNvPr>
+          <p:cNvSpPr/>
+          <p:nvPr/>
+        </p:nvSpPr>
+        <p:spPr>
+          <a:xfrm rot="5400000">
+            <a:off x="6026330" y="4153379"/>
+            <a:ext cx="139337" cy="217715"/>
+          </a:xfrm>
+          <a:prstGeom prst="chevron">
+            <a:avLst/>
+          </a:prstGeom>
+        </p:spPr>
+        <p:style>
+          <a:lnRef idx="2">
+            <a:schemeClr val="dk1">
+              <a:shade val="50000"/>
+            </a:schemeClr>
+          </a:lnRef>
+          <a:fillRef idx="1">
+            <a:schemeClr val="dk1"/>
+          </a:fillRef>
+          <a:effectRef idx="0">
+            <a:schemeClr val="dk1"/>
+          </a:effectRef>
+          <a:fontRef idx="minor">
+            <a:schemeClr val="lt1"/>
+          </a:fontRef>
+        </p:style>
+        <p:txBody>
+          <a:bodyPr rtlCol="0" anchor="ctr"/>
+          <a:lstStyle/>
+          <a:p>
+            <a:pPr algn="ctr"/>
+            <a:endParaRPr lang="de-DE">
+              <a:solidFill>
+                <a:schemeClr val="tx1"/>
+              </a:solidFill>
+            </a:endParaRPr>
+          </a:p>
+        </p:txBody>
+      </p:sp>
+      <p:sp>
+        <p:nvSpPr>
+          <p:cNvPr id="17" name="Pfeil: Chevron 16">
+            <a:extLst>
+              <a:ext uri="{FF2B5EF4-FFF2-40B4-BE49-F238E27FC236}">
+                <a16:creationId xmlns:a16="http://schemas.microsoft.com/office/drawing/2014/main" id="{87F43D16-CCA5-449C-8E80-5BAD55E4104D}"/>
+              </a:ext>
+            </a:extLst>
+          </p:cNvPr>
+          <p:cNvSpPr/>
+          <p:nvPr/>
+        </p:nvSpPr>
+        <p:spPr>
+          <a:xfrm rot="5400000">
+            <a:off x="6026329" y="5163474"/>
+            <a:ext cx="139337" cy="217715"/>
+          </a:xfrm>
+          <a:prstGeom prst="chevron">
+            <a:avLst/>
+          </a:prstGeom>
+        </p:spPr>
+        <p:style>
+          <a:lnRef idx="2">
+            <a:schemeClr val="dk1">
+              <a:shade val="50000"/>
+            </a:schemeClr>
+          </a:lnRef>
+          <a:fillRef idx="1">
+            <a:schemeClr val="dk1"/>
+          </a:fillRef>
+          <a:effectRef idx="0">
+            <a:schemeClr val="dk1"/>
+          </a:effectRef>
+          <a:fontRef idx="minor">
+            <a:schemeClr val="lt1"/>
+          </a:fontRef>
+        </p:style>
+        <p:txBody>
+          <a:bodyPr rtlCol="0" anchor="ctr"/>
+          <a:lstStyle/>
+          <a:p>
+            <a:pPr algn="ctr"/>
+            <a:endParaRPr lang="de-DE">
+              <a:solidFill>
+                <a:schemeClr val="tx1"/>
+              </a:solidFill>
+            </a:endParaRPr>
           </a:p>
         </p:txBody>
       </p:sp>
     </p:spTree>
     <p:extLst>
       <p:ext uri="{BB962C8B-B14F-4D97-AF65-F5344CB8AC3E}">
-        <p14:creationId xmlns:p14="http://schemas.microsoft.com/office/powerpoint/2010/main" val="1163063007"/>
+        <p14:creationId xmlns:p14="http://schemas.microsoft.com/office/powerpoint/2010/main" val="1206945594"/>
       </p:ext>
     </p:extLst>
   </p:cSld>
@@ -35899,10 +39950,10 @@
       </p:grpSpPr>
       <p:sp>
         <p:nvSpPr>
-          <p:cNvPr id="8" name="Titel 7">
-            <a:extLst>
-              <a:ext uri="{FF2B5EF4-FFF2-40B4-BE49-F238E27FC236}">
-                <a16:creationId xmlns:a16="http://schemas.microsoft.com/office/drawing/2014/main" id="{D2CF5A7C-F746-45E9-9CAC-A6B1FD53239B}"/>
+          <p:cNvPr id="6" name="Titel 5">
+            <a:extLst>
+              <a:ext uri="{FF2B5EF4-FFF2-40B4-BE49-F238E27FC236}">
+                <a16:creationId xmlns:a16="http://schemas.microsoft.com/office/drawing/2014/main" id="{E1768246-2496-4F97-8FCA-02252116FF87}"/>
               </a:ext>
             </a:extLst>
           </p:cNvPr>
@@ -35913,30 +39964,197 @@
             <p:ph type="title"/>
           </p:nvPr>
         </p:nvSpPr>
-        <p:spPr>
-          <a:xfrm>
-            <a:off x="838200" y="2678906"/>
-            <a:ext cx="10515600" cy="1500187"/>
-          </a:xfrm>
-        </p:spPr>
-        <p:txBody>
-          <a:bodyPr/>
+        <p:spPr/>
+        <p:txBody>
+          <a:bodyPr rtlCol="0"/>
           <a:lstStyle/>
           <a:p>
-            <a:pPr algn="ctr"/>
+            <a:pPr rtl="0"/>
             <a:r>
               <a:rPr lang="de-DE" dirty="0"/>
-              <a:t>Umsetzung &amp; Ergebnisse</a:t>
-            </a:r>
-          </a:p>
-        </p:txBody>
-      </p:sp>
-      <p:sp>
-        <p:nvSpPr>
-          <p:cNvPr id="3" name="Foliennummernplatzhalter 2">
-            <a:extLst>
-              <a:ext uri="{FF2B5EF4-FFF2-40B4-BE49-F238E27FC236}">
-                <a16:creationId xmlns:a16="http://schemas.microsoft.com/office/drawing/2014/main" id="{737855D7-7299-4158-BDD0-DA27D237BDBC}"/>
+              <a:t>Wie setzen wir </a:t>
+            </a:r>
+            <a:r>
+              <a:rPr lang="de-DE" dirty="0" err="1"/>
+              <a:t>Machine</a:t>
+            </a:r>
+            <a:r>
+              <a:rPr lang="de-DE" dirty="0"/>
+              <a:t> Learning ein?</a:t>
+            </a:r>
+          </a:p>
+        </p:txBody>
+      </p:sp>
+      <p:pic>
+        <p:nvPicPr>
+          <p:cNvPr id="28" name="Bildplatzhalter 27">
+            <a:extLst>
+              <a:ext uri="{FF2B5EF4-FFF2-40B4-BE49-F238E27FC236}">
+                <a16:creationId xmlns:a16="http://schemas.microsoft.com/office/drawing/2014/main" id="{43BC7054-E269-4210-98F5-65D485066725}"/>
+              </a:ext>
+              <a:ext uri="{C183D7F6-B498-43B3-948B-1728B52AA6E4}">
+                <adec:decorative xmlns:adec="http://schemas.microsoft.com/office/drawing/2017/decorative" val="1"/>
+              </a:ext>
+            </a:extLst>
+          </p:cNvPr>
+          <p:cNvPicPr>
+            <a:picLocks noGrp="1" noChangeAspect="1"/>
+          </p:cNvPicPr>
+          <p:nvPr>
+            <p:ph type="pic" sz="quarter" idx="17"/>
+          </p:nvPr>
+        </p:nvPicPr>
+        <p:blipFill rotWithShape="1">
+          <a:blip r:embed="rId3">
+            <a:extLst>
+              <a:ext uri="{28A0092B-C50C-407E-A947-70E740481C1C}">
+                <a14:useLocalDpi xmlns:a14="http://schemas.microsoft.com/office/drawing/2010/main" val="0"/>
+              </a:ext>
+              <a:ext uri="{96DAC541-7B7A-43D3-8B79-37D633B846F1}">
+                <asvg:svgBlip xmlns:asvg="http://schemas.microsoft.com/office/drawing/2016/SVG/main" r:embed="rId4"/>
+              </a:ext>
+            </a:extLst>
+          </a:blip>
+          <a:srcRect l="-18293" t="-6483" r="-18293" b="-6483"/>
+          <a:stretch/>
+        </p:blipFill>
+        <p:spPr>
+          <a:xfrm>
+            <a:off x="9776930" y="4245125"/>
+            <a:ext cx="1689100" cy="1397000"/>
+          </a:xfrm>
+        </p:spPr>
+      </p:pic>
+      <p:sp>
+        <p:nvSpPr>
+          <p:cNvPr id="11" name="Textplatzhalter 10">
+            <a:extLst>
+              <a:ext uri="{FF2B5EF4-FFF2-40B4-BE49-F238E27FC236}">
+                <a16:creationId xmlns:a16="http://schemas.microsoft.com/office/drawing/2014/main" id="{901B6E4D-6942-45C5-99A9-6B769E8902BD}"/>
+              </a:ext>
+            </a:extLst>
+          </p:cNvPr>
+          <p:cNvSpPr>
+            <a:spLocks noGrp="1"/>
+          </p:cNvSpPr>
+          <p:nvPr>
+            <p:ph type="body" sz="quarter" idx="18"/>
+          </p:nvPr>
+        </p:nvSpPr>
+        <p:spPr/>
+        <p:txBody>
+          <a:bodyPr rtlCol="0" anchor="ctr"/>
+          <a:lstStyle/>
+          <a:p>
+            <a:pPr rtl="0"/>
+            <a:r>
+              <a:rPr lang="de-DE" sz="2400" dirty="0">
+                <a:latin typeface="+mj-lt"/>
+              </a:rPr>
+              <a:t>Überwachtes Lernen</a:t>
+            </a:r>
+          </a:p>
+        </p:txBody>
+      </p:sp>
+      <p:sp>
+        <p:nvSpPr>
+          <p:cNvPr id="12" name="Textplatzhalter 11">
+            <a:extLst>
+              <a:ext uri="{FF2B5EF4-FFF2-40B4-BE49-F238E27FC236}">
+                <a16:creationId xmlns:a16="http://schemas.microsoft.com/office/drawing/2014/main" id="{7D269992-EA9D-41F6-85C3-B78921847100}"/>
+              </a:ext>
+            </a:extLst>
+          </p:cNvPr>
+          <p:cNvSpPr>
+            <a:spLocks noGrp="1"/>
+          </p:cNvSpPr>
+          <p:nvPr>
+            <p:ph type="body" sz="quarter" idx="19"/>
+          </p:nvPr>
+        </p:nvSpPr>
+        <p:spPr/>
+        <p:txBody>
+          <a:bodyPr rtlCol="0" anchor="ctr"/>
+          <a:lstStyle/>
+          <a:p>
+            <a:pPr rtl="0"/>
+            <a:r>
+              <a:rPr lang="de-DE" sz="2400" dirty="0">
+                <a:latin typeface="+mj-lt"/>
+              </a:rPr>
+              <a:t>Multiple Regression</a:t>
+            </a:r>
+          </a:p>
+        </p:txBody>
+      </p:sp>
+      <p:sp>
+        <p:nvSpPr>
+          <p:cNvPr id="13" name="Textplatzhalter 12">
+            <a:extLst>
+              <a:ext uri="{FF2B5EF4-FFF2-40B4-BE49-F238E27FC236}">
+                <a16:creationId xmlns:a16="http://schemas.microsoft.com/office/drawing/2014/main" id="{6DFAA7E0-5467-48C2-A0A1-08FFCDD0AB29}"/>
+              </a:ext>
+            </a:extLst>
+          </p:cNvPr>
+          <p:cNvSpPr>
+            <a:spLocks noGrp="1"/>
+          </p:cNvSpPr>
+          <p:nvPr>
+            <p:ph type="body" sz="quarter" idx="20"/>
+          </p:nvPr>
+        </p:nvSpPr>
+        <p:spPr/>
+        <p:txBody>
+          <a:bodyPr rtlCol="0" anchor="ctr"/>
+          <a:lstStyle/>
+          <a:p>
+            <a:pPr rtl="0"/>
+            <a:r>
+              <a:rPr lang="de-DE" sz="2400" dirty="0">
+                <a:latin typeface="+mj-lt"/>
+              </a:rPr>
+              <a:t>Batch Learning</a:t>
+            </a:r>
+          </a:p>
+        </p:txBody>
+      </p:sp>
+      <p:sp>
+        <p:nvSpPr>
+          <p:cNvPr id="14" name="Textplatzhalter 13">
+            <a:extLst>
+              <a:ext uri="{FF2B5EF4-FFF2-40B4-BE49-F238E27FC236}">
+                <a16:creationId xmlns:a16="http://schemas.microsoft.com/office/drawing/2014/main" id="{26CD0F95-69FE-4CD4-B47D-11711D394220}"/>
+              </a:ext>
+            </a:extLst>
+          </p:cNvPr>
+          <p:cNvSpPr>
+            <a:spLocks noGrp="1"/>
+          </p:cNvSpPr>
+          <p:nvPr>
+            <p:ph type="body" sz="quarter" idx="21"/>
+          </p:nvPr>
+        </p:nvSpPr>
+        <p:spPr/>
+        <p:txBody>
+          <a:bodyPr rtlCol="0" anchor="ctr"/>
+          <a:lstStyle/>
+          <a:p>
+            <a:pPr rtl="0"/>
+            <a:r>
+              <a:rPr lang="de-DE" sz="2400" dirty="0">
+                <a:latin typeface="+mj-lt"/>
+              </a:rPr>
+              <a:t>Evaluierung: RMSE und R2-Wert</a:t>
+            </a:r>
+          </a:p>
+        </p:txBody>
+      </p:sp>
+      <p:sp>
+        <p:nvSpPr>
+          <p:cNvPr id="2" name="Foliennummernplatzhalter 1">
+            <a:extLst>
+              <a:ext uri="{FF2B5EF4-FFF2-40B4-BE49-F238E27FC236}">
+                <a16:creationId xmlns:a16="http://schemas.microsoft.com/office/drawing/2014/main" id="{7EAB17F8-59B5-4C93-9884-D30446299CA5}"/>
               </a:ext>
             </a:extLst>
           </p:cNvPr>
@@ -35949,22 +40167,448 @@
         </p:nvSpPr>
         <p:spPr/>
         <p:txBody>
-          <a:bodyPr/>
+          <a:bodyPr rtlCol="0"/>
           <a:lstStyle/>
           <a:p>
             <a:pPr rtl="0"/>
             <a:fld id="{03DC2DEF-D2FE-4B45-ABA4-9F153FD1C98A}" type="slidenum">
-              <a:rPr lang="de-DE" noProof="0" smtClean="0"/>
+              <a:rPr lang="de-DE" smtClean="0"/>
               <a:t>8</a:t>
             </a:fld>
-            <a:endParaRPr lang="de-DE" noProof="0"/>
+            <a:endParaRPr lang="de-DE"/>
+          </a:p>
+        </p:txBody>
+      </p:sp>
+      <p:pic>
+        <p:nvPicPr>
+          <p:cNvPr id="19" name="Bildplatzhalter 18" descr="Überwachungskamera mit einfarbiger Füllung">
+            <a:extLst>
+              <a:ext uri="{FF2B5EF4-FFF2-40B4-BE49-F238E27FC236}">
+                <a16:creationId xmlns:a16="http://schemas.microsoft.com/office/drawing/2014/main" id="{BC834D93-9D38-4AB6-A56A-3D6CCB2485E6}"/>
+              </a:ext>
+            </a:extLst>
+          </p:cNvPr>
+          <p:cNvPicPr>
+            <a:picLocks noGrp="1" noChangeAspect="1"/>
+          </p:cNvPicPr>
+          <p:nvPr>
+            <p:ph type="pic" sz="quarter" idx="13"/>
+          </p:nvPr>
+        </p:nvPicPr>
+        <p:blipFill>
+          <a:blip r:embed="rId5">
+            <a:extLst>
+              <a:ext uri="{96DAC541-7B7A-43D3-8B79-37D633B846F1}">
+                <asvg:svgBlip xmlns:asvg="http://schemas.microsoft.com/office/drawing/2016/SVG/main" r:embed="rId6"/>
+              </a:ext>
+            </a:extLst>
+          </a:blip>
+          <a:srcRect t="8647" b="8647"/>
+          <a:stretch>
+            <a:fillRect/>
+          </a:stretch>
+        </p:blipFill>
+        <p:spPr/>
+      </p:pic>
+      <p:pic>
+        <p:nvPicPr>
+          <p:cNvPr id="25" name="Bildplatzhalter 24" descr="Pfeil Kreis mit einfarbiger Füllung">
+            <a:extLst>
+              <a:ext uri="{FF2B5EF4-FFF2-40B4-BE49-F238E27FC236}">
+                <a16:creationId xmlns:a16="http://schemas.microsoft.com/office/drawing/2014/main" id="{3E46FDDC-4D2C-4011-80AA-D1D9A9F457B2}"/>
+              </a:ext>
+            </a:extLst>
+          </p:cNvPr>
+          <p:cNvPicPr>
+            <a:picLocks noGrp="1" noChangeAspect="1"/>
+          </p:cNvPicPr>
+          <p:nvPr>
+            <p:ph type="pic" sz="quarter" idx="14"/>
+          </p:nvPr>
+        </p:nvPicPr>
+        <p:blipFill>
+          <a:blip r:embed="rId7">
+            <a:extLst>
+              <a:ext uri="{96DAC541-7B7A-43D3-8B79-37D633B846F1}">
+                <asvg:svgBlip xmlns:asvg="http://schemas.microsoft.com/office/drawing/2016/SVG/main" r:embed="rId8"/>
+              </a:ext>
+            </a:extLst>
+          </a:blip>
+          <a:srcRect t="8647" b="8647"/>
+          <a:stretch>
+            <a:fillRect/>
+          </a:stretch>
+        </p:blipFill>
+        <p:spPr/>
+      </p:pic>
+      <p:sp>
+        <p:nvSpPr>
+          <p:cNvPr id="30" name="Rechteck 29">
+            <a:extLst>
+              <a:ext uri="{FF2B5EF4-FFF2-40B4-BE49-F238E27FC236}">
+                <a16:creationId xmlns:a16="http://schemas.microsoft.com/office/drawing/2014/main" id="{5925FA70-C669-42B1-AA89-89DA3C1FF8E5}"/>
+              </a:ext>
+            </a:extLst>
+          </p:cNvPr>
+          <p:cNvSpPr/>
+          <p:nvPr/>
+        </p:nvSpPr>
+        <p:spPr>
+          <a:xfrm>
+            <a:off x="6696891" y="1924594"/>
+            <a:ext cx="513806" cy="487680"/>
+          </a:xfrm>
+          <a:prstGeom prst="rect">
+            <a:avLst/>
+          </a:prstGeom>
+          <a:solidFill>
+            <a:schemeClr val="bg1"/>
+          </a:solidFill>
+          <a:ln>
+            <a:noFill/>
+          </a:ln>
+        </p:spPr>
+        <p:style>
+          <a:lnRef idx="2">
+            <a:schemeClr val="accent1">
+              <a:shade val="50000"/>
+            </a:schemeClr>
+          </a:lnRef>
+          <a:fillRef idx="1">
+            <a:schemeClr val="accent1"/>
+          </a:fillRef>
+          <a:effectRef idx="0">
+            <a:schemeClr val="accent1"/>
+          </a:effectRef>
+          <a:fontRef idx="minor">
+            <a:schemeClr val="lt1"/>
+          </a:fontRef>
+        </p:style>
+        <p:txBody>
+          <a:bodyPr rtlCol="0" anchor="ctr"/>
+          <a:lstStyle/>
+          <a:p>
+            <a:pPr algn="ctr"/>
+            <a:endParaRPr lang="de-DE"/>
+          </a:p>
+        </p:txBody>
+      </p:sp>
+      <p:sp>
+        <p:nvSpPr>
+          <p:cNvPr id="31" name="Rechteck 30">
+            <a:extLst>
+              <a:ext uri="{FF2B5EF4-FFF2-40B4-BE49-F238E27FC236}">
+                <a16:creationId xmlns:a16="http://schemas.microsoft.com/office/drawing/2014/main" id="{4D518DB9-29B8-41D6-9530-D3EB3097E08A}"/>
+              </a:ext>
+            </a:extLst>
+          </p:cNvPr>
+          <p:cNvSpPr/>
+          <p:nvPr/>
+        </p:nvSpPr>
+        <p:spPr>
+          <a:xfrm>
+            <a:off x="7332171" y="1924594"/>
+            <a:ext cx="513806" cy="487680"/>
+          </a:xfrm>
+          <a:prstGeom prst="rect">
+            <a:avLst/>
+          </a:prstGeom>
+          <a:solidFill>
+            <a:schemeClr val="bg1"/>
+          </a:solidFill>
+          <a:ln>
+            <a:noFill/>
+          </a:ln>
+        </p:spPr>
+        <p:style>
+          <a:lnRef idx="2">
+            <a:schemeClr val="accent1">
+              <a:shade val="50000"/>
+            </a:schemeClr>
+          </a:lnRef>
+          <a:fillRef idx="1">
+            <a:schemeClr val="accent1"/>
+          </a:fillRef>
+          <a:effectRef idx="0">
+            <a:schemeClr val="accent1"/>
+          </a:effectRef>
+          <a:fontRef idx="minor">
+            <a:schemeClr val="lt1"/>
+          </a:fontRef>
+        </p:style>
+        <p:txBody>
+          <a:bodyPr rtlCol="0" anchor="ctr"/>
+          <a:lstStyle/>
+          <a:p>
+            <a:pPr algn="ctr"/>
+            <a:endParaRPr lang="de-DE"/>
+          </a:p>
+        </p:txBody>
+      </p:sp>
+      <p:sp>
+        <p:nvSpPr>
+          <p:cNvPr id="32" name="Rechteck 31">
+            <a:extLst>
+              <a:ext uri="{FF2B5EF4-FFF2-40B4-BE49-F238E27FC236}">
+                <a16:creationId xmlns:a16="http://schemas.microsoft.com/office/drawing/2014/main" id="{50E421BB-7F53-4C63-82D4-A7AC9B68477A}"/>
+              </a:ext>
+            </a:extLst>
+          </p:cNvPr>
+          <p:cNvSpPr/>
+          <p:nvPr/>
+        </p:nvSpPr>
+        <p:spPr>
+          <a:xfrm>
+            <a:off x="7967451" y="1924594"/>
+            <a:ext cx="513806" cy="487680"/>
+          </a:xfrm>
+          <a:prstGeom prst="rect">
+            <a:avLst/>
+          </a:prstGeom>
+          <a:solidFill>
+            <a:schemeClr val="bg1"/>
+          </a:solidFill>
+          <a:ln>
+            <a:noFill/>
+          </a:ln>
+        </p:spPr>
+        <p:style>
+          <a:lnRef idx="2">
+            <a:schemeClr val="accent1">
+              <a:shade val="50000"/>
+            </a:schemeClr>
+          </a:lnRef>
+          <a:fillRef idx="1">
+            <a:schemeClr val="accent1"/>
+          </a:fillRef>
+          <a:effectRef idx="0">
+            <a:schemeClr val="accent1"/>
+          </a:effectRef>
+          <a:fontRef idx="minor">
+            <a:schemeClr val="lt1"/>
+          </a:fontRef>
+        </p:style>
+        <p:txBody>
+          <a:bodyPr rtlCol="0" anchor="ctr"/>
+          <a:lstStyle/>
+          <a:p>
+            <a:pPr algn="ctr"/>
+            <a:endParaRPr lang="de-DE"/>
+          </a:p>
+        </p:txBody>
+      </p:sp>
+      <p:sp>
+        <p:nvSpPr>
+          <p:cNvPr id="33" name="Rechteck 32">
+            <a:extLst>
+              <a:ext uri="{FF2B5EF4-FFF2-40B4-BE49-F238E27FC236}">
+                <a16:creationId xmlns:a16="http://schemas.microsoft.com/office/drawing/2014/main" id="{8330FD11-4C50-4BA5-A5AB-3576E88890AC}"/>
+              </a:ext>
+            </a:extLst>
+          </p:cNvPr>
+          <p:cNvSpPr/>
+          <p:nvPr/>
+        </p:nvSpPr>
+        <p:spPr>
+          <a:xfrm>
+            <a:off x="6696891" y="2590754"/>
+            <a:ext cx="513806" cy="487680"/>
+          </a:xfrm>
+          <a:prstGeom prst="rect">
+            <a:avLst/>
+          </a:prstGeom>
+          <a:solidFill>
+            <a:schemeClr val="bg1"/>
+          </a:solidFill>
+          <a:ln>
+            <a:noFill/>
+          </a:ln>
+        </p:spPr>
+        <p:style>
+          <a:lnRef idx="2">
+            <a:schemeClr val="accent1">
+              <a:shade val="50000"/>
+            </a:schemeClr>
+          </a:lnRef>
+          <a:fillRef idx="1">
+            <a:schemeClr val="accent1"/>
+          </a:fillRef>
+          <a:effectRef idx="0">
+            <a:schemeClr val="accent1"/>
+          </a:effectRef>
+          <a:fontRef idx="minor">
+            <a:schemeClr val="lt1"/>
+          </a:fontRef>
+        </p:style>
+        <p:txBody>
+          <a:bodyPr rtlCol="0" anchor="ctr"/>
+          <a:lstStyle/>
+          <a:p>
+            <a:pPr algn="ctr"/>
+            <a:endParaRPr lang="de-DE"/>
+          </a:p>
+        </p:txBody>
+      </p:sp>
+      <p:sp>
+        <p:nvSpPr>
+          <p:cNvPr id="34" name="Rechteck 33">
+            <a:extLst>
+              <a:ext uri="{FF2B5EF4-FFF2-40B4-BE49-F238E27FC236}">
+                <a16:creationId xmlns:a16="http://schemas.microsoft.com/office/drawing/2014/main" id="{9A9DD6A0-090A-497A-9852-C14AD231BB3C}"/>
+              </a:ext>
+            </a:extLst>
+          </p:cNvPr>
+          <p:cNvSpPr/>
+          <p:nvPr/>
+        </p:nvSpPr>
+        <p:spPr>
+          <a:xfrm>
+            <a:off x="7332171" y="2590754"/>
+            <a:ext cx="513806" cy="487680"/>
+          </a:xfrm>
+          <a:prstGeom prst="rect">
+            <a:avLst/>
+          </a:prstGeom>
+          <a:solidFill>
+            <a:schemeClr val="bg1"/>
+          </a:solidFill>
+          <a:ln>
+            <a:noFill/>
+          </a:ln>
+        </p:spPr>
+        <p:style>
+          <a:lnRef idx="2">
+            <a:schemeClr val="accent1">
+              <a:shade val="50000"/>
+            </a:schemeClr>
+          </a:lnRef>
+          <a:fillRef idx="1">
+            <a:schemeClr val="accent1"/>
+          </a:fillRef>
+          <a:effectRef idx="0">
+            <a:schemeClr val="accent1"/>
+          </a:effectRef>
+          <a:fontRef idx="minor">
+            <a:schemeClr val="lt1"/>
+          </a:fontRef>
+        </p:style>
+        <p:txBody>
+          <a:bodyPr rtlCol="0" anchor="ctr"/>
+          <a:lstStyle/>
+          <a:p>
+            <a:pPr algn="ctr"/>
+            <a:endParaRPr lang="de-DE"/>
+          </a:p>
+        </p:txBody>
+      </p:sp>
+      <p:sp>
+        <p:nvSpPr>
+          <p:cNvPr id="36" name="Rechteck 35">
+            <a:extLst>
+              <a:ext uri="{FF2B5EF4-FFF2-40B4-BE49-F238E27FC236}">
+                <a16:creationId xmlns:a16="http://schemas.microsoft.com/office/drawing/2014/main" id="{56D90FAE-52CA-4A3F-BDDD-F87C2DB32789}"/>
+              </a:ext>
+            </a:extLst>
+          </p:cNvPr>
+          <p:cNvSpPr/>
+          <p:nvPr/>
+        </p:nvSpPr>
+        <p:spPr>
+          <a:xfrm>
+            <a:off x="7967572" y="2587035"/>
+            <a:ext cx="513806" cy="487680"/>
+          </a:xfrm>
+          <a:prstGeom prst="rect">
+            <a:avLst/>
+          </a:prstGeom>
+          <a:solidFill>
+            <a:schemeClr val="bg1"/>
+          </a:solidFill>
+          <a:ln>
+            <a:noFill/>
+          </a:ln>
+        </p:spPr>
+        <p:style>
+          <a:lnRef idx="2">
+            <a:schemeClr val="accent1">
+              <a:shade val="50000"/>
+            </a:schemeClr>
+          </a:lnRef>
+          <a:fillRef idx="1">
+            <a:schemeClr val="accent1"/>
+          </a:fillRef>
+          <a:effectRef idx="0">
+            <a:schemeClr val="accent1"/>
+          </a:effectRef>
+          <a:fontRef idx="minor">
+            <a:schemeClr val="lt1"/>
+          </a:fontRef>
+        </p:style>
+        <p:txBody>
+          <a:bodyPr rtlCol="0" anchor="ctr"/>
+          <a:lstStyle/>
+          <a:p>
+            <a:pPr algn="ctr"/>
+            <a:endParaRPr lang="de-DE"/>
+          </a:p>
+        </p:txBody>
+      </p:sp>
+      <p:sp>
+        <p:nvSpPr>
+          <p:cNvPr id="37" name="Rechteck 36">
+            <a:extLst>
+              <a:ext uri="{FF2B5EF4-FFF2-40B4-BE49-F238E27FC236}">
+                <a16:creationId xmlns:a16="http://schemas.microsoft.com/office/drawing/2014/main" id="{BB6777DA-08D2-4BAE-8E25-A2E92046D774}"/>
+              </a:ext>
+            </a:extLst>
+          </p:cNvPr>
+          <p:cNvSpPr/>
+          <p:nvPr/>
+        </p:nvSpPr>
+        <p:spPr>
+          <a:xfrm>
+            <a:off x="8013319" y="2630570"/>
+            <a:ext cx="422070" cy="400609"/>
+          </a:xfrm>
+          <a:prstGeom prst="rect">
+            <a:avLst/>
+          </a:prstGeom>
+          <a:solidFill>
+            <a:srgbClr val="4276AA"/>
+          </a:solidFill>
+          <a:ln>
+            <a:noFill/>
+          </a:ln>
+        </p:spPr>
+        <p:style>
+          <a:lnRef idx="2">
+            <a:schemeClr val="accent1">
+              <a:shade val="50000"/>
+            </a:schemeClr>
+          </a:lnRef>
+          <a:fillRef idx="1">
+            <a:schemeClr val="accent1"/>
+          </a:fillRef>
+          <a:effectRef idx="0">
+            <a:schemeClr val="accent1"/>
+          </a:effectRef>
+          <a:fontRef idx="minor">
+            <a:schemeClr val="lt1"/>
+          </a:fontRef>
+        </p:style>
+        <p:txBody>
+          <a:bodyPr rtlCol="0" anchor="ctr"/>
+          <a:lstStyle/>
+          <a:p>
+            <a:pPr algn="ctr"/>
+            <a:endParaRPr lang="de-DE"/>
           </a:p>
         </p:txBody>
       </p:sp>
     </p:spTree>
     <p:extLst>
       <p:ext uri="{BB962C8B-B14F-4D97-AF65-F5344CB8AC3E}">
-        <p14:creationId xmlns:p14="http://schemas.microsoft.com/office/powerpoint/2010/main" val="2202119206"/>
+        <p14:creationId xmlns:p14="http://schemas.microsoft.com/office/powerpoint/2010/main" val="1163063007"/>
       </p:ext>
     </p:extLst>
   </p:cSld>
@@ -35993,10 +40637,10 @@
       </p:grpSpPr>
       <p:sp>
         <p:nvSpPr>
-          <p:cNvPr id="5" name="Titel 4">
-            <a:extLst>
-              <a:ext uri="{FF2B5EF4-FFF2-40B4-BE49-F238E27FC236}">
-                <a16:creationId xmlns:a16="http://schemas.microsoft.com/office/drawing/2014/main" id="{74F3800F-1F53-4686-ACA8-D5906A1D35E6}"/>
+          <p:cNvPr id="8" name="Titel 7">
+            <a:extLst>
+              <a:ext uri="{FF2B5EF4-FFF2-40B4-BE49-F238E27FC236}">
+                <a16:creationId xmlns:a16="http://schemas.microsoft.com/office/drawing/2014/main" id="{D2CF5A7C-F746-45E9-9CAC-A6B1FD53239B}"/>
               </a:ext>
             </a:extLst>
           </p:cNvPr>
@@ -36007,53 +40651,30 @@
             <p:ph type="title"/>
           </p:nvPr>
         </p:nvSpPr>
-        <p:spPr/>
+        <p:spPr>
+          <a:xfrm>
+            <a:off x="838200" y="2678906"/>
+            <a:ext cx="10515600" cy="1500187"/>
+          </a:xfrm>
+        </p:spPr>
         <p:txBody>
           <a:bodyPr/>
           <a:lstStyle/>
           <a:p>
-            <a:r>
-              <a:rPr lang="de-DE" dirty="0" err="1"/>
-              <a:t>Exploratory</a:t>
-            </a:r>
+            <a:pPr algn="ctr"/>
             <a:r>
               <a:rPr lang="de-DE" dirty="0"/>
-              <a:t> Analysis</a:t>
-            </a:r>
-          </a:p>
-        </p:txBody>
-      </p:sp>
-      <p:sp>
-        <p:nvSpPr>
-          <p:cNvPr id="6" name="Inhaltsplatzhalter 5">
-            <a:extLst>
-              <a:ext uri="{FF2B5EF4-FFF2-40B4-BE49-F238E27FC236}">
-                <a16:creationId xmlns:a16="http://schemas.microsoft.com/office/drawing/2014/main" id="{6414936E-D05E-408E-8928-3A45F6DBD2D1}"/>
-              </a:ext>
-            </a:extLst>
-          </p:cNvPr>
-          <p:cNvSpPr>
-            <a:spLocks noGrp="1"/>
-          </p:cNvSpPr>
-          <p:nvPr>
-            <p:ph idx="1"/>
-          </p:nvPr>
-        </p:nvSpPr>
-        <p:spPr/>
-        <p:txBody>
-          <a:bodyPr/>
-          <a:lstStyle/>
-          <a:p>
-            <a:endParaRPr lang="de-DE"/>
-          </a:p>
-        </p:txBody>
-      </p:sp>
-      <p:sp>
-        <p:nvSpPr>
-          <p:cNvPr id="4" name="Foliennummernplatzhalter 3">
-            <a:extLst>
-              <a:ext uri="{FF2B5EF4-FFF2-40B4-BE49-F238E27FC236}">
-                <a16:creationId xmlns:a16="http://schemas.microsoft.com/office/drawing/2014/main" id="{8CE8C702-039D-489D-A468-91C6734D2F8B}"/>
+              <a:t>Umsetzung &amp; Ergebnisse</a:t>
+            </a:r>
+          </a:p>
+        </p:txBody>
+      </p:sp>
+      <p:sp>
+        <p:nvSpPr>
+          <p:cNvPr id="3" name="Foliennummernplatzhalter 2">
+            <a:extLst>
+              <a:ext uri="{FF2B5EF4-FFF2-40B4-BE49-F238E27FC236}">
+                <a16:creationId xmlns:a16="http://schemas.microsoft.com/office/drawing/2014/main" id="{737855D7-7299-4158-BDD0-DA27D237BDBC}"/>
               </a:ext>
             </a:extLst>
           </p:cNvPr>
@@ -36078,28 +40699,10 @@
           </a:p>
         </p:txBody>
       </p:sp>
-      <p:sp>
-        <p:nvSpPr>
-          <p:cNvPr id="7" name="Bildplatzhalter 6">
-            <a:extLst>
-              <a:ext uri="{FF2B5EF4-FFF2-40B4-BE49-F238E27FC236}">
-                <a16:creationId xmlns:a16="http://schemas.microsoft.com/office/drawing/2014/main" id="{69E7DF58-16C6-4F69-B877-51B6E7DC95A8}"/>
-              </a:ext>
-            </a:extLst>
-          </p:cNvPr>
-          <p:cNvSpPr>
-            <a:spLocks noGrp="1"/>
-          </p:cNvSpPr>
-          <p:nvPr>
-            <p:ph type="pic" sz="quarter" idx="13"/>
-          </p:nvPr>
-        </p:nvSpPr>
-        <p:spPr/>
-      </p:sp>
     </p:spTree>
     <p:extLst>
       <p:ext uri="{BB962C8B-B14F-4D97-AF65-F5344CB8AC3E}">
-        <p14:creationId xmlns:p14="http://schemas.microsoft.com/office/powerpoint/2010/main" val="2530214405"/>
+        <p14:creationId xmlns:p14="http://schemas.microsoft.com/office/powerpoint/2010/main" val="2202119206"/>
       </p:ext>
     </p:extLst>
   </p:cSld>

--- a/HousePricePrediction_Präsentation.pptx
+++ b/HousePricePrediction_Präsentation.pptx
@@ -21,8 +21,8 @@
     <p:sldId id="293" r:id="rId9"/>
     <p:sldId id="304" r:id="rId10"/>
     <p:sldId id="305" r:id="rId11"/>
-    <p:sldId id="316" r:id="rId12"/>
-    <p:sldId id="317" r:id="rId13"/>
+    <p:sldId id="317" r:id="rId12"/>
+    <p:sldId id="316" r:id="rId13"/>
     <p:sldId id="306" r:id="rId14"/>
     <p:sldId id="307" r:id="rId15"/>
     <p:sldId id="308" r:id="rId16"/>
@@ -150,8 +150,8 @@
           <p14:sldIdLst>
             <p14:sldId id="304"/>
             <p14:sldId id="305"/>
+            <p14:sldId id="317"/>
             <p14:sldId id="316"/>
-            <p14:sldId id="317"/>
             <p14:sldId id="306"/>
             <p14:sldId id="307"/>
           </p14:sldIdLst>
@@ -810,6 +810,2461 @@
 </pc:chgInfo>
 </file>
 
+<file path=ppt/diagrams/colors1.xml><?xml version="1.0" encoding="utf-8"?>
+<dgm:colorsDef xmlns:dgm="http://schemas.openxmlformats.org/drawingml/2006/diagram" xmlns:a="http://schemas.openxmlformats.org/drawingml/2006/main" uniqueId="urn:microsoft.com/office/officeart/2005/8/colors/accent3_2">
+  <dgm:title val=""/>
+  <dgm:desc val=""/>
+  <dgm:catLst>
+    <dgm:cat type="accent3" pri="11200"/>
+  </dgm:catLst>
+  <dgm:styleLbl name="node0">
+    <dgm:fillClrLst meth="repeat">
+      <a:schemeClr val="accent3"/>
+    </dgm:fillClrLst>
+    <dgm:linClrLst meth="repeat">
+      <a:schemeClr val="lt1"/>
+    </dgm:linClrLst>
+    <dgm:effectClrLst/>
+    <dgm:txLinClrLst/>
+    <dgm:txFillClrLst/>
+    <dgm:txEffectClrLst/>
+  </dgm:styleLbl>
+  <dgm:styleLbl name="node1">
+    <dgm:fillClrLst meth="repeat">
+      <a:schemeClr val="accent3"/>
+    </dgm:fillClrLst>
+    <dgm:linClrLst meth="repeat">
+      <a:schemeClr val="lt1"/>
+    </dgm:linClrLst>
+    <dgm:effectClrLst/>
+    <dgm:txLinClrLst/>
+    <dgm:txFillClrLst/>
+    <dgm:txEffectClrLst/>
+  </dgm:styleLbl>
+  <dgm:styleLbl name="alignNode1">
+    <dgm:fillClrLst meth="repeat">
+      <a:schemeClr val="accent3"/>
+    </dgm:fillClrLst>
+    <dgm:linClrLst meth="repeat">
+      <a:schemeClr val="accent3"/>
+    </dgm:linClrLst>
+    <dgm:effectClrLst/>
+    <dgm:txLinClrLst/>
+    <dgm:txFillClrLst/>
+    <dgm:txEffectClrLst/>
+  </dgm:styleLbl>
+  <dgm:styleLbl name="lnNode1">
+    <dgm:fillClrLst meth="repeat">
+      <a:schemeClr val="accent3"/>
+    </dgm:fillClrLst>
+    <dgm:linClrLst meth="repeat">
+      <a:schemeClr val="lt1"/>
+    </dgm:linClrLst>
+    <dgm:effectClrLst/>
+    <dgm:txLinClrLst/>
+    <dgm:txFillClrLst/>
+    <dgm:txEffectClrLst/>
+  </dgm:styleLbl>
+  <dgm:styleLbl name="vennNode1">
+    <dgm:fillClrLst meth="repeat">
+      <a:schemeClr val="accent3">
+        <a:alpha val="50000"/>
+      </a:schemeClr>
+    </dgm:fillClrLst>
+    <dgm:linClrLst meth="repeat">
+      <a:schemeClr val="lt1"/>
+    </dgm:linClrLst>
+    <dgm:effectClrLst/>
+    <dgm:txLinClrLst/>
+    <dgm:txFillClrLst/>
+    <dgm:txEffectClrLst/>
+  </dgm:styleLbl>
+  <dgm:styleLbl name="node2">
+    <dgm:fillClrLst meth="repeat">
+      <a:schemeClr val="accent3"/>
+    </dgm:fillClrLst>
+    <dgm:linClrLst meth="repeat">
+      <a:schemeClr val="lt1"/>
+    </dgm:linClrLst>
+    <dgm:effectClrLst/>
+    <dgm:txLinClrLst/>
+    <dgm:txFillClrLst/>
+    <dgm:txEffectClrLst/>
+  </dgm:styleLbl>
+  <dgm:styleLbl name="node3">
+    <dgm:fillClrLst meth="repeat">
+      <a:schemeClr val="accent3"/>
+    </dgm:fillClrLst>
+    <dgm:linClrLst meth="repeat">
+      <a:schemeClr val="lt1"/>
+    </dgm:linClrLst>
+    <dgm:effectClrLst/>
+    <dgm:txLinClrLst/>
+    <dgm:txFillClrLst/>
+    <dgm:txEffectClrLst/>
+  </dgm:styleLbl>
+  <dgm:styleLbl name="node4">
+    <dgm:fillClrLst meth="repeat">
+      <a:schemeClr val="accent3"/>
+    </dgm:fillClrLst>
+    <dgm:linClrLst meth="repeat">
+      <a:schemeClr val="lt1"/>
+    </dgm:linClrLst>
+    <dgm:effectClrLst/>
+    <dgm:txLinClrLst/>
+    <dgm:txFillClrLst/>
+    <dgm:txEffectClrLst/>
+  </dgm:styleLbl>
+  <dgm:styleLbl name="fgImgPlace1">
+    <dgm:fillClrLst meth="repeat">
+      <a:schemeClr val="accent3">
+        <a:tint val="50000"/>
+      </a:schemeClr>
+    </dgm:fillClrLst>
+    <dgm:linClrLst meth="repeat">
+      <a:schemeClr val="lt1"/>
+    </dgm:linClrLst>
+    <dgm:effectClrLst/>
+    <dgm:txLinClrLst/>
+    <dgm:txFillClrLst meth="repeat">
+      <a:schemeClr val="lt1"/>
+    </dgm:txFillClrLst>
+    <dgm:txEffectClrLst/>
+  </dgm:styleLbl>
+  <dgm:styleLbl name="alignImgPlace1">
+    <dgm:fillClrLst meth="repeat">
+      <a:schemeClr val="accent3">
+        <a:tint val="50000"/>
+      </a:schemeClr>
+    </dgm:fillClrLst>
+    <dgm:linClrLst meth="repeat">
+      <a:schemeClr val="lt1"/>
+    </dgm:linClrLst>
+    <dgm:effectClrLst/>
+    <dgm:txLinClrLst/>
+    <dgm:txFillClrLst meth="repeat">
+      <a:schemeClr val="lt1"/>
+    </dgm:txFillClrLst>
+    <dgm:txEffectClrLst/>
+  </dgm:styleLbl>
+  <dgm:styleLbl name="bgImgPlace1">
+    <dgm:fillClrLst meth="repeat">
+      <a:schemeClr val="accent3">
+        <a:tint val="50000"/>
+      </a:schemeClr>
+    </dgm:fillClrLst>
+    <dgm:linClrLst meth="repeat">
+      <a:schemeClr val="lt1"/>
+    </dgm:linClrLst>
+    <dgm:effectClrLst/>
+    <dgm:txLinClrLst/>
+    <dgm:txFillClrLst meth="repeat">
+      <a:schemeClr val="lt1"/>
+    </dgm:txFillClrLst>
+    <dgm:txEffectClrLst/>
+  </dgm:styleLbl>
+  <dgm:styleLbl name="sibTrans2D1">
+    <dgm:fillClrLst meth="repeat">
+      <a:schemeClr val="accent3">
+        <a:tint val="60000"/>
+      </a:schemeClr>
+    </dgm:fillClrLst>
+    <dgm:linClrLst meth="repeat">
+      <a:schemeClr val="accent3">
+        <a:tint val="60000"/>
+      </a:schemeClr>
+    </dgm:linClrLst>
+    <dgm:effectClrLst/>
+    <dgm:txLinClrLst/>
+    <dgm:txFillClrLst/>
+    <dgm:txEffectClrLst/>
+  </dgm:styleLbl>
+  <dgm:styleLbl name="fgSibTrans2D1">
+    <dgm:fillClrLst meth="repeat">
+      <a:schemeClr val="accent3">
+        <a:tint val="60000"/>
+      </a:schemeClr>
+    </dgm:fillClrLst>
+    <dgm:linClrLst meth="repeat">
+      <a:schemeClr val="accent3">
+        <a:tint val="60000"/>
+      </a:schemeClr>
+    </dgm:linClrLst>
+    <dgm:effectClrLst/>
+    <dgm:txLinClrLst/>
+    <dgm:txFillClrLst/>
+    <dgm:txEffectClrLst/>
+  </dgm:styleLbl>
+  <dgm:styleLbl name="bgSibTrans2D1">
+    <dgm:fillClrLst meth="repeat">
+      <a:schemeClr val="accent3">
+        <a:tint val="60000"/>
+      </a:schemeClr>
+    </dgm:fillClrLst>
+    <dgm:linClrLst meth="repeat">
+      <a:schemeClr val="accent3">
+        <a:tint val="60000"/>
+      </a:schemeClr>
+    </dgm:linClrLst>
+    <dgm:effectClrLst/>
+    <dgm:txLinClrLst/>
+    <dgm:txFillClrLst/>
+    <dgm:txEffectClrLst/>
+  </dgm:styleLbl>
+  <dgm:styleLbl name="sibTrans1D1">
+    <dgm:fillClrLst meth="repeat">
+      <a:schemeClr val="accent3"/>
+    </dgm:fillClrLst>
+    <dgm:linClrLst meth="repeat">
+      <a:schemeClr val="accent3"/>
+    </dgm:linClrLst>
+    <dgm:effectClrLst/>
+    <dgm:txLinClrLst/>
+    <dgm:txFillClrLst meth="repeat">
+      <a:schemeClr val="tx1"/>
+    </dgm:txFillClrLst>
+    <dgm:txEffectClrLst/>
+  </dgm:styleLbl>
+  <dgm:styleLbl name="callout">
+    <dgm:fillClrLst meth="repeat">
+      <a:schemeClr val="accent3"/>
+    </dgm:fillClrLst>
+    <dgm:linClrLst meth="repeat">
+      <a:schemeClr val="accent3">
+        <a:tint val="50000"/>
+      </a:schemeClr>
+    </dgm:linClrLst>
+    <dgm:effectClrLst/>
+    <dgm:txLinClrLst/>
+    <dgm:txFillClrLst meth="repeat">
+      <a:schemeClr val="tx1"/>
+    </dgm:txFillClrLst>
+    <dgm:txEffectClrLst/>
+  </dgm:styleLbl>
+  <dgm:styleLbl name="asst0">
+    <dgm:fillClrLst meth="repeat">
+      <a:schemeClr val="accent3"/>
+    </dgm:fillClrLst>
+    <dgm:linClrLst meth="repeat">
+      <a:schemeClr val="lt1"/>
+    </dgm:linClrLst>
+    <dgm:effectClrLst/>
+    <dgm:txLinClrLst/>
+    <dgm:txFillClrLst/>
+    <dgm:txEffectClrLst/>
+  </dgm:styleLbl>
+  <dgm:styleLbl name="asst1">
+    <dgm:fillClrLst meth="repeat">
+      <a:schemeClr val="accent3"/>
+    </dgm:fillClrLst>
+    <dgm:linClrLst meth="repeat">
+      <a:schemeClr val="lt1"/>
+    </dgm:linClrLst>
+    <dgm:effectClrLst/>
+    <dgm:txLinClrLst/>
+    <dgm:txFillClrLst/>
+    <dgm:txEffectClrLst/>
+  </dgm:styleLbl>
+  <dgm:styleLbl name="asst2">
+    <dgm:fillClrLst meth="repeat">
+      <a:schemeClr val="accent3"/>
+    </dgm:fillClrLst>
+    <dgm:linClrLst meth="repeat">
+      <a:schemeClr val="lt1"/>
+    </dgm:linClrLst>
+    <dgm:effectClrLst/>
+    <dgm:txLinClrLst/>
+    <dgm:txFillClrLst/>
+    <dgm:txEffectClrLst/>
+  </dgm:styleLbl>
+  <dgm:styleLbl name="asst3">
+    <dgm:fillClrLst meth="repeat">
+      <a:schemeClr val="accent3"/>
+    </dgm:fillClrLst>
+    <dgm:linClrLst meth="repeat">
+      <a:schemeClr val="lt1"/>
+    </dgm:linClrLst>
+    <dgm:effectClrLst/>
+    <dgm:txLinClrLst/>
+    <dgm:txFillClrLst/>
+    <dgm:txEffectClrLst/>
+  </dgm:styleLbl>
+  <dgm:styleLbl name="asst4">
+    <dgm:fillClrLst meth="repeat">
+      <a:schemeClr val="accent3"/>
+    </dgm:fillClrLst>
+    <dgm:linClrLst meth="repeat">
+      <a:schemeClr val="lt1"/>
+    </dgm:linClrLst>
+    <dgm:effectClrLst/>
+    <dgm:txLinClrLst/>
+    <dgm:txFillClrLst/>
+    <dgm:txEffectClrLst/>
+  </dgm:styleLbl>
+  <dgm:styleLbl name="parChTrans2D1">
+    <dgm:fillClrLst meth="repeat">
+      <a:schemeClr val="accent3">
+        <a:tint val="60000"/>
+      </a:schemeClr>
+    </dgm:fillClrLst>
+    <dgm:linClrLst meth="repeat">
+      <a:schemeClr val="accent3">
+        <a:tint val="60000"/>
+      </a:schemeClr>
+    </dgm:linClrLst>
+    <dgm:effectClrLst/>
+    <dgm:txLinClrLst/>
+    <dgm:txFillClrLst meth="repeat">
+      <a:schemeClr val="lt1"/>
+    </dgm:txFillClrLst>
+    <dgm:txEffectClrLst/>
+  </dgm:styleLbl>
+  <dgm:styleLbl name="parChTrans2D2">
+    <dgm:fillClrLst meth="repeat">
+      <a:schemeClr val="accent3"/>
+    </dgm:fillClrLst>
+    <dgm:linClrLst meth="repeat">
+      <a:schemeClr val="accent3"/>
+    </dgm:linClrLst>
+    <dgm:effectClrLst/>
+    <dgm:txLinClrLst/>
+    <dgm:txFillClrLst meth="repeat">
+      <a:schemeClr val="lt1"/>
+    </dgm:txFillClrLst>
+    <dgm:txEffectClrLst/>
+  </dgm:styleLbl>
+  <dgm:styleLbl name="parChTrans2D3">
+    <dgm:fillClrLst meth="repeat">
+      <a:schemeClr val="accent3"/>
+    </dgm:fillClrLst>
+    <dgm:linClrLst meth="repeat">
+      <a:schemeClr val="accent3"/>
+    </dgm:linClrLst>
+    <dgm:effectClrLst/>
+    <dgm:txLinClrLst/>
+    <dgm:txFillClrLst meth="repeat">
+      <a:schemeClr val="lt1"/>
+    </dgm:txFillClrLst>
+    <dgm:txEffectClrLst/>
+  </dgm:styleLbl>
+  <dgm:styleLbl name="parChTrans2D4">
+    <dgm:fillClrLst meth="repeat">
+      <a:schemeClr val="accent3"/>
+    </dgm:fillClrLst>
+    <dgm:linClrLst meth="repeat">
+      <a:schemeClr val="accent3"/>
+    </dgm:linClrLst>
+    <dgm:effectClrLst/>
+    <dgm:txLinClrLst/>
+    <dgm:txFillClrLst meth="repeat">
+      <a:schemeClr val="lt1"/>
+    </dgm:txFillClrLst>
+    <dgm:txEffectClrLst/>
+  </dgm:styleLbl>
+  <dgm:styleLbl name="parChTrans1D1">
+    <dgm:fillClrLst meth="repeat">
+      <a:schemeClr val="accent3"/>
+    </dgm:fillClrLst>
+    <dgm:linClrLst meth="repeat">
+      <a:schemeClr val="accent3">
+        <a:shade val="60000"/>
+      </a:schemeClr>
+    </dgm:linClrLst>
+    <dgm:effectClrLst/>
+    <dgm:txLinClrLst/>
+    <dgm:txFillClrLst meth="repeat">
+      <a:schemeClr val="tx1"/>
+    </dgm:txFillClrLst>
+    <dgm:txEffectClrLst/>
+  </dgm:styleLbl>
+  <dgm:styleLbl name="parChTrans1D2">
+    <dgm:fillClrLst meth="repeat">
+      <a:schemeClr val="accent3"/>
+    </dgm:fillClrLst>
+    <dgm:linClrLst meth="repeat">
+      <a:schemeClr val="accent3">
+        <a:shade val="60000"/>
+      </a:schemeClr>
+    </dgm:linClrLst>
+    <dgm:effectClrLst/>
+    <dgm:txLinClrLst/>
+    <dgm:txFillClrLst meth="repeat">
+      <a:schemeClr val="tx1"/>
+    </dgm:txFillClrLst>
+    <dgm:txEffectClrLst/>
+  </dgm:styleLbl>
+  <dgm:styleLbl name="parChTrans1D3">
+    <dgm:fillClrLst meth="repeat">
+      <a:schemeClr val="accent3"/>
+    </dgm:fillClrLst>
+    <dgm:linClrLst meth="repeat">
+      <a:schemeClr val="accent3">
+        <a:shade val="80000"/>
+      </a:schemeClr>
+    </dgm:linClrLst>
+    <dgm:effectClrLst/>
+    <dgm:txLinClrLst/>
+    <dgm:txFillClrLst meth="repeat">
+      <a:schemeClr val="tx1"/>
+    </dgm:txFillClrLst>
+    <dgm:txEffectClrLst/>
+  </dgm:styleLbl>
+  <dgm:styleLbl name="parChTrans1D4">
+    <dgm:fillClrLst meth="repeat">
+      <a:schemeClr val="accent3"/>
+    </dgm:fillClrLst>
+    <dgm:linClrLst meth="repeat">
+      <a:schemeClr val="accent3">
+        <a:shade val="80000"/>
+      </a:schemeClr>
+    </dgm:linClrLst>
+    <dgm:effectClrLst/>
+    <dgm:txLinClrLst/>
+    <dgm:txFillClrLst meth="repeat">
+      <a:schemeClr val="tx1"/>
+    </dgm:txFillClrLst>
+    <dgm:txEffectClrLst/>
+  </dgm:styleLbl>
+  <dgm:styleLbl name="fgAcc1">
+    <dgm:fillClrLst meth="repeat">
+      <a:schemeClr val="lt1">
+        <a:alpha val="90000"/>
+      </a:schemeClr>
+    </dgm:fillClrLst>
+    <dgm:linClrLst meth="repeat">
+      <a:schemeClr val="accent3"/>
+    </dgm:linClrLst>
+    <dgm:effectClrLst/>
+    <dgm:txLinClrLst/>
+    <dgm:txFillClrLst meth="repeat">
+      <a:schemeClr val="dk1"/>
+    </dgm:txFillClrLst>
+    <dgm:txEffectClrLst/>
+  </dgm:styleLbl>
+  <dgm:styleLbl name="conFgAcc1">
+    <dgm:fillClrLst meth="repeat">
+      <a:schemeClr val="lt1">
+        <a:alpha val="90000"/>
+      </a:schemeClr>
+    </dgm:fillClrLst>
+    <dgm:linClrLst meth="repeat">
+      <a:schemeClr val="accent3"/>
+    </dgm:linClrLst>
+    <dgm:effectClrLst/>
+    <dgm:txLinClrLst/>
+    <dgm:txFillClrLst meth="repeat">
+      <a:schemeClr val="dk1"/>
+    </dgm:txFillClrLst>
+    <dgm:txEffectClrLst/>
+  </dgm:styleLbl>
+  <dgm:styleLbl name="alignAcc1">
+    <dgm:fillClrLst meth="repeat">
+      <a:schemeClr val="lt1">
+        <a:alpha val="90000"/>
+      </a:schemeClr>
+    </dgm:fillClrLst>
+    <dgm:linClrLst meth="repeat">
+      <a:schemeClr val="accent3"/>
+    </dgm:linClrLst>
+    <dgm:effectClrLst/>
+    <dgm:txLinClrLst/>
+    <dgm:txFillClrLst meth="repeat">
+      <a:schemeClr val="dk1"/>
+    </dgm:txFillClrLst>
+    <dgm:txEffectClrLst/>
+  </dgm:styleLbl>
+  <dgm:styleLbl name="trAlignAcc1">
+    <dgm:fillClrLst meth="repeat">
+      <a:schemeClr val="lt1">
+        <a:alpha val="40000"/>
+      </a:schemeClr>
+    </dgm:fillClrLst>
+    <dgm:linClrLst meth="repeat">
+      <a:schemeClr val="accent3"/>
+    </dgm:linClrLst>
+    <dgm:effectClrLst/>
+    <dgm:txLinClrLst/>
+    <dgm:txFillClrLst meth="repeat">
+      <a:schemeClr val="dk1"/>
+    </dgm:txFillClrLst>
+    <dgm:txEffectClrLst/>
+  </dgm:styleLbl>
+  <dgm:styleLbl name="bgAcc1">
+    <dgm:fillClrLst meth="repeat">
+      <a:schemeClr val="lt1">
+        <a:alpha val="90000"/>
+      </a:schemeClr>
+    </dgm:fillClrLst>
+    <dgm:linClrLst meth="repeat">
+      <a:schemeClr val="accent3"/>
+    </dgm:linClrLst>
+    <dgm:effectClrLst/>
+    <dgm:txLinClrLst/>
+    <dgm:txFillClrLst meth="repeat">
+      <a:schemeClr val="dk1"/>
+    </dgm:txFillClrLst>
+    <dgm:txEffectClrLst/>
+  </dgm:styleLbl>
+  <dgm:styleLbl name="solidFgAcc1">
+    <dgm:fillClrLst meth="repeat">
+      <a:schemeClr val="lt1"/>
+    </dgm:fillClrLst>
+    <dgm:linClrLst meth="repeat">
+      <a:schemeClr val="accent3"/>
+    </dgm:linClrLst>
+    <dgm:effectClrLst/>
+    <dgm:txLinClrLst/>
+    <dgm:txFillClrLst meth="repeat">
+      <a:schemeClr val="dk1"/>
+    </dgm:txFillClrLst>
+    <dgm:txEffectClrLst/>
+  </dgm:styleLbl>
+  <dgm:styleLbl name="solidAlignAcc1">
+    <dgm:fillClrLst meth="repeat">
+      <a:schemeClr val="lt1"/>
+    </dgm:fillClrLst>
+    <dgm:linClrLst meth="repeat">
+      <a:schemeClr val="accent3"/>
+    </dgm:linClrLst>
+    <dgm:effectClrLst/>
+    <dgm:txLinClrLst/>
+    <dgm:txFillClrLst meth="repeat">
+      <a:schemeClr val="dk1"/>
+    </dgm:txFillClrLst>
+    <dgm:txEffectClrLst/>
+  </dgm:styleLbl>
+  <dgm:styleLbl name="solidBgAcc1">
+    <dgm:fillClrLst meth="repeat">
+      <a:schemeClr val="lt1"/>
+    </dgm:fillClrLst>
+    <dgm:linClrLst meth="repeat">
+      <a:schemeClr val="accent3"/>
+    </dgm:linClrLst>
+    <dgm:effectClrLst/>
+    <dgm:txLinClrLst/>
+    <dgm:txFillClrLst meth="repeat">
+      <a:schemeClr val="dk1"/>
+    </dgm:txFillClrLst>
+    <dgm:txEffectClrLst/>
+  </dgm:styleLbl>
+  <dgm:styleLbl name="fgAccFollowNode1">
+    <dgm:fillClrLst meth="repeat">
+      <a:schemeClr val="accent3">
+        <a:alpha val="90000"/>
+        <a:tint val="40000"/>
+      </a:schemeClr>
+    </dgm:fillClrLst>
+    <dgm:linClrLst meth="repeat">
+      <a:schemeClr val="accent3">
+        <a:alpha val="90000"/>
+        <a:tint val="40000"/>
+      </a:schemeClr>
+    </dgm:linClrLst>
+    <dgm:effectClrLst/>
+    <dgm:txLinClrLst/>
+    <dgm:txFillClrLst meth="repeat">
+      <a:schemeClr val="dk1"/>
+    </dgm:txFillClrLst>
+    <dgm:txEffectClrLst/>
+  </dgm:styleLbl>
+  <dgm:styleLbl name="alignAccFollowNode1">
+    <dgm:fillClrLst meth="repeat">
+      <a:schemeClr val="accent3">
+        <a:alpha val="90000"/>
+        <a:tint val="40000"/>
+      </a:schemeClr>
+    </dgm:fillClrLst>
+    <dgm:linClrLst meth="repeat">
+      <a:schemeClr val="accent3">
+        <a:alpha val="90000"/>
+        <a:tint val="40000"/>
+      </a:schemeClr>
+    </dgm:linClrLst>
+    <dgm:effectClrLst/>
+    <dgm:txLinClrLst/>
+    <dgm:txFillClrLst meth="repeat">
+      <a:schemeClr val="dk1"/>
+    </dgm:txFillClrLst>
+    <dgm:txEffectClrLst/>
+  </dgm:styleLbl>
+  <dgm:styleLbl name="bgAccFollowNode1">
+    <dgm:fillClrLst meth="repeat">
+      <a:schemeClr val="accent3">
+        <a:alpha val="90000"/>
+        <a:tint val="40000"/>
+      </a:schemeClr>
+    </dgm:fillClrLst>
+    <dgm:linClrLst meth="repeat">
+      <a:schemeClr val="accent3">
+        <a:alpha val="90000"/>
+        <a:tint val="40000"/>
+      </a:schemeClr>
+    </dgm:linClrLst>
+    <dgm:effectClrLst/>
+    <dgm:txLinClrLst/>
+    <dgm:txFillClrLst meth="repeat">
+      <a:schemeClr val="dk1"/>
+    </dgm:txFillClrLst>
+    <dgm:txEffectClrLst/>
+  </dgm:styleLbl>
+  <dgm:styleLbl name="fgAcc0">
+    <dgm:fillClrLst meth="repeat">
+      <a:schemeClr val="lt1">
+        <a:alpha val="90000"/>
+      </a:schemeClr>
+    </dgm:fillClrLst>
+    <dgm:linClrLst meth="repeat">
+      <a:schemeClr val="accent3"/>
+    </dgm:linClrLst>
+    <dgm:effectClrLst/>
+    <dgm:txLinClrLst/>
+    <dgm:txFillClrLst meth="repeat">
+      <a:schemeClr val="dk1"/>
+    </dgm:txFillClrLst>
+    <dgm:txEffectClrLst/>
+  </dgm:styleLbl>
+  <dgm:styleLbl name="fgAcc2">
+    <dgm:fillClrLst meth="repeat">
+      <a:schemeClr val="lt1">
+        <a:alpha val="90000"/>
+      </a:schemeClr>
+    </dgm:fillClrLst>
+    <dgm:linClrLst meth="repeat">
+      <a:schemeClr val="accent3"/>
+    </dgm:linClrLst>
+    <dgm:effectClrLst/>
+    <dgm:txLinClrLst/>
+    <dgm:txFillClrLst meth="repeat">
+      <a:schemeClr val="dk1"/>
+    </dgm:txFillClrLst>
+    <dgm:txEffectClrLst/>
+  </dgm:styleLbl>
+  <dgm:styleLbl name="fgAcc3">
+    <dgm:fillClrLst meth="repeat">
+      <a:schemeClr val="lt1">
+        <a:alpha val="90000"/>
+      </a:schemeClr>
+    </dgm:fillClrLst>
+    <dgm:linClrLst meth="repeat">
+      <a:schemeClr val="accent3"/>
+    </dgm:linClrLst>
+    <dgm:effectClrLst/>
+    <dgm:txLinClrLst/>
+    <dgm:txFillClrLst meth="repeat">
+      <a:schemeClr val="dk1"/>
+    </dgm:txFillClrLst>
+    <dgm:txEffectClrLst/>
+  </dgm:styleLbl>
+  <dgm:styleLbl name="fgAcc4">
+    <dgm:fillClrLst meth="repeat">
+      <a:schemeClr val="lt1">
+        <a:alpha val="90000"/>
+      </a:schemeClr>
+    </dgm:fillClrLst>
+    <dgm:linClrLst meth="repeat">
+      <a:schemeClr val="accent3"/>
+    </dgm:linClrLst>
+    <dgm:effectClrLst/>
+    <dgm:txLinClrLst/>
+    <dgm:txFillClrLst meth="repeat">
+      <a:schemeClr val="dk1"/>
+    </dgm:txFillClrLst>
+    <dgm:txEffectClrLst/>
+  </dgm:styleLbl>
+  <dgm:styleLbl name="bgShp">
+    <dgm:fillClrLst meth="repeat">
+      <a:schemeClr val="accent3">
+        <a:tint val="40000"/>
+      </a:schemeClr>
+    </dgm:fillClrLst>
+    <dgm:linClrLst meth="repeat">
+      <a:schemeClr val="accent3"/>
+    </dgm:linClrLst>
+    <dgm:effectClrLst/>
+    <dgm:txLinClrLst/>
+    <dgm:txFillClrLst meth="repeat">
+      <a:schemeClr val="dk1"/>
+    </dgm:txFillClrLst>
+    <dgm:txEffectClrLst/>
+  </dgm:styleLbl>
+  <dgm:styleLbl name="dkBgShp">
+    <dgm:fillClrLst meth="repeat">
+      <a:schemeClr val="accent3">
+        <a:shade val="80000"/>
+      </a:schemeClr>
+    </dgm:fillClrLst>
+    <dgm:linClrLst meth="repeat">
+      <a:schemeClr val="accent3"/>
+    </dgm:linClrLst>
+    <dgm:effectClrLst/>
+    <dgm:txLinClrLst/>
+    <dgm:txFillClrLst meth="repeat">
+      <a:schemeClr val="lt1"/>
+    </dgm:txFillClrLst>
+    <dgm:txEffectClrLst/>
+  </dgm:styleLbl>
+  <dgm:styleLbl name="trBgShp">
+    <dgm:fillClrLst meth="repeat">
+      <a:schemeClr val="accent3">
+        <a:tint val="50000"/>
+        <a:alpha val="40000"/>
+      </a:schemeClr>
+    </dgm:fillClrLst>
+    <dgm:linClrLst meth="repeat">
+      <a:schemeClr val="accent3"/>
+    </dgm:linClrLst>
+    <dgm:effectClrLst/>
+    <dgm:txLinClrLst/>
+    <dgm:txFillClrLst meth="repeat">
+      <a:schemeClr val="lt1"/>
+    </dgm:txFillClrLst>
+    <dgm:txEffectClrLst/>
+  </dgm:styleLbl>
+  <dgm:styleLbl name="fgShp">
+    <dgm:fillClrLst meth="repeat">
+      <a:schemeClr val="accent3">
+        <a:tint val="60000"/>
+      </a:schemeClr>
+    </dgm:fillClrLst>
+    <dgm:linClrLst meth="repeat">
+      <a:schemeClr val="lt1"/>
+    </dgm:linClrLst>
+    <dgm:effectClrLst/>
+    <dgm:txLinClrLst/>
+    <dgm:txFillClrLst meth="repeat">
+      <a:schemeClr val="dk1"/>
+    </dgm:txFillClrLst>
+    <dgm:txEffectClrLst/>
+  </dgm:styleLbl>
+  <dgm:styleLbl name="revTx">
+    <dgm:fillClrLst meth="repeat">
+      <a:schemeClr val="lt1">
+        <a:alpha val="0"/>
+      </a:schemeClr>
+    </dgm:fillClrLst>
+    <dgm:linClrLst meth="repeat">
+      <a:schemeClr val="dk1">
+        <a:alpha val="0"/>
+      </a:schemeClr>
+    </dgm:linClrLst>
+    <dgm:effectClrLst/>
+    <dgm:txLinClrLst/>
+    <dgm:txFillClrLst meth="repeat">
+      <a:schemeClr val="tx1"/>
+    </dgm:txFillClrLst>
+    <dgm:txEffectClrLst/>
+  </dgm:styleLbl>
+</dgm:colorsDef>
+</file>
+
+<file path=ppt/diagrams/data1.xml><?xml version="1.0" encoding="utf-8"?>
+<dgm:dataModel xmlns:dgm="http://schemas.openxmlformats.org/drawingml/2006/diagram" xmlns:a="http://schemas.openxmlformats.org/drawingml/2006/main">
+  <dgm:ptLst>
+    <dgm:pt modelId="{06838E05-DADB-4FF9-9BB8-6A39ABFDD97C}" type="doc">
+      <dgm:prSet loTypeId="urn:microsoft.com/office/officeart/2005/8/layout/vList2" loCatId="list" qsTypeId="urn:microsoft.com/office/officeart/2005/8/quickstyle/simple1" qsCatId="simple" csTypeId="urn:microsoft.com/office/officeart/2005/8/colors/accent3_2" csCatId="accent3"/>
+      <dgm:spPr/>
+      <dgm:t>
+        <a:bodyPr/>
+        <a:lstStyle/>
+        <a:p>
+          <a:endParaRPr lang="en-US"/>
+        </a:p>
+      </dgm:t>
+    </dgm:pt>
+    <dgm:pt modelId="{13B498BC-C16B-43FC-BF9A-BBB06E388D82}">
+      <dgm:prSet/>
+      <dgm:spPr/>
+      <dgm:t>
+        <a:bodyPr/>
+        <a:lstStyle/>
+        <a:p>
+          <a:r>
+            <a:rPr lang="de-DE" dirty="0"/>
+            <a:t>Methoden </a:t>
+          </a:r>
+          <a:r>
+            <a:rPr lang="de-DE" i="1" dirty="0" err="1"/>
+            <a:t>info</a:t>
+          </a:r>
+          <a:r>
+            <a:rPr lang="de-DE" i="1" dirty="0"/>
+            <a:t>() </a:t>
+          </a:r>
+          <a:r>
+            <a:rPr lang="de-DE" dirty="0"/>
+            <a:t>und </a:t>
+          </a:r>
+          <a:r>
+            <a:rPr lang="de-DE" i="1" dirty="0" err="1"/>
+            <a:t>describe</a:t>
+          </a:r>
+          <a:r>
+            <a:rPr lang="de-DE" i="1" dirty="0"/>
+            <a:t>() </a:t>
+          </a:r>
+          <a:r>
+            <a:rPr lang="de-DE" dirty="0"/>
+            <a:t>für schnelle Beschreibung des Datensatzes</a:t>
+          </a:r>
+          <a:endParaRPr lang="en-US" dirty="0"/>
+        </a:p>
+      </dgm:t>
+    </dgm:pt>
+    <dgm:pt modelId="{F097EA17-F3EC-4214-83BC-25B7F8E55B2C}" type="parTrans" cxnId="{3373F8B1-F02A-4E7E-B1C5-FE042CA62B8F}">
+      <dgm:prSet/>
+      <dgm:spPr/>
+      <dgm:t>
+        <a:bodyPr/>
+        <a:lstStyle/>
+        <a:p>
+          <a:endParaRPr lang="en-US"/>
+        </a:p>
+      </dgm:t>
+    </dgm:pt>
+    <dgm:pt modelId="{BB7D11E9-82F9-4D76-A70D-CFAE6F2A6388}" type="sibTrans" cxnId="{3373F8B1-F02A-4E7E-B1C5-FE042CA62B8F}">
+      <dgm:prSet/>
+      <dgm:spPr/>
+      <dgm:t>
+        <a:bodyPr/>
+        <a:lstStyle/>
+        <a:p>
+          <a:endParaRPr lang="en-US"/>
+        </a:p>
+      </dgm:t>
+    </dgm:pt>
+    <dgm:pt modelId="{3594FCE0-4629-4EAA-93BA-38794D37526F}">
+      <dgm:prSet/>
+      <dgm:spPr/>
+      <dgm:t>
+        <a:bodyPr/>
+        <a:lstStyle/>
+        <a:p>
+          <a:r>
+            <a:rPr lang="de-DE" dirty="0"/>
+            <a:t>Plotten von Histogrammen</a:t>
+          </a:r>
+          <a:endParaRPr lang="en-US" dirty="0"/>
+        </a:p>
+      </dgm:t>
+    </dgm:pt>
+    <dgm:pt modelId="{726F6565-E0E3-4700-B5D5-0D9E65B5BBD2}" type="parTrans" cxnId="{974B3A00-E07F-4B8E-9AFE-04F06904CC83}">
+      <dgm:prSet/>
+      <dgm:spPr/>
+      <dgm:t>
+        <a:bodyPr/>
+        <a:lstStyle/>
+        <a:p>
+          <a:endParaRPr lang="en-US"/>
+        </a:p>
+      </dgm:t>
+    </dgm:pt>
+    <dgm:pt modelId="{B265B394-1492-46B5-871E-7656A4ADB82B}" type="sibTrans" cxnId="{974B3A00-E07F-4B8E-9AFE-04F06904CC83}">
+      <dgm:prSet/>
+      <dgm:spPr/>
+      <dgm:t>
+        <a:bodyPr/>
+        <a:lstStyle/>
+        <a:p>
+          <a:endParaRPr lang="en-US"/>
+        </a:p>
+      </dgm:t>
+    </dgm:pt>
+    <dgm:pt modelId="{93E6B3DD-EE64-4266-93EB-9C2ECC2728D6}">
+      <dgm:prSet/>
+      <dgm:spPr/>
+      <dgm:t>
+        <a:bodyPr/>
+        <a:lstStyle/>
+        <a:p>
+          <a:r>
+            <a:rPr lang="de-DE" dirty="0"/>
+            <a:t>Suche nach Korrelationen mit </a:t>
+          </a:r>
+          <a:r>
+            <a:rPr lang="de-DE" i="1" dirty="0" err="1"/>
+            <a:t>corr</a:t>
+          </a:r>
+          <a:r>
+            <a:rPr lang="de-DE" i="1" dirty="0"/>
+            <a:t>()</a:t>
+          </a:r>
+          <a:endParaRPr lang="en-US" dirty="0"/>
+        </a:p>
+      </dgm:t>
+    </dgm:pt>
+    <dgm:pt modelId="{5814A409-D501-4172-A46C-0E2B54851E1F}" type="parTrans" cxnId="{BF2AC8D9-FDBB-4336-9701-632D35DBB46E}">
+      <dgm:prSet/>
+      <dgm:spPr/>
+      <dgm:t>
+        <a:bodyPr/>
+        <a:lstStyle/>
+        <a:p>
+          <a:endParaRPr lang="en-US"/>
+        </a:p>
+      </dgm:t>
+    </dgm:pt>
+    <dgm:pt modelId="{B33DD624-3587-4309-8A99-4856224A45A2}" type="sibTrans" cxnId="{BF2AC8D9-FDBB-4336-9701-632D35DBB46E}">
+      <dgm:prSet/>
+      <dgm:spPr/>
+      <dgm:t>
+        <a:bodyPr/>
+        <a:lstStyle/>
+        <a:p>
+          <a:endParaRPr lang="en-US"/>
+        </a:p>
+      </dgm:t>
+    </dgm:pt>
+    <dgm:pt modelId="{D5243E09-5470-485C-BA6E-7DEA3376BAEE}" type="pres">
+      <dgm:prSet presAssocID="{06838E05-DADB-4FF9-9BB8-6A39ABFDD97C}" presName="linear" presStyleCnt="0">
+        <dgm:presLayoutVars>
+          <dgm:animLvl val="lvl"/>
+          <dgm:resizeHandles val="exact"/>
+        </dgm:presLayoutVars>
+      </dgm:prSet>
+      <dgm:spPr/>
+    </dgm:pt>
+    <dgm:pt modelId="{33E58E62-B672-48DE-93CE-8784CA76CEB7}" type="pres">
+      <dgm:prSet presAssocID="{13B498BC-C16B-43FC-BF9A-BBB06E388D82}" presName="parentText" presStyleLbl="node1" presStyleIdx="0" presStyleCnt="3">
+        <dgm:presLayoutVars>
+          <dgm:chMax val="0"/>
+          <dgm:bulletEnabled val="1"/>
+        </dgm:presLayoutVars>
+      </dgm:prSet>
+      <dgm:spPr/>
+    </dgm:pt>
+    <dgm:pt modelId="{4866139E-0DFF-4C9E-95BE-D02E0F65B2D9}" type="pres">
+      <dgm:prSet presAssocID="{BB7D11E9-82F9-4D76-A70D-CFAE6F2A6388}" presName="spacer" presStyleCnt="0"/>
+      <dgm:spPr/>
+    </dgm:pt>
+    <dgm:pt modelId="{DEE89272-6CCC-46B2-8665-28CA62E5A029}" type="pres">
+      <dgm:prSet presAssocID="{3594FCE0-4629-4EAA-93BA-38794D37526F}" presName="parentText" presStyleLbl="node1" presStyleIdx="1" presStyleCnt="3">
+        <dgm:presLayoutVars>
+          <dgm:chMax val="0"/>
+          <dgm:bulletEnabled val="1"/>
+        </dgm:presLayoutVars>
+      </dgm:prSet>
+      <dgm:spPr/>
+    </dgm:pt>
+    <dgm:pt modelId="{D15D45C1-C27A-44CF-BE21-27F01040621B}" type="pres">
+      <dgm:prSet presAssocID="{B265B394-1492-46B5-871E-7656A4ADB82B}" presName="spacer" presStyleCnt="0"/>
+      <dgm:spPr/>
+    </dgm:pt>
+    <dgm:pt modelId="{88540A0A-BB5B-49B3-8CC8-CE00D1D28B61}" type="pres">
+      <dgm:prSet presAssocID="{93E6B3DD-EE64-4266-93EB-9C2ECC2728D6}" presName="parentText" presStyleLbl="node1" presStyleIdx="2" presStyleCnt="3">
+        <dgm:presLayoutVars>
+          <dgm:chMax val="0"/>
+          <dgm:bulletEnabled val="1"/>
+        </dgm:presLayoutVars>
+      </dgm:prSet>
+      <dgm:spPr/>
+    </dgm:pt>
+  </dgm:ptLst>
+  <dgm:cxnLst>
+    <dgm:cxn modelId="{974B3A00-E07F-4B8E-9AFE-04F06904CC83}" srcId="{06838E05-DADB-4FF9-9BB8-6A39ABFDD97C}" destId="{3594FCE0-4629-4EAA-93BA-38794D37526F}" srcOrd="1" destOrd="0" parTransId="{726F6565-E0E3-4700-B5D5-0D9E65B5BBD2}" sibTransId="{B265B394-1492-46B5-871E-7656A4ADB82B}"/>
+    <dgm:cxn modelId="{23357E23-0399-47ED-8A2C-391C09CDC02C}" type="presOf" srcId="{93E6B3DD-EE64-4266-93EB-9C2ECC2728D6}" destId="{88540A0A-BB5B-49B3-8CC8-CE00D1D28B61}" srcOrd="0" destOrd="0" presId="urn:microsoft.com/office/officeart/2005/8/layout/vList2"/>
+    <dgm:cxn modelId="{00A4A43B-8BF9-4E45-A27D-B747C8D04CC3}" type="presOf" srcId="{13B498BC-C16B-43FC-BF9A-BBB06E388D82}" destId="{33E58E62-B672-48DE-93CE-8784CA76CEB7}" srcOrd="0" destOrd="0" presId="urn:microsoft.com/office/officeart/2005/8/layout/vList2"/>
+    <dgm:cxn modelId="{4D03E25B-8C32-49E8-B29D-ADA51853B81F}" type="presOf" srcId="{06838E05-DADB-4FF9-9BB8-6A39ABFDD97C}" destId="{D5243E09-5470-485C-BA6E-7DEA3376BAEE}" srcOrd="0" destOrd="0" presId="urn:microsoft.com/office/officeart/2005/8/layout/vList2"/>
+    <dgm:cxn modelId="{3373F8B1-F02A-4E7E-B1C5-FE042CA62B8F}" srcId="{06838E05-DADB-4FF9-9BB8-6A39ABFDD97C}" destId="{13B498BC-C16B-43FC-BF9A-BBB06E388D82}" srcOrd="0" destOrd="0" parTransId="{F097EA17-F3EC-4214-83BC-25B7F8E55B2C}" sibTransId="{BB7D11E9-82F9-4D76-A70D-CFAE6F2A6388}"/>
+    <dgm:cxn modelId="{BF2AC8D9-FDBB-4336-9701-632D35DBB46E}" srcId="{06838E05-DADB-4FF9-9BB8-6A39ABFDD97C}" destId="{93E6B3DD-EE64-4266-93EB-9C2ECC2728D6}" srcOrd="2" destOrd="0" parTransId="{5814A409-D501-4172-A46C-0E2B54851E1F}" sibTransId="{B33DD624-3587-4309-8A99-4856224A45A2}"/>
+    <dgm:cxn modelId="{826342FC-1824-4353-A04F-3DDA7D5FE8BC}" type="presOf" srcId="{3594FCE0-4629-4EAA-93BA-38794D37526F}" destId="{DEE89272-6CCC-46B2-8665-28CA62E5A029}" srcOrd="0" destOrd="0" presId="urn:microsoft.com/office/officeart/2005/8/layout/vList2"/>
+    <dgm:cxn modelId="{7015DFFB-C6C9-4D61-A3F5-706DDD3574F4}" type="presParOf" srcId="{D5243E09-5470-485C-BA6E-7DEA3376BAEE}" destId="{33E58E62-B672-48DE-93CE-8784CA76CEB7}" srcOrd="0" destOrd="0" presId="urn:microsoft.com/office/officeart/2005/8/layout/vList2"/>
+    <dgm:cxn modelId="{2C960141-7799-4216-AF71-E09B8D9DA484}" type="presParOf" srcId="{D5243E09-5470-485C-BA6E-7DEA3376BAEE}" destId="{4866139E-0DFF-4C9E-95BE-D02E0F65B2D9}" srcOrd="1" destOrd="0" presId="urn:microsoft.com/office/officeart/2005/8/layout/vList2"/>
+    <dgm:cxn modelId="{533E2955-A2E4-44FC-A01A-5BFE8D360A95}" type="presParOf" srcId="{D5243E09-5470-485C-BA6E-7DEA3376BAEE}" destId="{DEE89272-6CCC-46B2-8665-28CA62E5A029}" srcOrd="2" destOrd="0" presId="urn:microsoft.com/office/officeart/2005/8/layout/vList2"/>
+    <dgm:cxn modelId="{4F98A6ED-3403-435D-99A2-2F1173304B39}" type="presParOf" srcId="{D5243E09-5470-485C-BA6E-7DEA3376BAEE}" destId="{D15D45C1-C27A-44CF-BE21-27F01040621B}" srcOrd="3" destOrd="0" presId="urn:microsoft.com/office/officeart/2005/8/layout/vList2"/>
+    <dgm:cxn modelId="{EE5CB45F-4EF5-4BCF-8913-723E83506FCF}" type="presParOf" srcId="{D5243E09-5470-485C-BA6E-7DEA3376BAEE}" destId="{88540A0A-BB5B-49B3-8CC8-CE00D1D28B61}" srcOrd="4" destOrd="0" presId="urn:microsoft.com/office/officeart/2005/8/layout/vList2"/>
+  </dgm:cxnLst>
+  <dgm:bg/>
+  <dgm:whole/>
+  <dgm:extLst>
+    <a:ext uri="http://schemas.microsoft.com/office/drawing/2008/diagram">
+      <dsp:dataModelExt xmlns:dsp="http://schemas.microsoft.com/office/drawing/2008/diagram" relId="rId6" minVer="http://schemas.openxmlformats.org/drawingml/2006/diagram"/>
+    </a:ext>
+  </dgm:extLst>
+</dgm:dataModel>
+</file>
+
+<file path=ppt/diagrams/drawing1.xml><?xml version="1.0" encoding="utf-8"?>
+<dsp:drawing xmlns:dgm="http://schemas.openxmlformats.org/drawingml/2006/diagram" xmlns:dsp="http://schemas.microsoft.com/office/drawing/2008/diagram" xmlns:a="http://schemas.openxmlformats.org/drawingml/2006/main">
+  <dsp:spTree>
+    <dsp:nvGrpSpPr>
+      <dsp:cNvPr id="0" name=""/>
+      <dsp:cNvGrpSpPr/>
+    </dsp:nvGrpSpPr>
+    <dsp:grpSpPr/>
+    <dsp:sp modelId="{33E58E62-B672-48DE-93CE-8784CA76CEB7}">
+      <dsp:nvSpPr>
+        <dsp:cNvPr id="0" name=""/>
+        <dsp:cNvSpPr/>
+      </dsp:nvSpPr>
+      <dsp:spPr>
+        <a:xfrm>
+          <a:off x="0" y="661638"/>
+          <a:ext cx="5657664" cy="1034280"/>
+        </a:xfrm>
+        <a:prstGeom prst="roundRect">
+          <a:avLst/>
+        </a:prstGeom>
+        <a:solidFill>
+          <a:schemeClr val="accent3">
+            <a:hueOff val="0"/>
+            <a:satOff val="0"/>
+            <a:lumOff val="0"/>
+            <a:alphaOff val="0"/>
+          </a:schemeClr>
+        </a:solidFill>
+        <a:ln w="12700" cap="flat" cmpd="sng" algn="ctr">
+          <a:solidFill>
+            <a:schemeClr val="lt1">
+              <a:hueOff val="0"/>
+              <a:satOff val="0"/>
+              <a:lumOff val="0"/>
+              <a:alphaOff val="0"/>
+            </a:schemeClr>
+          </a:solidFill>
+          <a:prstDash val="solid"/>
+          <a:miter lim="800000"/>
+        </a:ln>
+        <a:effectLst/>
+      </dsp:spPr>
+      <dsp:style>
+        <a:lnRef idx="2">
+          <a:scrgbClr r="0" g="0" b="0"/>
+        </a:lnRef>
+        <a:fillRef idx="1">
+          <a:scrgbClr r="0" g="0" b="0"/>
+        </a:fillRef>
+        <a:effectRef idx="0">
+          <a:scrgbClr r="0" g="0" b="0"/>
+        </a:effectRef>
+        <a:fontRef idx="minor">
+          <a:schemeClr val="lt1"/>
+        </a:fontRef>
+      </dsp:style>
+      <dsp:txBody>
+        <a:bodyPr spcFirstLastPara="0" vert="horz" wrap="square" lIns="99060" tIns="99060" rIns="99060" bIns="99060" numCol="1" spcCol="1270" anchor="ctr" anchorCtr="0">
+          <a:noAutofit/>
+        </a:bodyPr>
+        <a:lstStyle/>
+        <a:p>
+          <a:pPr marL="0" lvl="0" indent="0" algn="l" defTabSz="1155700">
+            <a:lnSpc>
+              <a:spcPct val="90000"/>
+            </a:lnSpc>
+            <a:spcBef>
+              <a:spcPct val="0"/>
+            </a:spcBef>
+            <a:spcAft>
+              <a:spcPct val="35000"/>
+            </a:spcAft>
+            <a:buNone/>
+          </a:pPr>
+          <a:r>
+            <a:rPr lang="de-DE" sz="2600" kern="1200" dirty="0"/>
+            <a:t>Methoden </a:t>
+          </a:r>
+          <a:r>
+            <a:rPr lang="de-DE" sz="2600" i="1" kern="1200" dirty="0" err="1"/>
+            <a:t>info</a:t>
+          </a:r>
+          <a:r>
+            <a:rPr lang="de-DE" sz="2600" i="1" kern="1200" dirty="0"/>
+            <a:t>() </a:t>
+          </a:r>
+          <a:r>
+            <a:rPr lang="de-DE" sz="2600" kern="1200" dirty="0"/>
+            <a:t>und </a:t>
+          </a:r>
+          <a:r>
+            <a:rPr lang="de-DE" sz="2600" i="1" kern="1200" dirty="0" err="1"/>
+            <a:t>describe</a:t>
+          </a:r>
+          <a:r>
+            <a:rPr lang="de-DE" sz="2600" i="1" kern="1200" dirty="0"/>
+            <a:t>() </a:t>
+          </a:r>
+          <a:r>
+            <a:rPr lang="de-DE" sz="2600" kern="1200" dirty="0"/>
+            <a:t>für schnelle Beschreibung des Datensatzes</a:t>
+          </a:r>
+          <a:endParaRPr lang="en-US" sz="2600" kern="1200" dirty="0"/>
+        </a:p>
+      </dsp:txBody>
+      <dsp:txXfrm>
+        <a:off x="50489" y="712127"/>
+        <a:ext cx="5556686" cy="933302"/>
+      </dsp:txXfrm>
+    </dsp:sp>
+    <dsp:sp modelId="{DEE89272-6CCC-46B2-8665-28CA62E5A029}">
+      <dsp:nvSpPr>
+        <dsp:cNvPr id="0" name=""/>
+        <dsp:cNvSpPr/>
+      </dsp:nvSpPr>
+      <dsp:spPr>
+        <a:xfrm>
+          <a:off x="0" y="1770798"/>
+          <a:ext cx="5657664" cy="1034280"/>
+        </a:xfrm>
+        <a:prstGeom prst="roundRect">
+          <a:avLst/>
+        </a:prstGeom>
+        <a:solidFill>
+          <a:schemeClr val="accent3">
+            <a:hueOff val="0"/>
+            <a:satOff val="0"/>
+            <a:lumOff val="0"/>
+            <a:alphaOff val="0"/>
+          </a:schemeClr>
+        </a:solidFill>
+        <a:ln w="12700" cap="flat" cmpd="sng" algn="ctr">
+          <a:solidFill>
+            <a:schemeClr val="lt1">
+              <a:hueOff val="0"/>
+              <a:satOff val="0"/>
+              <a:lumOff val="0"/>
+              <a:alphaOff val="0"/>
+            </a:schemeClr>
+          </a:solidFill>
+          <a:prstDash val="solid"/>
+          <a:miter lim="800000"/>
+        </a:ln>
+        <a:effectLst/>
+      </dsp:spPr>
+      <dsp:style>
+        <a:lnRef idx="2">
+          <a:scrgbClr r="0" g="0" b="0"/>
+        </a:lnRef>
+        <a:fillRef idx="1">
+          <a:scrgbClr r="0" g="0" b="0"/>
+        </a:fillRef>
+        <a:effectRef idx="0">
+          <a:scrgbClr r="0" g="0" b="0"/>
+        </a:effectRef>
+        <a:fontRef idx="minor">
+          <a:schemeClr val="lt1"/>
+        </a:fontRef>
+      </dsp:style>
+      <dsp:txBody>
+        <a:bodyPr spcFirstLastPara="0" vert="horz" wrap="square" lIns="99060" tIns="99060" rIns="99060" bIns="99060" numCol="1" spcCol="1270" anchor="ctr" anchorCtr="0">
+          <a:noAutofit/>
+        </a:bodyPr>
+        <a:lstStyle/>
+        <a:p>
+          <a:pPr marL="0" lvl="0" indent="0" algn="l" defTabSz="1155700">
+            <a:lnSpc>
+              <a:spcPct val="90000"/>
+            </a:lnSpc>
+            <a:spcBef>
+              <a:spcPct val="0"/>
+            </a:spcBef>
+            <a:spcAft>
+              <a:spcPct val="35000"/>
+            </a:spcAft>
+            <a:buNone/>
+          </a:pPr>
+          <a:r>
+            <a:rPr lang="de-DE" sz="2600" kern="1200" dirty="0"/>
+            <a:t>Plotten von Histogrammen</a:t>
+          </a:r>
+          <a:endParaRPr lang="en-US" sz="2600" kern="1200" dirty="0"/>
+        </a:p>
+      </dsp:txBody>
+      <dsp:txXfrm>
+        <a:off x="50489" y="1821287"/>
+        <a:ext cx="5556686" cy="933302"/>
+      </dsp:txXfrm>
+    </dsp:sp>
+    <dsp:sp modelId="{88540A0A-BB5B-49B3-8CC8-CE00D1D28B61}">
+      <dsp:nvSpPr>
+        <dsp:cNvPr id="0" name=""/>
+        <dsp:cNvSpPr/>
+      </dsp:nvSpPr>
+      <dsp:spPr>
+        <a:xfrm>
+          <a:off x="0" y="2879958"/>
+          <a:ext cx="5657664" cy="1034280"/>
+        </a:xfrm>
+        <a:prstGeom prst="roundRect">
+          <a:avLst/>
+        </a:prstGeom>
+        <a:solidFill>
+          <a:schemeClr val="accent3">
+            <a:hueOff val="0"/>
+            <a:satOff val="0"/>
+            <a:lumOff val="0"/>
+            <a:alphaOff val="0"/>
+          </a:schemeClr>
+        </a:solidFill>
+        <a:ln w="12700" cap="flat" cmpd="sng" algn="ctr">
+          <a:solidFill>
+            <a:schemeClr val="lt1">
+              <a:hueOff val="0"/>
+              <a:satOff val="0"/>
+              <a:lumOff val="0"/>
+              <a:alphaOff val="0"/>
+            </a:schemeClr>
+          </a:solidFill>
+          <a:prstDash val="solid"/>
+          <a:miter lim="800000"/>
+        </a:ln>
+        <a:effectLst/>
+      </dsp:spPr>
+      <dsp:style>
+        <a:lnRef idx="2">
+          <a:scrgbClr r="0" g="0" b="0"/>
+        </a:lnRef>
+        <a:fillRef idx="1">
+          <a:scrgbClr r="0" g="0" b="0"/>
+        </a:fillRef>
+        <a:effectRef idx="0">
+          <a:scrgbClr r="0" g="0" b="0"/>
+        </a:effectRef>
+        <a:fontRef idx="minor">
+          <a:schemeClr val="lt1"/>
+        </a:fontRef>
+      </dsp:style>
+      <dsp:txBody>
+        <a:bodyPr spcFirstLastPara="0" vert="horz" wrap="square" lIns="99060" tIns="99060" rIns="99060" bIns="99060" numCol="1" spcCol="1270" anchor="ctr" anchorCtr="0">
+          <a:noAutofit/>
+        </a:bodyPr>
+        <a:lstStyle/>
+        <a:p>
+          <a:pPr marL="0" lvl="0" indent="0" algn="l" defTabSz="1155700">
+            <a:lnSpc>
+              <a:spcPct val="90000"/>
+            </a:lnSpc>
+            <a:spcBef>
+              <a:spcPct val="0"/>
+            </a:spcBef>
+            <a:spcAft>
+              <a:spcPct val="35000"/>
+            </a:spcAft>
+            <a:buNone/>
+          </a:pPr>
+          <a:r>
+            <a:rPr lang="de-DE" sz="2600" kern="1200" dirty="0"/>
+            <a:t>Suche nach Korrelationen mit </a:t>
+          </a:r>
+          <a:r>
+            <a:rPr lang="de-DE" sz="2600" i="1" kern="1200" dirty="0" err="1"/>
+            <a:t>corr</a:t>
+          </a:r>
+          <a:r>
+            <a:rPr lang="de-DE" sz="2600" i="1" kern="1200" dirty="0"/>
+            <a:t>()</a:t>
+          </a:r>
+          <a:endParaRPr lang="en-US" sz="2600" kern="1200" dirty="0"/>
+        </a:p>
+      </dsp:txBody>
+      <dsp:txXfrm>
+        <a:off x="50489" y="2930447"/>
+        <a:ext cx="5556686" cy="933302"/>
+      </dsp:txXfrm>
+    </dsp:sp>
+  </dsp:spTree>
+</dsp:drawing>
+</file>
+
+<file path=ppt/diagrams/layout1.xml><?xml version="1.0" encoding="utf-8"?>
+<dgm:layoutDef xmlns:dgm="http://schemas.openxmlformats.org/drawingml/2006/diagram" xmlns:a="http://schemas.openxmlformats.org/drawingml/2006/main" uniqueId="urn:microsoft.com/office/officeart/2005/8/layout/vList2">
+  <dgm:title val=""/>
+  <dgm:desc val=""/>
+  <dgm:catLst>
+    <dgm:cat type="list" pri="3000"/>
+    <dgm:cat type="convert" pri="1000"/>
+  </dgm:catLst>
+  <dgm:sampData>
+    <dgm:dataModel>
+      <dgm:ptLst>
+        <dgm:pt modelId="0" type="doc"/>
+        <dgm:pt modelId="1">
+          <dgm:prSet phldr="1"/>
+        </dgm:pt>
+        <dgm:pt modelId="11">
+          <dgm:prSet phldr="1"/>
+        </dgm:pt>
+        <dgm:pt modelId="2">
+          <dgm:prSet phldr="1"/>
+        </dgm:pt>
+        <dgm:pt modelId="21">
+          <dgm:prSet phldr="1"/>
+        </dgm:pt>
+      </dgm:ptLst>
+      <dgm:cxnLst>
+        <dgm:cxn modelId="4" srcId="0" destId="1" srcOrd="0" destOrd="0"/>
+        <dgm:cxn modelId="5" srcId="0" destId="2" srcOrd="1" destOrd="0"/>
+        <dgm:cxn modelId="12" srcId="1" destId="11" srcOrd="0" destOrd="0"/>
+        <dgm:cxn modelId="23" srcId="2" destId="21" srcOrd="0" destOrd="0"/>
+      </dgm:cxnLst>
+      <dgm:bg/>
+      <dgm:whole/>
+    </dgm:dataModel>
+  </dgm:sampData>
+  <dgm:styleData>
+    <dgm:dataModel>
+      <dgm:ptLst>
+        <dgm:pt modelId="0" type="doc"/>
+        <dgm:pt modelId="1"/>
+        <dgm:pt modelId="2"/>
+      </dgm:ptLst>
+      <dgm:cxnLst>
+        <dgm:cxn modelId="3" srcId="0" destId="1" srcOrd="0" destOrd="0"/>
+        <dgm:cxn modelId="4" srcId="0" destId="2" srcOrd="1" destOrd="0"/>
+      </dgm:cxnLst>
+      <dgm:bg/>
+      <dgm:whole/>
+    </dgm:dataModel>
+  </dgm:styleData>
+  <dgm:clrData>
+    <dgm:dataModel>
+      <dgm:ptLst>
+        <dgm:pt modelId="0" type="doc"/>
+        <dgm:pt modelId="1"/>
+        <dgm:pt modelId="2"/>
+        <dgm:pt modelId="3"/>
+        <dgm:pt modelId="4"/>
+      </dgm:ptLst>
+      <dgm:cxnLst>
+        <dgm:cxn modelId="5" srcId="0" destId="1" srcOrd="0" destOrd="0"/>
+        <dgm:cxn modelId="6" srcId="0" destId="2" srcOrd="1" destOrd="0"/>
+        <dgm:cxn modelId="7" srcId="0" destId="3" srcOrd="2" destOrd="0"/>
+        <dgm:cxn modelId="8" srcId="0" destId="4" srcOrd="3" destOrd="0"/>
+      </dgm:cxnLst>
+      <dgm:bg/>
+      <dgm:whole/>
+    </dgm:dataModel>
+  </dgm:clrData>
+  <dgm:layoutNode name="linear">
+    <dgm:varLst>
+      <dgm:animLvl val="lvl"/>
+      <dgm:resizeHandles val="exact"/>
+    </dgm:varLst>
+    <dgm:alg type="lin">
+      <dgm:param type="linDir" val="fromT"/>
+      <dgm:param type="vertAlign" val="mid"/>
+    </dgm:alg>
+    <dgm:shape xmlns:r="http://schemas.openxmlformats.org/officeDocument/2006/relationships" r:blip="">
+      <dgm:adjLst/>
+    </dgm:shape>
+    <dgm:presOf/>
+    <dgm:constrLst>
+      <dgm:constr type="w" for="ch" forName="parentText" refType="w"/>
+      <dgm:constr type="h" for="ch" forName="parentText" refType="primFontSz" refFor="ch" refForName="parentText" fact="0.52"/>
+      <dgm:constr type="w" for="ch" forName="childText" refType="w"/>
+      <dgm:constr type="h" for="ch" forName="childText" refType="primFontSz" refFor="ch" refForName="parentText" fact="0.46"/>
+      <dgm:constr type="h" for="ch" forName="parentText" op="equ"/>
+      <dgm:constr type="primFontSz" for="ch" forName="parentText" op="equ" val="65"/>
+      <dgm:constr type="primFontSz" for="ch" forName="childText" refType="primFontSz" refFor="ch" refForName="parentText" op="equ"/>
+      <dgm:constr type="h" for="ch" forName="spacer" refType="primFontSz" refFor="ch" refForName="parentText" fact="0.08"/>
+    </dgm:constrLst>
+    <dgm:ruleLst>
+      <dgm:rule type="primFontSz" for="ch" forName="parentText" val="5" fact="NaN" max="NaN"/>
+    </dgm:ruleLst>
+    <dgm:forEach name="Name0" axis="ch" ptType="node">
+      <dgm:layoutNode name="parentText" styleLbl="node1">
+        <dgm:varLst>
+          <dgm:chMax val="0"/>
+          <dgm:bulletEnabled val="1"/>
+        </dgm:varLst>
+        <dgm:alg type="tx">
+          <dgm:param type="parTxLTRAlign" val="l"/>
+          <dgm:param type="parTxRTLAlign" val="r"/>
+        </dgm:alg>
+        <dgm:shape xmlns:r="http://schemas.openxmlformats.org/officeDocument/2006/relationships" type="roundRect" r:blip="">
+          <dgm:adjLst/>
+        </dgm:shape>
+        <dgm:presOf axis="self"/>
+        <dgm:constrLst>
+          <dgm:constr type="tMarg" refType="primFontSz" fact="0.3"/>
+          <dgm:constr type="bMarg" refType="primFontSz" fact="0.3"/>
+          <dgm:constr type="lMarg" refType="primFontSz" fact="0.3"/>
+          <dgm:constr type="rMarg" refType="primFontSz" fact="0.3"/>
+        </dgm:constrLst>
+        <dgm:ruleLst>
+          <dgm:rule type="h" val="INF" fact="NaN" max="NaN"/>
+        </dgm:ruleLst>
+      </dgm:layoutNode>
+      <dgm:choose name="Name1">
+        <dgm:if name="Name2" axis="ch" ptType="node" func="cnt" op="gte" val="1">
+          <dgm:layoutNode name="childText" styleLbl="revTx">
+            <dgm:varLst>
+              <dgm:bulletEnabled val="1"/>
+            </dgm:varLst>
+            <dgm:alg type="tx">
+              <dgm:param type="stBulletLvl" val="1"/>
+              <dgm:param type="lnSpAfChP" val="20"/>
+            </dgm:alg>
+            <dgm:shape xmlns:r="http://schemas.openxmlformats.org/officeDocument/2006/relationships" type="rect" r:blip="">
+              <dgm:adjLst/>
+            </dgm:shape>
+            <dgm:presOf axis="des" ptType="node"/>
+            <dgm:constrLst>
+              <dgm:constr type="tMarg" refType="primFontSz" fact="0.1"/>
+              <dgm:constr type="bMarg" refType="primFontSz" fact="0.1"/>
+              <dgm:constr type="lMarg" refType="w" fact="0.09"/>
+            </dgm:constrLst>
+            <dgm:ruleLst>
+              <dgm:rule type="h" val="INF" fact="NaN" max="NaN"/>
+            </dgm:ruleLst>
+          </dgm:layoutNode>
+        </dgm:if>
+        <dgm:else name="Name3">
+          <dgm:choose name="Name4">
+            <dgm:if name="Name5" axis="par ch" ptType="doc node" func="cnt" op="gte" val="2">
+              <dgm:forEach name="Name6" axis="followSib" ptType="sibTrans" cnt="1">
+                <dgm:layoutNode name="spacer">
+                  <dgm:alg type="sp"/>
+                  <dgm:shape xmlns:r="http://schemas.openxmlformats.org/officeDocument/2006/relationships" r:blip="">
+                    <dgm:adjLst/>
+                  </dgm:shape>
+                  <dgm:presOf/>
+                  <dgm:constrLst/>
+                  <dgm:ruleLst/>
+                </dgm:layoutNode>
+              </dgm:forEach>
+            </dgm:if>
+            <dgm:else name="Name7"/>
+          </dgm:choose>
+        </dgm:else>
+      </dgm:choose>
+    </dgm:forEach>
+  </dgm:layoutNode>
+</dgm:layoutDef>
+</file>
+
+<file path=ppt/diagrams/quickStyle1.xml><?xml version="1.0" encoding="utf-8"?>
+<dgm:styleDef xmlns:dgm="http://schemas.openxmlformats.org/drawingml/2006/diagram" xmlns:a="http://schemas.openxmlformats.org/drawingml/2006/main" uniqueId="urn:microsoft.com/office/officeart/2005/8/quickstyle/simple1">
+  <dgm:title val=""/>
+  <dgm:desc val=""/>
+  <dgm:catLst>
+    <dgm:cat type="simple" pri="10100"/>
+  </dgm:catLst>
+  <dgm:scene3d>
+    <a:camera prst="orthographicFront"/>
+    <a:lightRig rig="threePt" dir="t"/>
+  </dgm:scene3d>
+  <dgm:styleLbl name="node0">
+    <dgm:scene3d>
+      <a:camera prst="orthographicFront"/>
+      <a:lightRig rig="threePt" dir="t"/>
+    </dgm:scene3d>
+    <dgm:sp3d/>
+    <dgm:txPr/>
+    <dgm:style>
+      <a:lnRef idx="2">
+        <a:scrgbClr r="0" g="0" b="0"/>
+      </a:lnRef>
+      <a:fillRef idx="1">
+        <a:scrgbClr r="0" g="0" b="0"/>
+      </a:fillRef>
+      <a:effectRef idx="0">
+        <a:scrgbClr r="0" g="0" b="0"/>
+      </a:effectRef>
+      <a:fontRef idx="minor">
+        <a:schemeClr val="lt1"/>
+      </a:fontRef>
+    </dgm:style>
+  </dgm:styleLbl>
+  <dgm:styleLbl name="lnNode1">
+    <dgm:scene3d>
+      <a:camera prst="orthographicFront"/>
+      <a:lightRig rig="threePt" dir="t"/>
+    </dgm:scene3d>
+    <dgm:sp3d/>
+    <dgm:txPr/>
+    <dgm:style>
+      <a:lnRef idx="2">
+        <a:scrgbClr r="0" g="0" b="0"/>
+      </a:lnRef>
+      <a:fillRef idx="1">
+        <a:scrgbClr r="0" g="0" b="0"/>
+      </a:fillRef>
+      <a:effectRef idx="0">
+        <a:scrgbClr r="0" g="0" b="0"/>
+      </a:effectRef>
+      <a:fontRef idx="minor">
+        <a:schemeClr val="lt1"/>
+      </a:fontRef>
+    </dgm:style>
+  </dgm:styleLbl>
+  <dgm:styleLbl name="vennNode1">
+    <dgm:scene3d>
+      <a:camera prst="orthographicFront"/>
+      <a:lightRig rig="threePt" dir="t"/>
+    </dgm:scene3d>
+    <dgm:sp3d/>
+    <dgm:txPr/>
+    <dgm:style>
+      <a:lnRef idx="2">
+        <a:scrgbClr r="0" g="0" b="0"/>
+      </a:lnRef>
+      <a:fillRef idx="1">
+        <a:scrgbClr r="0" g="0" b="0"/>
+      </a:fillRef>
+      <a:effectRef idx="0">
+        <a:scrgbClr r="0" g="0" b="0"/>
+      </a:effectRef>
+      <a:fontRef idx="minor">
+        <a:schemeClr val="tx1"/>
+      </a:fontRef>
+    </dgm:style>
+  </dgm:styleLbl>
+  <dgm:styleLbl name="alignNode1">
+    <dgm:scene3d>
+      <a:camera prst="orthographicFront"/>
+      <a:lightRig rig="threePt" dir="t"/>
+    </dgm:scene3d>
+    <dgm:sp3d/>
+    <dgm:txPr/>
+    <dgm:style>
+      <a:lnRef idx="2">
+        <a:scrgbClr r="0" g="0" b="0"/>
+      </a:lnRef>
+      <a:fillRef idx="1">
+        <a:scrgbClr r="0" g="0" b="0"/>
+      </a:fillRef>
+      <a:effectRef idx="0">
+        <a:scrgbClr r="0" g="0" b="0"/>
+      </a:effectRef>
+      <a:fontRef idx="minor">
+        <a:schemeClr val="lt1"/>
+      </a:fontRef>
+    </dgm:style>
+  </dgm:styleLbl>
+  <dgm:styleLbl name="node1">
+    <dgm:scene3d>
+      <a:camera prst="orthographicFront"/>
+      <a:lightRig rig="threePt" dir="t"/>
+    </dgm:scene3d>
+    <dgm:sp3d/>
+    <dgm:txPr/>
+    <dgm:style>
+      <a:lnRef idx="2">
+        <a:scrgbClr r="0" g="0" b="0"/>
+      </a:lnRef>
+      <a:fillRef idx="1">
+        <a:scrgbClr r="0" g="0" b="0"/>
+      </a:fillRef>
+      <a:effectRef idx="0">
+        <a:scrgbClr r="0" g="0" b="0"/>
+      </a:effectRef>
+      <a:fontRef idx="minor">
+        <a:schemeClr val="lt1"/>
+      </a:fontRef>
+    </dgm:style>
+  </dgm:styleLbl>
+  <dgm:styleLbl name="node2">
+    <dgm:scene3d>
+      <a:camera prst="orthographicFront"/>
+      <a:lightRig rig="threePt" dir="t"/>
+    </dgm:scene3d>
+    <dgm:sp3d/>
+    <dgm:txPr/>
+    <dgm:style>
+      <a:lnRef idx="2">
+        <a:scrgbClr r="0" g="0" b="0"/>
+      </a:lnRef>
+      <a:fillRef idx="1">
+        <a:scrgbClr r="0" g="0" b="0"/>
+      </a:fillRef>
+      <a:effectRef idx="0">
+        <a:scrgbClr r="0" g="0" b="0"/>
+      </a:effectRef>
+      <a:fontRef idx="minor">
+        <a:schemeClr val="lt1"/>
+      </a:fontRef>
+    </dgm:style>
+  </dgm:styleLbl>
+  <dgm:styleLbl name="node3">
+    <dgm:scene3d>
+      <a:camera prst="orthographicFront"/>
+      <a:lightRig rig="threePt" dir="t"/>
+    </dgm:scene3d>
+    <dgm:sp3d/>
+    <dgm:txPr/>
+    <dgm:style>
+      <a:lnRef idx="2">
+        <a:scrgbClr r="0" g="0" b="0"/>
+      </a:lnRef>
+      <a:fillRef idx="1">
+        <a:scrgbClr r="0" g="0" b="0"/>
+      </a:fillRef>
+      <a:effectRef idx="0">
+        <a:scrgbClr r="0" g="0" b="0"/>
+      </a:effectRef>
+      <a:fontRef idx="minor">
+        <a:schemeClr val="lt1"/>
+      </a:fontRef>
+    </dgm:style>
+  </dgm:styleLbl>
+  <dgm:styleLbl name="node4">
+    <dgm:scene3d>
+      <a:camera prst="orthographicFront"/>
+      <a:lightRig rig="threePt" dir="t"/>
+    </dgm:scene3d>
+    <dgm:sp3d/>
+    <dgm:txPr/>
+    <dgm:style>
+      <a:lnRef idx="2">
+        <a:scrgbClr r="0" g="0" b="0"/>
+      </a:lnRef>
+      <a:fillRef idx="1">
+        <a:scrgbClr r="0" g="0" b="0"/>
+      </a:fillRef>
+      <a:effectRef idx="0">
+        <a:scrgbClr r="0" g="0" b="0"/>
+      </a:effectRef>
+      <a:fontRef idx="minor">
+        <a:schemeClr val="lt1"/>
+      </a:fontRef>
+    </dgm:style>
+  </dgm:styleLbl>
+  <dgm:styleLbl name="fgImgPlace1">
+    <dgm:scene3d>
+      <a:camera prst="orthographicFront"/>
+      <a:lightRig rig="threePt" dir="t"/>
+    </dgm:scene3d>
+    <dgm:sp3d/>
+    <dgm:txPr/>
+    <dgm:style>
+      <a:lnRef idx="2">
+        <a:scrgbClr r="0" g="0" b="0"/>
+      </a:lnRef>
+      <a:fillRef idx="1">
+        <a:scrgbClr r="0" g="0" b="0"/>
+      </a:fillRef>
+      <a:effectRef idx="0">
+        <a:scrgbClr r="0" g="0" b="0"/>
+      </a:effectRef>
+      <a:fontRef idx="minor"/>
+    </dgm:style>
+  </dgm:styleLbl>
+  <dgm:styleLbl name="alignImgPlace1">
+    <dgm:scene3d>
+      <a:camera prst="orthographicFront"/>
+      <a:lightRig rig="threePt" dir="t"/>
+    </dgm:scene3d>
+    <dgm:sp3d/>
+    <dgm:txPr/>
+    <dgm:style>
+      <a:lnRef idx="2">
+        <a:scrgbClr r="0" g="0" b="0"/>
+      </a:lnRef>
+      <a:fillRef idx="1">
+        <a:scrgbClr r="0" g="0" b="0"/>
+      </a:fillRef>
+      <a:effectRef idx="0">
+        <a:scrgbClr r="0" g="0" b="0"/>
+      </a:effectRef>
+      <a:fontRef idx="minor"/>
+    </dgm:style>
+  </dgm:styleLbl>
+  <dgm:styleLbl name="bgImgPlace1">
+    <dgm:scene3d>
+      <a:camera prst="orthographicFront"/>
+      <a:lightRig rig="threePt" dir="t"/>
+    </dgm:scene3d>
+    <dgm:sp3d/>
+    <dgm:txPr/>
+    <dgm:style>
+      <a:lnRef idx="2">
+        <a:scrgbClr r="0" g="0" b="0"/>
+      </a:lnRef>
+      <a:fillRef idx="1">
+        <a:scrgbClr r="0" g="0" b="0"/>
+      </a:fillRef>
+      <a:effectRef idx="0">
+        <a:scrgbClr r="0" g="0" b="0"/>
+      </a:effectRef>
+      <a:fontRef idx="minor"/>
+    </dgm:style>
+  </dgm:styleLbl>
+  <dgm:styleLbl name="sibTrans2D1">
+    <dgm:scene3d>
+      <a:camera prst="orthographicFront"/>
+      <a:lightRig rig="threePt" dir="t"/>
+    </dgm:scene3d>
+    <dgm:sp3d/>
+    <dgm:txPr/>
+    <dgm:style>
+      <a:lnRef idx="0">
+        <a:scrgbClr r="0" g="0" b="0"/>
+      </a:lnRef>
+      <a:fillRef idx="1">
+        <a:scrgbClr r="0" g="0" b="0"/>
+      </a:fillRef>
+      <a:effectRef idx="0">
+        <a:scrgbClr r="0" g="0" b="0"/>
+      </a:effectRef>
+      <a:fontRef idx="minor">
+        <a:schemeClr val="lt1"/>
+      </a:fontRef>
+    </dgm:style>
+  </dgm:styleLbl>
+  <dgm:styleLbl name="fgSibTrans2D1">
+    <dgm:scene3d>
+      <a:camera prst="orthographicFront"/>
+      <a:lightRig rig="threePt" dir="t"/>
+    </dgm:scene3d>
+    <dgm:sp3d/>
+    <dgm:txPr/>
+    <dgm:style>
+      <a:lnRef idx="0">
+        <a:scrgbClr r="0" g="0" b="0"/>
+      </a:lnRef>
+      <a:fillRef idx="1">
+        <a:scrgbClr r="0" g="0" b="0"/>
+      </a:fillRef>
+      <a:effectRef idx="0">
+        <a:scrgbClr r="0" g="0" b="0"/>
+      </a:effectRef>
+      <a:fontRef idx="minor">
+        <a:schemeClr val="lt1"/>
+      </a:fontRef>
+    </dgm:style>
+  </dgm:styleLbl>
+  <dgm:styleLbl name="bgSibTrans2D1">
+    <dgm:scene3d>
+      <a:camera prst="orthographicFront"/>
+      <a:lightRig rig="threePt" dir="t"/>
+    </dgm:scene3d>
+    <dgm:sp3d/>
+    <dgm:txPr/>
+    <dgm:style>
+      <a:lnRef idx="0">
+        <a:scrgbClr r="0" g="0" b="0"/>
+      </a:lnRef>
+      <a:fillRef idx="1">
+        <a:scrgbClr r="0" g="0" b="0"/>
+      </a:fillRef>
+      <a:effectRef idx="0">
+        <a:scrgbClr r="0" g="0" b="0"/>
+      </a:effectRef>
+      <a:fontRef idx="minor">
+        <a:schemeClr val="lt1"/>
+      </a:fontRef>
+    </dgm:style>
+  </dgm:styleLbl>
+  <dgm:styleLbl name="sibTrans1D1">
+    <dgm:scene3d>
+      <a:camera prst="orthographicFront"/>
+      <a:lightRig rig="threePt" dir="t"/>
+    </dgm:scene3d>
+    <dgm:sp3d/>
+    <dgm:txPr/>
+    <dgm:style>
+      <a:lnRef idx="1">
+        <a:scrgbClr r="0" g="0" b="0"/>
+      </a:lnRef>
+      <a:fillRef idx="0">
+        <a:scrgbClr r="0" g="0" b="0"/>
+      </a:fillRef>
+      <a:effectRef idx="0">
+        <a:scrgbClr r="0" g="0" b="0"/>
+      </a:effectRef>
+      <a:fontRef idx="minor"/>
+    </dgm:style>
+  </dgm:styleLbl>
+  <dgm:styleLbl name="callout">
+    <dgm:scene3d>
+      <a:camera prst="orthographicFront"/>
+      <a:lightRig rig="threePt" dir="t"/>
+    </dgm:scene3d>
+    <dgm:sp3d/>
+    <dgm:txPr/>
+    <dgm:style>
+      <a:lnRef idx="2">
+        <a:scrgbClr r="0" g="0" b="0"/>
+      </a:lnRef>
+      <a:fillRef idx="1">
+        <a:scrgbClr r="0" g="0" b="0"/>
+      </a:fillRef>
+      <a:effectRef idx="0">
+        <a:scrgbClr r="0" g="0" b="0"/>
+      </a:effectRef>
+      <a:fontRef idx="minor"/>
+    </dgm:style>
+  </dgm:styleLbl>
+  <dgm:styleLbl name="asst0">
+    <dgm:scene3d>
+      <a:camera prst="orthographicFront"/>
+      <a:lightRig rig="threePt" dir="t"/>
+    </dgm:scene3d>
+    <dgm:sp3d/>
+    <dgm:txPr/>
+    <dgm:style>
+      <a:lnRef idx="2">
+        <a:scrgbClr r="0" g="0" b="0"/>
+      </a:lnRef>
+      <a:fillRef idx="1">
+        <a:scrgbClr r="0" g="0" b="0"/>
+      </a:fillRef>
+      <a:effectRef idx="0">
+        <a:scrgbClr r="0" g="0" b="0"/>
+      </a:effectRef>
+      <a:fontRef idx="minor">
+        <a:schemeClr val="lt1"/>
+      </a:fontRef>
+    </dgm:style>
+  </dgm:styleLbl>
+  <dgm:styleLbl name="asst1">
+    <dgm:scene3d>
+      <a:camera prst="orthographicFront"/>
+      <a:lightRig rig="threePt" dir="t"/>
+    </dgm:scene3d>
+    <dgm:sp3d/>
+    <dgm:txPr/>
+    <dgm:style>
+      <a:lnRef idx="2">
+        <a:scrgbClr r="0" g="0" b="0"/>
+      </a:lnRef>
+      <a:fillRef idx="1">
+        <a:scrgbClr r="0" g="0" b="0"/>
+      </a:fillRef>
+      <a:effectRef idx="0">
+        <a:scrgbClr r="0" g="0" b="0"/>
+      </a:effectRef>
+      <a:fontRef idx="minor">
+        <a:schemeClr val="lt1"/>
+      </a:fontRef>
+    </dgm:style>
+  </dgm:styleLbl>
+  <dgm:styleLbl name="asst2">
+    <dgm:scene3d>
+      <a:camera prst="orthographicFront"/>
+      <a:lightRig rig="threePt" dir="t"/>
+    </dgm:scene3d>
+    <dgm:sp3d/>
+    <dgm:txPr/>
+    <dgm:style>
+      <a:lnRef idx="2">
+        <a:scrgbClr r="0" g="0" b="0"/>
+      </a:lnRef>
+      <a:fillRef idx="1">
+        <a:scrgbClr r="0" g="0" b="0"/>
+      </a:fillRef>
+      <a:effectRef idx="0">
+        <a:scrgbClr r="0" g="0" b="0"/>
+      </a:effectRef>
+      <a:fontRef idx="minor">
+        <a:schemeClr val="lt1"/>
+      </a:fontRef>
+    </dgm:style>
+  </dgm:styleLbl>
+  <dgm:styleLbl name="asst3">
+    <dgm:scene3d>
+      <a:camera prst="orthographicFront"/>
+      <a:lightRig rig="threePt" dir="t"/>
+    </dgm:scene3d>
+    <dgm:sp3d/>
+    <dgm:txPr/>
+    <dgm:style>
+      <a:lnRef idx="2">
+        <a:scrgbClr r="0" g="0" b="0"/>
+      </a:lnRef>
+      <a:fillRef idx="1">
+        <a:scrgbClr r="0" g="0" b="0"/>
+      </a:fillRef>
+      <a:effectRef idx="0">
+        <a:scrgbClr r="0" g="0" b="0"/>
+      </a:effectRef>
+      <a:fontRef idx="minor">
+        <a:schemeClr val="lt1"/>
+      </a:fontRef>
+    </dgm:style>
+  </dgm:styleLbl>
+  <dgm:styleLbl name="asst4">
+    <dgm:scene3d>
+      <a:camera prst="orthographicFront"/>
+      <a:lightRig rig="threePt" dir="t"/>
+    </dgm:scene3d>
+    <dgm:sp3d/>
+    <dgm:txPr/>
+    <dgm:style>
+      <a:lnRef idx="2">
+        <a:scrgbClr r="0" g="0" b="0"/>
+      </a:lnRef>
+      <a:fillRef idx="1">
+        <a:scrgbClr r="0" g="0" b="0"/>
+      </a:fillRef>
+      <a:effectRef idx="0">
+        <a:scrgbClr r="0" g="0" b="0"/>
+      </a:effectRef>
+      <a:fontRef idx="minor">
+        <a:schemeClr val="lt1"/>
+      </a:fontRef>
+    </dgm:style>
+  </dgm:styleLbl>
+  <dgm:styleLbl name="parChTrans2D1">
+    <dgm:scene3d>
+      <a:camera prst="orthographicFront"/>
+      <a:lightRig rig="threePt" dir="t"/>
+    </dgm:scene3d>
+    <dgm:sp3d/>
+    <dgm:txPr/>
+    <dgm:style>
+      <a:lnRef idx="2">
+        <a:scrgbClr r="0" g="0" b="0"/>
+      </a:lnRef>
+      <a:fillRef idx="1">
+        <a:scrgbClr r="0" g="0" b="0"/>
+      </a:fillRef>
+      <a:effectRef idx="0">
+        <a:scrgbClr r="0" g="0" b="0"/>
+      </a:effectRef>
+      <a:fontRef idx="minor">
+        <a:schemeClr val="lt1"/>
+      </a:fontRef>
+    </dgm:style>
+  </dgm:styleLbl>
+  <dgm:styleLbl name="parChTrans2D2">
+    <dgm:scene3d>
+      <a:camera prst="orthographicFront"/>
+      <a:lightRig rig="threePt" dir="t"/>
+    </dgm:scene3d>
+    <dgm:sp3d/>
+    <dgm:txPr/>
+    <dgm:style>
+      <a:lnRef idx="2">
+        <a:scrgbClr r="0" g="0" b="0"/>
+      </a:lnRef>
+      <a:fillRef idx="1">
+        <a:scrgbClr r="0" g="0" b="0"/>
+      </a:fillRef>
+      <a:effectRef idx="0">
+        <a:scrgbClr r="0" g="0" b="0"/>
+      </a:effectRef>
+      <a:fontRef idx="minor">
+        <a:schemeClr val="lt1"/>
+      </a:fontRef>
+    </dgm:style>
+  </dgm:styleLbl>
+  <dgm:styleLbl name="parChTrans2D3">
+    <dgm:scene3d>
+      <a:camera prst="orthographicFront"/>
+      <a:lightRig rig="threePt" dir="t"/>
+    </dgm:scene3d>
+    <dgm:sp3d/>
+    <dgm:txPr/>
+    <dgm:style>
+      <a:lnRef idx="2">
+        <a:scrgbClr r="0" g="0" b="0"/>
+      </a:lnRef>
+      <a:fillRef idx="1">
+        <a:scrgbClr r="0" g="0" b="0"/>
+      </a:fillRef>
+      <a:effectRef idx="0">
+        <a:scrgbClr r="0" g="0" b="0"/>
+      </a:effectRef>
+      <a:fontRef idx="minor">
+        <a:schemeClr val="lt1"/>
+      </a:fontRef>
+    </dgm:style>
+  </dgm:styleLbl>
+  <dgm:styleLbl name="parChTrans2D4">
+    <dgm:scene3d>
+      <a:camera prst="orthographicFront"/>
+      <a:lightRig rig="threePt" dir="t"/>
+    </dgm:scene3d>
+    <dgm:sp3d/>
+    <dgm:txPr/>
+    <dgm:style>
+      <a:lnRef idx="2">
+        <a:scrgbClr r="0" g="0" b="0"/>
+      </a:lnRef>
+      <a:fillRef idx="1">
+        <a:scrgbClr r="0" g="0" b="0"/>
+      </a:fillRef>
+      <a:effectRef idx="0">
+        <a:scrgbClr r="0" g="0" b="0"/>
+      </a:effectRef>
+      <a:fontRef idx="minor">
+        <a:schemeClr val="lt1"/>
+      </a:fontRef>
+    </dgm:style>
+  </dgm:styleLbl>
+  <dgm:styleLbl name="parChTrans1D1">
+    <dgm:scene3d>
+      <a:camera prst="orthographicFront"/>
+      <a:lightRig rig="threePt" dir="t"/>
+    </dgm:scene3d>
+    <dgm:sp3d/>
+    <dgm:txPr/>
+    <dgm:style>
+      <a:lnRef idx="2">
+        <a:scrgbClr r="0" g="0" b="0"/>
+      </a:lnRef>
+      <a:fillRef idx="0">
+        <a:scrgbClr r="0" g="0" b="0"/>
+      </a:fillRef>
+      <a:effectRef idx="0">
+        <a:scrgbClr r="0" g="0" b="0"/>
+      </a:effectRef>
+      <a:fontRef idx="minor"/>
+    </dgm:style>
+  </dgm:styleLbl>
+  <dgm:styleLbl name="parChTrans1D2">
+    <dgm:scene3d>
+      <a:camera prst="orthographicFront"/>
+      <a:lightRig rig="threePt" dir="t"/>
+    </dgm:scene3d>
+    <dgm:sp3d/>
+    <dgm:txPr/>
+    <dgm:style>
+      <a:lnRef idx="2">
+        <a:scrgbClr r="0" g="0" b="0"/>
+      </a:lnRef>
+      <a:fillRef idx="0">
+        <a:scrgbClr r="0" g="0" b="0"/>
+      </a:fillRef>
+      <a:effectRef idx="0">
+        <a:scrgbClr r="0" g="0" b="0"/>
+      </a:effectRef>
+      <a:fontRef idx="minor"/>
+    </dgm:style>
+  </dgm:styleLbl>
+  <dgm:styleLbl name="parChTrans1D3">
+    <dgm:scene3d>
+      <a:camera prst="orthographicFront"/>
+      <a:lightRig rig="threePt" dir="t"/>
+    </dgm:scene3d>
+    <dgm:sp3d/>
+    <dgm:txPr/>
+    <dgm:style>
+      <a:lnRef idx="2">
+        <a:scrgbClr r="0" g="0" b="0"/>
+      </a:lnRef>
+      <a:fillRef idx="0">
+        <a:scrgbClr r="0" g="0" b="0"/>
+      </a:fillRef>
+      <a:effectRef idx="0">
+        <a:scrgbClr r="0" g="0" b="0"/>
+      </a:effectRef>
+      <a:fontRef idx="minor"/>
+    </dgm:style>
+  </dgm:styleLbl>
+  <dgm:styleLbl name="parChTrans1D4">
+    <dgm:scene3d>
+      <a:camera prst="orthographicFront"/>
+      <a:lightRig rig="threePt" dir="t"/>
+    </dgm:scene3d>
+    <dgm:sp3d/>
+    <dgm:txPr/>
+    <dgm:style>
+      <a:lnRef idx="2">
+        <a:scrgbClr r="0" g="0" b="0"/>
+      </a:lnRef>
+      <a:fillRef idx="0">
+        <a:scrgbClr r="0" g="0" b="0"/>
+      </a:fillRef>
+      <a:effectRef idx="0">
+        <a:scrgbClr r="0" g="0" b="0"/>
+      </a:effectRef>
+      <a:fontRef idx="minor"/>
+    </dgm:style>
+  </dgm:styleLbl>
+  <dgm:styleLbl name="fgAcc1">
+    <dgm:scene3d>
+      <a:camera prst="orthographicFront"/>
+      <a:lightRig rig="threePt" dir="t"/>
+    </dgm:scene3d>
+    <dgm:sp3d/>
+    <dgm:txPr/>
+    <dgm:style>
+      <a:lnRef idx="2">
+        <a:scrgbClr r="0" g="0" b="0"/>
+      </a:lnRef>
+      <a:fillRef idx="1">
+        <a:scrgbClr r="0" g="0" b="0"/>
+      </a:fillRef>
+      <a:effectRef idx="0">
+        <a:scrgbClr r="0" g="0" b="0"/>
+      </a:effectRef>
+      <a:fontRef idx="minor"/>
+    </dgm:style>
+  </dgm:styleLbl>
+  <dgm:styleLbl name="conFgAcc1">
+    <dgm:scene3d>
+      <a:camera prst="orthographicFront"/>
+      <a:lightRig rig="threePt" dir="t"/>
+    </dgm:scene3d>
+    <dgm:sp3d/>
+    <dgm:txPr/>
+    <dgm:style>
+      <a:lnRef idx="2">
+        <a:scrgbClr r="0" g="0" b="0"/>
+      </a:lnRef>
+      <a:fillRef idx="1">
+        <a:scrgbClr r="0" g="0" b="0"/>
+      </a:fillRef>
+      <a:effectRef idx="0">
+        <a:scrgbClr r="0" g="0" b="0"/>
+      </a:effectRef>
+      <a:fontRef idx="minor"/>
+    </dgm:style>
+  </dgm:styleLbl>
+  <dgm:styleLbl name="alignAcc1">
+    <dgm:scene3d>
+      <a:camera prst="orthographicFront"/>
+      <a:lightRig rig="threePt" dir="t"/>
+    </dgm:scene3d>
+    <dgm:sp3d/>
+    <dgm:txPr/>
+    <dgm:style>
+      <a:lnRef idx="2">
+        <a:scrgbClr r="0" g="0" b="0"/>
+      </a:lnRef>
+      <a:fillRef idx="1">
+        <a:scrgbClr r="0" g="0" b="0"/>
+      </a:fillRef>
+      <a:effectRef idx="0">
+        <a:scrgbClr r="0" g="0" b="0"/>
+      </a:effectRef>
+      <a:fontRef idx="minor"/>
+    </dgm:style>
+  </dgm:styleLbl>
+  <dgm:styleLbl name="trAlignAcc1">
+    <dgm:scene3d>
+      <a:camera prst="orthographicFront"/>
+      <a:lightRig rig="threePt" dir="t"/>
+    </dgm:scene3d>
+    <dgm:sp3d/>
+    <dgm:txPr/>
+    <dgm:style>
+      <a:lnRef idx="1">
+        <a:scrgbClr r="0" g="0" b="0"/>
+      </a:lnRef>
+      <a:fillRef idx="1">
+        <a:scrgbClr r="0" g="0" b="0"/>
+      </a:fillRef>
+      <a:effectRef idx="0">
+        <a:scrgbClr r="0" g="0" b="0"/>
+      </a:effectRef>
+      <a:fontRef idx="minor"/>
+    </dgm:style>
+  </dgm:styleLbl>
+  <dgm:styleLbl name="bgAcc1">
+    <dgm:scene3d>
+      <a:camera prst="orthographicFront"/>
+      <a:lightRig rig="threePt" dir="t"/>
+    </dgm:scene3d>
+    <dgm:sp3d/>
+    <dgm:txPr/>
+    <dgm:style>
+      <a:lnRef idx="2">
+        <a:scrgbClr r="0" g="0" b="0"/>
+      </a:lnRef>
+      <a:fillRef idx="1">
+        <a:scrgbClr r="0" g="0" b="0"/>
+      </a:fillRef>
+      <a:effectRef idx="0">
+        <a:scrgbClr r="0" g="0" b="0"/>
+      </a:effectRef>
+      <a:fontRef idx="minor"/>
+    </dgm:style>
+  </dgm:styleLbl>
+  <dgm:styleLbl name="solidFgAcc1">
+    <dgm:scene3d>
+      <a:camera prst="orthographicFront"/>
+      <a:lightRig rig="threePt" dir="t"/>
+    </dgm:scene3d>
+    <dgm:sp3d/>
+    <dgm:txPr/>
+    <dgm:style>
+      <a:lnRef idx="2">
+        <a:scrgbClr r="0" g="0" b="0"/>
+      </a:lnRef>
+      <a:fillRef idx="1">
+        <a:scrgbClr r="0" g="0" b="0"/>
+      </a:fillRef>
+      <a:effectRef idx="0">
+        <a:scrgbClr r="0" g="0" b="0"/>
+      </a:effectRef>
+      <a:fontRef idx="minor"/>
+    </dgm:style>
+  </dgm:styleLbl>
+  <dgm:styleLbl name="solidAlignAcc1">
+    <dgm:scene3d>
+      <a:camera prst="orthographicFront"/>
+      <a:lightRig rig="threePt" dir="t"/>
+    </dgm:scene3d>
+    <dgm:sp3d/>
+    <dgm:txPr/>
+    <dgm:style>
+      <a:lnRef idx="2">
+        <a:scrgbClr r="0" g="0" b="0"/>
+      </a:lnRef>
+      <a:fillRef idx="1">
+        <a:scrgbClr r="0" g="0" b="0"/>
+      </a:fillRef>
+      <a:effectRef idx="0">
+        <a:scrgbClr r="0" g="0" b="0"/>
+      </a:effectRef>
+      <a:fontRef idx="minor"/>
+    </dgm:style>
+  </dgm:styleLbl>
+  <dgm:styleLbl name="solidBgAcc1">
+    <dgm:scene3d>
+      <a:camera prst="orthographicFront"/>
+      <a:lightRig rig="threePt" dir="t"/>
+    </dgm:scene3d>
+    <dgm:sp3d/>
+    <dgm:txPr/>
+    <dgm:style>
+      <a:lnRef idx="2">
+        <a:scrgbClr r="0" g="0" b="0"/>
+      </a:lnRef>
+      <a:fillRef idx="1">
+        <a:scrgbClr r="0" g="0" b="0"/>
+      </a:fillRef>
+      <a:effectRef idx="0">
+        <a:scrgbClr r="0" g="0" b="0"/>
+      </a:effectRef>
+      <a:fontRef idx="minor"/>
+    </dgm:style>
+  </dgm:styleLbl>
+  <dgm:styleLbl name="fgAccFollowNode1">
+    <dgm:scene3d>
+      <a:camera prst="orthographicFront"/>
+      <a:lightRig rig="threePt" dir="t"/>
+    </dgm:scene3d>
+    <dgm:sp3d/>
+    <dgm:txPr/>
+    <dgm:style>
+      <a:lnRef idx="2">
+        <a:scrgbClr r="0" g="0" b="0"/>
+      </a:lnRef>
+      <a:fillRef idx="1">
+        <a:scrgbClr r="0" g="0" b="0"/>
+      </a:fillRef>
+      <a:effectRef idx="0">
+        <a:scrgbClr r="0" g="0" b="0"/>
+      </a:effectRef>
+      <a:fontRef idx="minor"/>
+    </dgm:style>
+  </dgm:styleLbl>
+  <dgm:styleLbl name="alignAccFollowNode1">
+    <dgm:scene3d>
+      <a:camera prst="orthographicFront"/>
+      <a:lightRig rig="threePt" dir="t"/>
+    </dgm:scene3d>
+    <dgm:sp3d/>
+    <dgm:txPr/>
+    <dgm:style>
+      <a:lnRef idx="2">
+        <a:scrgbClr r="0" g="0" b="0"/>
+      </a:lnRef>
+      <a:fillRef idx="1">
+        <a:scrgbClr r="0" g="0" b="0"/>
+      </a:fillRef>
+      <a:effectRef idx="0">
+        <a:scrgbClr r="0" g="0" b="0"/>
+      </a:effectRef>
+      <a:fontRef idx="minor"/>
+    </dgm:style>
+  </dgm:styleLbl>
+  <dgm:styleLbl name="bgAccFollowNode1">
+    <dgm:scene3d>
+      <a:camera prst="orthographicFront"/>
+      <a:lightRig rig="threePt" dir="t"/>
+    </dgm:scene3d>
+    <dgm:sp3d/>
+    <dgm:txPr/>
+    <dgm:style>
+      <a:lnRef idx="2">
+        <a:scrgbClr r="0" g="0" b="0"/>
+      </a:lnRef>
+      <a:fillRef idx="1">
+        <a:scrgbClr r="0" g="0" b="0"/>
+      </a:fillRef>
+      <a:effectRef idx="0">
+        <a:scrgbClr r="0" g="0" b="0"/>
+      </a:effectRef>
+      <a:fontRef idx="minor"/>
+    </dgm:style>
+  </dgm:styleLbl>
+  <dgm:styleLbl name="fgAcc0">
+    <dgm:scene3d>
+      <a:camera prst="orthographicFront"/>
+      <a:lightRig rig="threePt" dir="t"/>
+    </dgm:scene3d>
+    <dgm:sp3d/>
+    <dgm:txPr/>
+    <dgm:style>
+      <a:lnRef idx="2">
+        <a:scrgbClr r="0" g="0" b="0"/>
+      </a:lnRef>
+      <a:fillRef idx="1">
+        <a:scrgbClr r="0" g="0" b="0"/>
+      </a:fillRef>
+      <a:effectRef idx="0">
+        <a:scrgbClr r="0" g="0" b="0"/>
+      </a:effectRef>
+      <a:fontRef idx="minor"/>
+    </dgm:style>
+  </dgm:styleLbl>
+  <dgm:styleLbl name="fgAcc2">
+    <dgm:scene3d>
+      <a:camera prst="orthographicFront"/>
+      <a:lightRig rig="threePt" dir="t"/>
+    </dgm:scene3d>
+    <dgm:sp3d/>
+    <dgm:txPr/>
+    <dgm:style>
+      <a:lnRef idx="2">
+        <a:scrgbClr r="0" g="0" b="0"/>
+      </a:lnRef>
+      <a:fillRef idx="1">
+        <a:scrgbClr r="0" g="0" b="0"/>
+      </a:fillRef>
+      <a:effectRef idx="0">
+        <a:scrgbClr r="0" g="0" b="0"/>
+      </a:effectRef>
+      <a:fontRef idx="minor"/>
+    </dgm:style>
+  </dgm:styleLbl>
+  <dgm:styleLbl name="fgAcc3">
+    <dgm:scene3d>
+      <a:camera prst="orthographicFront"/>
+      <a:lightRig rig="threePt" dir="t"/>
+    </dgm:scene3d>
+    <dgm:sp3d/>
+    <dgm:txPr/>
+    <dgm:style>
+      <a:lnRef idx="2">
+        <a:scrgbClr r="0" g="0" b="0"/>
+      </a:lnRef>
+      <a:fillRef idx="1">
+        <a:scrgbClr r="0" g="0" b="0"/>
+      </a:fillRef>
+      <a:effectRef idx="0">
+        <a:scrgbClr r="0" g="0" b="0"/>
+      </a:effectRef>
+      <a:fontRef idx="minor"/>
+    </dgm:style>
+  </dgm:styleLbl>
+  <dgm:styleLbl name="fgAcc4">
+    <dgm:scene3d>
+      <a:camera prst="orthographicFront"/>
+      <a:lightRig rig="threePt" dir="t"/>
+    </dgm:scene3d>
+    <dgm:sp3d/>
+    <dgm:txPr/>
+    <dgm:style>
+      <a:lnRef idx="2">
+        <a:scrgbClr r="0" g="0" b="0"/>
+      </a:lnRef>
+      <a:fillRef idx="1">
+        <a:scrgbClr r="0" g="0" b="0"/>
+      </a:fillRef>
+      <a:effectRef idx="0">
+        <a:scrgbClr r="0" g="0" b="0"/>
+      </a:effectRef>
+      <a:fontRef idx="minor"/>
+    </dgm:style>
+  </dgm:styleLbl>
+  <dgm:styleLbl name="bgShp">
+    <dgm:scene3d>
+      <a:camera prst="orthographicFront"/>
+      <a:lightRig rig="threePt" dir="t"/>
+    </dgm:scene3d>
+    <dgm:sp3d/>
+    <dgm:txPr/>
+    <dgm:style>
+      <a:lnRef idx="0">
+        <a:scrgbClr r="0" g="0" b="0"/>
+      </a:lnRef>
+      <a:fillRef idx="1">
+        <a:scrgbClr r="0" g="0" b="0"/>
+      </a:fillRef>
+      <a:effectRef idx="0">
+        <a:scrgbClr r="0" g="0" b="0"/>
+      </a:effectRef>
+      <a:fontRef idx="minor"/>
+    </dgm:style>
+  </dgm:styleLbl>
+  <dgm:styleLbl name="dkBgShp">
+    <dgm:scene3d>
+      <a:camera prst="orthographicFront"/>
+      <a:lightRig rig="threePt" dir="t"/>
+    </dgm:scene3d>
+    <dgm:sp3d/>
+    <dgm:txPr/>
+    <dgm:style>
+      <a:lnRef idx="0">
+        <a:scrgbClr r="0" g="0" b="0"/>
+      </a:lnRef>
+      <a:fillRef idx="1">
+        <a:scrgbClr r="0" g="0" b="0"/>
+      </a:fillRef>
+      <a:effectRef idx="0">
+        <a:scrgbClr r="0" g="0" b="0"/>
+      </a:effectRef>
+      <a:fontRef idx="minor"/>
+    </dgm:style>
+  </dgm:styleLbl>
+  <dgm:styleLbl name="trBgShp">
+    <dgm:scene3d>
+      <a:camera prst="orthographicFront"/>
+      <a:lightRig rig="threePt" dir="t"/>
+    </dgm:scene3d>
+    <dgm:sp3d/>
+    <dgm:txPr/>
+    <dgm:style>
+      <a:lnRef idx="0">
+        <a:scrgbClr r="0" g="0" b="0"/>
+      </a:lnRef>
+      <a:fillRef idx="1">
+        <a:scrgbClr r="0" g="0" b="0"/>
+      </a:fillRef>
+      <a:effectRef idx="0">
+        <a:scrgbClr r="0" g="0" b="0"/>
+      </a:effectRef>
+      <a:fontRef idx="minor"/>
+    </dgm:style>
+  </dgm:styleLbl>
+  <dgm:styleLbl name="fgShp">
+    <dgm:scene3d>
+      <a:camera prst="orthographicFront"/>
+      <a:lightRig rig="threePt" dir="t"/>
+    </dgm:scene3d>
+    <dgm:sp3d/>
+    <dgm:txPr/>
+    <dgm:style>
+      <a:lnRef idx="2">
+        <a:scrgbClr r="0" g="0" b="0"/>
+      </a:lnRef>
+      <a:fillRef idx="1">
+        <a:scrgbClr r="0" g="0" b="0"/>
+      </a:fillRef>
+      <a:effectRef idx="0">
+        <a:scrgbClr r="0" g="0" b="0"/>
+      </a:effectRef>
+      <a:fontRef idx="minor"/>
+    </dgm:style>
+  </dgm:styleLbl>
+  <dgm:styleLbl name="revTx">
+    <dgm:scene3d>
+      <a:camera prst="orthographicFront"/>
+      <a:lightRig rig="threePt" dir="t"/>
+    </dgm:scene3d>
+    <dgm:sp3d/>
+    <dgm:txPr/>
+    <dgm:style>
+      <a:lnRef idx="0">
+        <a:scrgbClr r="0" g="0" b="0"/>
+      </a:lnRef>
+      <a:fillRef idx="0">
+        <a:scrgbClr r="0" g="0" b="0"/>
+      </a:fillRef>
+      <a:effectRef idx="0">
+        <a:scrgbClr r="0" g="0" b="0"/>
+      </a:effectRef>
+      <a:fontRef idx="minor"/>
+    </dgm:style>
+  </dgm:styleLbl>
+</dgm:styleDef>
+</file>
+
 <file path=ppt/handoutMasters/handoutMaster1.xml><?xml version="1.0" encoding="utf-8"?>
 <p:handoutMaster xmlns:a="http://schemas.openxmlformats.org/drawingml/2006/main" xmlns:r="http://schemas.openxmlformats.org/officeDocument/2006/relationships" xmlns:p="http://schemas.openxmlformats.org/presentationml/2006/main">
   <p:cSld>
@@ -906,7 +3361,7 @@
             <a:pPr rtl="0"/>
             <a:fld id="{4C6B5592-871B-4916-BBD8-47FA9EA6C126}" type="datetime1">
               <a:rPr lang="de-DE" smtClean="0"/>
-              <a:t>09.07.2021</a:t>
+              <a:t>11.07.2021</a:t>
             </a:fld>
             <a:endParaRPr lang="de-DE"/>
           </a:p>
@@ -1088,7 +3543,7 @@
             <a:pPr rtl="0"/>
             <a:fld id="{6DC1C0A0-13D2-4E22-966A-2200C9EC8E06}" type="datetime1">
               <a:rPr lang="de-DE" noProof="0" smtClean="0"/>
-              <a:t>09.07.2021</a:t>
+              <a:t>11.07.2021</a:t>
             </a:fld>
             <a:endParaRPr lang="de-DE" noProof="0"/>
           </a:p>
@@ -28570,47 +31025,35 @@
       </p:sp>
       <p:pic>
         <p:nvPicPr>
-          <p:cNvPr id="1026" name="Picture 2">
-            <a:extLst>
-              <a:ext uri="{FF2B5EF4-FFF2-40B4-BE49-F238E27FC236}">
-                <a16:creationId xmlns:a16="http://schemas.microsoft.com/office/drawing/2014/main" id="{9179843E-C998-4B99-A540-75F33D39C7B4}"/>
-              </a:ext>
-            </a:extLst>
-          </p:cNvPr>
-          <p:cNvPicPr>
-            <a:picLocks noGrp="1" noChangeAspect="1" noChangeArrowheads="1"/>
-          </p:cNvPicPr>
-          <p:nvPr>
-            <p:ph type="pic" sz="quarter" idx="13"/>
-          </p:nvPr>
+          <p:cNvPr id="10" name="Grafik 9">
+            <a:extLst>
+              <a:ext uri="{FF2B5EF4-FFF2-40B4-BE49-F238E27FC236}">
+                <a16:creationId xmlns:a16="http://schemas.microsoft.com/office/drawing/2014/main" id="{3369974C-76D4-4A89-9A86-A5245E35C13B}"/>
+              </a:ext>
+            </a:extLst>
+          </p:cNvPr>
+          <p:cNvPicPr/>
+          <p:nvPr/>
         </p:nvPicPr>
         <p:blipFill>
-          <a:blip r:embed="rId2">
-            <a:extLst>
-              <a:ext uri="{28A0092B-C50C-407E-A947-70E740481C1C}">
-                <a14:useLocalDpi xmlns:a14="http://schemas.microsoft.com/office/drawing/2010/main" val="0"/>
-              </a:ext>
-            </a:extLst>
-          </a:blip>
-          <a:srcRect l="12138" r="12138"/>
+          <a:blip r:embed="rId2"/>
           <a:stretch>
             <a:fillRect/>
           </a:stretch>
         </p:blipFill>
-        <p:spPr bwMode="auto">
+        <p:spPr>
+          <a:xfrm>
+            <a:off x="965023" y="1128768"/>
+            <a:ext cx="5272764" cy="4600463"/>
+          </a:xfrm>
           <a:prstGeom prst="rect">
             <a:avLst/>
           </a:prstGeom>
-          <a:noFill/>
-          <a:extLst>
-            <a:ext uri="{909E8E84-426E-40DD-AFC4-6F175D3DCCD1}">
-              <a14:hiddenFill xmlns:a14="http://schemas.microsoft.com/office/drawing/2010/main">
-                <a:solidFill>
-                  <a:srgbClr val="FFFFFF"/>
-                </a:solidFill>
-              </a14:hiddenFill>
-            </a:ext>
-          </a:extLst>
+          <a:ln>
+            <a:solidFill>
+              <a:schemeClr val="tx1"/>
+            </a:solidFill>
+          </a:ln>
         </p:spPr>
       </p:pic>
     </p:spTree>
@@ -28645,6 +31088,283 @@
       </p:grpSpPr>
       <p:sp>
         <p:nvSpPr>
+          <p:cNvPr id="3" name="Foliennummernplatzhalter 2">
+            <a:extLst>
+              <a:ext uri="{FF2B5EF4-FFF2-40B4-BE49-F238E27FC236}">
+                <a16:creationId xmlns:a16="http://schemas.microsoft.com/office/drawing/2014/main" id="{69265176-8A4F-4B0A-9CA1-1B011932D4CE}"/>
+              </a:ext>
+            </a:extLst>
+          </p:cNvPr>
+          <p:cNvSpPr>
+            <a:spLocks noGrp="1"/>
+          </p:cNvSpPr>
+          <p:nvPr>
+            <p:ph type="sldNum" sz="quarter" idx="12"/>
+          </p:nvPr>
+        </p:nvSpPr>
+        <p:spPr>
+          <a:xfrm>
+            <a:off x="11518900" y="6581978"/>
+            <a:ext cx="373062" cy="206104"/>
+          </a:xfrm>
+        </p:spPr>
+        <p:txBody>
+          <a:bodyPr vert="horz" lIns="91440" tIns="45720" rIns="91440" bIns="45720" rtlCol="0" anchor="ctr">
+            <a:normAutofit/>
+          </a:bodyPr>
+          <a:lstStyle/>
+          <a:p>
+            <a:pPr>
+              <a:lnSpc>
+                <a:spcPct val="90000"/>
+              </a:lnSpc>
+              <a:spcAft>
+                <a:spcPts val="600"/>
+              </a:spcAft>
+            </a:pPr>
+            <a:fld id="{03DC2DEF-D2FE-4B45-ABA4-9F153FD1C98A}" type="slidenum">
+              <a:rPr lang="de-DE" sz="800" smtClean="0"/>
+              <a:pPr>
+                <a:lnSpc>
+                  <a:spcPct val="90000"/>
+                </a:lnSpc>
+                <a:spcAft>
+                  <a:spcPts val="600"/>
+                </a:spcAft>
+              </a:pPr>
+              <a:t>11</a:t>
+            </a:fld>
+            <a:endParaRPr lang="de-DE" sz="800"/>
+          </a:p>
+        </p:txBody>
+      </p:sp>
+      <p:graphicFrame>
+        <p:nvGraphicFramePr>
+          <p:cNvPr id="26" name="Inhaltsplatzhalter 5">
+            <a:extLst>
+              <a:ext uri="{FF2B5EF4-FFF2-40B4-BE49-F238E27FC236}">
+                <a16:creationId xmlns:a16="http://schemas.microsoft.com/office/drawing/2014/main" id="{DEC5175A-2CDA-4800-94C8-DCF8ED04B137}"/>
+              </a:ext>
+            </a:extLst>
+          </p:cNvPr>
+          <p:cNvGraphicFramePr/>
+          <p:nvPr>
+            <p:extLst>
+              <p:ext uri="{D42A27DB-BD31-4B8C-83A1-F6EECF244321}">
+                <p14:modId xmlns:p14="http://schemas.microsoft.com/office/powerpoint/2010/main" val="2396833766"/>
+              </p:ext>
+            </p:extLst>
+          </p:nvPr>
+        </p:nvGraphicFramePr>
+        <p:xfrm>
+          <a:off x="6131719" y="1141061"/>
+          <a:ext cx="5657664" cy="4575877"/>
+        </p:xfrm>
+        <a:graphic>
+          <a:graphicData uri="http://schemas.openxmlformats.org/drawingml/2006/diagram">
+            <dgm:relIds xmlns:dgm="http://schemas.openxmlformats.org/drawingml/2006/diagram" xmlns:r="http://schemas.openxmlformats.org/officeDocument/2006/relationships" r:dm="rId2" r:lo="rId3" r:qs="rId4" r:cs="rId5"/>
+          </a:graphicData>
+        </a:graphic>
+      </p:graphicFrame>
+      <p:sp>
+        <p:nvSpPr>
+          <p:cNvPr id="36" name="Titel 1">
+            <a:extLst>
+              <a:ext uri="{FF2B5EF4-FFF2-40B4-BE49-F238E27FC236}">
+                <a16:creationId xmlns:a16="http://schemas.microsoft.com/office/drawing/2014/main" id="{A0187A9B-4CED-4253-B40D-1418DB8F6ECC}"/>
+              </a:ext>
+            </a:extLst>
+          </p:cNvPr>
+          <p:cNvSpPr txBox="1">
+            <a:spLocks/>
+          </p:cNvSpPr>
+          <p:nvPr/>
+        </p:nvSpPr>
+        <p:spPr>
+          <a:xfrm>
+            <a:off x="371475" y="260351"/>
+            <a:ext cx="11520488" cy="758824"/>
+          </a:xfrm>
+          <a:prstGeom prst="rect">
+            <a:avLst/>
+          </a:prstGeom>
+        </p:spPr>
+        <p:txBody>
+          <a:bodyPr vert="horz" lIns="91440" tIns="45720" rIns="91440" bIns="45720" rtlCol="0" anchor="b">
+            <a:normAutofit/>
+          </a:bodyPr>
+          <a:lstStyle>
+            <a:lvl1pPr algn="l" defTabSz="914400" rtl="0" eaLnBrk="1" latinLnBrk="0" hangingPunct="1">
+              <a:lnSpc>
+                <a:spcPct val="90000"/>
+              </a:lnSpc>
+              <a:spcBef>
+                <a:spcPct val="0"/>
+              </a:spcBef>
+              <a:buNone/>
+              <a:defRPr sz="3200" b="1" kern="1200">
+                <a:solidFill>
+                  <a:schemeClr val="tx1"/>
+                </a:solidFill>
+                <a:latin typeface="+mj-lt"/>
+                <a:ea typeface="+mj-ea"/>
+                <a:cs typeface="+mj-cs"/>
+              </a:defRPr>
+            </a:lvl1pPr>
+          </a:lstStyle>
+          <a:p>
+            <a:r>
+              <a:rPr lang="de-DE" dirty="0"/>
+              <a:t>Überblick über den Datensatz verschaffen</a:t>
+            </a:r>
+          </a:p>
+        </p:txBody>
+      </p:sp>
+      <p:pic>
+        <p:nvPicPr>
+          <p:cNvPr id="43" name="Grafik 42">
+            <a:extLst>
+              <a:ext uri="{FF2B5EF4-FFF2-40B4-BE49-F238E27FC236}">
+                <a16:creationId xmlns:a16="http://schemas.microsoft.com/office/drawing/2014/main" id="{C7ACE613-9DF0-4538-B309-7CD0DE24873B}"/>
+              </a:ext>
+            </a:extLst>
+          </p:cNvPr>
+          <p:cNvPicPr>
+            <a:picLocks noChangeAspect="1"/>
+          </p:cNvPicPr>
+          <p:nvPr/>
+        </p:nvPicPr>
+        <p:blipFill rotWithShape="1">
+          <a:blip r:embed="rId7"/>
+          <a:srcRect r="3482" b="50895"/>
+          <a:stretch/>
+        </p:blipFill>
+        <p:spPr>
+          <a:xfrm>
+            <a:off x="277773" y="3577877"/>
+            <a:ext cx="2628316" cy="1862803"/>
+          </a:xfrm>
+          <a:prstGeom prst="rect">
+            <a:avLst/>
+          </a:prstGeom>
+          <a:effectLst>
+            <a:outerShdw blurRad="50800" dist="38100" dir="2700000" algn="tl" rotWithShape="0">
+              <a:prstClr val="black">
+                <a:alpha val="40000"/>
+              </a:prstClr>
+            </a:outerShdw>
+          </a:effectLst>
+        </p:spPr>
+      </p:pic>
+      <p:pic>
+        <p:nvPicPr>
+          <p:cNvPr id="44" name="Grafik 43">
+            <a:extLst>
+              <a:ext uri="{FF2B5EF4-FFF2-40B4-BE49-F238E27FC236}">
+                <a16:creationId xmlns:a16="http://schemas.microsoft.com/office/drawing/2014/main" id="{83453C4C-9B04-4762-BE6E-56ECAEFE4D16}"/>
+              </a:ext>
+            </a:extLst>
+          </p:cNvPr>
+          <p:cNvPicPr>
+            <a:picLocks noChangeAspect="1"/>
+          </p:cNvPicPr>
+          <p:nvPr/>
+        </p:nvPicPr>
+        <p:blipFill rotWithShape="1">
+          <a:blip r:embed="rId7"/>
+          <a:srcRect t="49128"/>
+          <a:stretch/>
+        </p:blipFill>
+        <p:spPr>
+          <a:xfrm>
+            <a:off x="2991198" y="3577876"/>
+            <a:ext cx="2628565" cy="1862803"/>
+          </a:xfrm>
+          <a:prstGeom prst="rect">
+            <a:avLst/>
+          </a:prstGeom>
+          <a:effectLst>
+            <a:outerShdw blurRad="50800" dist="38100" dir="2700000" algn="tl" rotWithShape="0">
+              <a:prstClr val="black">
+                <a:alpha val="40000"/>
+              </a:prstClr>
+            </a:outerShdw>
+          </a:effectLst>
+        </p:spPr>
+      </p:pic>
+      <p:pic>
+        <p:nvPicPr>
+          <p:cNvPr id="45" name="Grafik 44">
+            <a:extLst>
+              <a:ext uri="{FF2B5EF4-FFF2-40B4-BE49-F238E27FC236}">
+                <a16:creationId xmlns:a16="http://schemas.microsoft.com/office/drawing/2014/main" id="{548152F6-D1E2-4D48-996F-021651438EAE}"/>
+              </a:ext>
+            </a:extLst>
+          </p:cNvPr>
+          <p:cNvPicPr>
+            <a:picLocks noChangeAspect="1"/>
+          </p:cNvPicPr>
+          <p:nvPr/>
+        </p:nvPicPr>
+        <p:blipFill rotWithShape="1">
+          <a:blip r:embed="rId8"/>
+          <a:srcRect r="63951"/>
+          <a:stretch/>
+        </p:blipFill>
+        <p:spPr>
+          <a:xfrm>
+            <a:off x="277773" y="1500883"/>
+            <a:ext cx="5341990" cy="1827279"/>
+          </a:xfrm>
+          <a:prstGeom prst="rect">
+            <a:avLst/>
+          </a:prstGeom>
+          <a:ln>
+            <a:solidFill>
+              <a:schemeClr val="bg1"/>
+            </a:solidFill>
+          </a:ln>
+          <a:effectLst>
+            <a:outerShdw blurRad="50800" dist="38100" dir="2700000" algn="tl" rotWithShape="0">
+              <a:prstClr val="black">
+                <a:alpha val="40000"/>
+              </a:prstClr>
+            </a:outerShdw>
+          </a:effectLst>
+        </p:spPr>
+      </p:pic>
+    </p:spTree>
+    <p:extLst>
+      <p:ext uri="{BB962C8B-B14F-4D97-AF65-F5344CB8AC3E}">
+        <p14:creationId xmlns:p14="http://schemas.microsoft.com/office/powerpoint/2010/main" val="1057246284"/>
+      </p:ext>
+    </p:extLst>
+  </p:cSld>
+  <p:clrMapOvr>
+    <a:masterClrMapping/>
+  </p:clrMapOvr>
+</p:sld>
+</file>
+
+<file path=ppt/slides/slide12.xml><?xml version="1.0" encoding="utf-8"?>
+<p:sld xmlns:a="http://schemas.openxmlformats.org/drawingml/2006/main" xmlns:r="http://schemas.openxmlformats.org/officeDocument/2006/relationships" xmlns:p="http://schemas.openxmlformats.org/presentationml/2006/main">
+  <p:cSld>
+    <p:spTree>
+      <p:nvGrpSpPr>
+        <p:cNvPr id="1" name=""/>
+        <p:cNvGrpSpPr/>
+        <p:nvPr/>
+      </p:nvGrpSpPr>
+      <p:grpSpPr>
+        <a:xfrm>
+          <a:off x="0" y="0"/>
+          <a:ext cx="0" cy="0"/>
+          <a:chOff x="0" y="0"/>
+          <a:chExt cx="0" cy="0"/>
+        </a:xfrm>
+      </p:grpSpPr>
+      <p:sp>
+        <p:nvSpPr>
           <p:cNvPr id="2" name="Titel 1">
             <a:extLst>
               <a:ext uri="{FF2B5EF4-FFF2-40B4-BE49-F238E27FC236}">
@@ -28699,7 +31419,7 @@
             <a:pPr rtl="0"/>
             <a:fld id="{03DC2DEF-D2FE-4B45-ABA4-9F153FD1C98A}" type="slidenum">
               <a:rPr lang="de-DE" noProof="0" smtClean="0"/>
-              <a:t>11</a:t>
+              <a:t>12</a:t>
             </a:fld>
             <a:endParaRPr lang="de-DE" noProof="0"/>
           </a:p>
@@ -29240,133 +31960,6 @@
       <p:bldP spid="8" grpId="0" animBg="1"/>
     </p:bldLst>
   </p:timing>
-</p:sld>
-</file>
-
-<file path=ppt/slides/slide12.xml><?xml version="1.0" encoding="utf-8"?>
-<p:sld xmlns:a="http://schemas.openxmlformats.org/drawingml/2006/main" xmlns:r="http://schemas.openxmlformats.org/officeDocument/2006/relationships" xmlns:p="http://schemas.openxmlformats.org/presentationml/2006/main">
-  <p:cSld>
-    <p:spTree>
-      <p:nvGrpSpPr>
-        <p:cNvPr id="1" name=""/>
-        <p:cNvGrpSpPr/>
-        <p:nvPr/>
-      </p:nvGrpSpPr>
-      <p:grpSpPr>
-        <a:xfrm>
-          <a:off x="0" y="0"/>
-          <a:ext cx="0" cy="0"/>
-          <a:chOff x="0" y="0"/>
-          <a:chExt cx="0" cy="0"/>
-        </a:xfrm>
-      </p:grpSpPr>
-      <p:sp>
-        <p:nvSpPr>
-          <p:cNvPr id="2" name="Titel 1">
-            <a:extLst>
-              <a:ext uri="{FF2B5EF4-FFF2-40B4-BE49-F238E27FC236}">
-                <a16:creationId xmlns:a16="http://schemas.microsoft.com/office/drawing/2014/main" id="{85898A87-E346-4744-8111-09C1AF8804AE}"/>
-              </a:ext>
-            </a:extLst>
-          </p:cNvPr>
-          <p:cNvSpPr>
-            <a:spLocks noGrp="1"/>
-          </p:cNvSpPr>
-          <p:nvPr>
-            <p:ph type="title"/>
-          </p:nvPr>
-        </p:nvSpPr>
-        <p:spPr/>
-        <p:txBody>
-          <a:bodyPr/>
-          <a:lstStyle/>
-          <a:p>
-            <a:r>
-              <a:rPr lang="de-DE" dirty="0" err="1"/>
-              <a:t>Exploratory</a:t>
-            </a:r>
-            <a:r>
-              <a:rPr lang="de-DE" dirty="0"/>
-              <a:t> Analysis</a:t>
-            </a:r>
-          </a:p>
-        </p:txBody>
-      </p:sp>
-      <p:sp>
-        <p:nvSpPr>
-          <p:cNvPr id="3" name="Foliennummernplatzhalter 2">
-            <a:extLst>
-              <a:ext uri="{FF2B5EF4-FFF2-40B4-BE49-F238E27FC236}">
-                <a16:creationId xmlns:a16="http://schemas.microsoft.com/office/drawing/2014/main" id="{69265176-8A4F-4B0A-9CA1-1B011932D4CE}"/>
-              </a:ext>
-            </a:extLst>
-          </p:cNvPr>
-          <p:cNvSpPr>
-            <a:spLocks noGrp="1"/>
-          </p:cNvSpPr>
-          <p:nvPr>
-            <p:ph type="sldNum" sz="quarter" idx="12"/>
-          </p:nvPr>
-        </p:nvSpPr>
-        <p:spPr/>
-        <p:txBody>
-          <a:bodyPr/>
-          <a:lstStyle/>
-          <a:p>
-            <a:pPr rtl="0"/>
-            <a:fld id="{03DC2DEF-D2FE-4B45-ABA4-9F153FD1C98A}" type="slidenum">
-              <a:rPr lang="de-DE" noProof="0" smtClean="0"/>
-              <a:t>12</a:t>
-            </a:fld>
-            <a:endParaRPr lang="de-DE" noProof="0"/>
-          </a:p>
-        </p:txBody>
-      </p:sp>
-      <p:sp>
-        <p:nvSpPr>
-          <p:cNvPr id="5" name="Textfeld 4">
-            <a:extLst>
-              <a:ext uri="{FF2B5EF4-FFF2-40B4-BE49-F238E27FC236}">
-                <a16:creationId xmlns:a16="http://schemas.microsoft.com/office/drawing/2014/main" id="{4E8B687B-2D80-44F1-83BE-53469FE4DD77}"/>
-              </a:ext>
-            </a:extLst>
-          </p:cNvPr>
-          <p:cNvSpPr txBox="1"/>
-          <p:nvPr/>
-        </p:nvSpPr>
-        <p:spPr>
-          <a:xfrm>
-            <a:off x="4450080" y="3135086"/>
-            <a:ext cx="1703351" cy="369332"/>
-          </a:xfrm>
-          <a:prstGeom prst="rect">
-            <a:avLst/>
-          </a:prstGeom>
-          <a:noFill/>
-        </p:spPr>
-        <p:txBody>
-          <a:bodyPr wrap="none" rtlCol="0">
-            <a:spAutoFit/>
-          </a:bodyPr>
-          <a:lstStyle/>
-          <a:p>
-            <a:r>
-              <a:rPr lang="de-DE" dirty="0"/>
-              <a:t>LENNART TO DO</a:t>
-            </a:r>
-          </a:p>
-        </p:txBody>
-      </p:sp>
-    </p:spTree>
-    <p:extLst>
-      <p:ext uri="{BB962C8B-B14F-4D97-AF65-F5344CB8AC3E}">
-        <p14:creationId xmlns:p14="http://schemas.microsoft.com/office/powerpoint/2010/main" val="1057246284"/>
-      </p:ext>
-    </p:extLst>
-  </p:cSld>
-  <p:clrMapOvr>
-    <a:masterClrMapping/>
-  </p:clrMapOvr>
 </p:sld>
 </file>
 
@@ -30361,39 +32954,545 @@
       </p:sp>
       <p:sp>
         <p:nvSpPr>
-          <p:cNvPr id="5" name="Textfeld 4">
-            <a:extLst>
-              <a:ext uri="{FF2B5EF4-FFF2-40B4-BE49-F238E27FC236}">
-                <a16:creationId xmlns:a16="http://schemas.microsoft.com/office/drawing/2014/main" id="{CBEFB219-EA9C-4F75-B1BF-BD2AC2B42F93}"/>
-              </a:ext>
-            </a:extLst>
-          </p:cNvPr>
-          <p:cNvSpPr txBox="1"/>
+          <p:cNvPr id="4" name="Ellipse 3">
+            <a:extLst>
+              <a:ext uri="{FF2B5EF4-FFF2-40B4-BE49-F238E27FC236}">
+                <a16:creationId xmlns:a16="http://schemas.microsoft.com/office/drawing/2014/main" id="{AD2888EA-EFBB-4EDA-86F3-69F6938B0F35}"/>
+              </a:ext>
+            </a:extLst>
+          </p:cNvPr>
+          <p:cNvSpPr/>
           <p:nvPr/>
         </p:nvSpPr>
         <p:spPr>
           <a:xfrm>
-            <a:off x="4859383" y="3431244"/>
-            <a:ext cx="2320507" cy="369332"/>
+            <a:off x="554540" y="1179590"/>
+            <a:ext cx="1993982" cy="1716994"/>
+          </a:xfrm>
+          <a:prstGeom prst="ellipse">
+            <a:avLst/>
+          </a:prstGeom>
+        </p:spPr>
+        <p:style>
+          <a:lnRef idx="2">
+            <a:schemeClr val="accent1">
+              <a:shade val="50000"/>
+            </a:schemeClr>
+          </a:lnRef>
+          <a:fillRef idx="1">
+            <a:schemeClr val="accent1"/>
+          </a:fillRef>
+          <a:effectRef idx="0">
+            <a:schemeClr val="accent1"/>
+          </a:effectRef>
+          <a:fontRef idx="minor">
+            <a:schemeClr val="lt1"/>
+          </a:fontRef>
+        </p:style>
+        <p:txBody>
+          <a:bodyPr rtlCol="0" anchor="ctr"/>
+          <a:lstStyle/>
+          <a:p>
+            <a:pPr algn="ctr"/>
+            <a:r>
+              <a:rPr lang="de-DE" sz="1800" dirty="0"/>
+              <a:t>Merkmale von Labels (‚</a:t>
+            </a:r>
+            <a:r>
+              <a:rPr lang="de-DE" sz="1800" dirty="0" err="1"/>
+              <a:t>price</a:t>
+            </a:r>
+            <a:r>
+              <a:rPr lang="de-DE" sz="1800" dirty="0"/>
+              <a:t>‘) trennen</a:t>
+            </a:r>
+          </a:p>
+        </p:txBody>
+      </p:sp>
+      <p:pic>
+        <p:nvPicPr>
+          <p:cNvPr id="10" name="Grafik 9" descr="Puzzleteile Silhouette">
+            <a:extLst>
+              <a:ext uri="{FF2B5EF4-FFF2-40B4-BE49-F238E27FC236}">
+                <a16:creationId xmlns:a16="http://schemas.microsoft.com/office/drawing/2014/main" id="{5182E289-1C02-4DD0-8355-47A3F28AA51D}"/>
+              </a:ext>
+            </a:extLst>
+          </p:cNvPr>
+          <p:cNvPicPr>
+            <a:picLocks noChangeAspect="1"/>
+          </p:cNvPicPr>
+          <p:nvPr/>
+        </p:nvPicPr>
+        <p:blipFill>
+          <a:blip r:embed="rId2">
+            <a:extLst>
+              <a:ext uri="{96DAC541-7B7A-43D3-8B79-37D633B846F1}">
+                <asvg:svgBlip xmlns:asvg="http://schemas.microsoft.com/office/drawing/2016/SVG/main" r:embed="rId3"/>
+              </a:ext>
+            </a:extLst>
+          </a:blip>
+          <a:stretch>
+            <a:fillRect/>
+          </a:stretch>
+        </p:blipFill>
+        <p:spPr>
+          <a:xfrm>
+            <a:off x="1033530" y="2896583"/>
+            <a:ext cx="914400" cy="914400"/>
           </a:xfrm>
           <a:prstGeom prst="rect">
             <a:avLst/>
           </a:prstGeom>
-          <a:noFill/>
-        </p:spPr>
-        <p:txBody>
-          <a:bodyPr wrap="none" rtlCol="0">
-            <a:spAutoFit/>
-          </a:bodyPr>
+        </p:spPr>
+      </p:pic>
+      <p:pic>
+        <p:nvPicPr>
+          <p:cNvPr id="12" name="Grafik 11" descr="Playbook mit einfarbiger Füllung">
+            <a:extLst>
+              <a:ext uri="{FF2B5EF4-FFF2-40B4-BE49-F238E27FC236}">
+                <a16:creationId xmlns:a16="http://schemas.microsoft.com/office/drawing/2014/main" id="{4637FBE8-89A9-4F43-99A9-FD0E6FFFFBD8}"/>
+              </a:ext>
+            </a:extLst>
+          </p:cNvPr>
+          <p:cNvPicPr>
+            <a:picLocks noChangeAspect="1"/>
+          </p:cNvPicPr>
+          <p:nvPr/>
+        </p:nvPicPr>
+        <p:blipFill>
+          <a:blip r:embed="rId4">
+            <a:extLst>
+              <a:ext uri="{96DAC541-7B7A-43D3-8B79-37D633B846F1}">
+                <asvg:svgBlip xmlns:asvg="http://schemas.microsoft.com/office/drawing/2016/SVG/main" r:embed="rId5"/>
+              </a:ext>
+            </a:extLst>
+          </a:blip>
+          <a:stretch>
+            <a:fillRect/>
+          </a:stretch>
+        </p:blipFill>
+        <p:spPr>
+          <a:xfrm>
+            <a:off x="3339035" y="4911153"/>
+            <a:ext cx="882782" cy="882782"/>
+          </a:xfrm>
+          <a:prstGeom prst="rect">
+            <a:avLst/>
+          </a:prstGeom>
+        </p:spPr>
+      </p:pic>
+      <p:sp>
+        <p:nvSpPr>
+          <p:cNvPr id="13" name="Ellipse 12">
+            <a:extLst>
+              <a:ext uri="{FF2B5EF4-FFF2-40B4-BE49-F238E27FC236}">
+                <a16:creationId xmlns:a16="http://schemas.microsoft.com/office/drawing/2014/main" id="{C0B3A35E-D921-4E9C-A763-174B28CE04F9}"/>
+              </a:ext>
+            </a:extLst>
+          </p:cNvPr>
+          <p:cNvSpPr/>
+          <p:nvPr/>
+        </p:nvSpPr>
+        <p:spPr>
+          <a:xfrm>
+            <a:off x="2872986" y="3179470"/>
+            <a:ext cx="1993982" cy="1716994"/>
+          </a:xfrm>
+          <a:prstGeom prst="ellipse">
+            <a:avLst/>
+          </a:prstGeom>
+        </p:spPr>
+        <p:style>
+          <a:lnRef idx="2">
+            <a:schemeClr val="accent1">
+              <a:shade val="50000"/>
+            </a:schemeClr>
+          </a:lnRef>
+          <a:fillRef idx="1">
+            <a:schemeClr val="accent1"/>
+          </a:fillRef>
+          <a:effectRef idx="0">
+            <a:schemeClr val="accent1"/>
+          </a:effectRef>
+          <a:fontRef idx="minor">
+            <a:schemeClr val="lt1"/>
+          </a:fontRef>
+        </p:style>
+        <p:txBody>
+          <a:bodyPr rtlCol="0" anchor="ctr"/>
           <a:lstStyle/>
           <a:p>
-            <a:r>
-              <a:rPr lang="de-DE" dirty="0"/>
-              <a:t>LENNART NOCH TO DO</a:t>
-            </a:r>
-          </a:p>
-        </p:txBody>
-      </p:sp>
+            <a:pPr algn="ctr"/>
+            <a:r>
+              <a:rPr lang="de-DE" sz="1800" dirty="0"/>
+              <a:t>Weniger nützliche Merkmale entfernen</a:t>
+            </a:r>
+          </a:p>
+        </p:txBody>
+      </p:sp>
+      <p:sp>
+        <p:nvSpPr>
+          <p:cNvPr id="14" name="Ellipse 13">
+            <a:extLst>
+              <a:ext uri="{FF2B5EF4-FFF2-40B4-BE49-F238E27FC236}">
+                <a16:creationId xmlns:a16="http://schemas.microsoft.com/office/drawing/2014/main" id="{99485254-4468-436D-8A2B-DFC21B538185}"/>
+              </a:ext>
+            </a:extLst>
+          </p:cNvPr>
+          <p:cNvSpPr/>
+          <p:nvPr/>
+        </p:nvSpPr>
+        <p:spPr>
+          <a:xfrm>
+            <a:off x="5130847" y="1179589"/>
+            <a:ext cx="1993982" cy="1716994"/>
+          </a:xfrm>
+          <a:prstGeom prst="ellipse">
+            <a:avLst/>
+          </a:prstGeom>
+        </p:spPr>
+        <p:style>
+          <a:lnRef idx="2">
+            <a:schemeClr val="accent1">
+              <a:shade val="50000"/>
+            </a:schemeClr>
+          </a:lnRef>
+          <a:fillRef idx="1">
+            <a:schemeClr val="accent1"/>
+          </a:fillRef>
+          <a:effectRef idx="0">
+            <a:schemeClr val="accent1"/>
+          </a:effectRef>
+          <a:fontRef idx="minor">
+            <a:schemeClr val="lt1"/>
+          </a:fontRef>
+        </p:style>
+        <p:txBody>
+          <a:bodyPr rtlCol="0" anchor="ctr"/>
+          <a:lstStyle/>
+          <a:p>
+            <a:pPr algn="ctr"/>
+            <a:r>
+              <a:rPr lang="de-DE" sz="1800" dirty="0"/>
+              <a:t>Fehlende Merkmale?</a:t>
+            </a:r>
+          </a:p>
+        </p:txBody>
+      </p:sp>
+      <p:sp>
+        <p:nvSpPr>
+          <p:cNvPr id="15" name="Ellipse 14">
+            <a:extLst>
+              <a:ext uri="{FF2B5EF4-FFF2-40B4-BE49-F238E27FC236}">
+                <a16:creationId xmlns:a16="http://schemas.microsoft.com/office/drawing/2014/main" id="{28619DEE-D9E0-4218-A000-F0D0A5C8E668}"/>
+              </a:ext>
+            </a:extLst>
+          </p:cNvPr>
+          <p:cNvSpPr/>
+          <p:nvPr/>
+        </p:nvSpPr>
+        <p:spPr>
+          <a:xfrm>
+            <a:off x="9638069" y="1179590"/>
+            <a:ext cx="1993982" cy="1716994"/>
+          </a:xfrm>
+          <a:prstGeom prst="ellipse">
+            <a:avLst/>
+          </a:prstGeom>
+        </p:spPr>
+        <p:style>
+          <a:lnRef idx="2">
+            <a:schemeClr val="accent1">
+              <a:shade val="50000"/>
+            </a:schemeClr>
+          </a:lnRef>
+          <a:fillRef idx="1">
+            <a:schemeClr val="accent1"/>
+          </a:fillRef>
+          <a:effectRef idx="0">
+            <a:schemeClr val="accent1"/>
+          </a:effectRef>
+          <a:fontRef idx="minor">
+            <a:schemeClr val="lt1"/>
+          </a:fontRef>
+        </p:style>
+        <p:txBody>
+          <a:bodyPr rtlCol="0" anchor="ctr"/>
+          <a:lstStyle/>
+          <a:p>
+            <a:pPr algn="ctr"/>
+            <a:r>
+              <a:rPr lang="de-DE" sz="1800" dirty="0"/>
+              <a:t>Skalieren von Merkmalen</a:t>
+            </a:r>
+          </a:p>
+        </p:txBody>
+      </p:sp>
+      <p:sp>
+        <p:nvSpPr>
+          <p:cNvPr id="16" name="Ellipse 15">
+            <a:extLst>
+              <a:ext uri="{FF2B5EF4-FFF2-40B4-BE49-F238E27FC236}">
+                <a16:creationId xmlns:a16="http://schemas.microsoft.com/office/drawing/2014/main" id="{BDCA521A-F8A1-4DE0-B875-60C600030669}"/>
+              </a:ext>
+            </a:extLst>
+          </p:cNvPr>
+          <p:cNvSpPr/>
+          <p:nvPr/>
+        </p:nvSpPr>
+        <p:spPr>
+          <a:xfrm>
+            <a:off x="7261598" y="3179470"/>
+            <a:ext cx="1993982" cy="1716994"/>
+          </a:xfrm>
+          <a:prstGeom prst="ellipse">
+            <a:avLst/>
+          </a:prstGeom>
+        </p:spPr>
+        <p:style>
+          <a:lnRef idx="2">
+            <a:schemeClr val="accent1">
+              <a:shade val="50000"/>
+            </a:schemeClr>
+          </a:lnRef>
+          <a:fillRef idx="1">
+            <a:schemeClr val="accent1"/>
+          </a:fillRef>
+          <a:effectRef idx="0">
+            <a:schemeClr val="accent1"/>
+          </a:effectRef>
+          <a:fontRef idx="minor">
+            <a:schemeClr val="lt1"/>
+          </a:fontRef>
+        </p:style>
+        <p:txBody>
+          <a:bodyPr rtlCol="0" anchor="ctr"/>
+          <a:lstStyle/>
+          <a:p>
+            <a:pPr algn="ctr"/>
+            <a:r>
+              <a:rPr lang="de-DE" sz="1800" dirty="0"/>
+              <a:t>Formatieren der Merkmale</a:t>
+            </a:r>
+          </a:p>
+        </p:txBody>
+      </p:sp>
+      <p:pic>
+        <p:nvPicPr>
+          <p:cNvPr id="24" name="Grafik 23" descr="Lineal mit einfarbiger Füllung">
+            <a:extLst>
+              <a:ext uri="{FF2B5EF4-FFF2-40B4-BE49-F238E27FC236}">
+                <a16:creationId xmlns:a16="http://schemas.microsoft.com/office/drawing/2014/main" id="{AF8B6F75-8A64-4DF0-B7EB-E57C7FDBE2F7}"/>
+              </a:ext>
+            </a:extLst>
+          </p:cNvPr>
+          <p:cNvPicPr>
+            <a:picLocks noChangeAspect="1"/>
+          </p:cNvPicPr>
+          <p:nvPr/>
+        </p:nvPicPr>
+        <p:blipFill>
+          <a:blip r:embed="rId6">
+            <a:extLst>
+              <a:ext uri="{96DAC541-7B7A-43D3-8B79-37D633B846F1}">
+                <asvg:svgBlip xmlns:asvg="http://schemas.microsoft.com/office/drawing/2016/SVG/main" r:embed="rId7"/>
+              </a:ext>
+            </a:extLst>
+          </a:blip>
+          <a:stretch>
+            <a:fillRect/>
+          </a:stretch>
+        </p:blipFill>
+        <p:spPr>
+          <a:xfrm>
+            <a:off x="10370417" y="3056999"/>
+            <a:ext cx="914400" cy="914400"/>
+          </a:xfrm>
+          <a:prstGeom prst="rect">
+            <a:avLst/>
+          </a:prstGeom>
+        </p:spPr>
+      </p:pic>
+      <p:pic>
+        <p:nvPicPr>
+          <p:cNvPr id="26" name="Grafik 25" descr="Bleistift Silhouette">
+            <a:extLst>
+              <a:ext uri="{FF2B5EF4-FFF2-40B4-BE49-F238E27FC236}">
+                <a16:creationId xmlns:a16="http://schemas.microsoft.com/office/drawing/2014/main" id="{DDA29D81-F120-44A2-86B9-D1EA9C2F9618}"/>
+              </a:ext>
+            </a:extLst>
+          </p:cNvPr>
+          <p:cNvPicPr>
+            <a:picLocks noChangeAspect="1"/>
+          </p:cNvPicPr>
+          <p:nvPr/>
+        </p:nvPicPr>
+        <p:blipFill>
+          <a:blip r:embed="rId8">
+            <a:extLst>
+              <a:ext uri="{96DAC541-7B7A-43D3-8B79-37D633B846F1}">
+                <asvg:svgBlip xmlns:asvg="http://schemas.microsoft.com/office/drawing/2016/SVG/main" r:embed="rId9"/>
+              </a:ext>
+            </a:extLst>
+          </a:blip>
+          <a:stretch>
+            <a:fillRect/>
+          </a:stretch>
+        </p:blipFill>
+        <p:spPr>
+          <a:xfrm>
+            <a:off x="8052956" y="5013256"/>
+            <a:ext cx="780679" cy="780679"/>
+          </a:xfrm>
+          <a:prstGeom prst="rect">
+            <a:avLst/>
+          </a:prstGeom>
+        </p:spPr>
+      </p:pic>
+      <p:pic>
+        <p:nvPicPr>
+          <p:cNvPr id="28" name="Grafik 27" descr="Pfeil: Kurve im Uhrzeigersinn Silhouette">
+            <a:extLst>
+              <a:ext uri="{FF2B5EF4-FFF2-40B4-BE49-F238E27FC236}">
+                <a16:creationId xmlns:a16="http://schemas.microsoft.com/office/drawing/2014/main" id="{84DF8ED1-2E08-4938-ACF2-FD21D86D2611}"/>
+              </a:ext>
+            </a:extLst>
+          </p:cNvPr>
+          <p:cNvPicPr>
+            <a:picLocks noChangeAspect="1"/>
+          </p:cNvPicPr>
+          <p:nvPr/>
+        </p:nvPicPr>
+        <p:blipFill>
+          <a:blip r:embed="rId10">
+            <a:extLst>
+              <a:ext uri="{96DAC541-7B7A-43D3-8B79-37D633B846F1}">
+                <asvg:svgBlip xmlns:asvg="http://schemas.microsoft.com/office/drawing/2016/SVG/main" r:embed="rId11"/>
+              </a:ext>
+            </a:extLst>
+          </a:blip>
+          <a:stretch>
+            <a:fillRect/>
+          </a:stretch>
+        </p:blipFill>
+        <p:spPr>
+          <a:xfrm rot="8613296">
+            <a:off x="2358267" y="2507964"/>
+            <a:ext cx="914400" cy="914400"/>
+          </a:xfrm>
+          <a:prstGeom prst="rect">
+            <a:avLst/>
+          </a:prstGeom>
+        </p:spPr>
+      </p:pic>
+      <p:pic>
+        <p:nvPicPr>
+          <p:cNvPr id="29" name="Grafik 28" descr="Pfeil: Kurve im Uhrzeigersinn Silhouette">
+            <a:extLst>
+              <a:ext uri="{FF2B5EF4-FFF2-40B4-BE49-F238E27FC236}">
+                <a16:creationId xmlns:a16="http://schemas.microsoft.com/office/drawing/2014/main" id="{92B03901-FD37-48C4-A830-89A6139D5DE4}"/>
+              </a:ext>
+            </a:extLst>
+          </p:cNvPr>
+          <p:cNvPicPr>
+            <a:picLocks noChangeAspect="1"/>
+          </p:cNvPicPr>
+          <p:nvPr/>
+        </p:nvPicPr>
+        <p:blipFill>
+          <a:blip r:embed="rId10">
+            <a:extLst>
+              <a:ext uri="{96DAC541-7B7A-43D3-8B79-37D633B846F1}">
+                <asvg:svgBlip xmlns:asvg="http://schemas.microsoft.com/office/drawing/2016/SVG/main" r:embed="rId11"/>
+              </a:ext>
+            </a:extLst>
+          </a:blip>
+          <a:stretch>
+            <a:fillRect/>
+          </a:stretch>
+        </p:blipFill>
+        <p:spPr>
+          <a:xfrm rot="4341906">
+            <a:off x="4438592" y="2549980"/>
+            <a:ext cx="914400" cy="914400"/>
+          </a:xfrm>
+          <a:prstGeom prst="rect">
+            <a:avLst/>
+          </a:prstGeom>
+        </p:spPr>
+      </p:pic>
+      <p:pic>
+        <p:nvPicPr>
+          <p:cNvPr id="30" name="Grafik 29" descr="Pfeil: Kurve im Uhrzeigersinn Silhouette">
+            <a:extLst>
+              <a:ext uri="{FF2B5EF4-FFF2-40B4-BE49-F238E27FC236}">
+                <a16:creationId xmlns:a16="http://schemas.microsoft.com/office/drawing/2014/main" id="{BFD57181-C7D2-4DF8-863B-6CEE16BF55B0}"/>
+              </a:ext>
+            </a:extLst>
+          </p:cNvPr>
+          <p:cNvPicPr>
+            <a:picLocks noChangeAspect="1"/>
+          </p:cNvPicPr>
+          <p:nvPr/>
+        </p:nvPicPr>
+        <p:blipFill>
+          <a:blip r:embed="rId10">
+            <a:extLst>
+              <a:ext uri="{96DAC541-7B7A-43D3-8B79-37D633B846F1}">
+                <asvg:svgBlip xmlns:asvg="http://schemas.microsoft.com/office/drawing/2016/SVG/main" r:embed="rId11"/>
+              </a:ext>
+            </a:extLst>
+          </a:blip>
+          <a:stretch>
+            <a:fillRect/>
+          </a:stretch>
+        </p:blipFill>
+        <p:spPr>
+          <a:xfrm rot="8613296">
+            <a:off x="6870333" y="2514597"/>
+            <a:ext cx="914400" cy="914400"/>
+          </a:xfrm>
+          <a:prstGeom prst="rect">
+            <a:avLst/>
+          </a:prstGeom>
+        </p:spPr>
+      </p:pic>
+      <p:pic>
+        <p:nvPicPr>
+          <p:cNvPr id="31" name="Grafik 30" descr="Pfeil: Kurve im Uhrzeigersinn Silhouette">
+            <a:extLst>
+              <a:ext uri="{FF2B5EF4-FFF2-40B4-BE49-F238E27FC236}">
+                <a16:creationId xmlns:a16="http://schemas.microsoft.com/office/drawing/2014/main" id="{2C4540EB-88EF-4652-9F95-E521CAFAC495}"/>
+              </a:ext>
+            </a:extLst>
+          </p:cNvPr>
+          <p:cNvPicPr>
+            <a:picLocks noChangeAspect="1"/>
+          </p:cNvPicPr>
+          <p:nvPr/>
+        </p:nvPicPr>
+        <p:blipFill>
+          <a:blip r:embed="rId10">
+            <a:extLst>
+              <a:ext uri="{96DAC541-7B7A-43D3-8B79-37D633B846F1}">
+                <asvg:svgBlip xmlns:asvg="http://schemas.microsoft.com/office/drawing/2016/SVG/main" r:embed="rId11"/>
+              </a:ext>
+            </a:extLst>
+          </a:blip>
+          <a:stretch>
+            <a:fillRect/>
+          </a:stretch>
+        </p:blipFill>
+        <p:spPr>
+          <a:xfrm rot="4341906">
+            <a:off x="8915482" y="2519591"/>
+            <a:ext cx="914400" cy="914400"/>
+          </a:xfrm>
+          <a:prstGeom prst="rect">
+            <a:avLst/>
+          </a:prstGeom>
+        </p:spPr>
+      </p:pic>
     </p:spTree>
     <p:extLst>
       <p:ext uri="{BB962C8B-B14F-4D97-AF65-F5344CB8AC3E}">
